--- a/doc/Rapport_Devoir3.pptx
+++ b/doc/Rapport_Devoir3.pptx
@@ -915,7 +915,7 @@
           <a:p>
             <a:fld id="{536D1BE0-9163-4941-8556-7FE0B29195A4}" type="datetimeFigureOut">
               <a:rPr lang="en-GB" smtClean="0"/>
-              <a:t>17/03/2025</a:t>
+              <a:t>19/03/2025</a:t>
             </a:fld>
             <a:endParaRPr lang="en-GB"/>
           </a:p>
@@ -1332,7 +1332,7 @@
           <a:p>
             <a:fld id="{CEFDEF93-0E3A-4A89-BC16-F38BAE82060D}" type="datetimeFigureOut">
               <a:rPr lang="en-GB" smtClean="0"/>
-              <a:t>17/03/2025</a:t>
+              <a:t>19/03/2025</a:t>
             </a:fld>
             <a:endParaRPr lang="en-GB"/>
           </a:p>
@@ -1532,7 +1532,7 @@
           <a:p>
             <a:fld id="{CEFDEF93-0E3A-4A89-BC16-F38BAE82060D}" type="datetimeFigureOut">
               <a:rPr lang="en-GB" smtClean="0"/>
-              <a:t>17/03/2025</a:t>
+              <a:t>19/03/2025</a:t>
             </a:fld>
             <a:endParaRPr lang="en-GB"/>
           </a:p>
@@ -1742,7 +1742,7 @@
           <a:p>
             <a:fld id="{CEFDEF93-0E3A-4A89-BC16-F38BAE82060D}" type="datetimeFigureOut">
               <a:rPr lang="en-GB" smtClean="0"/>
-              <a:t>17/03/2025</a:t>
+              <a:t>19/03/2025</a:t>
             </a:fld>
             <a:endParaRPr lang="en-GB"/>
           </a:p>
@@ -1942,7 +1942,7 @@
           <a:p>
             <a:fld id="{CEFDEF93-0E3A-4A89-BC16-F38BAE82060D}" type="datetimeFigureOut">
               <a:rPr lang="en-GB" smtClean="0"/>
-              <a:t>17/03/2025</a:t>
+              <a:t>19/03/2025</a:t>
             </a:fld>
             <a:endParaRPr lang="en-GB"/>
           </a:p>
@@ -2218,7 +2218,7 @@
           <a:p>
             <a:fld id="{CEFDEF93-0E3A-4A89-BC16-F38BAE82060D}" type="datetimeFigureOut">
               <a:rPr lang="en-GB" smtClean="0"/>
-              <a:t>17/03/2025</a:t>
+              <a:t>19/03/2025</a:t>
             </a:fld>
             <a:endParaRPr lang="en-GB"/>
           </a:p>
@@ -2486,7 +2486,7 @@
           <a:p>
             <a:fld id="{CEFDEF93-0E3A-4A89-BC16-F38BAE82060D}" type="datetimeFigureOut">
               <a:rPr lang="en-GB" smtClean="0"/>
-              <a:t>17/03/2025</a:t>
+              <a:t>19/03/2025</a:t>
             </a:fld>
             <a:endParaRPr lang="en-GB"/>
           </a:p>
@@ -2901,7 +2901,7 @@
           <a:p>
             <a:fld id="{CEFDEF93-0E3A-4A89-BC16-F38BAE82060D}" type="datetimeFigureOut">
               <a:rPr lang="en-GB" smtClean="0"/>
-              <a:t>17/03/2025</a:t>
+              <a:t>19/03/2025</a:t>
             </a:fld>
             <a:endParaRPr lang="en-GB"/>
           </a:p>
@@ -3043,7 +3043,7 @@
           <a:p>
             <a:fld id="{CEFDEF93-0E3A-4A89-BC16-F38BAE82060D}" type="datetimeFigureOut">
               <a:rPr lang="en-GB" smtClean="0"/>
-              <a:t>17/03/2025</a:t>
+              <a:t>19/03/2025</a:t>
             </a:fld>
             <a:endParaRPr lang="en-GB"/>
           </a:p>
@@ -3156,7 +3156,7 @@
           <a:p>
             <a:fld id="{CEFDEF93-0E3A-4A89-BC16-F38BAE82060D}" type="datetimeFigureOut">
               <a:rPr lang="en-GB" smtClean="0"/>
-              <a:t>17/03/2025</a:t>
+              <a:t>19/03/2025</a:t>
             </a:fld>
             <a:endParaRPr lang="en-GB"/>
           </a:p>
@@ -3469,7 +3469,7 @@
           <a:p>
             <a:fld id="{CEFDEF93-0E3A-4A89-BC16-F38BAE82060D}" type="datetimeFigureOut">
               <a:rPr lang="en-GB" smtClean="0"/>
-              <a:t>17/03/2025</a:t>
+              <a:t>19/03/2025</a:t>
             </a:fld>
             <a:endParaRPr lang="en-GB"/>
           </a:p>
@@ -3758,7 +3758,7 @@
           <a:p>
             <a:fld id="{CEFDEF93-0E3A-4A89-BC16-F38BAE82060D}" type="datetimeFigureOut">
               <a:rPr lang="en-GB" smtClean="0"/>
-              <a:t>17/03/2025</a:t>
+              <a:t>19/03/2025</a:t>
             </a:fld>
             <a:endParaRPr lang="en-GB"/>
           </a:p>
@@ -4001,7 +4001,7 @@
           <a:p>
             <a:fld id="{CEFDEF93-0E3A-4A89-BC16-F38BAE82060D}" type="datetimeFigureOut">
               <a:rPr lang="en-GB" smtClean="0"/>
-              <a:t>17/03/2025</a:t>
+              <a:t>19/03/2025</a:t>
             </a:fld>
             <a:endParaRPr lang="en-GB"/>
           </a:p>
@@ -5238,8 +5238,8 @@
           </a:p>
         </p:txBody>
       </p:sp>
-      <mc:AlternateContent xmlns:mc="http://schemas.openxmlformats.org/markup-compatibility/2006">
-        <mc:Choice xmlns:a14="http://schemas.microsoft.com/office/drawing/2010/main" Requires="a14">
+      <mc:AlternateContent xmlns:mc="http://schemas.openxmlformats.org/markup-compatibility/2006" xmlns:a14="http://schemas.microsoft.com/office/drawing/2010/main">
+        <mc:Choice Requires="a14">
           <p:sp>
             <p:nvSpPr>
               <p:cNvPr id="6" name="TextBox 5">
@@ -5550,7 +5550,7 @@
             </p:txBody>
           </p:sp>
         </mc:Choice>
-        <mc:Fallback>
+        <mc:Fallback xmlns="">
           <p:sp>
             <p:nvSpPr>
               <p:cNvPr id="6" name="TextBox 5">
@@ -5595,8 +5595,8 @@
           </p:sp>
         </mc:Fallback>
       </mc:AlternateContent>
-      <mc:AlternateContent xmlns:mc="http://schemas.openxmlformats.org/markup-compatibility/2006">
-        <mc:Choice xmlns:a14="http://schemas.microsoft.com/office/drawing/2010/main" Requires="a14">
+      <mc:AlternateContent xmlns:mc="http://schemas.openxmlformats.org/markup-compatibility/2006" xmlns:a14="http://schemas.microsoft.com/office/drawing/2010/main">
+        <mc:Choice Requires="a14">
           <p:sp>
             <p:nvSpPr>
               <p:cNvPr id="19" name="TextBox 18">
@@ -5720,7 +5720,7 @@
             </p:txBody>
           </p:sp>
         </mc:Choice>
-        <mc:Fallback>
+        <mc:Fallback xmlns="">
           <p:sp>
             <p:nvSpPr>
               <p:cNvPr id="19" name="TextBox 18">
@@ -5780,7 +5780,7 @@
         <p:spPr>
           <a:xfrm>
             <a:off x="0" y="3264210"/>
-            <a:ext cx="7832309" cy="1200329"/>
+            <a:ext cx="7832309" cy="1477328"/>
           </a:xfrm>
           <a:prstGeom prst="rect">
             <a:avLst/>
@@ -5850,7 +5850,7 @@
                 <a:latin typeface="Times New Roman" panose="02020603050405020304" pitchFamily="18" charset="0"/>
                 <a:cs typeface="Times New Roman" panose="02020603050405020304" pitchFamily="18" charset="0"/>
               </a:rPr>
-              <a:t>. La première variable étant déjà dans le script donné, nous nous intéresserons donc en particulier aux deux autres. Ces dernières sont définies comme des </a:t>
+              <a:t>. La première variable étant déjà dans le script fourni, nous nous intéresserons donc en particulier aux deux autres. Ces dernières sont définies comme des </a:t>
             </a:r>
             <a:r>
               <a:rPr lang="fr-FR" b="1" dirty="0">
@@ -5885,14 +5885,14 @@
                 <a:latin typeface="Times New Roman" panose="02020603050405020304" pitchFamily="18" charset="0"/>
                 <a:cs typeface="Times New Roman" panose="02020603050405020304" pitchFamily="18" charset="0"/>
               </a:rPr>
-              <a:t>loi normale </a:t>
+              <a:t>loi normale. </a:t>
             </a:r>
             <a:r>
               <a:rPr lang="fr-FR" dirty="0">
                 <a:latin typeface="Times New Roman" panose="02020603050405020304" pitchFamily="18" charset="0"/>
                 <a:cs typeface="Times New Roman" panose="02020603050405020304" pitchFamily="18" charset="0"/>
               </a:rPr>
-              <a:t>tel que donné :  </a:t>
+              <a:t>Les densités de probabilités ont été définies à l’aide de la méthode LHS :</a:t>
             </a:r>
           </a:p>
         </p:txBody>
@@ -5924,7 +5924,7 @@
         </p:blipFill>
         <p:spPr>
           <a:xfrm>
-            <a:off x="0" y="4540790"/>
+            <a:off x="0" y="4737436"/>
             <a:ext cx="4210623" cy="1264593"/>
           </a:xfrm>
           <a:prstGeom prst="rect">
@@ -5959,7 +5959,7 @@
         </p:blipFill>
         <p:spPr>
           <a:xfrm>
-            <a:off x="3990688" y="4708103"/>
+            <a:off x="3990688" y="4904749"/>
             <a:ext cx="4210623" cy="1097280"/>
           </a:xfrm>
           <a:prstGeom prst="rect">
@@ -5994,7 +5994,7 @@
         </p:blipFill>
         <p:spPr>
           <a:xfrm>
-            <a:off x="7981379" y="4708103"/>
+            <a:off x="7981379" y="4904749"/>
             <a:ext cx="4210623" cy="1295923"/>
           </a:xfrm>
           <a:prstGeom prst="rect">
@@ -6018,7 +6018,7 @@
             </p:nvSpPr>
             <p:spPr>
               <a:xfrm>
-                <a:off x="-3" y="5805383"/>
+                <a:off x="-3" y="5972531"/>
                 <a:ext cx="12192002" cy="369332"/>
               </a:xfrm>
               <a:prstGeom prst="rect">
@@ -6131,7 +6131,7 @@
             </p:nvSpPr>
             <p:spPr>
               <a:xfrm>
-                <a:off x="-3" y="5805383"/>
+                <a:off x="-3" y="5972531"/>
                 <a:ext cx="12192002" cy="369332"/>
               </a:xfrm>
               <a:prstGeom prst="rect">
@@ -6140,7 +6140,7 @@
               <a:blipFill>
                 <a:blip r:embed="rId6"/>
                 <a:stretch>
-                  <a:fillRect l="-400" t="-8197" b="-24590"/>
+                  <a:fillRect l="-400" t="-10000" b="-26667"/>
                 </a:stretch>
               </a:blipFill>
             </p:spPr>
@@ -6149,7 +6149,7 @@
               <a:lstStyle/>
               <a:p>
                 <a:r>
-                  <a:rPr lang="en-GB">
+                  <a:rPr lang="fr-FR">
                     <a:noFill/>
                   </a:rPr>
                   <a:t> </a:t>
@@ -6544,7 +6544,7 @@
             <p:spPr>
               <a:xfrm>
                 <a:off x="0" y="627468"/>
-                <a:ext cx="6095999" cy="4247317"/>
+                <a:ext cx="6095999" cy="4524315"/>
               </a:xfrm>
               <a:prstGeom prst="rect">
                 <a:avLst/>
@@ -6602,7 +6602,7 @@
                     <a:latin typeface="Times New Roman" panose="02020603050405020304" pitchFamily="18" charset="0"/>
                     <a:cs typeface="Times New Roman" panose="02020603050405020304" pitchFamily="18" charset="0"/>
                   </a:rPr>
-                  <a:t> au travers d’une vérification de solution. Pour ce faire, nous allons procéder à un raffinement de maillages successifs en retenant les valeurs de plusieurs </a:t>
+                  <a:t> au travers d’une vérification de solution. Pour ce faire, nous allons procéder à des raffinements de maillage successifs en retenant les valeurs de plusieurs </a:t>
                 </a:r>
                 <a:r>
                   <a:rPr lang="fr-FR" b="1" dirty="0">
@@ -6633,7 +6633,7 @@
                     <a:latin typeface="Times New Roman" panose="02020603050405020304" pitchFamily="18" charset="0"/>
                     <a:cs typeface="Times New Roman" panose="02020603050405020304" pitchFamily="18" charset="0"/>
                   </a:rPr>
-                  <a:t>, mais également des SRQ secondaires tel que </a:t>
+                  <a:t>, mais également des SRQ secondaires telles que </a:t>
                 </a:r>
                 <a14:m>
                   <m:oMath xmlns:m="http://schemas.openxmlformats.org/officeDocument/2006/math">
@@ -6807,7 +6807,7 @@
                     <a:latin typeface="Times New Roman" panose="02020603050405020304" pitchFamily="18" charset="0"/>
                     <a:cs typeface="Times New Roman" panose="02020603050405020304" pitchFamily="18" charset="0"/>
                   </a:rPr>
-                  <a:t> constat également, égale à 3.  On remarque avec cette figure que nous commençant véritablement à converger à partir de </a:t>
+                  <a:t> constant également, égale à 3.  On remarque avec cette figure que nous commençons véritablement à converger à partir de </a:t>
                 </a:r>
                 <a14:m>
                   <m:oMath xmlns:m="http://schemas.openxmlformats.org/officeDocument/2006/math">
@@ -6969,7 +6969,7 @@
             <p:spPr>
               <a:xfrm>
                 <a:off x="0" y="627468"/>
-                <a:ext cx="6095999" cy="4247317"/>
+                <a:ext cx="6095999" cy="4524315"/>
               </a:xfrm>
               <a:prstGeom prst="rect">
                 <a:avLst/>
@@ -6977,7 +6977,7 @@
               <a:blipFill>
                 <a:blip r:embed="rId3"/>
                 <a:stretch>
-                  <a:fillRect l="-800" t="-861" r="-800" b="-1291"/>
+                  <a:fillRect l="-800" t="-809" r="-800" b="-1213"/>
                 </a:stretch>
               </a:blipFill>
             </p:spPr>
@@ -6986,7 +6986,7 @@
               <a:lstStyle/>
               <a:p>
                 <a:r>
-                  <a:rPr lang="en-GB">
+                  <a:rPr lang="fr-FR">
                     <a:noFill/>
                   </a:rPr>
                   <a:t> </a:t>
@@ -6996,8 +6996,8 @@
           </p:sp>
         </mc:Fallback>
       </mc:AlternateContent>
-      <mc:AlternateContent xmlns:mc="http://schemas.openxmlformats.org/markup-compatibility/2006">
-        <mc:Choice xmlns:a14="http://schemas.microsoft.com/office/drawing/2010/main" Requires="a14">
+      <mc:AlternateContent xmlns:mc="http://schemas.openxmlformats.org/markup-compatibility/2006" xmlns:a14="http://schemas.microsoft.com/office/drawing/2010/main">
+        <mc:Choice Requires="a14">
           <p:sp>
             <p:nvSpPr>
               <p:cNvPr id="4" name="TextBox 3">
@@ -7537,7 +7537,7 @@
             </p:txBody>
           </p:sp>
         </mc:Choice>
-        <mc:Fallback>
+        <mc:Fallback xmlns="">
           <p:sp>
             <p:nvSpPr>
               <p:cNvPr id="4" name="TextBox 3">
@@ -7582,8 +7582,8 @@
           </p:sp>
         </mc:Fallback>
       </mc:AlternateContent>
-      <mc:AlternateContent xmlns:mc="http://schemas.openxmlformats.org/markup-compatibility/2006">
-        <mc:Choice xmlns:a14="http://schemas.microsoft.com/office/drawing/2010/main" Requires="a14">
+      <mc:AlternateContent xmlns:mc="http://schemas.openxmlformats.org/markup-compatibility/2006" xmlns:a14="http://schemas.microsoft.com/office/drawing/2010/main">
+        <mc:Choice Requires="a14">
           <p:sp>
             <p:nvSpPr>
               <p:cNvPr id="5" name="TextBox 4">
@@ -7708,7 +7708,7 @@
             </p:txBody>
           </p:sp>
         </mc:Choice>
-        <mc:Fallback>
+        <mc:Fallback xmlns="">
           <p:sp>
             <p:nvSpPr>
               <p:cNvPr id="5" name="TextBox 4">
@@ -7981,8 +7981,8 @@
           </a:p>
         </p:txBody>
       </p:sp>
-      <mc:AlternateContent xmlns:mc="http://schemas.openxmlformats.org/markup-compatibility/2006">
-        <mc:Choice xmlns:a14="http://schemas.microsoft.com/office/drawing/2010/main" Requires="a14">
+      <mc:AlternateContent xmlns:mc="http://schemas.openxmlformats.org/markup-compatibility/2006" xmlns:a14="http://schemas.microsoft.com/office/drawing/2010/main">
+        <mc:Choice Requires="a14">
           <p:sp>
             <p:nvSpPr>
               <p:cNvPr id="6" name="TextBox 5">
@@ -8359,14 +8359,7 @@
                         <a:latin typeface="Cambria Math" panose="02040503050406030204" pitchFamily="18" charset="0"/>
                         <a:cs typeface="Times New Roman" panose="02020603050405020304" pitchFamily="18" charset="0"/>
                       </a:rPr>
-                      <m:t>=</m:t>
-                    </m:r>
-                    <m:r>
-                      <a:rPr lang="fr-FR" i="1">
-                        <a:latin typeface="Cambria Math" panose="02040503050406030204" pitchFamily="18" charset="0"/>
-                        <a:cs typeface="Times New Roman" panose="02020603050405020304" pitchFamily="18" charset="0"/>
-                      </a:rPr>
-                      <m:t>1.443</m:t>
+                      <m:t>=1.443</m:t>
                     </m:r>
                   </m:oMath>
                 </a14:m>
@@ -8694,7 +8687,7 @@
             </p:txBody>
           </p:sp>
         </mc:Choice>
-        <mc:Fallback>
+        <mc:Fallback xmlns="">
           <p:sp>
             <p:nvSpPr>
               <p:cNvPr id="6" name="TextBox 5">
@@ -8797,7 +8790,7 @@
             <p:spPr>
               <a:xfrm>
                 <a:off x="6289390" y="627467"/>
-                <a:ext cx="5902610" cy="2308324"/>
+                <a:ext cx="5902610" cy="2031325"/>
               </a:xfrm>
               <a:prstGeom prst="rect">
                 <a:avLst/>
@@ -8841,7 +8834,7 @@
                     <a:latin typeface="Times New Roman" panose="02020603050405020304" pitchFamily="18" charset="0"/>
                     <a:cs typeface="Times New Roman" panose="02020603050405020304" pitchFamily="18" charset="0"/>
                   </a:rPr>
-                  <a:t> dans le script. Néanmoins, comme renvoyée par la fonction LBM, ce n’est pas exactement cette valeur qui est obtenus une fois le maillage généré.  </a:t>
+                  <a:t> dans le script. Néanmoins, comme renvoyée par la fonction LBM, ce n’est pas exactement cette valeur qui est obtenue une fois le maillage généré.  </a:t>
                 </a:r>
               </a:p>
               <a:p>
@@ -8858,25 +8851,7 @@
                     <a:latin typeface="Times New Roman" panose="02020603050405020304" pitchFamily="18" charset="0"/>
                     <a:cs typeface="Times New Roman" panose="02020603050405020304" pitchFamily="18" charset="0"/>
                   </a:rPr>
-                  <a:t>La convergence asymptotique à pu montrer qu’à mesure que l’on raffinait le maillage, nous avions une valeur qui convergé de plus en plus vers </a:t>
-                </a:r>
-                <a14:m>
-                  <m:oMath xmlns:m="http://schemas.openxmlformats.org/officeDocument/2006/math">
-                    <m:r>
-                      <a:rPr lang="fr-FR" b="0" i="1" smtClean="0">
-                        <a:latin typeface="Cambria Math" panose="02040503050406030204" pitchFamily="18" charset="0"/>
-                        <a:cs typeface="Times New Roman" panose="02020603050405020304" pitchFamily="18" charset="0"/>
-                      </a:rPr>
-                      <m:t>0.9</m:t>
-                    </m:r>
-                  </m:oMath>
-                </a14:m>
-                <a:r>
-                  <a:rPr lang="fr-FR" dirty="0">
-                    <a:latin typeface="Times New Roman" panose="02020603050405020304" pitchFamily="18" charset="0"/>
-                    <a:cs typeface="Times New Roman" panose="02020603050405020304" pitchFamily="18" charset="0"/>
-                  </a:rPr>
-                  <a:t>. </a:t>
+                  <a:t>La convergence asymptotique nous a montré la valeur de la porosité tend vers 0,9 avec le raffinement du maillage.</a:t>
                 </a:r>
               </a:p>
             </p:txBody>
@@ -8900,7 +8875,7 @@
             <p:spPr>
               <a:xfrm>
                 <a:off x="6289390" y="627467"/>
-                <a:ext cx="5902610" cy="2308324"/>
+                <a:ext cx="5902610" cy="2031325"/>
               </a:xfrm>
               <a:prstGeom prst="rect">
                 <a:avLst/>
@@ -8908,7 +8883,7 @@
               <a:blipFill>
                 <a:blip r:embed="rId3"/>
                 <a:stretch>
-                  <a:fillRect l="-930" t="-1583" r="-826" b="-3166"/>
+                  <a:fillRect l="-930" t="-1802" r="-826" b="-3904"/>
                 </a:stretch>
               </a:blipFill>
             </p:spPr>
@@ -8917,7 +8892,7 @@
               <a:lstStyle/>
               <a:p>
                 <a:r>
-                  <a:rPr lang="en-GB">
+                  <a:rPr lang="fr-FR">
                     <a:noFill/>
                   </a:rPr>
                   <a:t> </a:t>
@@ -9361,8 +9336,8 @@
           </a:p>
         </p:txBody>
       </p:sp>
-      <mc:AlternateContent xmlns:mc="http://schemas.openxmlformats.org/markup-compatibility/2006">
-        <mc:Choice xmlns:a14="http://schemas.microsoft.com/office/drawing/2010/main" Requires="a14">
+      <mc:AlternateContent xmlns:mc="http://schemas.openxmlformats.org/markup-compatibility/2006" xmlns:a14="http://schemas.microsoft.com/office/drawing/2010/main">
+        <mc:Choice Requires="a14">
           <p:sp>
             <p:nvSpPr>
               <p:cNvPr id="2" name="TextBox 1">
@@ -9673,7 +9648,7 @@
             </p:txBody>
           </p:sp>
         </mc:Choice>
-        <mc:Fallback>
+        <mc:Fallback xmlns="">
           <p:sp>
             <p:nvSpPr>
               <p:cNvPr id="2" name="TextBox 1">
@@ -10095,8 +10070,8 @@
           </a:p>
         </p:txBody>
       </p:sp>
-      <mc:AlternateContent xmlns:mc="http://schemas.openxmlformats.org/markup-compatibility/2006">
-        <mc:Choice xmlns:a14="http://schemas.microsoft.com/office/drawing/2010/main" Requires="a14">
+      <mc:AlternateContent xmlns:mc="http://schemas.openxmlformats.org/markup-compatibility/2006" xmlns:a14="http://schemas.microsoft.com/office/drawing/2010/main">
+        <mc:Choice Requires="a14">
           <p:sp>
             <p:nvSpPr>
               <p:cNvPr id="2" name="TextBox 1">
@@ -10672,14 +10647,7 @@
                         <a:latin typeface="Cambria Math" panose="02040503050406030204" pitchFamily="18" charset="0"/>
                         <a:cs typeface="Times New Roman" panose="02020603050405020304" pitchFamily="18" charset="0"/>
                       </a:rPr>
-                      <m:t>=</m:t>
-                    </m:r>
-                    <m:r>
-                      <a:rPr lang="fr-FR" i="1">
-                        <a:latin typeface="Cambria Math" panose="02040503050406030204" pitchFamily="18" charset="0"/>
-                        <a:cs typeface="Times New Roman" panose="02020603050405020304" pitchFamily="18" charset="0"/>
-                      </a:rPr>
-                      <m:t>3.103</m:t>
+                      <m:t>=3.103</m:t>
                     </m:r>
                     <m:r>
                       <a:rPr lang="fr-FR" b="0" i="1" smtClean="0">
@@ -11047,7 +11015,7 @@
             </p:txBody>
           </p:sp>
         </mc:Choice>
-        <mc:Fallback>
+        <mc:Fallback xmlns="">
           <p:sp>
             <p:nvSpPr>
               <p:cNvPr id="2" name="TextBox 1">
@@ -11424,8 +11392,8 @@
           </a:p>
         </p:txBody>
       </p:sp>
-      <mc:AlternateContent xmlns:mc="http://schemas.openxmlformats.org/markup-compatibility/2006">
-        <mc:Choice xmlns:a14="http://schemas.microsoft.com/office/drawing/2010/main" Requires="a14">
+      <mc:AlternateContent xmlns:mc="http://schemas.openxmlformats.org/markup-compatibility/2006" xmlns:a14="http://schemas.microsoft.com/office/drawing/2010/main">
+        <mc:Choice Requires="a14">
           <p:sp>
             <p:nvSpPr>
               <p:cNvPr id="2" name="TextBox 1">
@@ -12076,7 +12044,7 @@
             </p:txBody>
           </p:sp>
         </mc:Choice>
-        <mc:Fallback>
+        <mc:Fallback xmlns="">
           <p:sp>
             <p:nvSpPr>
               <p:cNvPr id="2" name="TextBox 1">
@@ -12349,8 +12317,8 @@
           </a:p>
         </p:txBody>
       </p:sp>
-      <mc:AlternateContent xmlns:mc="http://schemas.openxmlformats.org/markup-compatibility/2006">
-        <mc:Choice xmlns:a14="http://schemas.microsoft.com/office/drawing/2010/main" Requires="a14">
+      <mc:AlternateContent xmlns:mc="http://schemas.openxmlformats.org/markup-compatibility/2006" xmlns:a14="http://schemas.microsoft.com/office/drawing/2010/main">
+        <mc:Choice Requires="a14">
           <p:sp>
             <p:nvSpPr>
               <p:cNvPr id="2" name="TextBox 1">
@@ -13408,7 +13376,7 @@
             </p:txBody>
           </p:sp>
         </mc:Choice>
-        <mc:Fallback>
+        <mc:Fallback xmlns="">
           <p:sp>
             <p:nvSpPr>
               <p:cNvPr id="2" name="TextBox 1">
@@ -13681,8 +13649,8 @@
           </a:p>
         </p:txBody>
       </p:sp>
-      <mc:AlternateContent xmlns:mc="http://schemas.openxmlformats.org/markup-compatibility/2006">
-        <mc:Choice xmlns:a14="http://schemas.microsoft.com/office/drawing/2010/main" Requires="a14">
+      <mc:AlternateContent xmlns:mc="http://schemas.openxmlformats.org/markup-compatibility/2006" xmlns:a14="http://schemas.microsoft.com/office/drawing/2010/main">
+        <mc:Choice Requires="a14">
           <p:sp>
             <p:nvSpPr>
               <p:cNvPr id="2" name="TextBox 1">
@@ -13726,7 +13694,7 @@
                         <m:begChr m:val="|"/>
                         <m:endChr m:val="|"/>
                         <m:ctrlPr>
-                          <a:rPr lang="fr-FR" sz="1800" b="0" i="0" smtClean="0">
+                          <a:rPr lang="fr-FR" sz="1800" b="0" i="1" smtClean="0">
                             <a:latin typeface="Cambria Math" panose="02040503050406030204" pitchFamily="18" charset="0"/>
                             <a:cs typeface="Times New Roman" panose="02020603050405020304" pitchFamily="18" charset="0"/>
                           </a:rPr>
@@ -13896,7 +13864,7 @@
             </p:txBody>
           </p:sp>
         </mc:Choice>
-        <mc:Fallback>
+        <mc:Fallback xmlns="">
           <p:sp>
             <p:nvSpPr>
               <p:cNvPr id="2" name="TextBox 1">

--- a/doc/Rapport_Devoir3.pptx
+++ b/doc/Rapport_Devoir3.pptx
@@ -915,7 +915,7 @@
           <a:p>
             <a:fld id="{536D1BE0-9163-4941-8556-7FE0B29195A4}" type="datetimeFigureOut">
               <a:rPr lang="en-GB" smtClean="0"/>
-              <a:t>19/03/2025</a:t>
+              <a:t>21/03/2025</a:t>
             </a:fld>
             <a:endParaRPr lang="en-GB"/>
           </a:p>
@@ -1332,7 +1332,7 @@
           <a:p>
             <a:fld id="{CEFDEF93-0E3A-4A89-BC16-F38BAE82060D}" type="datetimeFigureOut">
               <a:rPr lang="en-GB" smtClean="0"/>
-              <a:t>19/03/2025</a:t>
+              <a:t>21/03/2025</a:t>
             </a:fld>
             <a:endParaRPr lang="en-GB"/>
           </a:p>
@@ -1532,7 +1532,7 @@
           <a:p>
             <a:fld id="{CEFDEF93-0E3A-4A89-BC16-F38BAE82060D}" type="datetimeFigureOut">
               <a:rPr lang="en-GB" smtClean="0"/>
-              <a:t>19/03/2025</a:t>
+              <a:t>21/03/2025</a:t>
             </a:fld>
             <a:endParaRPr lang="en-GB"/>
           </a:p>
@@ -1742,7 +1742,7 @@
           <a:p>
             <a:fld id="{CEFDEF93-0E3A-4A89-BC16-F38BAE82060D}" type="datetimeFigureOut">
               <a:rPr lang="en-GB" smtClean="0"/>
-              <a:t>19/03/2025</a:t>
+              <a:t>21/03/2025</a:t>
             </a:fld>
             <a:endParaRPr lang="en-GB"/>
           </a:p>
@@ -1942,7 +1942,7 @@
           <a:p>
             <a:fld id="{CEFDEF93-0E3A-4A89-BC16-F38BAE82060D}" type="datetimeFigureOut">
               <a:rPr lang="en-GB" smtClean="0"/>
-              <a:t>19/03/2025</a:t>
+              <a:t>21/03/2025</a:t>
             </a:fld>
             <a:endParaRPr lang="en-GB"/>
           </a:p>
@@ -2218,7 +2218,7 @@
           <a:p>
             <a:fld id="{CEFDEF93-0E3A-4A89-BC16-F38BAE82060D}" type="datetimeFigureOut">
               <a:rPr lang="en-GB" smtClean="0"/>
-              <a:t>19/03/2025</a:t>
+              <a:t>21/03/2025</a:t>
             </a:fld>
             <a:endParaRPr lang="en-GB"/>
           </a:p>
@@ -2486,7 +2486,7 @@
           <a:p>
             <a:fld id="{CEFDEF93-0E3A-4A89-BC16-F38BAE82060D}" type="datetimeFigureOut">
               <a:rPr lang="en-GB" smtClean="0"/>
-              <a:t>19/03/2025</a:t>
+              <a:t>21/03/2025</a:t>
             </a:fld>
             <a:endParaRPr lang="en-GB"/>
           </a:p>
@@ -2901,7 +2901,7 @@
           <a:p>
             <a:fld id="{CEFDEF93-0E3A-4A89-BC16-F38BAE82060D}" type="datetimeFigureOut">
               <a:rPr lang="en-GB" smtClean="0"/>
-              <a:t>19/03/2025</a:t>
+              <a:t>21/03/2025</a:t>
             </a:fld>
             <a:endParaRPr lang="en-GB"/>
           </a:p>
@@ -3043,7 +3043,7 @@
           <a:p>
             <a:fld id="{CEFDEF93-0E3A-4A89-BC16-F38BAE82060D}" type="datetimeFigureOut">
               <a:rPr lang="en-GB" smtClean="0"/>
-              <a:t>19/03/2025</a:t>
+              <a:t>21/03/2025</a:t>
             </a:fld>
             <a:endParaRPr lang="en-GB"/>
           </a:p>
@@ -3156,7 +3156,7 @@
           <a:p>
             <a:fld id="{CEFDEF93-0E3A-4A89-BC16-F38BAE82060D}" type="datetimeFigureOut">
               <a:rPr lang="en-GB" smtClean="0"/>
-              <a:t>19/03/2025</a:t>
+              <a:t>21/03/2025</a:t>
             </a:fld>
             <a:endParaRPr lang="en-GB"/>
           </a:p>
@@ -3469,7 +3469,7 @@
           <a:p>
             <a:fld id="{CEFDEF93-0E3A-4A89-BC16-F38BAE82060D}" type="datetimeFigureOut">
               <a:rPr lang="en-GB" smtClean="0"/>
-              <a:t>19/03/2025</a:t>
+              <a:t>21/03/2025</a:t>
             </a:fld>
             <a:endParaRPr lang="en-GB"/>
           </a:p>
@@ -3758,7 +3758,7 @@
           <a:p>
             <a:fld id="{CEFDEF93-0E3A-4A89-BC16-F38BAE82060D}" type="datetimeFigureOut">
               <a:rPr lang="en-GB" smtClean="0"/>
-              <a:t>19/03/2025</a:t>
+              <a:t>21/03/2025</a:t>
             </a:fld>
             <a:endParaRPr lang="en-GB"/>
           </a:p>
@@ -4001,7 +4001,7 @@
           <a:p>
             <a:fld id="{CEFDEF93-0E3A-4A89-BC16-F38BAE82060D}" type="datetimeFigureOut">
               <a:rPr lang="en-GB" smtClean="0"/>
-              <a:t>19/03/2025</a:t>
+              <a:t>21/03/2025</a:t>
             </a:fld>
             <a:endParaRPr lang="en-GB"/>
           </a:p>
@@ -6002,8 +6002,8 @@
           </a:prstGeom>
         </p:spPr>
       </p:pic>
-      <mc:AlternateContent xmlns:mc="http://schemas.openxmlformats.org/markup-compatibility/2006">
-        <mc:Choice xmlns:a14="http://schemas.microsoft.com/office/drawing/2010/main" Requires="a14">
+      <mc:AlternateContent xmlns:mc="http://schemas.openxmlformats.org/markup-compatibility/2006" xmlns:a14="http://schemas.microsoft.com/office/drawing/2010/main">
+        <mc:Choice Requires="a14">
           <p:sp>
             <p:nvSpPr>
               <p:cNvPr id="28" name="TextBox 27">
@@ -6114,7 +6114,7 @@
             </p:txBody>
           </p:sp>
         </mc:Choice>
-        <mc:Fallback>
+        <mc:Fallback xmlns="">
           <p:sp>
             <p:nvSpPr>
               <p:cNvPr id="28" name="TextBox 27">
@@ -6527,8 +6527,8 @@
           </a:p>
         </p:txBody>
       </p:sp>
-      <mc:AlternateContent xmlns:mc="http://schemas.openxmlformats.org/markup-compatibility/2006">
-        <mc:Choice xmlns:a14="http://schemas.microsoft.com/office/drawing/2010/main" Requires="a14">
+      <mc:AlternateContent xmlns:mc="http://schemas.openxmlformats.org/markup-compatibility/2006" xmlns:a14="http://schemas.microsoft.com/office/drawing/2010/main">
+        <mc:Choice Requires="a14">
           <p:sp>
             <p:nvSpPr>
               <p:cNvPr id="6" name="TextBox 5">
@@ -6951,7 +6951,7 @@
             </p:txBody>
           </p:sp>
         </mc:Choice>
-        <mc:Fallback>
+        <mc:Fallback xmlns="">
           <p:sp>
             <p:nvSpPr>
               <p:cNvPr id="6" name="TextBox 5">
@@ -8773,8 +8773,8 @@
           </a:fontRef>
         </p:style>
       </p:cxnSp>
-      <mc:AlternateContent xmlns:mc="http://schemas.openxmlformats.org/markup-compatibility/2006">
-        <mc:Choice xmlns:a14="http://schemas.microsoft.com/office/drawing/2010/main" Requires="a14">
+      <mc:AlternateContent xmlns:mc="http://schemas.openxmlformats.org/markup-compatibility/2006" xmlns:a14="http://schemas.microsoft.com/office/drawing/2010/main">
+        <mc:Choice Requires="a14">
           <p:sp>
             <p:nvSpPr>
               <p:cNvPr id="8" name="TextBox 7">
@@ -8857,7 +8857,7 @@
             </p:txBody>
           </p:sp>
         </mc:Choice>
-        <mc:Fallback>
+        <mc:Fallback xmlns="">
           <p:sp>
             <p:nvSpPr>
               <p:cNvPr id="8" name="TextBox 7">

--- a/doc/Rapport_Devoir3.pptx
+++ b/doc/Rapport_Devoir3.pptx
@@ -915,7 +915,7 @@
           <a:p>
             <a:fld id="{536D1BE0-9163-4941-8556-7FE0B29195A4}" type="datetimeFigureOut">
               <a:rPr lang="en-GB" smtClean="0"/>
-              <a:t>21/03/2025</a:t>
+              <a:t>23/03/2025</a:t>
             </a:fld>
             <a:endParaRPr lang="en-GB"/>
           </a:p>
@@ -1332,7 +1332,7 @@
           <a:p>
             <a:fld id="{CEFDEF93-0E3A-4A89-BC16-F38BAE82060D}" type="datetimeFigureOut">
               <a:rPr lang="en-GB" smtClean="0"/>
-              <a:t>21/03/2025</a:t>
+              <a:t>23/03/2025</a:t>
             </a:fld>
             <a:endParaRPr lang="en-GB"/>
           </a:p>
@@ -1532,7 +1532,7 @@
           <a:p>
             <a:fld id="{CEFDEF93-0E3A-4A89-BC16-F38BAE82060D}" type="datetimeFigureOut">
               <a:rPr lang="en-GB" smtClean="0"/>
-              <a:t>21/03/2025</a:t>
+              <a:t>23/03/2025</a:t>
             </a:fld>
             <a:endParaRPr lang="en-GB"/>
           </a:p>
@@ -1742,7 +1742,7 @@
           <a:p>
             <a:fld id="{CEFDEF93-0E3A-4A89-BC16-F38BAE82060D}" type="datetimeFigureOut">
               <a:rPr lang="en-GB" smtClean="0"/>
-              <a:t>21/03/2025</a:t>
+              <a:t>23/03/2025</a:t>
             </a:fld>
             <a:endParaRPr lang="en-GB"/>
           </a:p>
@@ -1942,7 +1942,7 @@
           <a:p>
             <a:fld id="{CEFDEF93-0E3A-4A89-BC16-F38BAE82060D}" type="datetimeFigureOut">
               <a:rPr lang="en-GB" smtClean="0"/>
-              <a:t>21/03/2025</a:t>
+              <a:t>23/03/2025</a:t>
             </a:fld>
             <a:endParaRPr lang="en-GB"/>
           </a:p>
@@ -2218,7 +2218,7 @@
           <a:p>
             <a:fld id="{CEFDEF93-0E3A-4A89-BC16-F38BAE82060D}" type="datetimeFigureOut">
               <a:rPr lang="en-GB" smtClean="0"/>
-              <a:t>21/03/2025</a:t>
+              <a:t>23/03/2025</a:t>
             </a:fld>
             <a:endParaRPr lang="en-GB"/>
           </a:p>
@@ -2486,7 +2486,7 @@
           <a:p>
             <a:fld id="{CEFDEF93-0E3A-4A89-BC16-F38BAE82060D}" type="datetimeFigureOut">
               <a:rPr lang="en-GB" smtClean="0"/>
-              <a:t>21/03/2025</a:t>
+              <a:t>23/03/2025</a:t>
             </a:fld>
             <a:endParaRPr lang="en-GB"/>
           </a:p>
@@ -2901,7 +2901,7 @@
           <a:p>
             <a:fld id="{CEFDEF93-0E3A-4A89-BC16-F38BAE82060D}" type="datetimeFigureOut">
               <a:rPr lang="en-GB" smtClean="0"/>
-              <a:t>21/03/2025</a:t>
+              <a:t>23/03/2025</a:t>
             </a:fld>
             <a:endParaRPr lang="en-GB"/>
           </a:p>
@@ -3043,7 +3043,7 @@
           <a:p>
             <a:fld id="{CEFDEF93-0E3A-4A89-BC16-F38BAE82060D}" type="datetimeFigureOut">
               <a:rPr lang="en-GB" smtClean="0"/>
-              <a:t>21/03/2025</a:t>
+              <a:t>23/03/2025</a:t>
             </a:fld>
             <a:endParaRPr lang="en-GB"/>
           </a:p>
@@ -3156,7 +3156,7 @@
           <a:p>
             <a:fld id="{CEFDEF93-0E3A-4A89-BC16-F38BAE82060D}" type="datetimeFigureOut">
               <a:rPr lang="en-GB" smtClean="0"/>
-              <a:t>21/03/2025</a:t>
+              <a:t>23/03/2025</a:t>
             </a:fld>
             <a:endParaRPr lang="en-GB"/>
           </a:p>
@@ -3469,7 +3469,7 @@
           <a:p>
             <a:fld id="{CEFDEF93-0E3A-4A89-BC16-F38BAE82060D}" type="datetimeFigureOut">
               <a:rPr lang="en-GB" smtClean="0"/>
-              <a:t>21/03/2025</a:t>
+              <a:t>23/03/2025</a:t>
             </a:fld>
             <a:endParaRPr lang="en-GB"/>
           </a:p>
@@ -3758,7 +3758,7 @@
           <a:p>
             <a:fld id="{CEFDEF93-0E3A-4A89-BC16-F38BAE82060D}" type="datetimeFigureOut">
               <a:rPr lang="en-GB" smtClean="0"/>
-              <a:t>21/03/2025</a:t>
+              <a:t>23/03/2025</a:t>
             </a:fld>
             <a:endParaRPr lang="en-GB"/>
           </a:p>
@@ -4001,7 +4001,7 @@
           <a:p>
             <a:fld id="{CEFDEF93-0E3A-4A89-BC16-F38BAE82060D}" type="datetimeFigureOut">
               <a:rPr lang="en-GB" smtClean="0"/>
-              <a:t>21/03/2025</a:t>
+              <a:t>23/03/2025</a:t>
             </a:fld>
             <a:endParaRPr lang="en-GB"/>
           </a:p>
@@ -5233,7 +5233,7 @@
                 <a:latin typeface="Times New Roman" panose="02020603050405020304" pitchFamily="18" charset="0"/>
                 <a:cs typeface="Times New Roman" panose="02020603050405020304" pitchFamily="18" charset="0"/>
               </a:rPr>
-              <a:t>/10</a:t>
+              <a:t>/8</a:t>
             </a:r>
           </a:p>
         </p:txBody>
@@ -6515,14 +6515,14 @@
                 <a:latin typeface="Times New Roman" panose="02020603050405020304" pitchFamily="18" charset="0"/>
                 <a:cs typeface="Times New Roman" panose="02020603050405020304" pitchFamily="18" charset="0"/>
               </a:rPr>
-              <a:t>1</a:t>
+              <a:t>2</a:t>
             </a:r>
             <a:r>
               <a:rPr lang="fr-FR" sz="1400" noProof="0" dirty="0">
                 <a:latin typeface="Times New Roman" panose="02020603050405020304" pitchFamily="18" charset="0"/>
                 <a:cs typeface="Times New Roman" panose="02020603050405020304" pitchFamily="18" charset="0"/>
               </a:rPr>
-              <a:t>/10</a:t>
+              <a:t>/8</a:t>
             </a:r>
           </a:p>
         </p:txBody>
@@ -7969,14 +7969,14 @@
                 <a:latin typeface="Times New Roman" panose="02020603050405020304" pitchFamily="18" charset="0"/>
                 <a:cs typeface="Times New Roman" panose="02020603050405020304" pitchFamily="18" charset="0"/>
               </a:rPr>
-              <a:t>1</a:t>
+              <a:t>3</a:t>
             </a:r>
             <a:r>
               <a:rPr lang="fr-FR" sz="1400" noProof="0" dirty="0">
                 <a:latin typeface="Times New Roman" panose="02020603050405020304" pitchFamily="18" charset="0"/>
                 <a:cs typeface="Times New Roman" panose="02020603050405020304" pitchFamily="18" charset="0"/>
               </a:rPr>
-              <a:t>/10</a:t>
+              <a:t>/8</a:t>
             </a:r>
           </a:p>
         </p:txBody>
@@ -9324,14 +9324,14 @@
                 <a:latin typeface="Times New Roman" panose="02020603050405020304" pitchFamily="18" charset="0"/>
                 <a:cs typeface="Times New Roman" panose="02020603050405020304" pitchFamily="18" charset="0"/>
               </a:rPr>
-              <a:t>1</a:t>
+              <a:t>4</a:t>
             </a:r>
             <a:r>
               <a:rPr lang="fr-FR" sz="1400" noProof="0" dirty="0">
                 <a:latin typeface="Times New Roman" panose="02020603050405020304" pitchFamily="18" charset="0"/>
                 <a:cs typeface="Times New Roman" panose="02020603050405020304" pitchFamily="18" charset="0"/>
               </a:rPr>
-              <a:t>/10</a:t>
+              <a:t>/8</a:t>
             </a:r>
           </a:p>
         </p:txBody>
@@ -10058,15 +10058,26 @@
                 <a:latin typeface="Times New Roman" panose="02020603050405020304" pitchFamily="18" charset="0"/>
                 <a:cs typeface="Times New Roman" panose="02020603050405020304" pitchFamily="18" charset="0"/>
               </a:rPr>
-              <a:t>1</a:t>
+              <a:t>5</a:t>
             </a:r>
             <a:r>
               <a:rPr lang="fr-FR" sz="1400" noProof="0" dirty="0">
                 <a:latin typeface="Times New Roman" panose="02020603050405020304" pitchFamily="18" charset="0"/>
                 <a:cs typeface="Times New Roman" panose="02020603050405020304" pitchFamily="18" charset="0"/>
               </a:rPr>
-              <a:t>/10</a:t>
+              <a:t>/</a:t>
             </a:r>
+            <a:r>
+              <a:rPr lang="fr-FR" sz="1400" dirty="0">
+                <a:latin typeface="Times New Roman" panose="02020603050405020304" pitchFamily="18" charset="0"/>
+                <a:cs typeface="Times New Roman" panose="02020603050405020304" pitchFamily="18" charset="0"/>
+              </a:rPr>
+              <a:t>8</a:t>
+            </a:r>
+            <a:endParaRPr lang="fr-FR" sz="1400" noProof="0" dirty="0">
+              <a:latin typeface="Times New Roman" panose="02020603050405020304" pitchFamily="18" charset="0"/>
+              <a:cs typeface="Times New Roman" panose="02020603050405020304" pitchFamily="18" charset="0"/>
+            </a:endParaRPr>
           </a:p>
         </p:txBody>
       </p:sp>
@@ -11380,14 +11391,14 @@
                 <a:latin typeface="Times New Roman" panose="02020603050405020304" pitchFamily="18" charset="0"/>
                 <a:cs typeface="Times New Roman" panose="02020603050405020304" pitchFamily="18" charset="0"/>
               </a:rPr>
-              <a:t>1</a:t>
+              <a:t>6</a:t>
             </a:r>
             <a:r>
               <a:rPr lang="fr-FR" sz="1400" noProof="0" dirty="0">
                 <a:latin typeface="Times New Roman" panose="02020603050405020304" pitchFamily="18" charset="0"/>
                 <a:cs typeface="Times New Roman" panose="02020603050405020304" pitchFamily="18" charset="0"/>
               </a:rPr>
-              <a:t>/10</a:t>
+              <a:t>/8</a:t>
             </a:r>
           </a:p>
         </p:txBody>
@@ -12305,14 +12316,14 @@
                 <a:latin typeface="Times New Roman" panose="02020603050405020304" pitchFamily="18" charset="0"/>
                 <a:cs typeface="Times New Roman" panose="02020603050405020304" pitchFamily="18" charset="0"/>
               </a:rPr>
-              <a:t>1</a:t>
+              <a:t>7</a:t>
             </a:r>
             <a:r>
               <a:rPr lang="fr-FR" sz="1400" noProof="0" dirty="0">
                 <a:latin typeface="Times New Roman" panose="02020603050405020304" pitchFamily="18" charset="0"/>
                 <a:cs typeface="Times New Roman" panose="02020603050405020304" pitchFamily="18" charset="0"/>
               </a:rPr>
-              <a:t>/10</a:t>
+              <a:t>/8</a:t>
             </a:r>
           </a:p>
         </p:txBody>
@@ -13637,14 +13648,14 @@
                 <a:latin typeface="Times New Roman" panose="02020603050405020304" pitchFamily="18" charset="0"/>
                 <a:cs typeface="Times New Roman" panose="02020603050405020304" pitchFamily="18" charset="0"/>
               </a:rPr>
-              <a:t>1</a:t>
+              <a:t>8</a:t>
             </a:r>
             <a:r>
               <a:rPr lang="fr-FR" sz="1400" noProof="0" dirty="0">
                 <a:latin typeface="Times New Roman" panose="02020603050405020304" pitchFamily="18" charset="0"/>
                 <a:cs typeface="Times New Roman" panose="02020603050405020304" pitchFamily="18" charset="0"/>
               </a:rPr>
-              <a:t>/10</a:t>
+              <a:t>/8</a:t>
             </a:r>
           </a:p>
         </p:txBody>

--- a/doc/Rapport_Devoir3.pptx
+++ b/doc/Rapport_Devoir3.pptx
@@ -132,13 +132,125 @@
 <file path=ppt/revisionInfo.xml><?xml version="1.0" encoding="utf-8"?>
 <p1510:revInfo xmlns:a="http://schemas.openxmlformats.org/drawingml/2006/main" xmlns:r="http://schemas.openxmlformats.org/officeDocument/2006/relationships" xmlns:p1510="http://schemas.microsoft.com/office/powerpoint/2015/10/main">
   <p1510:revLst>
-    <p1510:client id="{185CA6E5-65FE-4AFD-87C6-A3C36DFA9F16}" v="4204" dt="2025-03-18T01:38:14.394"/>
+    <p1510:client id="{70DA9340-7F51-438C-968D-A80FAAB196F5}" v="257" dt="2025-03-25T21:46:59.333"/>
   </p1510:revLst>
 </p1510:revInfo>
 </file>
 
 <file path=ppt/changesInfos/changesInfo1.xml><?xml version="1.0" encoding="utf-8"?>
 <pc:chgInfo xmlns:a="http://schemas.openxmlformats.org/drawingml/2006/main" xmlns:r="http://schemas.openxmlformats.org/officeDocument/2006/relationships" xmlns:ac="http://schemas.microsoft.com/office/drawing/2013/main/command" xmlns:pc="http://schemas.microsoft.com/office/powerpoint/2013/main/command">
+  <pc:docChgLst>
+    <pc:chgData name="François GLEYZON" userId="a2d04f23f7faf3ef" providerId="LiveId" clId="{70DA9340-7F51-438C-968D-A80FAAB196F5}"/>
+    <pc:docChg chg="modSld">
+      <pc:chgData name="François GLEYZON" userId="a2d04f23f7faf3ef" providerId="LiveId" clId="{70DA9340-7F51-438C-968D-A80FAAB196F5}" dt="2025-03-25T21:47:09.098" v="278" actId="1076"/>
+      <pc:docMkLst>
+        <pc:docMk/>
+      </pc:docMkLst>
+      <pc:sldChg chg="addSp modSp mod">
+        <pc:chgData name="François GLEYZON" userId="a2d04f23f7faf3ef" providerId="LiveId" clId="{70DA9340-7F51-438C-968D-A80FAAB196F5}" dt="2025-03-25T21:47:09.098" v="278" actId="1076"/>
+        <pc:sldMkLst>
+          <pc:docMk/>
+          <pc:sldMk cId="298882411" sldId="281"/>
+        </pc:sldMkLst>
+        <pc:spChg chg="mod">
+          <ac:chgData name="François GLEYZON" userId="a2d04f23f7faf3ef" providerId="LiveId" clId="{70DA9340-7F51-438C-968D-A80FAAB196F5}" dt="2025-03-25T21:46:59.333" v="277" actId="20577"/>
+          <ac:spMkLst>
+            <pc:docMk/>
+            <pc:sldMk cId="298882411" sldId="281"/>
+            <ac:spMk id="2" creationId="{8004F7FD-C1ED-C0C4-12CC-EF679C2B4BCF}"/>
+          </ac:spMkLst>
+        </pc:spChg>
+        <pc:spChg chg="add mod">
+          <ac:chgData name="François GLEYZON" userId="a2d04f23f7faf3ef" providerId="LiveId" clId="{70DA9340-7F51-438C-968D-A80FAAB196F5}" dt="2025-03-25T21:47:09.098" v="278" actId="1076"/>
+          <ac:spMkLst>
+            <pc:docMk/>
+            <pc:sldMk cId="298882411" sldId="281"/>
+            <ac:spMk id="8" creationId="{C712FDFE-3676-4243-BCC9-29592891991D}"/>
+          </ac:spMkLst>
+        </pc:spChg>
+        <pc:spChg chg="add mod">
+          <ac:chgData name="François GLEYZON" userId="a2d04f23f7faf3ef" providerId="LiveId" clId="{70DA9340-7F51-438C-968D-A80FAAB196F5}" dt="2025-03-25T21:47:09.098" v="278" actId="1076"/>
+          <ac:spMkLst>
+            <pc:docMk/>
+            <pc:sldMk cId="298882411" sldId="281"/>
+            <ac:spMk id="10" creationId="{122D42A1-AE2A-C892-F728-6068959571B4}"/>
+          </ac:spMkLst>
+        </pc:spChg>
+        <pc:spChg chg="add mod">
+          <ac:chgData name="François GLEYZON" userId="a2d04f23f7faf3ef" providerId="LiveId" clId="{70DA9340-7F51-438C-968D-A80FAAB196F5}" dt="2025-03-25T21:47:09.098" v="278" actId="1076"/>
+          <ac:spMkLst>
+            <pc:docMk/>
+            <pc:sldMk cId="298882411" sldId="281"/>
+            <ac:spMk id="11" creationId="{86F8990E-0971-B834-7BF5-82BD5E91EB37}"/>
+          </ac:spMkLst>
+        </pc:spChg>
+        <pc:spChg chg="add mod">
+          <ac:chgData name="François GLEYZON" userId="a2d04f23f7faf3ef" providerId="LiveId" clId="{70DA9340-7F51-438C-968D-A80FAAB196F5}" dt="2025-03-25T21:47:09.098" v="278" actId="1076"/>
+          <ac:spMkLst>
+            <pc:docMk/>
+            <pc:sldMk cId="298882411" sldId="281"/>
+            <ac:spMk id="12" creationId="{31972B0B-29CA-09AD-C82A-FA7E5CE423E6}"/>
+          </ac:spMkLst>
+        </pc:spChg>
+        <pc:spChg chg="add mod">
+          <ac:chgData name="François GLEYZON" userId="a2d04f23f7faf3ef" providerId="LiveId" clId="{70DA9340-7F51-438C-968D-A80FAAB196F5}" dt="2025-03-25T21:47:09.098" v="278" actId="1076"/>
+          <ac:spMkLst>
+            <pc:docMk/>
+            <pc:sldMk cId="298882411" sldId="281"/>
+            <ac:spMk id="14" creationId="{E514ACF3-EF00-A414-2CD7-B79AAB74C874}"/>
+          </ac:spMkLst>
+        </pc:spChg>
+        <pc:spChg chg="add mod">
+          <ac:chgData name="François GLEYZON" userId="a2d04f23f7faf3ef" providerId="LiveId" clId="{70DA9340-7F51-438C-968D-A80FAAB196F5}" dt="2025-03-25T21:47:09.098" v="278" actId="1076"/>
+          <ac:spMkLst>
+            <pc:docMk/>
+            <pc:sldMk cId="298882411" sldId="281"/>
+            <ac:spMk id="20" creationId="{7B39421C-E216-9ADF-BCE7-C600D3E98FE6}"/>
+          </ac:spMkLst>
+        </pc:spChg>
+        <pc:cxnChg chg="add mod">
+          <ac:chgData name="François GLEYZON" userId="a2d04f23f7faf3ef" providerId="LiveId" clId="{70DA9340-7F51-438C-968D-A80FAAB196F5}" dt="2025-03-25T21:47:09.098" v="278" actId="1076"/>
+          <ac:cxnSpMkLst>
+            <pc:docMk/>
+            <pc:sldMk cId="298882411" sldId="281"/>
+            <ac:cxnSpMk id="4" creationId="{DE604380-F518-97E0-EF22-ECD626000716}"/>
+          </ac:cxnSpMkLst>
+        </pc:cxnChg>
+        <pc:cxnChg chg="add mod">
+          <ac:chgData name="François GLEYZON" userId="a2d04f23f7faf3ef" providerId="LiveId" clId="{70DA9340-7F51-438C-968D-A80FAAB196F5}" dt="2025-03-25T21:47:09.098" v="278" actId="1076"/>
+          <ac:cxnSpMkLst>
+            <pc:docMk/>
+            <pc:sldMk cId="298882411" sldId="281"/>
+            <ac:cxnSpMk id="6" creationId="{98BE1646-544E-A81E-CE20-138402FB0BD3}"/>
+          </ac:cxnSpMkLst>
+        </pc:cxnChg>
+        <pc:cxnChg chg="add mod">
+          <ac:chgData name="François GLEYZON" userId="a2d04f23f7faf3ef" providerId="LiveId" clId="{70DA9340-7F51-438C-968D-A80FAAB196F5}" dt="2025-03-25T21:43:57.738" v="41" actId="13822"/>
+          <ac:cxnSpMkLst>
+            <pc:docMk/>
+            <pc:sldMk cId="298882411" sldId="281"/>
+            <ac:cxnSpMk id="16" creationId="{61556B4C-F3A8-8734-1B9A-26DF21F4C480}"/>
+          </ac:cxnSpMkLst>
+        </pc:cxnChg>
+        <pc:cxnChg chg="add mod">
+          <ac:chgData name="François GLEYZON" userId="a2d04f23f7faf3ef" providerId="LiveId" clId="{70DA9340-7F51-438C-968D-A80FAAB196F5}" dt="2025-03-25T21:47:09.098" v="278" actId="1076"/>
+          <ac:cxnSpMkLst>
+            <pc:docMk/>
+            <pc:sldMk cId="298882411" sldId="281"/>
+            <ac:cxnSpMk id="17" creationId="{DB7D0DA1-DB6F-86A0-A592-0C8C8EDF1B09}"/>
+          </ac:cxnSpMkLst>
+        </pc:cxnChg>
+        <pc:cxnChg chg="add mod">
+          <ac:chgData name="François GLEYZON" userId="a2d04f23f7faf3ef" providerId="LiveId" clId="{70DA9340-7F51-438C-968D-A80FAAB196F5}" dt="2025-03-25T21:47:09.098" v="278" actId="1076"/>
+          <ac:cxnSpMkLst>
+            <pc:docMk/>
+            <pc:sldMk cId="298882411" sldId="281"/>
+            <ac:cxnSpMk id="19" creationId="{2339B692-A939-854D-EC0B-F59A3EE7A255}"/>
+          </ac:cxnSpMkLst>
+        </pc:cxnChg>
+      </pc:sldChg>
+    </pc:docChg>
+  </pc:docChgLst>
   <pc:docChgLst>
     <pc:chgData name="François GLEYZON" userId="a2d04f23f7faf3ef" providerId="LiveId" clId="{185CA6E5-65FE-4AFD-87C6-A3C36DFA9F16}"/>
     <pc:docChg chg="undo redo custSel addSld delSld modSld">
@@ -259,84 +371,12 @@
           <pc:docMk/>
           <pc:sldMk cId="1247458617" sldId="273"/>
         </pc:sldMkLst>
-        <pc:spChg chg="del">
-          <ac:chgData name="François GLEYZON" userId="a2d04f23f7faf3ef" providerId="LiveId" clId="{185CA6E5-65FE-4AFD-87C6-A3C36DFA9F16}" dt="2025-03-17T23:38:40.820" v="3" actId="478"/>
-          <ac:spMkLst>
-            <pc:docMk/>
-            <pc:sldMk cId="1247458617" sldId="273"/>
-            <ac:spMk id="4" creationId="{859F1614-F479-AB28-876F-2074B5E726C8}"/>
-          </ac:spMkLst>
-        </pc:spChg>
-        <pc:spChg chg="del">
-          <ac:chgData name="François GLEYZON" userId="a2d04f23f7faf3ef" providerId="LiveId" clId="{185CA6E5-65FE-4AFD-87C6-A3C36DFA9F16}" dt="2025-03-17T23:38:40.820" v="3" actId="478"/>
-          <ac:spMkLst>
-            <pc:docMk/>
-            <pc:sldMk cId="1247458617" sldId="273"/>
-            <ac:spMk id="5" creationId="{FC150432-6E48-6601-37AE-E86421CEC563}"/>
-          </ac:spMkLst>
-        </pc:spChg>
         <pc:spChg chg="add mod">
           <ac:chgData name="François GLEYZON" userId="a2d04f23f7faf3ef" providerId="LiveId" clId="{185CA6E5-65FE-4AFD-87C6-A3C36DFA9F16}" dt="2025-03-17T23:52:23.609" v="695" actId="207"/>
           <ac:spMkLst>
             <pc:docMk/>
             <pc:sldMk cId="1247458617" sldId="273"/>
             <ac:spMk id="6" creationId="{77E0CBE5-185C-A257-2956-6AE7FADB98FF}"/>
-          </ac:spMkLst>
-        </pc:spChg>
-        <pc:spChg chg="del">
-          <ac:chgData name="François GLEYZON" userId="a2d04f23f7faf3ef" providerId="LiveId" clId="{185CA6E5-65FE-4AFD-87C6-A3C36DFA9F16}" dt="2025-03-17T23:38:40.820" v="3" actId="478"/>
-          <ac:spMkLst>
-            <pc:docMk/>
-            <pc:sldMk cId="1247458617" sldId="273"/>
-            <ac:spMk id="8" creationId="{A69E05C8-DA5C-23CF-19A2-2F0ABFC9D1B6}"/>
-          </ac:spMkLst>
-        </pc:spChg>
-        <pc:spChg chg="del">
-          <ac:chgData name="François GLEYZON" userId="a2d04f23f7faf3ef" providerId="LiveId" clId="{185CA6E5-65FE-4AFD-87C6-A3C36DFA9F16}" dt="2025-03-17T23:38:40.820" v="3" actId="478"/>
-          <ac:spMkLst>
-            <pc:docMk/>
-            <pc:sldMk cId="1247458617" sldId="273"/>
-            <ac:spMk id="12" creationId="{6C1849D6-CD45-20F7-0752-AF9021A84B08}"/>
-          </ac:spMkLst>
-        </pc:spChg>
-        <pc:spChg chg="del">
-          <ac:chgData name="François GLEYZON" userId="a2d04f23f7faf3ef" providerId="LiveId" clId="{185CA6E5-65FE-4AFD-87C6-A3C36DFA9F16}" dt="2025-03-17T23:38:40.820" v="3" actId="478"/>
-          <ac:spMkLst>
-            <pc:docMk/>
-            <pc:sldMk cId="1247458617" sldId="273"/>
-            <ac:spMk id="13" creationId="{3F8B0550-D6D2-EBC3-1AAA-A156FCBC118B}"/>
-          </ac:spMkLst>
-        </pc:spChg>
-        <pc:spChg chg="del">
-          <ac:chgData name="François GLEYZON" userId="a2d04f23f7faf3ef" providerId="LiveId" clId="{185CA6E5-65FE-4AFD-87C6-A3C36DFA9F16}" dt="2025-03-17T23:38:40.820" v="3" actId="478"/>
-          <ac:spMkLst>
-            <pc:docMk/>
-            <pc:sldMk cId="1247458617" sldId="273"/>
-            <ac:spMk id="14" creationId="{11FB256E-900B-AE4C-74CC-080F79159BF5}"/>
-          </ac:spMkLst>
-        </pc:spChg>
-        <pc:spChg chg="del">
-          <ac:chgData name="François GLEYZON" userId="a2d04f23f7faf3ef" providerId="LiveId" clId="{185CA6E5-65FE-4AFD-87C6-A3C36DFA9F16}" dt="2025-03-17T23:38:40.820" v="3" actId="478"/>
-          <ac:spMkLst>
-            <pc:docMk/>
-            <pc:sldMk cId="1247458617" sldId="273"/>
-            <ac:spMk id="16" creationId="{6A8FE8A2-8474-E4DD-2655-92B34358D5B9}"/>
-          </ac:spMkLst>
-        </pc:spChg>
-        <pc:spChg chg="del">
-          <ac:chgData name="François GLEYZON" userId="a2d04f23f7faf3ef" providerId="LiveId" clId="{185CA6E5-65FE-4AFD-87C6-A3C36DFA9F16}" dt="2025-03-17T23:38:40.820" v="3" actId="478"/>
-          <ac:spMkLst>
-            <pc:docMk/>
-            <pc:sldMk cId="1247458617" sldId="273"/>
-            <ac:spMk id="17" creationId="{AD6F5D9F-2776-B81A-A79B-04422813BD79}"/>
-          </ac:spMkLst>
-        </pc:spChg>
-        <pc:spChg chg="del">
-          <ac:chgData name="François GLEYZON" userId="a2d04f23f7faf3ef" providerId="LiveId" clId="{185CA6E5-65FE-4AFD-87C6-A3C36DFA9F16}" dt="2025-03-17T23:38:40.820" v="3" actId="478"/>
-          <ac:spMkLst>
-            <pc:docMk/>
-            <pc:sldMk cId="1247458617" sldId="273"/>
-            <ac:spMk id="18" creationId="{A165C4CF-4886-AA49-A1C0-127C25CEBEFA}"/>
           </ac:spMkLst>
         </pc:spChg>
         <pc:spChg chg="add mod">
@@ -355,14 +395,6 @@
             <ac:spMk id="21" creationId="{F9C22906-2B3A-A473-AFE3-C13FB33E1D04}"/>
           </ac:spMkLst>
         </pc:spChg>
-        <pc:spChg chg="del">
-          <ac:chgData name="François GLEYZON" userId="a2d04f23f7faf3ef" providerId="LiveId" clId="{185CA6E5-65FE-4AFD-87C6-A3C36DFA9F16}" dt="2025-03-17T23:38:40.820" v="3" actId="478"/>
-          <ac:spMkLst>
-            <pc:docMk/>
-            <pc:sldMk cId="1247458617" sldId="273"/>
-            <ac:spMk id="23" creationId="{7D417B07-4891-CDD0-0608-F79C4ABAD25B}"/>
-          </ac:spMkLst>
-        </pc:spChg>
         <pc:spChg chg="add mod">
           <ac:chgData name="François GLEYZON" userId="a2d04f23f7faf3ef" providerId="LiveId" clId="{185CA6E5-65FE-4AFD-87C6-A3C36DFA9F16}" dt="2025-03-18T01:11:39.562" v="5466" actId="1036"/>
           <ac:spMkLst>
@@ -379,22 +411,6 @@
             <ac:spMk id="30" creationId="{9E4BA0CD-4AF2-58C2-0FAD-38E3B2ED6B0E}"/>
           </ac:spMkLst>
         </pc:spChg>
-        <pc:spChg chg="del">
-          <ac:chgData name="François GLEYZON" userId="a2d04f23f7faf3ef" providerId="LiveId" clId="{185CA6E5-65FE-4AFD-87C6-A3C36DFA9F16}" dt="2025-03-17T23:38:42.311" v="4" actId="478"/>
-          <ac:spMkLst>
-            <pc:docMk/>
-            <pc:sldMk cId="1247458617" sldId="273"/>
-            <ac:spMk id="35" creationId="{F7AF9475-37CD-1B7B-541C-1372DEC72E15}"/>
-          </ac:spMkLst>
-        </pc:spChg>
-        <pc:grpChg chg="del">
-          <ac:chgData name="François GLEYZON" userId="a2d04f23f7faf3ef" providerId="LiveId" clId="{185CA6E5-65FE-4AFD-87C6-A3C36DFA9F16}" dt="2025-03-17T23:38:43.214" v="5" actId="478"/>
-          <ac:grpSpMkLst>
-            <pc:docMk/>
-            <pc:sldMk cId="1247458617" sldId="273"/>
-            <ac:grpSpMk id="33" creationId="{73E95258-4DF4-EF16-D065-E5FF06C6F453}"/>
-          </ac:grpSpMkLst>
-        </pc:grpChg>
         <pc:picChg chg="add mod ord">
           <ac:chgData name="François GLEYZON" userId="a2d04f23f7faf3ef" providerId="LiveId" clId="{185CA6E5-65FE-4AFD-87C6-A3C36DFA9F16}" dt="2025-03-17T23:45:33.795" v="250" actId="167"/>
           <ac:picMkLst>
@@ -435,22 +451,6 @@
             <ac:picMk id="29" creationId="{F6C351CB-271C-DEE5-EA1E-7CEE38C566B4}"/>
           </ac:picMkLst>
         </pc:picChg>
-        <pc:cxnChg chg="mod">
-          <ac:chgData name="François GLEYZON" userId="a2d04f23f7faf3ef" providerId="LiveId" clId="{185CA6E5-65FE-4AFD-87C6-A3C36DFA9F16}" dt="2025-03-17T23:38:43.214" v="5" actId="478"/>
-          <ac:cxnSpMkLst>
-            <pc:docMk/>
-            <pc:sldMk cId="1247458617" sldId="273"/>
-            <ac:cxnSpMk id="42" creationId="{7CAB04E0-B6DF-EC12-5D78-C0284EB6A00B}"/>
-          </ac:cxnSpMkLst>
-        </pc:cxnChg>
-        <pc:cxnChg chg="mod">
-          <ac:chgData name="François GLEYZON" userId="a2d04f23f7faf3ef" providerId="LiveId" clId="{185CA6E5-65FE-4AFD-87C6-A3C36DFA9F16}" dt="2025-03-17T23:38:43.214" v="5" actId="478"/>
-          <ac:cxnSpMkLst>
-            <pc:docMk/>
-            <pc:sldMk cId="1247458617" sldId="273"/>
-            <ac:cxnSpMk id="43" creationId="{EFD3AD67-C826-EAC8-D70C-D823A65FCDD8}"/>
-          </ac:cxnSpMkLst>
-        </pc:cxnChg>
       </pc:sldChg>
       <pc:sldChg chg="addSp modSp add mod">
         <pc:chgData name="François GLEYZON" userId="a2d04f23f7faf3ef" providerId="LiveId" clId="{185CA6E5-65FE-4AFD-87C6-A3C36DFA9F16}" dt="2025-03-18T00:55:28.710" v="4777" actId="20577"/>
@@ -551,14 +551,6 @@
           <pc:docMk/>
           <pc:sldMk cId="3078604452" sldId="277"/>
         </pc:sldMkLst>
-        <pc:spChg chg="mod">
-          <ac:chgData name="François GLEYZON" userId="a2d04f23f7faf3ef" providerId="LiveId" clId="{185CA6E5-65FE-4AFD-87C6-A3C36DFA9F16}" dt="2025-03-17T23:39:35.698" v="14" actId="20577"/>
-          <ac:spMkLst>
-            <pc:docMk/>
-            <pc:sldMk cId="3078604452" sldId="277"/>
-            <ac:spMk id="9" creationId="{FBDCBDC1-CE38-6BEF-C537-6CA7010DCCCC}"/>
-          </ac:spMkLst>
-        </pc:spChg>
       </pc:sldChg>
       <pc:sldChg chg="addSp delSp modSp add mod">
         <pc:chgData name="François GLEYZON" userId="a2d04f23f7faf3ef" providerId="LiveId" clId="{185CA6E5-65FE-4AFD-87C6-A3C36DFA9F16}" dt="2025-03-18T00:09:46.255" v="2516" actId="14100"/>
@@ -590,68 +582,12 @@
             <ac:spMk id="6" creationId="{2A590F70-A468-A4DB-238B-BF4C91B5C48D}"/>
           </ac:spMkLst>
         </pc:spChg>
-        <pc:spChg chg="del">
-          <ac:chgData name="François GLEYZON" userId="a2d04f23f7faf3ef" providerId="LiveId" clId="{185CA6E5-65FE-4AFD-87C6-A3C36DFA9F16}" dt="2025-03-17T23:57:39.245" v="1271" actId="478"/>
-          <ac:spMkLst>
-            <pc:docMk/>
-            <pc:sldMk cId="2912850716" sldId="278"/>
-            <ac:spMk id="19" creationId="{B0A4A3D9-CFE6-3220-B258-527648EF559B}"/>
-          </ac:spMkLst>
-        </pc:spChg>
-        <pc:spChg chg="del">
-          <ac:chgData name="François GLEYZON" userId="a2d04f23f7faf3ef" providerId="LiveId" clId="{185CA6E5-65FE-4AFD-87C6-A3C36DFA9F16}" dt="2025-03-17T23:57:38.055" v="1270" actId="478"/>
-          <ac:spMkLst>
-            <pc:docMk/>
-            <pc:sldMk cId="2912850716" sldId="278"/>
-            <ac:spMk id="21" creationId="{721AEDE3-8EA0-AC5D-EC99-8B945F0B5301}"/>
-          </ac:spMkLst>
-        </pc:spChg>
-        <pc:spChg chg="del">
-          <ac:chgData name="François GLEYZON" userId="a2d04f23f7faf3ef" providerId="LiveId" clId="{185CA6E5-65FE-4AFD-87C6-A3C36DFA9F16}" dt="2025-03-17T23:57:39.935" v="1272" actId="478"/>
-          <ac:spMkLst>
-            <pc:docMk/>
-            <pc:sldMk cId="2912850716" sldId="278"/>
-            <ac:spMk id="28" creationId="{AAC79A2F-6847-9578-8051-C8690A4485B5}"/>
-          </ac:spMkLst>
-        </pc:spChg>
         <pc:picChg chg="add mod ord">
           <ac:chgData name="François GLEYZON" userId="a2d04f23f7faf3ef" providerId="LiveId" clId="{185CA6E5-65FE-4AFD-87C6-A3C36DFA9F16}" dt="2025-03-18T00:03:35.915" v="1708" actId="167"/>
           <ac:picMkLst>
             <pc:docMk/>
             <pc:sldMk cId="2912850716" sldId="278"/>
             <ac:picMk id="3" creationId="{6F65162A-9F2C-E210-A152-1BBC5918A9D4}"/>
-          </ac:picMkLst>
-        </pc:picChg>
-        <pc:picChg chg="del">
-          <ac:chgData name="François GLEYZON" userId="a2d04f23f7faf3ef" providerId="LiveId" clId="{185CA6E5-65FE-4AFD-87C6-A3C36DFA9F16}" dt="2025-03-17T23:57:35.255" v="1269" actId="478"/>
-          <ac:picMkLst>
-            <pc:docMk/>
-            <pc:sldMk cId="2912850716" sldId="278"/>
-            <ac:picMk id="10" creationId="{8DAAF4FB-DD3B-B60E-51CC-06397113C826}"/>
-          </ac:picMkLst>
-        </pc:picChg>
-        <pc:picChg chg="del">
-          <ac:chgData name="François GLEYZON" userId="a2d04f23f7faf3ef" providerId="LiveId" clId="{185CA6E5-65FE-4AFD-87C6-A3C36DFA9F16}" dt="2025-03-17T23:57:40.235" v="1273" actId="478"/>
-          <ac:picMkLst>
-            <pc:docMk/>
-            <pc:sldMk cId="2912850716" sldId="278"/>
-            <ac:picMk id="24" creationId="{5081E4C9-6911-E723-F89D-187F6377C176}"/>
-          </ac:picMkLst>
-        </pc:picChg>
-        <pc:picChg chg="del">
-          <ac:chgData name="François GLEYZON" userId="a2d04f23f7faf3ef" providerId="LiveId" clId="{185CA6E5-65FE-4AFD-87C6-A3C36DFA9F16}" dt="2025-03-17T23:57:40.495" v="1274" actId="478"/>
-          <ac:picMkLst>
-            <pc:docMk/>
-            <pc:sldMk cId="2912850716" sldId="278"/>
-            <ac:picMk id="26" creationId="{39D8DA31-E109-6216-9151-931B21493206}"/>
-          </ac:picMkLst>
-        </pc:picChg>
-        <pc:picChg chg="del">
-          <ac:chgData name="François GLEYZON" userId="a2d04f23f7faf3ef" providerId="LiveId" clId="{185CA6E5-65FE-4AFD-87C6-A3C36DFA9F16}" dt="2025-03-17T23:57:40.816" v="1275" actId="478"/>
-          <ac:picMkLst>
-            <pc:docMk/>
-            <pc:sldMk cId="2912850716" sldId="278"/>
-            <ac:picMk id="27" creationId="{1D76C907-6F5E-F0B4-8B69-32F623D3D5B9}"/>
           </ac:picMkLst>
         </pc:picChg>
       </pc:sldChg>
@@ -661,22 +597,6 @@
           <pc:docMk/>
           <pc:sldMk cId="2309993896" sldId="279"/>
         </pc:sldMkLst>
-        <pc:spChg chg="del">
-          <ac:chgData name="François GLEYZON" userId="a2d04f23f7faf3ef" providerId="LiveId" clId="{185CA6E5-65FE-4AFD-87C6-A3C36DFA9F16}" dt="2025-03-18T00:11:35.005" v="2742" actId="478"/>
-          <ac:spMkLst>
-            <pc:docMk/>
-            <pc:sldMk cId="2309993896" sldId="279"/>
-            <ac:spMk id="4" creationId="{B14DAE7B-8617-97F1-2BE7-701675E9B77C}"/>
-          </ac:spMkLst>
-        </pc:spChg>
-        <pc:spChg chg="del">
-          <ac:chgData name="François GLEYZON" userId="a2d04f23f7faf3ef" providerId="LiveId" clId="{185CA6E5-65FE-4AFD-87C6-A3C36DFA9F16}" dt="2025-03-18T00:11:35.755" v="2743" actId="478"/>
-          <ac:spMkLst>
-            <pc:docMk/>
-            <pc:sldMk cId="2309993896" sldId="279"/>
-            <ac:spMk id="5" creationId="{548ECC39-9BF9-E502-7DBC-936796F1A7B9}"/>
-          </ac:spMkLst>
-        </pc:spChg>
         <pc:spChg chg="mod">
           <ac:chgData name="François GLEYZON" userId="a2d04f23f7faf3ef" providerId="LiveId" clId="{185CA6E5-65FE-4AFD-87C6-A3C36DFA9F16}" dt="2025-03-18T00:17:12.728" v="2969" actId="14100"/>
           <ac:spMkLst>
@@ -717,14 +637,6 @@
             <ac:grpSpMk id="13" creationId="{BB1BB342-8EE7-5F2F-7374-BE9AA8ED5CCF}"/>
           </ac:grpSpMkLst>
         </pc:grpChg>
-        <pc:picChg chg="del">
-          <ac:chgData name="François GLEYZON" userId="a2d04f23f7faf3ef" providerId="LiveId" clId="{185CA6E5-65FE-4AFD-87C6-A3C36DFA9F16}" dt="2025-03-18T00:11:34.155" v="2741" actId="478"/>
-          <ac:picMkLst>
-            <pc:docMk/>
-            <pc:sldMk cId="2309993896" sldId="279"/>
-            <ac:picMk id="3" creationId="{E0140E8D-929F-A795-9DCE-C4AED21F2E6E}"/>
-          </ac:picMkLst>
-        </pc:picChg>
         <pc:picChg chg="add mod modCrop">
           <ac:chgData name="François GLEYZON" userId="a2d04f23f7faf3ef" providerId="LiveId" clId="{185CA6E5-65FE-4AFD-87C6-A3C36DFA9F16}" dt="2025-03-18T00:23:24.660" v="3412" actId="164"/>
           <ac:picMkLst>
@@ -772,30 +684,6 @@
             <ac:spMk id="3" creationId="{914660B9-39F8-29DA-488A-0C46D7843C0F}"/>
           </ac:spMkLst>
         </pc:spChg>
-        <pc:spChg chg="del">
-          <ac:chgData name="François GLEYZON" userId="a2d04f23f7faf3ef" providerId="LiveId" clId="{185CA6E5-65FE-4AFD-87C6-A3C36DFA9F16}" dt="2025-03-18T00:53:08.500" v="4607" actId="478"/>
-          <ac:spMkLst>
-            <pc:docMk/>
-            <pc:sldMk cId="3313650731" sldId="280"/>
-            <ac:spMk id="7" creationId="{438639CC-DE94-AC77-8843-8FA006287DE1}"/>
-          </ac:spMkLst>
-        </pc:spChg>
-        <pc:picChg chg="del">
-          <ac:chgData name="François GLEYZON" userId="a2d04f23f7faf3ef" providerId="LiveId" clId="{185CA6E5-65FE-4AFD-87C6-A3C36DFA9F16}" dt="2025-03-18T00:53:07.409" v="4606" actId="478"/>
-          <ac:picMkLst>
-            <pc:docMk/>
-            <pc:sldMk cId="3313650731" sldId="280"/>
-            <ac:picMk id="4" creationId="{39073AB2-C2DB-9DA7-ED49-86DF53E50399}"/>
-          </ac:picMkLst>
-        </pc:picChg>
-        <pc:picChg chg="del">
-          <ac:chgData name="François GLEYZON" userId="a2d04f23f7faf3ef" providerId="LiveId" clId="{185CA6E5-65FE-4AFD-87C6-A3C36DFA9F16}" dt="2025-03-18T00:53:07.029" v="4605" actId="478"/>
-          <ac:picMkLst>
-            <pc:docMk/>
-            <pc:sldMk cId="3313650731" sldId="280"/>
-            <ac:picMk id="6" creationId="{ACA2B73B-4543-76AA-C6B6-D2C5C065E241}"/>
-          </ac:picMkLst>
-        </pc:picChg>
         <pc:picChg chg="add mod">
           <ac:chgData name="François GLEYZON" userId="a2d04f23f7faf3ef" providerId="LiveId" clId="{185CA6E5-65FE-4AFD-87C6-A3C36DFA9F16}" dt="2025-03-18T01:10:37.853" v="5408" actId="1076"/>
           <ac:picMkLst>
@@ -915,7 +803,7 @@
           <a:p>
             <a:fld id="{536D1BE0-9163-4941-8556-7FE0B29195A4}" type="datetimeFigureOut">
               <a:rPr lang="en-GB" smtClean="0"/>
-              <a:t>21/03/2025</a:t>
+              <a:t>25/03/2025</a:t>
             </a:fld>
             <a:endParaRPr lang="en-GB"/>
           </a:p>
@@ -1332,7 +1220,7 @@
           <a:p>
             <a:fld id="{CEFDEF93-0E3A-4A89-BC16-F38BAE82060D}" type="datetimeFigureOut">
               <a:rPr lang="en-GB" smtClean="0"/>
-              <a:t>21/03/2025</a:t>
+              <a:t>25/03/2025</a:t>
             </a:fld>
             <a:endParaRPr lang="en-GB"/>
           </a:p>
@@ -1532,7 +1420,7 @@
           <a:p>
             <a:fld id="{CEFDEF93-0E3A-4A89-BC16-F38BAE82060D}" type="datetimeFigureOut">
               <a:rPr lang="en-GB" smtClean="0"/>
-              <a:t>21/03/2025</a:t>
+              <a:t>25/03/2025</a:t>
             </a:fld>
             <a:endParaRPr lang="en-GB"/>
           </a:p>
@@ -1742,7 +1630,7 @@
           <a:p>
             <a:fld id="{CEFDEF93-0E3A-4A89-BC16-F38BAE82060D}" type="datetimeFigureOut">
               <a:rPr lang="en-GB" smtClean="0"/>
-              <a:t>21/03/2025</a:t>
+              <a:t>25/03/2025</a:t>
             </a:fld>
             <a:endParaRPr lang="en-GB"/>
           </a:p>
@@ -1942,7 +1830,7 @@
           <a:p>
             <a:fld id="{CEFDEF93-0E3A-4A89-BC16-F38BAE82060D}" type="datetimeFigureOut">
               <a:rPr lang="en-GB" smtClean="0"/>
-              <a:t>21/03/2025</a:t>
+              <a:t>25/03/2025</a:t>
             </a:fld>
             <a:endParaRPr lang="en-GB"/>
           </a:p>
@@ -2218,7 +2106,7 @@
           <a:p>
             <a:fld id="{CEFDEF93-0E3A-4A89-BC16-F38BAE82060D}" type="datetimeFigureOut">
               <a:rPr lang="en-GB" smtClean="0"/>
-              <a:t>21/03/2025</a:t>
+              <a:t>25/03/2025</a:t>
             </a:fld>
             <a:endParaRPr lang="en-GB"/>
           </a:p>
@@ -2486,7 +2374,7 @@
           <a:p>
             <a:fld id="{CEFDEF93-0E3A-4A89-BC16-F38BAE82060D}" type="datetimeFigureOut">
               <a:rPr lang="en-GB" smtClean="0"/>
-              <a:t>21/03/2025</a:t>
+              <a:t>25/03/2025</a:t>
             </a:fld>
             <a:endParaRPr lang="en-GB"/>
           </a:p>
@@ -2901,7 +2789,7 @@
           <a:p>
             <a:fld id="{CEFDEF93-0E3A-4A89-BC16-F38BAE82060D}" type="datetimeFigureOut">
               <a:rPr lang="en-GB" smtClean="0"/>
-              <a:t>21/03/2025</a:t>
+              <a:t>25/03/2025</a:t>
             </a:fld>
             <a:endParaRPr lang="en-GB"/>
           </a:p>
@@ -3043,7 +2931,7 @@
           <a:p>
             <a:fld id="{CEFDEF93-0E3A-4A89-BC16-F38BAE82060D}" type="datetimeFigureOut">
               <a:rPr lang="en-GB" smtClean="0"/>
-              <a:t>21/03/2025</a:t>
+              <a:t>25/03/2025</a:t>
             </a:fld>
             <a:endParaRPr lang="en-GB"/>
           </a:p>
@@ -3156,7 +3044,7 @@
           <a:p>
             <a:fld id="{CEFDEF93-0E3A-4A89-BC16-F38BAE82060D}" type="datetimeFigureOut">
               <a:rPr lang="en-GB" smtClean="0"/>
-              <a:t>21/03/2025</a:t>
+              <a:t>25/03/2025</a:t>
             </a:fld>
             <a:endParaRPr lang="en-GB"/>
           </a:p>
@@ -3469,7 +3357,7 @@
           <a:p>
             <a:fld id="{CEFDEF93-0E3A-4A89-BC16-F38BAE82060D}" type="datetimeFigureOut">
               <a:rPr lang="en-GB" smtClean="0"/>
-              <a:t>21/03/2025</a:t>
+              <a:t>25/03/2025</a:t>
             </a:fld>
             <a:endParaRPr lang="en-GB"/>
           </a:p>
@@ -3758,7 +3646,7 @@
           <a:p>
             <a:fld id="{CEFDEF93-0E3A-4A89-BC16-F38BAE82060D}" type="datetimeFigureOut">
               <a:rPr lang="en-GB" smtClean="0"/>
-              <a:t>21/03/2025</a:t>
+              <a:t>25/03/2025</a:t>
             </a:fld>
             <a:endParaRPr lang="en-GB"/>
           </a:p>
@@ -4001,7 +3889,7 @@
           <a:p>
             <a:fld id="{CEFDEF93-0E3A-4A89-BC16-F38BAE82060D}" type="datetimeFigureOut">
               <a:rPr lang="en-GB" smtClean="0"/>
-              <a:t>21/03/2025</a:t>
+              <a:t>25/03/2025</a:t>
             </a:fld>
             <a:endParaRPr lang="en-GB"/>
           </a:p>
@@ -13649,8 +13537,8 @@
           </a:p>
         </p:txBody>
       </p:sp>
-      <mc:AlternateContent xmlns:mc="http://schemas.openxmlformats.org/markup-compatibility/2006" xmlns:a14="http://schemas.microsoft.com/office/drawing/2010/main">
-        <mc:Choice Requires="a14">
+      <mc:AlternateContent xmlns:mc="http://schemas.openxmlformats.org/markup-compatibility/2006">
+        <mc:Choice xmlns:a14="http://schemas.microsoft.com/office/drawing/2010/main" Requires="a14">
           <p:sp>
             <p:nvSpPr>
               <p:cNvPr id="2" name="TextBox 1">
@@ -13666,7 +13554,7 @@
             <p:spPr>
               <a:xfrm>
                 <a:off x="0" y="627468"/>
-                <a:ext cx="12192000" cy="1219886"/>
+                <a:ext cx="12192000" cy="1519903"/>
               </a:xfrm>
               <a:prstGeom prst="rect">
                 <a:avLst/>
@@ -13694,16 +13582,16 @@
                         <m:begChr m:val="|"/>
                         <m:endChr m:val="|"/>
                         <m:ctrlPr>
-                          <a:rPr lang="fr-FR" sz="1800" b="0" i="1" smtClean="0">
-                            <a:latin typeface="Cambria Math" panose="02040503050406030204" pitchFamily="18" charset="0"/>
+                          <a:rPr lang="fr-FR">
+                            <a:latin typeface="Times New Roman" panose="02020603050405020304" pitchFamily="18" charset="0"/>
                             <a:cs typeface="Times New Roman" panose="02020603050405020304" pitchFamily="18" charset="0"/>
                           </a:rPr>
                         </m:ctrlPr>
                       </m:dPr>
                       <m:e>
                         <m:r>
-                          <a:rPr lang="fr-FR" sz="1800" b="0" i="1" smtClean="0">
-                            <a:latin typeface="Cambria Math" panose="02040503050406030204" pitchFamily="18" charset="0"/>
+                          <a:rPr lang="fr-FR">
+                            <a:latin typeface="Times New Roman" panose="02020603050405020304" pitchFamily="18" charset="0"/>
                             <a:cs typeface="Times New Roman" panose="02020603050405020304" pitchFamily="18" charset="0"/>
                           </a:rPr>
                           <m:t>𝐸</m:t>
@@ -13711,25 +13599,25 @@
                       </m:e>
                     </m:d>
                     <m:r>
-                      <a:rPr lang="fr-FR" sz="1800" b="0" i="1" smtClean="0">
-                        <a:latin typeface="Cambria Math" panose="02040503050406030204" pitchFamily="18" charset="0"/>
+                      <a:rPr lang="fr-FR">
+                        <a:latin typeface="Times New Roman" panose="02020603050405020304" pitchFamily="18" charset="0"/>
                         <a:cs typeface="Times New Roman" panose="02020603050405020304" pitchFamily="18" charset="0"/>
                       </a:rPr>
-                      <m:t>≫</m:t>
+                      <m:t>&gt;</m:t>
                     </m:r>
                     <m:sSub>
                       <m:sSubPr>
                         <m:ctrlPr>
-                          <a:rPr lang="fr-FR" sz="1800" i="1">
-                            <a:latin typeface="Cambria Math" panose="02040503050406030204" pitchFamily="18" charset="0"/>
+                          <a:rPr lang="fr-FR">
+                            <a:latin typeface="Times New Roman" panose="02020603050405020304" pitchFamily="18" charset="0"/>
                             <a:cs typeface="Times New Roman" panose="02020603050405020304" pitchFamily="18" charset="0"/>
                           </a:rPr>
                         </m:ctrlPr>
                       </m:sSubPr>
                       <m:e>
                         <m:r>
-                          <a:rPr lang="fr-FR" sz="1800" i="1">
-                            <a:latin typeface="Cambria Math" panose="02040503050406030204" pitchFamily="18" charset="0"/>
+                          <a:rPr lang="fr-FR">
+                            <a:latin typeface="Times New Roman" panose="02020603050405020304" pitchFamily="18" charset="0"/>
                             <a:cs typeface="Times New Roman" panose="02020603050405020304" pitchFamily="18" charset="0"/>
                           </a:rPr>
                           <m:t>𝑈</m:t>
@@ -13739,23 +13627,23 @@
                         <m:d>
                           <m:dPr>
                             <m:ctrlPr>
-                              <a:rPr lang="fr-FR" sz="1800" i="1">
-                                <a:latin typeface="Cambria Math" panose="02040503050406030204" pitchFamily="18" charset="0"/>
+                              <a:rPr lang="fr-FR">
+                                <a:latin typeface="Times New Roman" panose="02020603050405020304" pitchFamily="18" charset="0"/>
                                 <a:cs typeface="Times New Roman" panose="02020603050405020304" pitchFamily="18" charset="0"/>
                               </a:rPr>
                             </m:ctrlPr>
                           </m:dPr>
                           <m:e>
                             <m:r>
-                              <a:rPr lang="fr-FR" sz="1800" i="1">
-                                <a:latin typeface="Cambria Math" panose="02040503050406030204" pitchFamily="18" charset="0"/>
+                              <a:rPr lang="fr-FR">
+                                <a:latin typeface="Times New Roman" panose="02020603050405020304" pitchFamily="18" charset="0"/>
                                 <a:cs typeface="Times New Roman" panose="02020603050405020304" pitchFamily="18" charset="0"/>
                               </a:rPr>
                               <m:t>%, </m:t>
                             </m:r>
                             <m:r>
-                              <a:rPr lang="fr-FR" sz="1800" i="1">
-                                <a:latin typeface="Cambria Math" panose="02040503050406030204" pitchFamily="18" charset="0"/>
+                              <a:rPr lang="fr-FR">
+                                <a:latin typeface="Times New Roman" panose="02020603050405020304" pitchFamily="18" charset="0"/>
                                 <a:cs typeface="Times New Roman" panose="02020603050405020304" pitchFamily="18" charset="0"/>
                               </a:rPr>
                               <m:t>𝑣𝑎𝑙</m:t>
@@ -13765,9 +13653,8 @@
                       </m:sub>
                     </m:sSub>
                     <m:r>
-                      <a:rPr lang="fr-FR" sz="1800" i="1" smtClean="0">
-                        <a:latin typeface="Cambria Math" panose="02040503050406030204" pitchFamily="18" charset="0"/>
-                        <a:ea typeface="Cambria Math" panose="02040503050406030204" pitchFamily="18" charset="0"/>
+                      <a:rPr lang="fr-FR">
+                        <a:latin typeface="Times New Roman" panose="02020603050405020304" pitchFamily="18" charset="0"/>
                         <a:cs typeface="Times New Roman" panose="02020603050405020304" pitchFamily="18" charset="0"/>
                       </a:rPr>
                       <m:t>→</m:t>
@@ -13775,28 +13662,23 @@
                     <m:sSub>
                       <m:sSubPr>
                         <m:ctrlPr>
-                          <a:rPr lang="fr-FR" sz="1800" b="0" i="1" smtClean="0">
-                            <a:solidFill>
-                              <a:schemeClr val="accent2">
-                                <a:lumMod val="75000"/>
-                              </a:schemeClr>
-                            </a:solidFill>
-                            <a:latin typeface="Cambria Math" panose="02040503050406030204" pitchFamily="18" charset="0"/>
-                            <a:ea typeface="Cambria Math" panose="02040503050406030204" pitchFamily="18" charset="0"/>
+                          <a:rPr lang="fr-FR">
+                            <a:latin typeface="Times New Roman" panose="02020603050405020304" pitchFamily="18" charset="0"/>
                             <a:cs typeface="Times New Roman" panose="02020603050405020304" pitchFamily="18" charset="0"/>
                           </a:rPr>
                         </m:ctrlPr>
                       </m:sSubPr>
                       <m:e>
                         <m:r>
-                          <a:rPr lang="fr-FR" sz="1800" i="1" smtClean="0">
-                            <a:solidFill>
-                              <a:schemeClr val="accent2">
-                                <a:lumMod val="75000"/>
-                              </a:schemeClr>
-                            </a:solidFill>
-                            <a:latin typeface="Cambria Math" panose="02040503050406030204" pitchFamily="18" charset="0"/>
-                            <a:ea typeface="Cambria Math" panose="02040503050406030204" pitchFamily="18" charset="0"/>
+                          <a:rPr lang="fr-FR">
+                            <a:latin typeface="Times New Roman" panose="02020603050405020304" pitchFamily="18" charset="0"/>
+                            <a:cs typeface="Times New Roman" panose="02020603050405020304" pitchFamily="18" charset="0"/>
+                          </a:rPr>
+                          <m:t>|</m:t>
+                        </m:r>
+                        <m:r>
+                          <a:rPr lang="fr-FR">
+                            <a:latin typeface="Times New Roman" panose="02020603050405020304" pitchFamily="18" charset="0"/>
                             <a:cs typeface="Times New Roman" panose="02020603050405020304" pitchFamily="18" charset="0"/>
                           </a:rPr>
                           <m:t>𝛿</m:t>
@@ -13804,14 +13686,8 @@
                       </m:e>
                       <m:sub>
                         <m:r>
-                          <a:rPr lang="fr-FR" sz="1800" b="0" i="1" smtClean="0">
-                            <a:solidFill>
-                              <a:schemeClr val="accent2">
-                                <a:lumMod val="75000"/>
-                              </a:schemeClr>
-                            </a:solidFill>
-                            <a:latin typeface="Cambria Math" panose="02040503050406030204" pitchFamily="18" charset="0"/>
-                            <a:ea typeface="Cambria Math" panose="02040503050406030204" pitchFamily="18" charset="0"/>
+                          <a:rPr lang="fr-FR">
+                            <a:latin typeface="Times New Roman" panose="02020603050405020304" pitchFamily="18" charset="0"/>
                             <a:cs typeface="Times New Roman" panose="02020603050405020304" pitchFamily="18" charset="0"/>
                           </a:rPr>
                           <m:t>𝑚𝑜𝑑𝑒𝑙</m:t>
@@ -13819,52 +13695,122 @@
                       </m:sub>
                     </m:sSub>
                     <m:r>
-                      <a:rPr lang="fr-FR" sz="1800" b="0" i="1" smtClean="0">
-                        <a:latin typeface="Cambria Math" panose="02040503050406030204" pitchFamily="18" charset="0"/>
-                        <a:ea typeface="Cambria Math" panose="02040503050406030204" pitchFamily="18" charset="0"/>
+                      <a:rPr lang="fr-FR">
+                        <a:latin typeface="Times New Roman" panose="02020603050405020304" pitchFamily="18" charset="0"/>
                         <a:cs typeface="Times New Roman" panose="02020603050405020304" pitchFamily="18" charset="0"/>
                       </a:rPr>
-                      <m:t>≈</m:t>
+                      <m:t>|&lt;</m:t>
                     </m:r>
                     <m:r>
-                      <a:rPr lang="fr-FR" sz="1800" b="0" i="1" smtClean="0">
-                        <a:latin typeface="Cambria Math" panose="02040503050406030204" pitchFamily="18" charset="0"/>
-                        <a:ea typeface="Cambria Math" panose="02040503050406030204" pitchFamily="18" charset="0"/>
+                      <a:rPr lang="fr-FR">
+                        <a:latin typeface="Times New Roman" panose="02020603050405020304" pitchFamily="18" charset="0"/>
                         <a:cs typeface="Times New Roman" panose="02020603050405020304" pitchFamily="18" charset="0"/>
                       </a:rPr>
                       <m:t>𝐸</m:t>
                     </m:r>
+                    <m:r>
+                      <a:rPr lang="fr-FR">
+                        <a:latin typeface="Times New Roman" panose="02020603050405020304" pitchFamily="18" charset="0"/>
+                        <a:cs typeface="Times New Roman" panose="02020603050405020304" pitchFamily="18" charset="0"/>
+                      </a:rPr>
+                      <m:t>+</m:t>
+                    </m:r>
+                    <m:sSub>
+                      <m:sSubPr>
+                        <m:ctrlPr>
+                          <a:rPr lang="fr-FR">
+                            <a:latin typeface="Times New Roman" panose="02020603050405020304" pitchFamily="18" charset="0"/>
+                            <a:cs typeface="Times New Roman" panose="02020603050405020304" pitchFamily="18" charset="0"/>
+                          </a:rPr>
+                        </m:ctrlPr>
+                      </m:sSubPr>
+                      <m:e>
+                        <m:r>
+                          <a:rPr lang="fr-FR">
+                            <a:latin typeface="Times New Roman" panose="02020603050405020304" pitchFamily="18" charset="0"/>
+                            <a:cs typeface="Times New Roman" panose="02020603050405020304" pitchFamily="18" charset="0"/>
+                          </a:rPr>
+                          <m:t>𝑈</m:t>
+                        </m:r>
+                      </m:e>
+                      <m:sub>
+                        <m:d>
+                          <m:dPr>
+                            <m:ctrlPr>
+                              <a:rPr lang="fr-FR">
+                                <a:latin typeface="Times New Roman" panose="02020603050405020304" pitchFamily="18" charset="0"/>
+                                <a:cs typeface="Times New Roman" panose="02020603050405020304" pitchFamily="18" charset="0"/>
+                              </a:rPr>
+                            </m:ctrlPr>
+                          </m:dPr>
+                          <m:e>
+                            <m:r>
+                              <a:rPr lang="fr-FR">
+                                <a:latin typeface="Times New Roman" panose="02020603050405020304" pitchFamily="18" charset="0"/>
+                                <a:cs typeface="Times New Roman" panose="02020603050405020304" pitchFamily="18" charset="0"/>
+                              </a:rPr>
+                              <m:t>%, </m:t>
+                            </m:r>
+                            <m:r>
+                              <a:rPr lang="fr-FR">
+                                <a:latin typeface="Times New Roman" panose="02020603050405020304" pitchFamily="18" charset="0"/>
+                                <a:cs typeface="Times New Roman" panose="02020603050405020304" pitchFamily="18" charset="0"/>
+                              </a:rPr>
+                              <m:t>𝑣𝑎𝑙</m:t>
+                            </m:r>
+                          </m:e>
+                        </m:d>
+                      </m:sub>
+                    </m:sSub>
+                    <m:r>
+                      <a:rPr lang="fr-FR">
+                        <a:latin typeface="Times New Roman" panose="02020603050405020304" pitchFamily="18" charset="0"/>
+                        <a:cs typeface="Times New Roman" panose="02020603050405020304" pitchFamily="18" charset="0"/>
+                      </a:rPr>
+                      <m:t>=−22.622 </m:t>
+                    </m:r>
+                    <m:r>
+                      <a:rPr lang="fr-FR">
+                        <a:latin typeface="Times New Roman" panose="02020603050405020304" pitchFamily="18" charset="0"/>
+                        <a:cs typeface="Times New Roman" panose="02020603050405020304" pitchFamily="18" charset="0"/>
+                      </a:rPr>
+                      <m:t>𝜇</m:t>
+                    </m:r>
+                    <m:r>
+                      <a:rPr lang="fr-FR">
+                        <a:latin typeface="Times New Roman" panose="02020603050405020304" pitchFamily="18" charset="0"/>
+                        <a:cs typeface="Times New Roman" panose="02020603050405020304" pitchFamily="18" charset="0"/>
+                      </a:rPr>
+                      <m:t>𝑚</m:t>
+                    </m:r>
+                    <m:r>
+                      <a:rPr lang="fr-FR">
+                        <a:latin typeface="Times New Roman" panose="02020603050405020304" pitchFamily="18" charset="0"/>
+                        <a:cs typeface="Times New Roman" panose="02020603050405020304" pitchFamily="18" charset="0"/>
+                      </a:rPr>
+                      <m:t>²</m:t>
+                    </m:r>
                   </m:oMath>
                 </a14:m>
-                <a:r>
-                  <a:rPr lang="fr-FR" sz="1800" dirty="0">
-                    <a:latin typeface="+mj-lt"/>
-                    <a:cs typeface="Times New Roman" panose="02020603050405020304" pitchFamily="18" charset="0"/>
-                  </a:rPr>
-                  <a:t>. </a:t>
-                </a:r>
                 <a:r>
                   <a:rPr lang="fr-FR" dirty="0">
                     <a:latin typeface="Times New Roman" panose="02020603050405020304" pitchFamily="18" charset="0"/>
                     <a:cs typeface="Times New Roman" panose="02020603050405020304" pitchFamily="18" charset="0"/>
                   </a:rPr>
-                  <a:t>D’après le résumé d’article réalisé, cela s’agit donc d’un cas désiré étant donné que nous somme ici capable de pouvoir chiffrer l’erreur du modèle. </a:t>
+                  <a:t> (cas 3a). D’après le résumé d’article réalisé, cela s’agit donc d’un cas moyennement désiré étant donné que nous ne somme pas capable de pouvoir chiffrer l’erreur du modèle. Néanmoins, nous connaissons déjà le signe de l’erreur du modèle et nous pouvons dire que la simulation sous-prédis donc (comme nous avons pu le voir). </a:t>
                 </a:r>
               </a:p>
               <a:p>
                 <a:pPr algn="just"/>
-                <a:r>
-                  <a:rPr lang="fr-FR" dirty="0">
-                    <a:latin typeface="Times New Roman" panose="02020603050405020304" pitchFamily="18" charset="0"/>
-                    <a:cs typeface="Times New Roman" panose="02020603050405020304" pitchFamily="18" charset="0"/>
-                  </a:rPr>
-                  <a:t> </a:t>
-                </a:r>
+                <a:endParaRPr lang="fr-FR" dirty="0">
+                  <a:latin typeface="Times New Roman" panose="02020603050405020304" pitchFamily="18" charset="0"/>
+                  <a:cs typeface="Times New Roman" panose="02020603050405020304" pitchFamily="18" charset="0"/>
+                </a:endParaRPr>
               </a:p>
             </p:txBody>
           </p:sp>
         </mc:Choice>
-        <mc:Fallback xmlns="">
+        <mc:Fallback>
           <p:sp>
             <p:nvSpPr>
               <p:cNvPr id="2" name="TextBox 1">
@@ -13882,7 +13828,7 @@
             <p:spPr>
               <a:xfrm>
                 <a:off x="0" y="627468"/>
-                <a:ext cx="12192000" cy="1219886"/>
+                <a:ext cx="12192000" cy="1519903"/>
               </a:xfrm>
               <a:prstGeom prst="rect">
                 <a:avLst/>
@@ -13890,7 +13836,7 @@
               <a:blipFill>
                 <a:blip r:embed="rId2"/>
                 <a:stretch>
-                  <a:fillRect l="-400" t="-3000" r="-400"/>
+                  <a:fillRect l="-400" t="-2410" r="-400"/>
                 </a:stretch>
               </a:blipFill>
             </p:spPr>
@@ -13909,6 +13855,971 @@
           </p:sp>
         </mc:Fallback>
       </mc:AlternateContent>
+      <p:cxnSp>
+        <p:nvCxnSpPr>
+          <p:cNvPr id="4" name="Straight Arrow Connector 3">
+            <a:extLst>
+              <a:ext uri="{FF2B5EF4-FFF2-40B4-BE49-F238E27FC236}">
+                <a16:creationId xmlns:a16="http://schemas.microsoft.com/office/drawing/2014/main" id="{DE604380-F518-97E0-EF22-ECD626000716}"/>
+              </a:ext>
+            </a:extLst>
+          </p:cNvPr>
+          <p:cNvCxnSpPr>
+            <a:cxnSpLocks/>
+          </p:cNvCxnSpPr>
+          <p:nvPr/>
+        </p:nvCxnSpPr>
+        <p:spPr>
+          <a:xfrm flipV="1">
+            <a:off x="5004501" y="2285871"/>
+            <a:ext cx="0" cy="2800320"/>
+          </a:xfrm>
+          <a:prstGeom prst="straightConnector1">
+            <a:avLst/>
+          </a:prstGeom>
+          <a:ln>
+            <a:tailEnd type="triangle"/>
+          </a:ln>
+        </p:spPr>
+        <p:style>
+          <a:lnRef idx="2">
+            <a:schemeClr val="dk1"/>
+          </a:lnRef>
+          <a:fillRef idx="0">
+            <a:schemeClr val="dk1"/>
+          </a:fillRef>
+          <a:effectRef idx="1">
+            <a:schemeClr val="dk1"/>
+          </a:effectRef>
+          <a:fontRef idx="minor">
+            <a:schemeClr val="tx1"/>
+          </a:fontRef>
+        </p:style>
+      </p:cxnSp>
+      <p:cxnSp>
+        <p:nvCxnSpPr>
+          <p:cNvPr id="6" name="Straight Arrow Connector 5">
+            <a:extLst>
+              <a:ext uri="{FF2B5EF4-FFF2-40B4-BE49-F238E27FC236}">
+                <a16:creationId xmlns:a16="http://schemas.microsoft.com/office/drawing/2014/main" id="{98BE1646-544E-A81E-CE20-138402FB0BD3}"/>
+              </a:ext>
+            </a:extLst>
+          </p:cNvPr>
+          <p:cNvCxnSpPr>
+            <a:cxnSpLocks/>
+          </p:cNvCxnSpPr>
+          <p:nvPr/>
+        </p:nvCxnSpPr>
+        <p:spPr>
+          <a:xfrm>
+            <a:off x="4797447" y="3686031"/>
+            <a:ext cx="2597106" cy="0"/>
+          </a:xfrm>
+          <a:prstGeom prst="straightConnector1">
+            <a:avLst/>
+          </a:prstGeom>
+          <a:ln>
+            <a:tailEnd type="triangle"/>
+          </a:ln>
+        </p:spPr>
+        <p:style>
+          <a:lnRef idx="2">
+            <a:schemeClr val="dk1"/>
+          </a:lnRef>
+          <a:fillRef idx="0">
+            <a:schemeClr val="dk1"/>
+          </a:fillRef>
+          <a:effectRef idx="1">
+            <a:schemeClr val="dk1"/>
+          </a:effectRef>
+          <a:fontRef idx="minor">
+            <a:schemeClr val="tx1"/>
+          </a:fontRef>
+        </p:style>
+      </p:cxnSp>
+      <mc:AlternateContent xmlns:mc="http://schemas.openxmlformats.org/markup-compatibility/2006">
+        <mc:Choice xmlns:a14="http://schemas.microsoft.com/office/drawing/2010/main" Requires="a14">
+          <p:sp>
+            <p:nvSpPr>
+              <p:cNvPr id="8" name="TextBox 7">
+                <a:extLst>
+                  <a:ext uri="{FF2B5EF4-FFF2-40B4-BE49-F238E27FC236}">
+                    <a16:creationId xmlns:a16="http://schemas.microsoft.com/office/drawing/2014/main" id="{C712FDFE-3676-4243-BCC9-29592891991D}"/>
+                  </a:ext>
+                </a:extLst>
+              </p:cNvPr>
+              <p:cNvSpPr txBox="1"/>
+              <p:nvPr/>
+            </p:nvSpPr>
+            <p:spPr>
+              <a:xfrm>
+                <a:off x="3830745" y="2273822"/>
+                <a:ext cx="1070229" cy="276999"/>
+              </a:xfrm>
+              <a:prstGeom prst="rect">
+                <a:avLst/>
+              </a:prstGeom>
+              <a:noFill/>
+            </p:spPr>
+            <p:txBody>
+              <a:bodyPr wrap="none" lIns="0" tIns="0" rIns="0" bIns="0" rtlCol="0">
+                <a:spAutoFit/>
+              </a:bodyPr>
+              <a:lstStyle/>
+              <a:p>
+                <a14:m>
+                  <m:oMathPara xmlns:m="http://schemas.openxmlformats.org/officeDocument/2006/math">
+                    <m:oMathParaPr>
+                      <m:jc m:val="centerGroup"/>
+                    </m:oMathParaPr>
+                    <m:oMath xmlns:m="http://schemas.openxmlformats.org/officeDocument/2006/math">
+                      <m:r>
+                        <a:rPr lang="fr-FR" b="0" i="1" smtClean="0">
+                          <a:latin typeface="Cambria Math" panose="02040503050406030204" pitchFamily="18" charset="0"/>
+                        </a:rPr>
+                        <m:t>𝐸</m:t>
+                      </m:r>
+                      <m:r>
+                        <a:rPr lang="fr-FR" b="0" i="1" smtClean="0">
+                          <a:latin typeface="Cambria Math" panose="02040503050406030204" pitchFamily="18" charset="0"/>
+                        </a:rPr>
+                        <m:t>=</m:t>
+                      </m:r>
+                      <m:r>
+                        <a:rPr lang="fr-FR" b="0" i="1" smtClean="0">
+                          <a:latin typeface="Cambria Math" panose="02040503050406030204" pitchFamily="18" charset="0"/>
+                        </a:rPr>
+                        <m:t>𝑆</m:t>
+                      </m:r>
+                      <m:r>
+                        <a:rPr lang="fr-FR" b="0" i="1" smtClean="0">
+                          <a:latin typeface="Cambria Math" panose="02040503050406030204" pitchFamily="18" charset="0"/>
+                        </a:rPr>
+                        <m:t>−</m:t>
+                      </m:r>
+                      <m:r>
+                        <a:rPr lang="fr-FR" b="0" i="1" smtClean="0">
+                          <a:latin typeface="Cambria Math" panose="02040503050406030204" pitchFamily="18" charset="0"/>
+                        </a:rPr>
+                        <m:t>𝐷</m:t>
+                      </m:r>
+                    </m:oMath>
+                  </m:oMathPara>
+                </a14:m>
+                <a:endParaRPr lang="en-GB" dirty="0"/>
+              </a:p>
+            </p:txBody>
+          </p:sp>
+        </mc:Choice>
+        <mc:Fallback>
+          <p:sp>
+            <p:nvSpPr>
+              <p:cNvPr id="8" name="TextBox 7">
+                <a:extLst>
+                  <a:ext uri="{FF2B5EF4-FFF2-40B4-BE49-F238E27FC236}">
+                    <a16:creationId xmlns:a16="http://schemas.microsoft.com/office/drawing/2014/main" id="{C712FDFE-3676-4243-BCC9-29592891991D}"/>
+                  </a:ext>
+                </a:extLst>
+              </p:cNvPr>
+              <p:cNvSpPr txBox="1">
+                <a:spLocks noRot="1" noChangeAspect="1" noMove="1" noResize="1" noEditPoints="1" noAdjustHandles="1" noChangeArrowheads="1" noChangeShapeType="1" noTextEdit="1"/>
+              </p:cNvSpPr>
+              <p:nvPr/>
+            </p:nvSpPr>
+            <p:spPr>
+              <a:xfrm>
+                <a:off x="3830745" y="2273822"/>
+                <a:ext cx="1070229" cy="276999"/>
+              </a:xfrm>
+              <a:prstGeom prst="rect">
+                <a:avLst/>
+              </a:prstGeom>
+              <a:blipFill>
+                <a:blip r:embed="rId3"/>
+                <a:stretch>
+                  <a:fillRect l="-4545" r="-4545" b="-8889"/>
+                </a:stretch>
+              </a:blipFill>
+            </p:spPr>
+            <p:txBody>
+              <a:bodyPr/>
+              <a:lstStyle/>
+              <a:p>
+                <a:r>
+                  <a:rPr lang="en-GB">
+                    <a:noFill/>
+                  </a:rPr>
+                  <a:t> </a:t>
+                </a:r>
+              </a:p>
+            </p:txBody>
+          </p:sp>
+        </mc:Fallback>
+      </mc:AlternateContent>
+      <mc:AlternateContent xmlns:mc="http://schemas.openxmlformats.org/markup-compatibility/2006">
+        <mc:Choice xmlns:a14="http://schemas.microsoft.com/office/drawing/2010/main" Requires="a14">
+          <p:sp>
+            <p:nvSpPr>
+              <p:cNvPr id="10" name="TextBox 9">
+                <a:extLst>
+                  <a:ext uri="{FF2B5EF4-FFF2-40B4-BE49-F238E27FC236}">
+                    <a16:creationId xmlns:a16="http://schemas.microsoft.com/office/drawing/2014/main" id="{122D42A1-AE2A-C892-F728-6068959571B4}"/>
+                  </a:ext>
+                </a:extLst>
+              </p:cNvPr>
+              <p:cNvSpPr txBox="1"/>
+              <p:nvPr/>
+            </p:nvSpPr>
+            <p:spPr>
+              <a:xfrm>
+                <a:off x="7498080" y="3547531"/>
+                <a:ext cx="478016" cy="276999"/>
+              </a:xfrm>
+              <a:prstGeom prst="rect">
+                <a:avLst/>
+              </a:prstGeom>
+              <a:noFill/>
+            </p:spPr>
+            <p:txBody>
+              <a:bodyPr wrap="none" lIns="0" tIns="0" rIns="0" bIns="0" rtlCol="0">
+                <a:spAutoFit/>
+              </a:bodyPr>
+              <a:lstStyle/>
+              <a:p>
+                <a14:m>
+                  <m:oMathPara xmlns:m="http://schemas.openxmlformats.org/officeDocument/2006/math">
+                    <m:oMathParaPr>
+                      <m:jc m:val="centerGroup"/>
+                    </m:oMathParaPr>
+                    <m:oMath xmlns:m="http://schemas.openxmlformats.org/officeDocument/2006/math">
+                      <m:r>
+                        <a:rPr lang="fr-FR" b="0" i="1" smtClean="0">
+                          <a:latin typeface="Cambria Math" panose="02040503050406030204" pitchFamily="18" charset="0"/>
+                        </a:rPr>
+                        <m:t>𝑆𝑅𝑄</m:t>
+                      </m:r>
+                    </m:oMath>
+                  </m:oMathPara>
+                </a14:m>
+                <a:endParaRPr lang="en-GB" dirty="0"/>
+              </a:p>
+            </p:txBody>
+          </p:sp>
+        </mc:Choice>
+        <mc:Fallback>
+          <p:sp>
+            <p:nvSpPr>
+              <p:cNvPr id="10" name="TextBox 9">
+                <a:extLst>
+                  <a:ext uri="{FF2B5EF4-FFF2-40B4-BE49-F238E27FC236}">
+                    <a16:creationId xmlns:a16="http://schemas.microsoft.com/office/drawing/2014/main" id="{122D42A1-AE2A-C892-F728-6068959571B4}"/>
+                  </a:ext>
+                </a:extLst>
+              </p:cNvPr>
+              <p:cNvSpPr txBox="1">
+                <a:spLocks noRot="1" noChangeAspect="1" noMove="1" noResize="1" noEditPoints="1" noAdjustHandles="1" noChangeArrowheads="1" noChangeShapeType="1" noTextEdit="1"/>
+              </p:cNvSpPr>
+              <p:nvPr/>
+            </p:nvSpPr>
+            <p:spPr>
+              <a:xfrm>
+                <a:off x="7498080" y="3547531"/>
+                <a:ext cx="478016" cy="276999"/>
+              </a:xfrm>
+              <a:prstGeom prst="rect">
+                <a:avLst/>
+              </a:prstGeom>
+              <a:blipFill>
+                <a:blip r:embed="rId4"/>
+                <a:stretch>
+                  <a:fillRect l="-16667" r="-16667" b="-31111"/>
+                </a:stretch>
+              </a:blipFill>
+            </p:spPr>
+            <p:txBody>
+              <a:bodyPr/>
+              <a:lstStyle/>
+              <a:p>
+                <a:r>
+                  <a:rPr lang="en-GB">
+                    <a:noFill/>
+                  </a:rPr>
+                  <a:t> </a:t>
+                </a:r>
+              </a:p>
+            </p:txBody>
+          </p:sp>
+        </mc:Fallback>
+      </mc:AlternateContent>
+      <mc:AlternateContent xmlns:mc="http://schemas.openxmlformats.org/markup-compatibility/2006">
+        <mc:Choice xmlns:a14="http://schemas.microsoft.com/office/drawing/2010/main" Requires="a14">
+          <p:sp>
+            <p:nvSpPr>
+              <p:cNvPr id="11" name="TextBox 10">
+                <a:extLst>
+                  <a:ext uri="{FF2B5EF4-FFF2-40B4-BE49-F238E27FC236}">
+                    <a16:creationId xmlns:a16="http://schemas.microsoft.com/office/drawing/2014/main" id="{86F8990E-0971-B834-7BF5-82BD5E91EB37}"/>
+                  </a:ext>
+                </a:extLst>
+              </p:cNvPr>
+              <p:cNvSpPr txBox="1"/>
+              <p:nvPr/>
+            </p:nvSpPr>
+            <p:spPr>
+              <a:xfrm>
+                <a:off x="1510527" y="3359237"/>
+                <a:ext cx="1841273" cy="276999"/>
+              </a:xfrm>
+              <a:prstGeom prst="rect">
+                <a:avLst/>
+              </a:prstGeom>
+              <a:noFill/>
+            </p:spPr>
+            <p:txBody>
+              <a:bodyPr wrap="none" lIns="0" tIns="0" rIns="0" bIns="0" rtlCol="0">
+                <a:spAutoFit/>
+              </a:bodyPr>
+              <a:lstStyle/>
+              <a:p>
+                <a14:m>
+                  <m:oMathPara xmlns:m="http://schemas.openxmlformats.org/officeDocument/2006/math">
+                    <m:oMathParaPr>
+                      <m:jc m:val="centerGroup"/>
+                    </m:oMathParaPr>
+                    <m:oMath xmlns:m="http://schemas.openxmlformats.org/officeDocument/2006/math">
+                      <m:r>
+                        <a:rPr lang="fr-FR" b="0" i="1" smtClean="0">
+                          <a:latin typeface="Cambria Math" panose="02040503050406030204" pitchFamily="18" charset="0"/>
+                        </a:rPr>
+                        <m:t>𝐸</m:t>
+                      </m:r>
+                      <m:r>
+                        <a:rPr lang="fr-FR" b="0" i="1" smtClean="0">
+                          <a:latin typeface="Cambria Math" panose="02040503050406030204" pitchFamily="18" charset="0"/>
+                        </a:rPr>
+                        <m:t>=−58.</m:t>
+                      </m:r>
+                      <m:r>
+                        <a:rPr lang="fr-FR" i="1">
+                          <a:latin typeface="Cambria Math" panose="02040503050406030204" pitchFamily="18" charset="0"/>
+                          <a:cs typeface="Times New Roman" panose="02020603050405020304" pitchFamily="18" charset="0"/>
+                        </a:rPr>
+                        <m:t>605 </m:t>
+                      </m:r>
+                      <m:r>
+                        <a:rPr lang="fr-FR" i="1">
+                          <a:latin typeface="Cambria Math" panose="02040503050406030204" pitchFamily="18" charset="0"/>
+                          <a:ea typeface="Cambria Math" panose="02040503050406030204" pitchFamily="18" charset="0"/>
+                          <a:cs typeface="Times New Roman" panose="02020603050405020304" pitchFamily="18" charset="0"/>
+                        </a:rPr>
+                        <m:t>𝜇</m:t>
+                      </m:r>
+                      <m:r>
+                        <a:rPr lang="fr-FR" i="1">
+                          <a:latin typeface="Cambria Math" panose="02040503050406030204" pitchFamily="18" charset="0"/>
+                          <a:ea typeface="Cambria Math" panose="02040503050406030204" pitchFamily="18" charset="0"/>
+                          <a:cs typeface="Times New Roman" panose="02020603050405020304" pitchFamily="18" charset="0"/>
+                        </a:rPr>
+                        <m:t>𝑚</m:t>
+                      </m:r>
+                      <m:r>
+                        <a:rPr lang="fr-FR" i="1">
+                          <a:latin typeface="Cambria Math" panose="02040503050406030204" pitchFamily="18" charset="0"/>
+                          <a:ea typeface="Cambria Math" panose="02040503050406030204" pitchFamily="18" charset="0"/>
+                          <a:cs typeface="Times New Roman" panose="02020603050405020304" pitchFamily="18" charset="0"/>
+                        </a:rPr>
+                        <m:t>²</m:t>
+                      </m:r>
+                    </m:oMath>
+                  </m:oMathPara>
+                </a14:m>
+                <a:endParaRPr lang="fr-FR" dirty="0">
+                  <a:latin typeface="Times New Roman" panose="02020603050405020304" pitchFamily="18" charset="0"/>
+                  <a:cs typeface="Times New Roman" panose="02020603050405020304" pitchFamily="18" charset="0"/>
+                </a:endParaRPr>
+              </a:p>
+            </p:txBody>
+          </p:sp>
+        </mc:Choice>
+        <mc:Fallback>
+          <p:sp>
+            <p:nvSpPr>
+              <p:cNvPr id="11" name="TextBox 10">
+                <a:extLst>
+                  <a:ext uri="{FF2B5EF4-FFF2-40B4-BE49-F238E27FC236}">
+                    <a16:creationId xmlns:a16="http://schemas.microsoft.com/office/drawing/2014/main" id="{86F8990E-0971-B834-7BF5-82BD5E91EB37}"/>
+                  </a:ext>
+                </a:extLst>
+              </p:cNvPr>
+              <p:cNvSpPr txBox="1">
+                <a:spLocks noRot="1" noChangeAspect="1" noMove="1" noResize="1" noEditPoints="1" noAdjustHandles="1" noChangeArrowheads="1" noChangeShapeType="1" noTextEdit="1"/>
+              </p:cNvSpPr>
+              <p:nvPr/>
+            </p:nvSpPr>
+            <p:spPr>
+              <a:xfrm>
+                <a:off x="1510527" y="3359237"/>
+                <a:ext cx="1841273" cy="276999"/>
+              </a:xfrm>
+              <a:prstGeom prst="rect">
+                <a:avLst/>
+              </a:prstGeom>
+              <a:blipFill>
+                <a:blip r:embed="rId5"/>
+                <a:stretch>
+                  <a:fillRect l="-2649" t="-11111" r="-4305" b="-40000"/>
+                </a:stretch>
+              </a:blipFill>
+            </p:spPr>
+            <p:txBody>
+              <a:bodyPr/>
+              <a:lstStyle/>
+              <a:p>
+                <a:r>
+                  <a:rPr lang="en-GB">
+                    <a:noFill/>
+                  </a:rPr>
+                  <a:t> </a:t>
+                </a:r>
+              </a:p>
+            </p:txBody>
+          </p:sp>
+        </mc:Fallback>
+      </mc:AlternateContent>
+      <mc:AlternateContent xmlns:mc="http://schemas.openxmlformats.org/markup-compatibility/2006">
+        <mc:Choice xmlns:a14="http://schemas.microsoft.com/office/drawing/2010/main" Requires="a14">
+          <p:sp>
+            <p:nvSpPr>
+              <p:cNvPr id="12" name="TextBox 11">
+                <a:extLst>
+                  <a:ext uri="{FF2B5EF4-FFF2-40B4-BE49-F238E27FC236}">
+                    <a16:creationId xmlns:a16="http://schemas.microsoft.com/office/drawing/2014/main" id="{31972B0B-29CA-09AD-C82A-FA7E5CE423E6}"/>
+                  </a:ext>
+                </a:extLst>
+              </p:cNvPr>
+              <p:cNvSpPr txBox="1"/>
+              <p:nvPr/>
+            </p:nvSpPr>
+            <p:spPr>
+              <a:xfrm>
+                <a:off x="1510526" y="3717507"/>
+                <a:ext cx="2260299" cy="300019"/>
+              </a:xfrm>
+              <a:prstGeom prst="rect">
+                <a:avLst/>
+              </a:prstGeom>
+              <a:noFill/>
+            </p:spPr>
+            <p:txBody>
+              <a:bodyPr wrap="none" lIns="0" tIns="0" rIns="0" bIns="0" rtlCol="0">
+                <a:spAutoFit/>
+              </a:bodyPr>
+              <a:lstStyle/>
+              <a:p>
+                <a14:m>
+                  <m:oMathPara xmlns:m="http://schemas.openxmlformats.org/officeDocument/2006/math">
+                    <m:oMathParaPr>
+                      <m:jc m:val="centerGroup"/>
+                    </m:oMathParaPr>
+                    <m:oMath xmlns:m="http://schemas.openxmlformats.org/officeDocument/2006/math">
+                      <m:sSub>
+                        <m:sSubPr>
+                          <m:ctrlPr>
+                            <a:rPr lang="fr-FR" i="1" smtClean="0">
+                              <a:latin typeface="Cambria Math" panose="02040503050406030204" pitchFamily="18" charset="0"/>
+                              <a:cs typeface="Times New Roman" panose="02020603050405020304" pitchFamily="18" charset="0"/>
+                            </a:rPr>
+                          </m:ctrlPr>
+                        </m:sSubPr>
+                        <m:e>
+                          <m:r>
+                            <a:rPr lang="fr-FR" i="1">
+                              <a:latin typeface="Cambria Math" panose="02040503050406030204" pitchFamily="18" charset="0"/>
+                              <a:cs typeface="Times New Roman" panose="02020603050405020304" pitchFamily="18" charset="0"/>
+                            </a:rPr>
+                            <m:t>𝑈</m:t>
+                          </m:r>
+                        </m:e>
+                        <m:sub>
+                          <m:d>
+                            <m:dPr>
+                              <m:ctrlPr>
+                                <a:rPr lang="fr-FR" i="1">
+                                  <a:latin typeface="Cambria Math" panose="02040503050406030204" pitchFamily="18" charset="0"/>
+                                  <a:cs typeface="Times New Roman" panose="02020603050405020304" pitchFamily="18" charset="0"/>
+                                </a:rPr>
+                              </m:ctrlPr>
+                            </m:dPr>
+                            <m:e>
+                              <m:r>
+                                <a:rPr lang="fr-FR" i="1">
+                                  <a:latin typeface="Cambria Math" panose="02040503050406030204" pitchFamily="18" charset="0"/>
+                                  <a:cs typeface="Times New Roman" panose="02020603050405020304" pitchFamily="18" charset="0"/>
+                                </a:rPr>
+                                <m:t>%, </m:t>
+                              </m:r>
+                              <m:r>
+                                <a:rPr lang="fr-FR" i="1">
+                                  <a:latin typeface="Cambria Math" panose="02040503050406030204" pitchFamily="18" charset="0"/>
+                                  <a:cs typeface="Times New Roman" panose="02020603050405020304" pitchFamily="18" charset="0"/>
+                                </a:rPr>
+                                <m:t>𝑣𝑎𝑙</m:t>
+                              </m:r>
+                            </m:e>
+                          </m:d>
+                        </m:sub>
+                      </m:sSub>
+                      <m:r>
+                        <a:rPr lang="fr-FR" b="0" i="1" smtClean="0">
+                          <a:latin typeface="Cambria Math" panose="02040503050406030204" pitchFamily="18" charset="0"/>
+                        </a:rPr>
+                        <m:t>=</m:t>
+                      </m:r>
+                      <m:r>
+                        <a:rPr lang="fr-FR" b="0" i="1" smtClean="0">
+                          <a:latin typeface="Cambria Math" panose="02040503050406030204" pitchFamily="18" charset="0"/>
+                          <a:cs typeface="Times New Roman" panose="02020603050405020304" pitchFamily="18" charset="0"/>
+                        </a:rPr>
+                        <m:t>35.983</m:t>
+                      </m:r>
+                      <m:r>
+                        <a:rPr lang="fr-FR" i="1">
+                          <a:latin typeface="Cambria Math" panose="02040503050406030204" pitchFamily="18" charset="0"/>
+                          <a:cs typeface="Times New Roman" panose="02020603050405020304" pitchFamily="18" charset="0"/>
+                        </a:rPr>
+                        <m:t> </m:t>
+                      </m:r>
+                      <m:r>
+                        <a:rPr lang="fr-FR" i="1">
+                          <a:latin typeface="Cambria Math" panose="02040503050406030204" pitchFamily="18" charset="0"/>
+                          <a:ea typeface="Cambria Math" panose="02040503050406030204" pitchFamily="18" charset="0"/>
+                          <a:cs typeface="Times New Roman" panose="02020603050405020304" pitchFamily="18" charset="0"/>
+                        </a:rPr>
+                        <m:t>𝜇</m:t>
+                      </m:r>
+                      <m:r>
+                        <a:rPr lang="fr-FR" i="1">
+                          <a:latin typeface="Cambria Math" panose="02040503050406030204" pitchFamily="18" charset="0"/>
+                          <a:ea typeface="Cambria Math" panose="02040503050406030204" pitchFamily="18" charset="0"/>
+                          <a:cs typeface="Times New Roman" panose="02020603050405020304" pitchFamily="18" charset="0"/>
+                        </a:rPr>
+                        <m:t>𝑚</m:t>
+                      </m:r>
+                      <m:r>
+                        <a:rPr lang="fr-FR" i="1">
+                          <a:latin typeface="Cambria Math" panose="02040503050406030204" pitchFamily="18" charset="0"/>
+                          <a:ea typeface="Cambria Math" panose="02040503050406030204" pitchFamily="18" charset="0"/>
+                          <a:cs typeface="Times New Roman" panose="02020603050405020304" pitchFamily="18" charset="0"/>
+                        </a:rPr>
+                        <m:t>²</m:t>
+                      </m:r>
+                    </m:oMath>
+                  </m:oMathPara>
+                </a14:m>
+                <a:endParaRPr lang="fr-FR" dirty="0">
+                  <a:latin typeface="Times New Roman" panose="02020603050405020304" pitchFamily="18" charset="0"/>
+                  <a:cs typeface="Times New Roman" panose="02020603050405020304" pitchFamily="18" charset="0"/>
+                </a:endParaRPr>
+              </a:p>
+            </p:txBody>
+          </p:sp>
+        </mc:Choice>
+        <mc:Fallback>
+          <p:sp>
+            <p:nvSpPr>
+              <p:cNvPr id="12" name="TextBox 11">
+                <a:extLst>
+                  <a:ext uri="{FF2B5EF4-FFF2-40B4-BE49-F238E27FC236}">
+                    <a16:creationId xmlns:a16="http://schemas.microsoft.com/office/drawing/2014/main" id="{31972B0B-29CA-09AD-C82A-FA7E5CE423E6}"/>
+                  </a:ext>
+                </a:extLst>
+              </p:cNvPr>
+              <p:cNvSpPr txBox="1">
+                <a:spLocks noRot="1" noChangeAspect="1" noMove="1" noResize="1" noEditPoints="1" noAdjustHandles="1" noChangeArrowheads="1" noChangeShapeType="1" noTextEdit="1"/>
+              </p:cNvSpPr>
+              <p:nvPr/>
+            </p:nvSpPr>
+            <p:spPr>
+              <a:xfrm>
+                <a:off x="1510526" y="3717507"/>
+                <a:ext cx="2260299" cy="300019"/>
+              </a:xfrm>
+              <a:prstGeom prst="rect">
+                <a:avLst/>
+              </a:prstGeom>
+              <a:blipFill>
+                <a:blip r:embed="rId6"/>
+                <a:stretch>
+                  <a:fillRect l="-2156" t="-10204" r="-3504" b="-26531"/>
+                </a:stretch>
+              </a:blipFill>
+            </p:spPr>
+            <p:txBody>
+              <a:bodyPr/>
+              <a:lstStyle/>
+              <a:p>
+                <a:r>
+                  <a:rPr lang="en-GB">
+                    <a:noFill/>
+                  </a:rPr>
+                  <a:t> </a:t>
+                </a:r>
+              </a:p>
+            </p:txBody>
+          </p:sp>
+        </mc:Fallback>
+      </mc:AlternateContent>
+      <mc:AlternateContent xmlns:mc="http://schemas.openxmlformats.org/markup-compatibility/2006">
+        <mc:Choice xmlns:a14="http://schemas.microsoft.com/office/drawing/2010/main" Requires="a14">
+          <p:sp>
+            <p:nvSpPr>
+              <p:cNvPr id="14" name="TextBox 13">
+                <a:extLst>
+                  <a:ext uri="{FF2B5EF4-FFF2-40B4-BE49-F238E27FC236}">
+                    <a16:creationId xmlns:a16="http://schemas.microsoft.com/office/drawing/2014/main" id="{E514ACF3-EF00-A414-2CD7-B79AAB74C874}"/>
+                  </a:ext>
+                </a:extLst>
+              </p:cNvPr>
+              <p:cNvSpPr txBox="1"/>
+              <p:nvPr/>
+            </p:nvSpPr>
+            <p:spPr>
+              <a:xfrm>
+                <a:off x="4839313" y="4362273"/>
+                <a:ext cx="6167470" cy="369332"/>
+              </a:xfrm>
+              <a:prstGeom prst="rect">
+                <a:avLst/>
+              </a:prstGeom>
+              <a:noFill/>
+            </p:spPr>
+            <p:txBody>
+              <a:bodyPr wrap="square">
+                <a:spAutoFit/>
+              </a:bodyPr>
+              <a:lstStyle/>
+              <a:p>
+                <a:pPr algn="just"/>
+                <a14:m>
+                  <m:oMathPara xmlns:m="http://schemas.openxmlformats.org/officeDocument/2006/math">
+                    <m:oMathParaPr>
+                      <m:jc m:val="centerGroup"/>
+                    </m:oMathParaPr>
+                    <m:oMath xmlns:m="http://schemas.openxmlformats.org/officeDocument/2006/math">
+                      <m:sSub>
+                        <m:sSubPr>
+                          <m:ctrlPr>
+                            <a:rPr lang="fr-FR" b="0" i="1" smtClean="0">
+                              <a:solidFill>
+                                <a:schemeClr val="accent2"/>
+                              </a:solidFill>
+                              <a:latin typeface="Cambria Math" panose="02040503050406030204" pitchFamily="18" charset="0"/>
+                              <a:ea typeface="Cambria Math" panose="02040503050406030204" pitchFamily="18" charset="0"/>
+                              <a:cs typeface="Times New Roman" panose="02020603050405020304" pitchFamily="18" charset="0"/>
+                            </a:rPr>
+                          </m:ctrlPr>
+                        </m:sSubPr>
+                        <m:e>
+                          <m:r>
+                            <a:rPr lang="fr-FR" i="1" smtClean="0">
+                              <a:solidFill>
+                                <a:schemeClr val="accent2"/>
+                              </a:solidFill>
+                              <a:latin typeface="Cambria Math" panose="02040503050406030204" pitchFamily="18" charset="0"/>
+                              <a:ea typeface="Cambria Math" panose="02040503050406030204" pitchFamily="18" charset="0"/>
+                              <a:cs typeface="Times New Roman" panose="02020603050405020304" pitchFamily="18" charset="0"/>
+                            </a:rPr>
+                            <m:t>𝛿</m:t>
+                          </m:r>
+                        </m:e>
+                        <m:sub>
+                          <m:r>
+                            <a:rPr lang="fr-FR" b="0" i="1" smtClean="0">
+                              <a:solidFill>
+                                <a:schemeClr val="accent2"/>
+                              </a:solidFill>
+                              <a:latin typeface="Cambria Math" panose="02040503050406030204" pitchFamily="18" charset="0"/>
+                              <a:ea typeface="Cambria Math" panose="02040503050406030204" pitchFamily="18" charset="0"/>
+                              <a:cs typeface="Times New Roman" panose="02020603050405020304" pitchFamily="18" charset="0"/>
+                            </a:rPr>
+                            <m:t>𝑚𝑜𝑑𝑒𝑙</m:t>
+                          </m:r>
+                        </m:sub>
+                      </m:sSub>
+                      <m:r>
+                        <a:rPr lang="fr-FR" b="0" i="1" smtClean="0">
+                          <a:latin typeface="Cambria Math" panose="02040503050406030204" pitchFamily="18" charset="0"/>
+                          <a:ea typeface="Cambria Math" panose="02040503050406030204" pitchFamily="18" charset="0"/>
+                          <a:cs typeface="Times New Roman" panose="02020603050405020304" pitchFamily="18" charset="0"/>
+                        </a:rPr>
+                        <m:t>∈</m:t>
+                      </m:r>
+                      <m:d>
+                        <m:dPr>
+                          <m:begChr m:val="["/>
+                          <m:endChr m:val="]"/>
+                          <m:ctrlPr>
+                            <a:rPr lang="fr-FR" b="0" i="1" smtClean="0">
+                              <a:latin typeface="Cambria Math" panose="02040503050406030204" pitchFamily="18" charset="0"/>
+                              <a:ea typeface="Cambria Math" panose="02040503050406030204" pitchFamily="18" charset="0"/>
+                              <a:cs typeface="Times New Roman" panose="02020603050405020304" pitchFamily="18" charset="0"/>
+                            </a:rPr>
+                          </m:ctrlPr>
+                        </m:dPr>
+                        <m:e>
+                          <m:r>
+                            <a:rPr lang="fr-FR" b="0" i="1" smtClean="0">
+                              <a:latin typeface="Cambria Math" panose="02040503050406030204" pitchFamily="18" charset="0"/>
+                              <a:ea typeface="Cambria Math" panose="02040503050406030204" pitchFamily="18" charset="0"/>
+                              <a:cs typeface="Times New Roman" panose="02020603050405020304" pitchFamily="18" charset="0"/>
+                            </a:rPr>
+                            <m:t>−94.588</m:t>
+                          </m:r>
+                          <m:r>
+                            <a:rPr lang="fr-FR" b="0" i="1" smtClean="0">
+                              <a:latin typeface="Cambria Math" panose="02040503050406030204" pitchFamily="18" charset="0"/>
+                              <a:cs typeface="Times New Roman" panose="02020603050405020304" pitchFamily="18" charset="0"/>
+                            </a:rPr>
+                            <m:t> ;</m:t>
+                          </m:r>
+                          <m:r>
+                            <a:rPr lang="fr-FR" i="1" smtClean="0">
+                              <a:latin typeface="Cambria Math" panose="02040503050406030204" pitchFamily="18" charset="0"/>
+                              <a:ea typeface="Cambria Math" panose="02040503050406030204" pitchFamily="18" charset="0"/>
+                              <a:cs typeface="Times New Roman" panose="02020603050405020304" pitchFamily="18" charset="0"/>
+                            </a:rPr>
+                            <m:t>−</m:t>
+                          </m:r>
+                          <m:r>
+                            <a:rPr lang="fr-FR" b="0" i="1" smtClean="0">
+                              <a:latin typeface="Cambria Math" panose="02040503050406030204" pitchFamily="18" charset="0"/>
+                              <a:ea typeface="Cambria Math" panose="02040503050406030204" pitchFamily="18" charset="0"/>
+                              <a:cs typeface="Times New Roman" panose="02020603050405020304" pitchFamily="18" charset="0"/>
+                            </a:rPr>
+                            <m:t>22.622</m:t>
+                          </m:r>
+                        </m:e>
+                      </m:d>
+                    </m:oMath>
+                  </m:oMathPara>
+                </a14:m>
+                <a:endParaRPr lang="fr-FR" dirty="0">
+                  <a:latin typeface="Times New Roman" panose="02020603050405020304" pitchFamily="18" charset="0"/>
+                  <a:cs typeface="Times New Roman" panose="02020603050405020304" pitchFamily="18" charset="0"/>
+                </a:endParaRPr>
+              </a:p>
+            </p:txBody>
+          </p:sp>
+        </mc:Choice>
+        <mc:Fallback>
+          <p:sp>
+            <p:nvSpPr>
+              <p:cNvPr id="14" name="TextBox 13">
+                <a:extLst>
+                  <a:ext uri="{FF2B5EF4-FFF2-40B4-BE49-F238E27FC236}">
+                    <a16:creationId xmlns:a16="http://schemas.microsoft.com/office/drawing/2014/main" id="{E514ACF3-EF00-A414-2CD7-B79AAB74C874}"/>
+                  </a:ext>
+                </a:extLst>
+              </p:cNvPr>
+              <p:cNvSpPr txBox="1">
+                <a:spLocks noRot="1" noChangeAspect="1" noMove="1" noResize="1" noEditPoints="1" noAdjustHandles="1" noChangeArrowheads="1" noChangeShapeType="1" noTextEdit="1"/>
+              </p:cNvSpPr>
+              <p:nvPr/>
+            </p:nvSpPr>
+            <p:spPr>
+              <a:xfrm>
+                <a:off x="4839313" y="4362273"/>
+                <a:ext cx="6167470" cy="369332"/>
+              </a:xfrm>
+              <a:prstGeom prst="rect">
+                <a:avLst/>
+              </a:prstGeom>
+              <a:blipFill>
+                <a:blip r:embed="rId7"/>
+                <a:stretch>
+                  <a:fillRect b="-1667"/>
+                </a:stretch>
+              </a:blipFill>
+            </p:spPr>
+            <p:txBody>
+              <a:bodyPr/>
+              <a:lstStyle/>
+              <a:p>
+                <a:r>
+                  <a:rPr lang="en-GB">
+                    <a:noFill/>
+                  </a:rPr>
+                  <a:t> </a:t>
+                </a:r>
+              </a:p>
+            </p:txBody>
+          </p:sp>
+        </mc:Fallback>
+      </mc:AlternateContent>
+      <p:cxnSp>
+        <p:nvCxnSpPr>
+          <p:cNvPr id="16" name="Straight Connector 15">
+            <a:extLst>
+              <a:ext uri="{FF2B5EF4-FFF2-40B4-BE49-F238E27FC236}">
+                <a16:creationId xmlns:a16="http://schemas.microsoft.com/office/drawing/2014/main" id="{61556B4C-F3A8-8734-1B9A-26DF21F4C480}"/>
+              </a:ext>
+            </a:extLst>
+          </p:cNvPr>
+          <p:cNvCxnSpPr/>
+          <p:nvPr/>
+        </p:nvCxnSpPr>
+        <p:spPr>
+          <a:xfrm>
+            <a:off x="6272048" y="4017526"/>
+            <a:ext cx="0" cy="1072055"/>
+          </a:xfrm>
+          <a:prstGeom prst="line">
+            <a:avLst/>
+          </a:prstGeom>
+        </p:spPr>
+        <p:style>
+          <a:lnRef idx="2">
+            <a:schemeClr val="accent2"/>
+          </a:lnRef>
+          <a:fillRef idx="0">
+            <a:schemeClr val="accent2"/>
+          </a:fillRef>
+          <a:effectRef idx="1">
+            <a:schemeClr val="accent2"/>
+          </a:effectRef>
+          <a:fontRef idx="minor">
+            <a:schemeClr val="tx1"/>
+          </a:fontRef>
+        </p:style>
+      </p:cxnSp>
+      <p:cxnSp>
+        <p:nvCxnSpPr>
+          <p:cNvPr id="17" name="Straight Connector 16">
+            <a:extLst>
+              <a:ext uri="{FF2B5EF4-FFF2-40B4-BE49-F238E27FC236}">
+                <a16:creationId xmlns:a16="http://schemas.microsoft.com/office/drawing/2014/main" id="{DB7D0DA1-DB6F-86A0-A592-0C8C8EDF1B09}"/>
+              </a:ext>
+            </a:extLst>
+          </p:cNvPr>
+          <p:cNvCxnSpPr>
+            <a:cxnSpLocks/>
+          </p:cNvCxnSpPr>
+          <p:nvPr/>
+        </p:nvCxnSpPr>
+        <p:spPr>
+          <a:xfrm flipH="1">
+            <a:off x="6190593" y="5086191"/>
+            <a:ext cx="162910" cy="0"/>
+          </a:xfrm>
+          <a:prstGeom prst="line">
+            <a:avLst/>
+          </a:prstGeom>
+        </p:spPr>
+        <p:style>
+          <a:lnRef idx="2">
+            <a:schemeClr val="accent2"/>
+          </a:lnRef>
+          <a:fillRef idx="0">
+            <a:schemeClr val="accent2"/>
+          </a:fillRef>
+          <a:effectRef idx="1">
+            <a:schemeClr val="accent2"/>
+          </a:effectRef>
+          <a:fontRef idx="minor">
+            <a:schemeClr val="tx1"/>
+          </a:fontRef>
+        </p:style>
+      </p:cxnSp>
+      <p:cxnSp>
+        <p:nvCxnSpPr>
+          <p:cNvPr id="19" name="Straight Connector 18">
+            <a:extLst>
+              <a:ext uri="{FF2B5EF4-FFF2-40B4-BE49-F238E27FC236}">
+                <a16:creationId xmlns:a16="http://schemas.microsoft.com/office/drawing/2014/main" id="{2339B692-A939-854D-EC0B-F59A3EE7A255}"/>
+              </a:ext>
+            </a:extLst>
+          </p:cNvPr>
+          <p:cNvCxnSpPr>
+            <a:cxnSpLocks/>
+          </p:cNvCxnSpPr>
+          <p:nvPr/>
+        </p:nvCxnSpPr>
+        <p:spPr>
+          <a:xfrm flipH="1">
+            <a:off x="6190593" y="4017526"/>
+            <a:ext cx="162910" cy="0"/>
+          </a:xfrm>
+          <a:prstGeom prst="line">
+            <a:avLst/>
+          </a:prstGeom>
+        </p:spPr>
+        <p:style>
+          <a:lnRef idx="2">
+            <a:schemeClr val="accent2"/>
+          </a:lnRef>
+          <a:fillRef idx="0">
+            <a:schemeClr val="accent2"/>
+          </a:fillRef>
+          <a:effectRef idx="1">
+            <a:schemeClr val="accent2"/>
+          </a:effectRef>
+          <a:fontRef idx="minor">
+            <a:schemeClr val="tx1"/>
+          </a:fontRef>
+        </p:style>
+      </p:cxnSp>
+      <p:sp>
+        <p:nvSpPr>
+          <p:cNvPr id="20" name="Oval 19">
+            <a:extLst>
+              <a:ext uri="{FF2B5EF4-FFF2-40B4-BE49-F238E27FC236}">
+                <a16:creationId xmlns:a16="http://schemas.microsoft.com/office/drawing/2014/main" id="{7B39421C-E216-9ADF-BCE7-C600D3E98FE6}"/>
+              </a:ext>
+            </a:extLst>
+          </p:cNvPr>
+          <p:cNvSpPr/>
+          <p:nvPr/>
+        </p:nvSpPr>
+        <p:spPr>
+          <a:xfrm>
+            <a:off x="6219660" y="4503752"/>
+            <a:ext cx="104775" cy="104775"/>
+          </a:xfrm>
+          <a:prstGeom prst="ellipse">
+            <a:avLst/>
+          </a:prstGeom>
+          <a:solidFill>
+            <a:schemeClr val="accent2"/>
+          </a:solidFill>
+          <a:ln>
+            <a:noFill/>
+          </a:ln>
+        </p:spPr>
+        <p:style>
+          <a:lnRef idx="2">
+            <a:schemeClr val="accent1">
+              <a:shade val="15000"/>
+            </a:schemeClr>
+          </a:lnRef>
+          <a:fillRef idx="1">
+            <a:schemeClr val="accent1"/>
+          </a:fillRef>
+          <a:effectRef idx="0">
+            <a:schemeClr val="accent1"/>
+          </a:effectRef>
+          <a:fontRef idx="minor">
+            <a:schemeClr val="lt1"/>
+          </a:fontRef>
+        </p:style>
+        <p:txBody>
+          <a:bodyPr rtlCol="0" anchor="ctr"/>
+          <a:lstStyle/>
+          <a:p>
+            <a:pPr algn="ctr"/>
+            <a:endParaRPr lang="en-GB"/>
+          </a:p>
+        </p:txBody>
+      </p:sp>
     </p:spTree>
     <p:extLst>
       <p:ext uri="{BB962C8B-B14F-4D97-AF65-F5344CB8AC3E}">

--- a/doc/Rapport_Devoir3.pptx
+++ b/doc/Rapport_Devoir3.pptx
@@ -1222,7 +1222,7 @@
           <a:bodyPr/>
           <a:lstStyle/>
           <a:p>
-            <a:fld id="{CEFDEF93-0E3A-4A89-BC16-F38BAE82060D}" type="datetimeFigureOut">
+            <a:fld id="{D6B2E909-1E8B-490A-90AE-456EAFEC45F4}" type="datetime1">
               <a:rPr lang="en-GB" smtClean="0"/>
               <a:t>26/03/2025</a:t>
             </a:fld>
@@ -1280,7 +1280,7 @@
               <a:rPr lang="en-GB" smtClean="0"/>
               <a:t>‹#›</a:t>
             </a:fld>
-            <a:endParaRPr lang="en-GB"/>
+            <a:endParaRPr lang="en-GB" dirty="0"/>
           </a:p>
         </p:txBody>
       </p:sp>
@@ -1422,7 +1422,7 @@
           <a:bodyPr/>
           <a:lstStyle/>
           <a:p>
-            <a:fld id="{CEFDEF93-0E3A-4A89-BC16-F38BAE82060D}" type="datetimeFigureOut">
+            <a:fld id="{92C34E1D-B36D-4230-93B8-D7EE6E8C0511}" type="datetime1">
               <a:rPr lang="en-GB" smtClean="0"/>
               <a:t>26/03/2025</a:t>
             </a:fld>
@@ -1632,7 +1632,7 @@
           <a:bodyPr/>
           <a:lstStyle/>
           <a:p>
-            <a:fld id="{CEFDEF93-0E3A-4A89-BC16-F38BAE82060D}" type="datetimeFigureOut">
+            <a:fld id="{4FC01948-6196-40B9-BCBD-59107A9B1F9E}" type="datetime1">
               <a:rPr lang="en-GB" smtClean="0"/>
               <a:t>26/03/2025</a:t>
             </a:fld>
@@ -1832,7 +1832,7 @@
           <a:bodyPr/>
           <a:lstStyle/>
           <a:p>
-            <a:fld id="{CEFDEF93-0E3A-4A89-BC16-F38BAE82060D}" type="datetimeFigureOut">
+            <a:fld id="{4C0CDDEC-1757-4EE0-9128-4BC55E64EFE5}" type="datetime1">
               <a:rPr lang="en-GB" smtClean="0"/>
               <a:t>26/03/2025</a:t>
             </a:fld>
@@ -2108,7 +2108,7 @@
           <a:bodyPr/>
           <a:lstStyle/>
           <a:p>
-            <a:fld id="{CEFDEF93-0E3A-4A89-BC16-F38BAE82060D}" type="datetimeFigureOut">
+            <a:fld id="{62C963ED-4E2A-401C-99D8-D5828923A936}" type="datetime1">
               <a:rPr lang="en-GB" smtClean="0"/>
               <a:t>26/03/2025</a:t>
             </a:fld>
@@ -2376,7 +2376,7 @@
           <a:bodyPr/>
           <a:lstStyle/>
           <a:p>
-            <a:fld id="{CEFDEF93-0E3A-4A89-BC16-F38BAE82060D}" type="datetimeFigureOut">
+            <a:fld id="{87C91C69-9FE7-4451-BF75-6A2FD63030A9}" type="datetime1">
               <a:rPr lang="en-GB" smtClean="0"/>
               <a:t>26/03/2025</a:t>
             </a:fld>
@@ -2791,7 +2791,7 @@
           <a:bodyPr/>
           <a:lstStyle/>
           <a:p>
-            <a:fld id="{CEFDEF93-0E3A-4A89-BC16-F38BAE82060D}" type="datetimeFigureOut">
+            <a:fld id="{C07DCF1B-1979-4894-BFD4-7C24230EA146}" type="datetime1">
               <a:rPr lang="en-GB" smtClean="0"/>
               <a:t>26/03/2025</a:t>
             </a:fld>
@@ -2933,7 +2933,7 @@
           <a:bodyPr/>
           <a:lstStyle/>
           <a:p>
-            <a:fld id="{CEFDEF93-0E3A-4A89-BC16-F38BAE82060D}" type="datetimeFigureOut">
+            <a:fld id="{636DF88A-124B-4722-B579-90B03BE5B135}" type="datetime1">
               <a:rPr lang="en-GB" smtClean="0"/>
               <a:t>26/03/2025</a:t>
             </a:fld>
@@ -3046,7 +3046,7 @@
           <a:bodyPr/>
           <a:lstStyle/>
           <a:p>
-            <a:fld id="{CEFDEF93-0E3A-4A89-BC16-F38BAE82060D}" type="datetimeFigureOut">
+            <a:fld id="{6499F9BD-D035-429A-8061-D1A92B444FBC}" type="datetime1">
               <a:rPr lang="en-GB" smtClean="0"/>
               <a:t>26/03/2025</a:t>
             </a:fld>
@@ -3359,7 +3359,7 @@
           <a:bodyPr/>
           <a:lstStyle/>
           <a:p>
-            <a:fld id="{CEFDEF93-0E3A-4A89-BC16-F38BAE82060D}" type="datetimeFigureOut">
+            <a:fld id="{FC2FF2E1-9BE9-486C-A52B-CC440E47AB02}" type="datetime1">
               <a:rPr lang="en-GB" smtClean="0"/>
               <a:t>26/03/2025</a:t>
             </a:fld>
@@ -3648,7 +3648,7 @@
           <a:bodyPr/>
           <a:lstStyle/>
           <a:p>
-            <a:fld id="{CEFDEF93-0E3A-4A89-BC16-F38BAE82060D}" type="datetimeFigureOut">
+            <a:fld id="{B3680D87-8B9C-4BA2-B572-BDB70FC0D7A7}" type="datetime1">
               <a:rPr lang="en-GB" smtClean="0"/>
               <a:t>26/03/2025</a:t>
             </a:fld>
@@ -3891,7 +3891,7 @@
             </a:lvl1pPr>
           </a:lstStyle>
           <a:p>
-            <a:fld id="{CEFDEF93-0E3A-4A89-BC16-F38BAE82060D}" type="datetimeFigureOut">
+            <a:fld id="{E829B7AE-D91D-400B-9228-ECCB52866AD0}" type="datetime1">
               <a:rPr lang="en-GB" smtClean="0"/>
               <a:t>26/03/2025</a:t>
             </a:fld>
@@ -3960,7 +3960,7 @@
         </p:nvSpPr>
         <p:spPr>
           <a:xfrm>
-            <a:off x="8610600" y="6356350"/>
+            <a:off x="9448800" y="6548291"/>
             <a:ext cx="2743200" cy="365125"/>
           </a:xfrm>
           <a:prstGeom prst="rect">
@@ -3973,9 +3973,7 @@
             <a:lvl1pPr algn="r">
               <a:defRPr sz="1200">
                 <a:solidFill>
-                  <a:schemeClr val="tx1">
-                    <a:tint val="82000"/>
-                  </a:schemeClr>
+                  <a:schemeClr val="tx1"/>
                 </a:solidFill>
               </a:defRPr>
             </a:lvl1pPr>
@@ -3983,9 +3981,10 @@
           <a:p>
             <a:fld id="{74DDA11D-2719-4AB3-AAA7-DB2910A56E08}" type="slidenum">
               <a:rPr lang="en-GB" smtClean="0"/>
+              <a:pPr/>
               <a:t>‹#›</a:t>
             </a:fld>
-            <a:endParaRPr lang="en-GB"/>
+            <a:endParaRPr lang="en-GB" dirty="0"/>
           </a:p>
         </p:txBody>
       </p:sp>
@@ -4010,6 +4009,7 @@
     <p:sldLayoutId id="2147483658" r:id="rId10"/>
     <p:sldLayoutId id="2147483659" r:id="rId11"/>
   </p:sldLayoutIdLst>
+  <p:hf hdr="0" ftr="0" dt="0"/>
   <p:txStyles>
     <p:titleStyle>
       <a:lvl1pPr algn="l" defTabSz="914400" rtl="0" eaLnBrk="1" latinLnBrk="0" hangingPunct="1">
@@ -4866,6 +4866,35 @@
           </a:p>
         </p:txBody>
       </p:sp>
+      <p:sp>
+        <p:nvSpPr>
+          <p:cNvPr id="10" name="Slide Number Placeholder 9">
+            <a:extLst>
+              <a:ext uri="{FF2B5EF4-FFF2-40B4-BE49-F238E27FC236}">
+                <a16:creationId xmlns:a16="http://schemas.microsoft.com/office/drawing/2014/main" id="{29CAE012-D9F6-EF5F-ED67-6378587E51A0}"/>
+              </a:ext>
+            </a:extLst>
+          </p:cNvPr>
+          <p:cNvSpPr>
+            <a:spLocks noGrp="1"/>
+          </p:cNvSpPr>
+          <p:nvPr>
+            <p:ph type="sldNum" sz="quarter" idx="12"/>
+          </p:nvPr>
+        </p:nvSpPr>
+        <p:spPr/>
+        <p:txBody>
+          <a:bodyPr/>
+          <a:lstStyle/>
+          <a:p>
+            <a:fld id="{74DDA11D-2719-4AB3-AAA7-DB2910A56E08}" type="slidenum">
+              <a:rPr lang="en-GB" smtClean="0"/>
+              <a:t>1</a:t>
+            </a:fld>
+            <a:endParaRPr lang="en-GB" dirty="0"/>
+          </a:p>
+        </p:txBody>
+      </p:sp>
     </p:spTree>
     <p:extLst>
       <p:ext uri="{BB962C8B-B14F-4D97-AF65-F5344CB8AC3E}">
@@ -5048,52 +5077,6 @@
           </a:p>
         </p:txBody>
       </p:sp>
-      <p:sp>
-        <p:nvSpPr>
-          <p:cNvPr id="47" name="TextBox 46">
-            <a:extLst>
-              <a:ext uri="{FF2B5EF4-FFF2-40B4-BE49-F238E27FC236}">
-                <a16:creationId xmlns:a16="http://schemas.microsoft.com/office/drawing/2014/main" id="{9B6E5297-92A4-E6FA-3ECB-9355CBDD1FF3}"/>
-              </a:ext>
-            </a:extLst>
-          </p:cNvPr>
-          <p:cNvSpPr txBox="1"/>
-          <p:nvPr/>
-        </p:nvSpPr>
-        <p:spPr>
-          <a:xfrm>
-            <a:off x="11091333" y="6550222"/>
-            <a:ext cx="1100667" cy="307777"/>
-          </a:xfrm>
-          <a:prstGeom prst="rect">
-            <a:avLst/>
-          </a:prstGeom>
-          <a:noFill/>
-        </p:spPr>
-        <p:txBody>
-          <a:bodyPr wrap="square" rtlCol="0">
-            <a:spAutoFit/>
-          </a:bodyPr>
-          <a:lstStyle/>
-          <a:p>
-            <a:pPr algn="r"/>
-            <a:r>
-              <a:rPr lang="fr-FR" sz="1400" dirty="0">
-                <a:latin typeface="Times New Roman" panose="02020603050405020304" pitchFamily="18" charset="0"/>
-                <a:cs typeface="Times New Roman" panose="02020603050405020304" pitchFamily="18" charset="0"/>
-              </a:rPr>
-              <a:t>1</a:t>
-            </a:r>
-            <a:r>
-              <a:rPr lang="fr-FR" sz="1400" noProof="0" dirty="0">
-                <a:latin typeface="Times New Roman" panose="02020603050405020304" pitchFamily="18" charset="0"/>
-                <a:cs typeface="Times New Roman" panose="02020603050405020304" pitchFamily="18" charset="0"/>
-              </a:rPr>
-              <a:t>/10</a:t>
-            </a:r>
-          </a:p>
-        </p:txBody>
-      </p:sp>
       <mc:AlternateContent xmlns:mc="http://schemas.openxmlformats.org/markup-compatibility/2006" xmlns:a14="http://schemas.microsoft.com/office/drawing/2010/main">
         <mc:Choice Requires="a14">
           <p:sp>
@@ -5791,6 +5774,35 @@
           </p:sp>
         </mc:Fallback>
       </mc:AlternateContent>
+      <p:sp>
+        <p:nvSpPr>
+          <p:cNvPr id="3" name="Slide Number Placeholder 2">
+            <a:extLst>
+              <a:ext uri="{FF2B5EF4-FFF2-40B4-BE49-F238E27FC236}">
+                <a16:creationId xmlns:a16="http://schemas.microsoft.com/office/drawing/2014/main" id="{988932C2-55DB-AE57-1A80-96CD49E4E2F0}"/>
+              </a:ext>
+            </a:extLst>
+          </p:cNvPr>
+          <p:cNvSpPr>
+            <a:spLocks noGrp="1"/>
+          </p:cNvSpPr>
+          <p:nvPr>
+            <p:ph type="sldNum" sz="quarter" idx="12"/>
+          </p:nvPr>
+        </p:nvSpPr>
+        <p:spPr/>
+        <p:txBody>
+          <a:bodyPr/>
+          <a:lstStyle/>
+          <a:p>
+            <a:fld id="{74DDA11D-2719-4AB3-AAA7-DB2910A56E08}" type="slidenum">
+              <a:rPr lang="en-GB" smtClean="0"/>
+              <a:t>10</a:t>
+            </a:fld>
+            <a:endParaRPr lang="en-GB" dirty="0"/>
+          </a:p>
+        </p:txBody>
+      </p:sp>
     </p:spTree>
     <p:extLst>
       <p:ext uri="{BB962C8B-B14F-4D97-AF65-F5344CB8AC3E}">
@@ -5970,52 +5982,6 @@
           <a:p>
             <a:pPr algn="ctr"/>
             <a:endParaRPr lang="fr-FR" noProof="0" dirty="0"/>
-          </a:p>
-        </p:txBody>
-      </p:sp>
-      <p:sp>
-        <p:nvSpPr>
-          <p:cNvPr id="47" name="TextBox 46">
-            <a:extLst>
-              <a:ext uri="{FF2B5EF4-FFF2-40B4-BE49-F238E27FC236}">
-                <a16:creationId xmlns:a16="http://schemas.microsoft.com/office/drawing/2014/main" id="{BB6A4DA5-BB88-A44C-F30F-98778E99D02D}"/>
-              </a:ext>
-            </a:extLst>
-          </p:cNvPr>
-          <p:cNvSpPr txBox="1"/>
-          <p:nvPr/>
-        </p:nvSpPr>
-        <p:spPr>
-          <a:xfrm>
-            <a:off x="11091333" y="6550222"/>
-            <a:ext cx="1100667" cy="307777"/>
-          </a:xfrm>
-          <a:prstGeom prst="rect">
-            <a:avLst/>
-          </a:prstGeom>
-          <a:noFill/>
-        </p:spPr>
-        <p:txBody>
-          <a:bodyPr wrap="square" rtlCol="0">
-            <a:spAutoFit/>
-          </a:bodyPr>
-          <a:lstStyle/>
-          <a:p>
-            <a:pPr algn="r"/>
-            <a:r>
-              <a:rPr lang="fr-FR" sz="1400" dirty="0">
-                <a:latin typeface="Times New Roman" panose="02020603050405020304" pitchFamily="18" charset="0"/>
-                <a:cs typeface="Times New Roman" panose="02020603050405020304" pitchFamily="18" charset="0"/>
-              </a:rPr>
-              <a:t>1</a:t>
-            </a:r>
-            <a:r>
-              <a:rPr lang="fr-FR" sz="1400" noProof="0" dirty="0">
-                <a:latin typeface="Times New Roman" panose="02020603050405020304" pitchFamily="18" charset="0"/>
-                <a:cs typeface="Times New Roman" panose="02020603050405020304" pitchFamily="18" charset="0"/>
-              </a:rPr>
-              <a:t>/10</a:t>
-            </a:r>
           </a:p>
         </p:txBody>
       </p:sp>
@@ -7314,6 +7280,35 @@
           </p:sp>
         </mc:Fallback>
       </mc:AlternateContent>
+      <p:sp>
+        <p:nvSpPr>
+          <p:cNvPr id="3" name="Slide Number Placeholder 2">
+            <a:extLst>
+              <a:ext uri="{FF2B5EF4-FFF2-40B4-BE49-F238E27FC236}">
+                <a16:creationId xmlns:a16="http://schemas.microsoft.com/office/drawing/2014/main" id="{393C6C75-51D6-A7F0-2D80-F849190C70D8}"/>
+              </a:ext>
+            </a:extLst>
+          </p:cNvPr>
+          <p:cNvSpPr>
+            <a:spLocks noGrp="1"/>
+          </p:cNvSpPr>
+          <p:nvPr>
+            <p:ph type="sldNum" sz="quarter" idx="12"/>
+          </p:nvPr>
+        </p:nvSpPr>
+        <p:spPr/>
+        <p:txBody>
+          <a:bodyPr/>
+          <a:lstStyle/>
+          <a:p>
+            <a:fld id="{74DDA11D-2719-4AB3-AAA7-DB2910A56E08}" type="slidenum">
+              <a:rPr lang="en-GB" smtClean="0"/>
+              <a:t>11</a:t>
+            </a:fld>
+            <a:endParaRPr lang="en-GB" dirty="0"/>
+          </a:p>
+        </p:txBody>
+      </p:sp>
     </p:spTree>
     <p:extLst>
       <p:ext uri="{BB962C8B-B14F-4D97-AF65-F5344CB8AC3E}">
@@ -7493,52 +7488,6 @@
           <a:p>
             <a:pPr algn="ctr"/>
             <a:endParaRPr lang="fr-FR" noProof="0" dirty="0"/>
-          </a:p>
-        </p:txBody>
-      </p:sp>
-      <p:sp>
-        <p:nvSpPr>
-          <p:cNvPr id="47" name="TextBox 46">
-            <a:extLst>
-              <a:ext uri="{FF2B5EF4-FFF2-40B4-BE49-F238E27FC236}">
-                <a16:creationId xmlns:a16="http://schemas.microsoft.com/office/drawing/2014/main" id="{50A03518-25BD-560A-208B-55D7A20B591B}"/>
-              </a:ext>
-            </a:extLst>
-          </p:cNvPr>
-          <p:cNvSpPr txBox="1"/>
-          <p:nvPr/>
-        </p:nvSpPr>
-        <p:spPr>
-          <a:xfrm>
-            <a:off x="11091333" y="6550222"/>
-            <a:ext cx="1100667" cy="307777"/>
-          </a:xfrm>
-          <a:prstGeom prst="rect">
-            <a:avLst/>
-          </a:prstGeom>
-          <a:noFill/>
-        </p:spPr>
-        <p:txBody>
-          <a:bodyPr wrap="square" rtlCol="0">
-            <a:spAutoFit/>
-          </a:bodyPr>
-          <a:lstStyle/>
-          <a:p>
-            <a:pPr algn="r"/>
-            <a:r>
-              <a:rPr lang="fr-FR" sz="1400" dirty="0">
-                <a:latin typeface="Times New Roman" panose="02020603050405020304" pitchFamily="18" charset="0"/>
-                <a:cs typeface="Times New Roman" panose="02020603050405020304" pitchFamily="18" charset="0"/>
-              </a:rPr>
-              <a:t>1</a:t>
-            </a:r>
-            <a:r>
-              <a:rPr lang="fr-FR" sz="1400" noProof="0" dirty="0">
-                <a:latin typeface="Times New Roman" panose="02020603050405020304" pitchFamily="18" charset="0"/>
-                <a:cs typeface="Times New Roman" panose="02020603050405020304" pitchFamily="18" charset="0"/>
-              </a:rPr>
-              <a:t>/10</a:t>
-            </a:r>
           </a:p>
         </p:txBody>
       </p:sp>
@@ -8822,6 +8771,35 @@
           </a:p>
         </p:txBody>
       </p:sp>
+      <p:sp>
+        <p:nvSpPr>
+          <p:cNvPr id="3" name="Slide Number Placeholder 2">
+            <a:extLst>
+              <a:ext uri="{FF2B5EF4-FFF2-40B4-BE49-F238E27FC236}">
+                <a16:creationId xmlns:a16="http://schemas.microsoft.com/office/drawing/2014/main" id="{E6933238-F382-9548-E74A-493E620F1B0E}"/>
+              </a:ext>
+            </a:extLst>
+          </p:cNvPr>
+          <p:cNvSpPr>
+            <a:spLocks noGrp="1"/>
+          </p:cNvSpPr>
+          <p:nvPr>
+            <p:ph type="sldNum" sz="quarter" idx="12"/>
+          </p:nvPr>
+        </p:nvSpPr>
+        <p:spPr/>
+        <p:txBody>
+          <a:bodyPr/>
+          <a:lstStyle/>
+          <a:p>
+            <a:fld id="{74DDA11D-2719-4AB3-AAA7-DB2910A56E08}" type="slidenum">
+              <a:rPr lang="en-GB" smtClean="0"/>
+              <a:t>12</a:t>
+            </a:fld>
+            <a:endParaRPr lang="en-GB" dirty="0"/>
+          </a:p>
+        </p:txBody>
+      </p:sp>
     </p:spTree>
     <p:extLst>
       <p:ext uri="{BB962C8B-B14F-4D97-AF65-F5344CB8AC3E}">
@@ -9001,52 +8979,6 @@
           <a:p>
             <a:pPr algn="ctr"/>
             <a:endParaRPr lang="fr-FR" noProof="0" dirty="0"/>
-          </a:p>
-        </p:txBody>
-      </p:sp>
-      <p:sp>
-        <p:nvSpPr>
-          <p:cNvPr id="47" name="TextBox 46">
-            <a:extLst>
-              <a:ext uri="{FF2B5EF4-FFF2-40B4-BE49-F238E27FC236}">
-                <a16:creationId xmlns:a16="http://schemas.microsoft.com/office/drawing/2014/main" id="{9FB5FC2D-66F1-36CF-6B5B-3BB7B278FB3F}"/>
-              </a:ext>
-            </a:extLst>
-          </p:cNvPr>
-          <p:cNvSpPr txBox="1"/>
-          <p:nvPr/>
-        </p:nvSpPr>
-        <p:spPr>
-          <a:xfrm>
-            <a:off x="11091333" y="6550222"/>
-            <a:ext cx="1100667" cy="307777"/>
-          </a:xfrm>
-          <a:prstGeom prst="rect">
-            <a:avLst/>
-          </a:prstGeom>
-          <a:noFill/>
-        </p:spPr>
-        <p:txBody>
-          <a:bodyPr wrap="square" rtlCol="0">
-            <a:spAutoFit/>
-          </a:bodyPr>
-          <a:lstStyle/>
-          <a:p>
-            <a:pPr algn="r"/>
-            <a:r>
-              <a:rPr lang="fr-FR" sz="1400" dirty="0">
-                <a:latin typeface="Times New Roman" panose="02020603050405020304" pitchFamily="18" charset="0"/>
-                <a:cs typeface="Times New Roman" panose="02020603050405020304" pitchFamily="18" charset="0"/>
-              </a:rPr>
-              <a:t>1</a:t>
-            </a:r>
-            <a:r>
-              <a:rPr lang="fr-FR" sz="1400" noProof="0" dirty="0">
-                <a:latin typeface="Times New Roman" panose="02020603050405020304" pitchFamily="18" charset="0"/>
-                <a:cs typeface="Times New Roman" panose="02020603050405020304" pitchFamily="18" charset="0"/>
-              </a:rPr>
-              <a:t>/10</a:t>
-            </a:r>
           </a:p>
         </p:txBody>
       </p:sp>
@@ -10342,6 +10274,35 @@
           <a:p>
             <a:pPr algn="ctr"/>
             <a:endParaRPr lang="en-GB"/>
+          </a:p>
+        </p:txBody>
+      </p:sp>
+      <p:sp>
+        <p:nvSpPr>
+          <p:cNvPr id="3" name="Slide Number Placeholder 2">
+            <a:extLst>
+              <a:ext uri="{FF2B5EF4-FFF2-40B4-BE49-F238E27FC236}">
+                <a16:creationId xmlns:a16="http://schemas.microsoft.com/office/drawing/2014/main" id="{08D1613C-D97A-5C66-053C-1145D8F215AE}"/>
+              </a:ext>
+            </a:extLst>
+          </p:cNvPr>
+          <p:cNvSpPr>
+            <a:spLocks noGrp="1"/>
+          </p:cNvSpPr>
+          <p:nvPr>
+            <p:ph type="sldNum" sz="quarter" idx="12"/>
+          </p:nvPr>
+        </p:nvSpPr>
+        <p:spPr/>
+        <p:txBody>
+          <a:bodyPr/>
+          <a:lstStyle/>
+          <a:p>
+            <a:fld id="{74DDA11D-2719-4AB3-AAA7-DB2910A56E08}" type="slidenum">
+              <a:rPr lang="en-GB" smtClean="0"/>
+              <a:t>13</a:t>
+            </a:fld>
+            <a:endParaRPr lang="en-GB" dirty="0"/>
           </a:p>
         </p:txBody>
       </p:sp>
@@ -10560,52 +10521,6 @@
           <a:p>
             <a:pPr algn="ctr"/>
             <a:endParaRPr lang="fr-FR" noProof="0" dirty="0"/>
-          </a:p>
-        </p:txBody>
-      </p:sp>
-      <p:sp>
-        <p:nvSpPr>
-          <p:cNvPr id="47" name="TextBox 46">
-            <a:extLst>
-              <a:ext uri="{FF2B5EF4-FFF2-40B4-BE49-F238E27FC236}">
-                <a16:creationId xmlns:a16="http://schemas.microsoft.com/office/drawing/2014/main" id="{50C49013-565D-03A7-299E-23BD668F0A17}"/>
-              </a:ext>
-            </a:extLst>
-          </p:cNvPr>
-          <p:cNvSpPr txBox="1"/>
-          <p:nvPr/>
-        </p:nvSpPr>
-        <p:spPr>
-          <a:xfrm>
-            <a:off x="11091333" y="6550222"/>
-            <a:ext cx="1100667" cy="307777"/>
-          </a:xfrm>
-          <a:prstGeom prst="rect">
-            <a:avLst/>
-          </a:prstGeom>
-          <a:noFill/>
-        </p:spPr>
-        <p:txBody>
-          <a:bodyPr wrap="square" rtlCol="0">
-            <a:spAutoFit/>
-          </a:bodyPr>
-          <a:lstStyle/>
-          <a:p>
-            <a:pPr algn="r"/>
-            <a:r>
-              <a:rPr lang="fr-FR" sz="1400" dirty="0">
-                <a:latin typeface="Times New Roman" panose="02020603050405020304" pitchFamily="18" charset="0"/>
-                <a:cs typeface="Times New Roman" panose="02020603050405020304" pitchFamily="18" charset="0"/>
-              </a:rPr>
-              <a:t>1</a:t>
-            </a:r>
-            <a:r>
-              <a:rPr lang="fr-FR" sz="1400" noProof="0" dirty="0">
-                <a:latin typeface="Times New Roman" panose="02020603050405020304" pitchFamily="18" charset="0"/>
-                <a:cs typeface="Times New Roman" panose="02020603050405020304" pitchFamily="18" charset="0"/>
-              </a:rPr>
-              <a:t>/10</a:t>
-            </a:r>
           </a:p>
         </p:txBody>
       </p:sp>
@@ -11634,6 +11549,35 @@
           </a:p>
         </p:txBody>
       </p:sp>
+      <p:sp>
+        <p:nvSpPr>
+          <p:cNvPr id="2" name="Slide Number Placeholder 1">
+            <a:extLst>
+              <a:ext uri="{FF2B5EF4-FFF2-40B4-BE49-F238E27FC236}">
+                <a16:creationId xmlns:a16="http://schemas.microsoft.com/office/drawing/2014/main" id="{8A05218C-9392-00A1-40E3-462E4F799B12}"/>
+              </a:ext>
+            </a:extLst>
+          </p:cNvPr>
+          <p:cNvSpPr>
+            <a:spLocks noGrp="1"/>
+          </p:cNvSpPr>
+          <p:nvPr>
+            <p:ph type="sldNum" sz="quarter" idx="12"/>
+          </p:nvPr>
+        </p:nvSpPr>
+        <p:spPr/>
+        <p:txBody>
+          <a:bodyPr/>
+          <a:lstStyle/>
+          <a:p>
+            <a:fld id="{74DDA11D-2719-4AB3-AAA7-DB2910A56E08}" type="slidenum">
+              <a:rPr lang="en-GB" smtClean="0"/>
+              <a:t>2</a:t>
+            </a:fld>
+            <a:endParaRPr lang="en-GB" dirty="0"/>
+          </a:p>
+        </p:txBody>
+      </p:sp>
     </p:spTree>
     <p:extLst>
       <p:ext uri="{BB962C8B-B14F-4D97-AF65-F5344CB8AC3E}">
@@ -11852,52 +11796,6 @@
           </a:p>
         </p:txBody>
       </p:sp>
-      <p:sp>
-        <p:nvSpPr>
-          <p:cNvPr id="47" name="TextBox 46">
-            <a:extLst>
-              <a:ext uri="{FF2B5EF4-FFF2-40B4-BE49-F238E27FC236}">
-                <a16:creationId xmlns:a16="http://schemas.microsoft.com/office/drawing/2014/main" id="{CB9B5C82-E4DB-4035-9D0A-892CB11F9151}"/>
-              </a:ext>
-            </a:extLst>
-          </p:cNvPr>
-          <p:cNvSpPr txBox="1"/>
-          <p:nvPr/>
-        </p:nvSpPr>
-        <p:spPr>
-          <a:xfrm>
-            <a:off x="11091333" y="6550222"/>
-            <a:ext cx="1100667" cy="307777"/>
-          </a:xfrm>
-          <a:prstGeom prst="rect">
-            <a:avLst/>
-          </a:prstGeom>
-          <a:noFill/>
-        </p:spPr>
-        <p:txBody>
-          <a:bodyPr wrap="square" rtlCol="0">
-            <a:spAutoFit/>
-          </a:bodyPr>
-          <a:lstStyle/>
-          <a:p>
-            <a:pPr algn="r"/>
-            <a:r>
-              <a:rPr lang="fr-FR" sz="1400" dirty="0">
-                <a:latin typeface="Times New Roman" panose="02020603050405020304" pitchFamily="18" charset="0"/>
-                <a:cs typeface="Times New Roman" panose="02020603050405020304" pitchFamily="18" charset="0"/>
-              </a:rPr>
-              <a:t>1</a:t>
-            </a:r>
-            <a:r>
-              <a:rPr lang="fr-FR" sz="1400" noProof="0" dirty="0">
-                <a:latin typeface="Times New Roman" panose="02020603050405020304" pitchFamily="18" charset="0"/>
-                <a:cs typeface="Times New Roman" panose="02020603050405020304" pitchFamily="18" charset="0"/>
-              </a:rPr>
-              <a:t>/10</a:t>
-            </a:r>
-          </a:p>
-        </p:txBody>
-      </p:sp>
       <mc:AlternateContent xmlns:mc="http://schemas.openxmlformats.org/markup-compatibility/2006" xmlns:a14="http://schemas.microsoft.com/office/drawing/2010/main">
         <mc:Choice Requires="a14">
           <p:sp>
@@ -12448,14 +12346,7 @@
                               <a:latin typeface="Cambria Math" panose="02040503050406030204" pitchFamily="18" charset="0"/>
                               <a:cs typeface="Times New Roman" panose="02020603050405020304" pitchFamily="18" charset="0"/>
                             </a:rPr>
-                            <m:t>+</m:t>
-                          </m:r>
-                          <m:r>
-                            <a:rPr lang="fr-FR" b="0" i="1" noProof="0" smtClean="0">
-                              <a:latin typeface="Cambria Math" panose="02040503050406030204" pitchFamily="18" charset="0"/>
-                              <a:cs typeface="Times New Roman" panose="02020603050405020304" pitchFamily="18" charset="0"/>
-                            </a:rPr>
-                            <m:t>1</m:t>
+                            <m:t>+1</m:t>
                           </m:r>
                         </m:sup>
                       </m:sSup>
@@ -12591,14 +12482,7 @@
                                       <a:latin typeface="Cambria Math" panose="02040503050406030204" pitchFamily="18" charset="0"/>
                                       <a:cs typeface="Times New Roman" panose="02020603050405020304" pitchFamily="18" charset="0"/>
                                     </a:rPr>
-                                    <m:t>−</m:t>
-                                  </m:r>
-                                  <m:r>
-                                    <a:rPr lang="fr-FR" b="0" i="1" noProof="0" smtClean="0">
-                                      <a:latin typeface="Cambria Math" panose="02040503050406030204" pitchFamily="18" charset="0"/>
-                                      <a:cs typeface="Times New Roman" panose="02020603050405020304" pitchFamily="18" charset="0"/>
-                                    </a:rPr>
-                                    <m:t>1</m:t>
+                                    <m:t>−1</m:t>
                                   </m:r>
                                 </m:e>
                               </m:d>
@@ -13032,28 +12916,7 @@
                         <a:latin typeface="Cambria Math" panose="02040503050406030204" pitchFamily="18" charset="0"/>
                         <a:cs typeface="Times New Roman" panose="02020603050405020304" pitchFamily="18" charset="0"/>
                       </a:rPr>
-                      <m:t>=</m:t>
-                    </m:r>
-                    <m:r>
-                      <a:rPr lang="fr-FR" b="0" i="1" noProof="0" smtClean="0">
-                        <a:latin typeface="Cambria Math" panose="02040503050406030204" pitchFamily="18" charset="0"/>
-                        <a:cs typeface="Times New Roman" panose="02020603050405020304" pitchFamily="18" charset="0"/>
-                      </a:rPr>
-                      <m:t>1</m:t>
-                    </m:r>
-                    <m:r>
-                      <a:rPr lang="fr-FR" b="0" i="1" noProof="0" smtClean="0">
-                        <a:latin typeface="Cambria Math" panose="02040503050406030204" pitchFamily="18" charset="0"/>
-                        <a:cs typeface="Times New Roman" panose="02020603050405020304" pitchFamily="18" charset="0"/>
-                      </a:rPr>
-                      <m:t>.</m:t>
-                    </m:r>
-                    <m:r>
-                      <a:rPr lang="fr-FR" b="0" i="1" noProof="0" smtClean="0">
-                        <a:latin typeface="Cambria Math" panose="02040503050406030204" pitchFamily="18" charset="0"/>
-                        <a:cs typeface="Times New Roman" panose="02020603050405020304" pitchFamily="18" charset="0"/>
-                      </a:rPr>
-                      <m:t>443</m:t>
+                      <m:t>=1.443</m:t>
                     </m:r>
                   </m:oMath>
                 </a14:m>
@@ -13099,14 +12962,7 @@
                         <a:latin typeface="Cambria Math" panose="02040503050406030204" pitchFamily="18" charset="0"/>
                         <a:cs typeface="Times New Roman" panose="02020603050405020304" pitchFamily="18" charset="0"/>
                       </a:rPr>
-                      <m:t>=</m:t>
-                    </m:r>
-                    <m:r>
-                      <a:rPr lang="fr-FR" b="0" i="1" smtClean="0">
-                        <a:latin typeface="Cambria Math" panose="02040503050406030204" pitchFamily="18" charset="0"/>
-                        <a:cs typeface="Times New Roman" panose="02020603050405020304" pitchFamily="18" charset="0"/>
-                      </a:rPr>
-                      <m:t>2</m:t>
+                      <m:t>=2</m:t>
                     </m:r>
                   </m:oMath>
                 </a14:m>
@@ -13166,6 +13022,35 @@
           </p:sp>
         </mc:Fallback>
       </mc:AlternateContent>
+      <p:sp>
+        <p:nvSpPr>
+          <p:cNvPr id="2" name="Slide Number Placeholder 1">
+            <a:extLst>
+              <a:ext uri="{FF2B5EF4-FFF2-40B4-BE49-F238E27FC236}">
+                <a16:creationId xmlns:a16="http://schemas.microsoft.com/office/drawing/2014/main" id="{3AAEA92A-5070-64DD-2EF9-074ED972407A}"/>
+              </a:ext>
+            </a:extLst>
+          </p:cNvPr>
+          <p:cNvSpPr>
+            <a:spLocks noGrp="1"/>
+          </p:cNvSpPr>
+          <p:nvPr>
+            <p:ph type="sldNum" sz="quarter" idx="12"/>
+          </p:nvPr>
+        </p:nvSpPr>
+        <p:spPr/>
+        <p:txBody>
+          <a:bodyPr/>
+          <a:lstStyle/>
+          <a:p>
+            <a:fld id="{74DDA11D-2719-4AB3-AAA7-DB2910A56E08}" type="slidenum">
+              <a:rPr lang="en-GB" smtClean="0"/>
+              <a:t>3</a:t>
+            </a:fld>
+            <a:endParaRPr lang="en-GB" dirty="0"/>
+          </a:p>
+        </p:txBody>
+      </p:sp>
     </p:spTree>
     <p:extLst>
       <p:ext uri="{BB962C8B-B14F-4D97-AF65-F5344CB8AC3E}">
@@ -13381,52 +13266,6 @@
           <a:p>
             <a:pPr algn="ctr"/>
             <a:endParaRPr lang="fr-FR" noProof="0" dirty="0"/>
-          </a:p>
-        </p:txBody>
-      </p:sp>
-      <p:sp>
-        <p:nvSpPr>
-          <p:cNvPr id="47" name="TextBox 46">
-            <a:extLst>
-              <a:ext uri="{FF2B5EF4-FFF2-40B4-BE49-F238E27FC236}">
-                <a16:creationId xmlns:a16="http://schemas.microsoft.com/office/drawing/2014/main" id="{F3BEB388-55A3-25A0-CD7D-64FA861B2AB8}"/>
-              </a:ext>
-            </a:extLst>
-          </p:cNvPr>
-          <p:cNvSpPr txBox="1"/>
-          <p:nvPr/>
-        </p:nvSpPr>
-        <p:spPr>
-          <a:xfrm>
-            <a:off x="11091333" y="6550222"/>
-            <a:ext cx="1100667" cy="307777"/>
-          </a:xfrm>
-          <a:prstGeom prst="rect">
-            <a:avLst/>
-          </a:prstGeom>
-          <a:noFill/>
-        </p:spPr>
-        <p:txBody>
-          <a:bodyPr wrap="square" rtlCol="0">
-            <a:spAutoFit/>
-          </a:bodyPr>
-          <a:lstStyle/>
-          <a:p>
-            <a:pPr algn="r"/>
-            <a:r>
-              <a:rPr lang="fr-FR" sz="1400" dirty="0">
-                <a:latin typeface="Times New Roman" panose="02020603050405020304" pitchFamily="18" charset="0"/>
-                <a:cs typeface="Times New Roman" panose="02020603050405020304" pitchFamily="18" charset="0"/>
-              </a:rPr>
-              <a:t>1</a:t>
-            </a:r>
-            <a:r>
-              <a:rPr lang="fr-FR" sz="1400" noProof="0" dirty="0">
-                <a:latin typeface="Times New Roman" panose="02020603050405020304" pitchFamily="18" charset="0"/>
-                <a:cs typeface="Times New Roman" panose="02020603050405020304" pitchFamily="18" charset="0"/>
-              </a:rPr>
-              <a:t>/10</a:t>
-            </a:r>
           </a:p>
         </p:txBody>
       </p:sp>
@@ -14518,6 +14357,9 @@
                 <a:pPr algn="just"/>
                 <a:r>
                   <a:rPr lang="fr-FR" dirty="0">
+                    <a:highlight>
+                      <a:srgbClr val="FFFF00"/>
+                    </a:highlight>
                     <a:latin typeface="Times New Roman" panose="02020603050405020304" pitchFamily="18" charset="0"/>
                     <a:cs typeface="Times New Roman" panose="02020603050405020304" pitchFamily="18" charset="0"/>
                   </a:rPr>
@@ -14530,6 +14372,9 @@
                         <m:chr m:val="̂"/>
                         <m:ctrlPr>
                           <a:rPr lang="fr-FR" b="0" i="1" dirty="0" smtClean="0">
+                            <a:highlight>
+                              <a:srgbClr val="FFFF00"/>
+                            </a:highlight>
                             <a:latin typeface="Cambria Math" panose="02040503050406030204" pitchFamily="18" charset="0"/>
                             <a:cs typeface="Times New Roman" panose="02020603050405020304" pitchFamily="18" charset="0"/>
                           </a:rPr>
@@ -14538,6 +14383,9 @@
                       <m:e>
                         <m:r>
                           <a:rPr lang="fr-FR" b="0" i="1" dirty="0" smtClean="0">
+                            <a:highlight>
+                              <a:srgbClr val="FFFF00"/>
+                            </a:highlight>
                             <a:latin typeface="Cambria Math" panose="02040503050406030204" pitchFamily="18" charset="0"/>
                             <a:cs typeface="Times New Roman" panose="02020603050405020304" pitchFamily="18" charset="0"/>
                           </a:rPr>
@@ -14547,6 +14395,9 @@
                     </m:acc>
                     <m:r>
                       <a:rPr lang="fr-FR" i="1" dirty="0">
+                        <a:highlight>
+                          <a:srgbClr val="FFFF00"/>
+                        </a:highlight>
                         <a:latin typeface="Cambria Math" panose="02040503050406030204" pitchFamily="18" charset="0"/>
                         <a:cs typeface="Times New Roman" panose="02020603050405020304" pitchFamily="18" charset="0"/>
                       </a:rPr>
@@ -14556,6 +14407,9 @@
                 </a14:m>
                 <a:r>
                   <a:rPr lang="fr-FR" dirty="0">
+                    <a:highlight>
+                      <a:srgbClr val="FFFF00"/>
+                    </a:highlight>
                     <a:latin typeface="Times New Roman" panose="02020603050405020304" pitchFamily="18" charset="0"/>
                     <a:cs typeface="Times New Roman" panose="02020603050405020304" pitchFamily="18" charset="0"/>
                   </a:rPr>
@@ -14567,6 +14421,9 @@
                       <m:sSubPr>
                         <m:ctrlPr>
                           <a:rPr lang="fr-FR" b="0" i="1" dirty="0" smtClean="0">
+                            <a:highlight>
+                              <a:srgbClr val="FFFF00"/>
+                            </a:highlight>
                             <a:latin typeface="Cambria Math" panose="02040503050406030204" pitchFamily="18" charset="0"/>
                             <a:cs typeface="Times New Roman" panose="02020603050405020304" pitchFamily="18" charset="0"/>
                           </a:rPr>
@@ -14575,6 +14432,9 @@
                       <m:e>
                         <m:r>
                           <a:rPr lang="fr-FR" i="1" dirty="0" smtClean="0">
+                            <a:highlight>
+                              <a:srgbClr val="FFFF00"/>
+                            </a:highlight>
                             <a:latin typeface="Cambria Math" panose="02040503050406030204" pitchFamily="18" charset="0"/>
                             <a:cs typeface="Times New Roman" panose="02020603050405020304" pitchFamily="18" charset="0"/>
                           </a:rPr>
@@ -14584,6 +14444,9 @@
                       <m:sub>
                         <m:r>
                           <a:rPr lang="fr-FR" i="1" dirty="0" smtClean="0">
+                            <a:highlight>
+                              <a:srgbClr val="FFFF00"/>
+                            </a:highlight>
                             <a:latin typeface="Cambria Math" panose="02040503050406030204" pitchFamily="18" charset="0"/>
                             <a:cs typeface="Times New Roman" panose="02020603050405020304" pitchFamily="18" charset="0"/>
                           </a:rPr>
@@ -14593,6 +14456,9 @@
                     </m:sSub>
                     <m:r>
                       <a:rPr lang="fr-FR" i="1" dirty="0" smtClean="0">
+                        <a:highlight>
+                          <a:srgbClr val="FFFF00"/>
+                        </a:highlight>
                         <a:latin typeface="Cambria Math" panose="02040503050406030204" pitchFamily="18" charset="0"/>
                         <a:cs typeface="Times New Roman" panose="02020603050405020304" pitchFamily="18" charset="0"/>
                       </a:rPr>
@@ -14602,18 +14468,14 @@
                 </a14:m>
                 <a:r>
                   <a:rPr lang="fr-FR" dirty="0">
+                    <a:highlight>
+                      <a:srgbClr val="FFFF00"/>
+                    </a:highlight>
                     <a:latin typeface="Times New Roman" panose="02020603050405020304" pitchFamily="18" charset="0"/>
                     <a:cs typeface="Times New Roman" panose="02020603050405020304" pitchFamily="18" charset="0"/>
                   </a:rPr>
                   <a:t>. Cela confirme la cohérence des résultats, malgré de légères fluctuations observées pour les maillages fins.</a:t>
                 </a:r>
-                <a:endParaRPr lang="fr-FR" dirty="0">
-                  <a:highlight>
-                    <a:srgbClr val="FFFF00"/>
-                  </a:highlight>
-                  <a:latin typeface="Times New Roman" panose="02020603050405020304" pitchFamily="18" charset="0"/>
-                  <a:cs typeface="Times New Roman" panose="02020603050405020304" pitchFamily="18" charset="0"/>
-                </a:endParaRPr>
               </a:p>
             </p:txBody>
           </p:sp>
@@ -14644,7 +14506,7 @@
               <a:blipFill>
                 <a:blip r:embed="rId5"/>
                 <a:stretch>
-                  <a:fillRect l="-400" t="-4545" r="-400" b="-13636"/>
+                  <a:fillRect l="-400" t="-4545" r="-850" b="-13636"/>
                 </a:stretch>
               </a:blipFill>
             </p:spPr>
@@ -14663,6 +14525,35 @@
           </p:sp>
         </mc:Fallback>
       </mc:AlternateContent>
+      <p:sp>
+        <p:nvSpPr>
+          <p:cNvPr id="2" name="Slide Number Placeholder 1">
+            <a:extLst>
+              <a:ext uri="{FF2B5EF4-FFF2-40B4-BE49-F238E27FC236}">
+                <a16:creationId xmlns:a16="http://schemas.microsoft.com/office/drawing/2014/main" id="{A65EA5A6-181F-2CA0-D547-43725CE9B62F}"/>
+              </a:ext>
+            </a:extLst>
+          </p:cNvPr>
+          <p:cNvSpPr>
+            <a:spLocks noGrp="1"/>
+          </p:cNvSpPr>
+          <p:nvPr>
+            <p:ph type="sldNum" sz="quarter" idx="12"/>
+          </p:nvPr>
+        </p:nvSpPr>
+        <p:spPr/>
+        <p:txBody>
+          <a:bodyPr/>
+          <a:lstStyle/>
+          <a:p>
+            <a:fld id="{74DDA11D-2719-4AB3-AAA7-DB2910A56E08}" type="slidenum">
+              <a:rPr lang="en-GB" smtClean="0"/>
+              <a:t>4</a:t>
+            </a:fld>
+            <a:endParaRPr lang="en-GB" dirty="0"/>
+          </a:p>
+        </p:txBody>
+      </p:sp>
     </p:spTree>
     <p:extLst>
       <p:ext uri="{BB962C8B-B14F-4D97-AF65-F5344CB8AC3E}">
@@ -14842,52 +14733,6 @@
           <a:p>
             <a:pPr algn="ctr"/>
             <a:endParaRPr lang="fr-FR" noProof="0" dirty="0"/>
-          </a:p>
-        </p:txBody>
-      </p:sp>
-      <p:sp>
-        <p:nvSpPr>
-          <p:cNvPr id="47" name="TextBox 46">
-            <a:extLst>
-              <a:ext uri="{FF2B5EF4-FFF2-40B4-BE49-F238E27FC236}">
-                <a16:creationId xmlns:a16="http://schemas.microsoft.com/office/drawing/2014/main" id="{50D4B41C-B1EE-EEFD-9A94-70A58BB6143F}"/>
-              </a:ext>
-            </a:extLst>
-          </p:cNvPr>
-          <p:cNvSpPr txBox="1"/>
-          <p:nvPr/>
-        </p:nvSpPr>
-        <p:spPr>
-          <a:xfrm>
-            <a:off x="11091333" y="6550222"/>
-            <a:ext cx="1100667" cy="307777"/>
-          </a:xfrm>
-          <a:prstGeom prst="rect">
-            <a:avLst/>
-          </a:prstGeom>
-          <a:noFill/>
-        </p:spPr>
-        <p:txBody>
-          <a:bodyPr wrap="square" rtlCol="0">
-            <a:spAutoFit/>
-          </a:bodyPr>
-          <a:lstStyle/>
-          <a:p>
-            <a:pPr algn="r"/>
-            <a:r>
-              <a:rPr lang="fr-FR" sz="1400" dirty="0">
-                <a:latin typeface="Times New Roman" panose="02020603050405020304" pitchFamily="18" charset="0"/>
-                <a:cs typeface="Times New Roman" panose="02020603050405020304" pitchFamily="18" charset="0"/>
-              </a:rPr>
-              <a:t>1</a:t>
-            </a:r>
-            <a:r>
-              <a:rPr lang="fr-FR" sz="1400" noProof="0" dirty="0">
-                <a:latin typeface="Times New Roman" panose="02020603050405020304" pitchFamily="18" charset="0"/>
-                <a:cs typeface="Times New Roman" panose="02020603050405020304" pitchFamily="18" charset="0"/>
-              </a:rPr>
-              <a:t>/10</a:t>
-            </a:r>
           </a:p>
         </p:txBody>
       </p:sp>
@@ -16049,6 +15894,35 @@
           </a:p>
         </p:txBody>
       </p:sp>
+      <p:sp>
+        <p:nvSpPr>
+          <p:cNvPr id="2" name="Slide Number Placeholder 1">
+            <a:extLst>
+              <a:ext uri="{FF2B5EF4-FFF2-40B4-BE49-F238E27FC236}">
+                <a16:creationId xmlns:a16="http://schemas.microsoft.com/office/drawing/2014/main" id="{40AB6FBD-1D13-88E4-6251-9DF1B04FFA69}"/>
+              </a:ext>
+            </a:extLst>
+          </p:cNvPr>
+          <p:cNvSpPr>
+            <a:spLocks noGrp="1"/>
+          </p:cNvSpPr>
+          <p:nvPr>
+            <p:ph type="sldNum" sz="quarter" idx="12"/>
+          </p:nvPr>
+        </p:nvSpPr>
+        <p:spPr/>
+        <p:txBody>
+          <a:bodyPr/>
+          <a:lstStyle/>
+          <a:p>
+            <a:fld id="{74DDA11D-2719-4AB3-AAA7-DB2910A56E08}" type="slidenum">
+              <a:rPr lang="en-GB" smtClean="0"/>
+              <a:t>5</a:t>
+            </a:fld>
+            <a:endParaRPr lang="en-GB" dirty="0"/>
+          </a:p>
+        </p:txBody>
+      </p:sp>
     </p:spTree>
     <p:extLst>
       <p:ext uri="{BB962C8B-B14F-4D97-AF65-F5344CB8AC3E}">
@@ -16228,52 +16102,6 @@
           <a:p>
             <a:pPr algn="ctr"/>
             <a:endParaRPr lang="fr-FR" noProof="0" dirty="0"/>
-          </a:p>
-        </p:txBody>
-      </p:sp>
-      <p:sp>
-        <p:nvSpPr>
-          <p:cNvPr id="47" name="TextBox 46">
-            <a:extLst>
-              <a:ext uri="{FF2B5EF4-FFF2-40B4-BE49-F238E27FC236}">
-                <a16:creationId xmlns:a16="http://schemas.microsoft.com/office/drawing/2014/main" id="{6BF1353B-5DF7-3871-5843-37C5703927FD}"/>
-              </a:ext>
-            </a:extLst>
-          </p:cNvPr>
-          <p:cNvSpPr txBox="1"/>
-          <p:nvPr/>
-        </p:nvSpPr>
-        <p:spPr>
-          <a:xfrm>
-            <a:off x="11091333" y="6550222"/>
-            <a:ext cx="1100667" cy="307777"/>
-          </a:xfrm>
-          <a:prstGeom prst="rect">
-            <a:avLst/>
-          </a:prstGeom>
-          <a:noFill/>
-        </p:spPr>
-        <p:txBody>
-          <a:bodyPr wrap="square" rtlCol="0">
-            <a:spAutoFit/>
-          </a:bodyPr>
-          <a:lstStyle/>
-          <a:p>
-            <a:pPr algn="r"/>
-            <a:r>
-              <a:rPr lang="fr-FR" sz="1400" dirty="0">
-                <a:latin typeface="Times New Roman" panose="02020603050405020304" pitchFamily="18" charset="0"/>
-                <a:cs typeface="Times New Roman" panose="02020603050405020304" pitchFamily="18" charset="0"/>
-              </a:rPr>
-              <a:t>1</a:t>
-            </a:r>
-            <a:r>
-              <a:rPr lang="fr-FR" sz="1400" noProof="0" dirty="0">
-                <a:latin typeface="Times New Roman" panose="02020603050405020304" pitchFamily="18" charset="0"/>
-                <a:cs typeface="Times New Roman" panose="02020603050405020304" pitchFamily="18" charset="0"/>
-              </a:rPr>
-              <a:t>/10</a:t>
-            </a:r>
           </a:p>
         </p:txBody>
       </p:sp>
@@ -17485,6 +17313,35 @@
           </a:p>
         </p:txBody>
       </p:sp>
+      <p:sp>
+        <p:nvSpPr>
+          <p:cNvPr id="2" name="Slide Number Placeholder 1">
+            <a:extLst>
+              <a:ext uri="{FF2B5EF4-FFF2-40B4-BE49-F238E27FC236}">
+                <a16:creationId xmlns:a16="http://schemas.microsoft.com/office/drawing/2014/main" id="{309F3571-0937-68D0-30BA-0298C8B42753}"/>
+              </a:ext>
+            </a:extLst>
+          </p:cNvPr>
+          <p:cNvSpPr>
+            <a:spLocks noGrp="1"/>
+          </p:cNvSpPr>
+          <p:nvPr>
+            <p:ph type="sldNum" sz="quarter" idx="12"/>
+          </p:nvPr>
+        </p:nvSpPr>
+        <p:spPr/>
+        <p:txBody>
+          <a:bodyPr/>
+          <a:lstStyle/>
+          <a:p>
+            <a:fld id="{74DDA11D-2719-4AB3-AAA7-DB2910A56E08}" type="slidenum">
+              <a:rPr lang="en-GB" smtClean="0"/>
+              <a:t>6</a:t>
+            </a:fld>
+            <a:endParaRPr lang="en-GB" dirty="0"/>
+          </a:p>
+        </p:txBody>
+      </p:sp>
     </p:spTree>
     <p:extLst>
       <p:ext uri="{BB962C8B-B14F-4D97-AF65-F5344CB8AC3E}">
@@ -17521,6 +17378,83 @@
           <a:chExt cx="0" cy="0"/>
         </a:xfrm>
       </p:grpSpPr>
+      <p:sp>
+        <p:nvSpPr>
+          <p:cNvPr id="7" name="TextBox 6">
+            <a:extLst>
+              <a:ext uri="{FF2B5EF4-FFF2-40B4-BE49-F238E27FC236}">
+                <a16:creationId xmlns:a16="http://schemas.microsoft.com/office/drawing/2014/main" id="{9BCB23DC-A2F1-CB6B-0609-7DD98302BCD0}"/>
+              </a:ext>
+            </a:extLst>
+          </p:cNvPr>
+          <p:cNvSpPr txBox="1"/>
+          <p:nvPr/>
+        </p:nvSpPr>
+        <p:spPr>
+          <a:xfrm>
+            <a:off x="0" y="5713818"/>
+            <a:ext cx="12192000" cy="1200329"/>
+          </a:xfrm>
+          <a:prstGeom prst="rect">
+            <a:avLst/>
+          </a:prstGeom>
+          <a:noFill/>
+        </p:spPr>
+        <p:txBody>
+          <a:bodyPr wrap="square" rtlCol="0">
+            <a:spAutoFit/>
+          </a:bodyPr>
+          <a:lstStyle/>
+          <a:p>
+            <a:pPr algn="just"/>
+            <a:r>
+              <a:rPr lang="fr-FR" b="1" dirty="0">
+                <a:latin typeface="Times New Roman" panose="02020603050405020304" pitchFamily="18" charset="0"/>
+                <a:cs typeface="Times New Roman" panose="02020603050405020304" pitchFamily="18" charset="0"/>
+              </a:rPr>
+              <a:t>Remarque</a:t>
+            </a:r>
+            <a:r>
+              <a:rPr lang="fr-FR" dirty="0">
+                <a:latin typeface="Times New Roman" panose="02020603050405020304" pitchFamily="18" charset="0"/>
+                <a:cs typeface="Times New Roman" panose="02020603050405020304" pitchFamily="18" charset="0"/>
+              </a:rPr>
+              <a:t> : Etant donné que nous avons pris un grand nombre de couple, nous obtenons des courbes lisses pour la PDF et la CDF.</a:t>
+            </a:r>
+          </a:p>
+          <a:p>
+            <a:pPr algn="just"/>
+            <a:endParaRPr lang="fr-FR" dirty="0">
+              <a:latin typeface="Times New Roman" panose="02020603050405020304" pitchFamily="18" charset="0"/>
+              <a:cs typeface="Times New Roman" panose="02020603050405020304" pitchFamily="18" charset="0"/>
+            </a:endParaRPr>
+          </a:p>
+          <a:p>
+            <a:pPr algn="just"/>
+            <a:r>
+              <a:rPr lang="fr-FR" dirty="0">
+                <a:latin typeface="Times New Roman" panose="02020603050405020304" pitchFamily="18" charset="0"/>
+                <a:cs typeface="Times New Roman" panose="02020603050405020304" pitchFamily="18" charset="0"/>
+              </a:rPr>
+              <a:t>Nous remarquons en effet que la PDF décrit plus une </a:t>
+            </a:r>
+            <a:r>
+              <a:rPr lang="fr-FR" b="1" dirty="0">
+                <a:latin typeface="Times New Roman" panose="02020603050405020304" pitchFamily="18" charset="0"/>
+                <a:cs typeface="Times New Roman" panose="02020603050405020304" pitchFamily="18" charset="0"/>
+              </a:rPr>
+              <a:t>loi log-normal </a:t>
+            </a:r>
+            <a:r>
+              <a:rPr lang="fr-FR" dirty="0">
+                <a:latin typeface="Times New Roman" panose="02020603050405020304" pitchFamily="18" charset="0"/>
+                <a:cs typeface="Times New Roman" panose="02020603050405020304" pitchFamily="18" charset="0"/>
+              </a:rPr>
+              <a:t>plutôt qu’une gaussienne, comme indiqué par le sujet. En effet, on note ici l’asymétrie de la courbe.    </a:t>
+            </a:r>
+          </a:p>
+        </p:txBody>
+      </p:sp>
       <p:sp>
         <p:nvSpPr>
           <p:cNvPr id="36" name="Rectangle 35">
@@ -17667,52 +17601,6 @@
           </a:p>
         </p:txBody>
       </p:sp>
-      <p:sp>
-        <p:nvSpPr>
-          <p:cNvPr id="47" name="TextBox 46">
-            <a:extLst>
-              <a:ext uri="{FF2B5EF4-FFF2-40B4-BE49-F238E27FC236}">
-                <a16:creationId xmlns:a16="http://schemas.microsoft.com/office/drawing/2014/main" id="{522DB3F2-549C-8827-1FDA-D6B0B664F953}"/>
-              </a:ext>
-            </a:extLst>
-          </p:cNvPr>
-          <p:cNvSpPr txBox="1"/>
-          <p:nvPr/>
-        </p:nvSpPr>
-        <p:spPr>
-          <a:xfrm>
-            <a:off x="11091333" y="6550222"/>
-            <a:ext cx="1100667" cy="307777"/>
-          </a:xfrm>
-          <a:prstGeom prst="rect">
-            <a:avLst/>
-          </a:prstGeom>
-          <a:noFill/>
-        </p:spPr>
-        <p:txBody>
-          <a:bodyPr wrap="square" rtlCol="0">
-            <a:spAutoFit/>
-          </a:bodyPr>
-          <a:lstStyle/>
-          <a:p>
-            <a:pPr algn="r"/>
-            <a:r>
-              <a:rPr lang="fr-FR" sz="1400" dirty="0">
-                <a:latin typeface="Times New Roman" panose="02020603050405020304" pitchFamily="18" charset="0"/>
-                <a:cs typeface="Times New Roman" panose="02020603050405020304" pitchFamily="18" charset="0"/>
-              </a:rPr>
-              <a:t>1</a:t>
-            </a:r>
-            <a:r>
-              <a:rPr lang="fr-FR" sz="1400" noProof="0" dirty="0">
-                <a:latin typeface="Times New Roman" panose="02020603050405020304" pitchFamily="18" charset="0"/>
-                <a:cs typeface="Times New Roman" panose="02020603050405020304" pitchFamily="18" charset="0"/>
-              </a:rPr>
-              <a:t>/10</a:t>
-            </a:r>
-          </a:p>
-        </p:txBody>
-      </p:sp>
       <mc:AlternateContent xmlns:mc="http://schemas.openxmlformats.org/markup-compatibility/2006" xmlns:a14="http://schemas.microsoft.com/office/drawing/2010/main">
         <mc:Choice Requires="a14">
           <p:sp>
@@ -17877,14 +17765,7 @@
                         <a:latin typeface="Cambria Math" panose="02040503050406030204" pitchFamily="18" charset="0"/>
                         <a:cs typeface="Times New Roman" panose="02020603050405020304" pitchFamily="18" charset="0"/>
                       </a:rPr>
-                      <m:t>=</m:t>
-                    </m:r>
-                    <m:r>
-                      <a:rPr lang="fr-FR" i="1">
-                        <a:latin typeface="Cambria Math" panose="02040503050406030204" pitchFamily="18" charset="0"/>
-                        <a:cs typeface="Times New Roman" panose="02020603050405020304" pitchFamily="18" charset="0"/>
-                      </a:rPr>
-                      <m:t>200</m:t>
+                      <m:t>=200</m:t>
                     </m:r>
                   </m:oMath>
                 </a14:m>
@@ -18151,78 +18032,30 @@
       </p:pic>
       <p:sp>
         <p:nvSpPr>
-          <p:cNvPr id="7" name="TextBox 6">
+          <p:cNvPr id="3" name="Slide Number Placeholder 2">
             <a:extLst>
               <a:ext uri="{FF2B5EF4-FFF2-40B4-BE49-F238E27FC236}">
-                <a16:creationId xmlns:a16="http://schemas.microsoft.com/office/drawing/2014/main" id="{9BCB23DC-A2F1-CB6B-0609-7DD98302BCD0}"/>
+                <a16:creationId xmlns:a16="http://schemas.microsoft.com/office/drawing/2014/main" id="{0EF744EF-9AF8-7B52-EE88-01F45563D129}"/>
               </a:ext>
             </a:extLst>
           </p:cNvPr>
-          <p:cNvSpPr txBox="1"/>
-          <p:nvPr/>
+          <p:cNvSpPr>
+            <a:spLocks noGrp="1"/>
+          </p:cNvSpPr>
+          <p:nvPr>
+            <p:ph type="sldNum" sz="quarter" idx="12"/>
+          </p:nvPr>
         </p:nvSpPr>
-        <p:spPr>
-          <a:xfrm>
-            <a:off x="0" y="5713818"/>
-            <a:ext cx="12192000" cy="1200329"/>
-          </a:xfrm>
-          <a:prstGeom prst="rect">
-            <a:avLst/>
-          </a:prstGeom>
-          <a:noFill/>
-        </p:spPr>
+        <p:spPr/>
         <p:txBody>
-          <a:bodyPr wrap="square" rtlCol="0">
-            <a:spAutoFit/>
-          </a:bodyPr>
+          <a:bodyPr/>
           <a:lstStyle/>
           <a:p>
-            <a:pPr algn="just"/>
-            <a:r>
-              <a:rPr lang="fr-FR" b="1" dirty="0">
-                <a:latin typeface="Times New Roman" panose="02020603050405020304" pitchFamily="18" charset="0"/>
-                <a:cs typeface="Times New Roman" panose="02020603050405020304" pitchFamily="18" charset="0"/>
-              </a:rPr>
-              <a:t>Remarque</a:t>
-            </a:r>
-            <a:r>
-              <a:rPr lang="fr-FR" dirty="0">
-                <a:latin typeface="Times New Roman" panose="02020603050405020304" pitchFamily="18" charset="0"/>
-                <a:cs typeface="Times New Roman" panose="02020603050405020304" pitchFamily="18" charset="0"/>
-              </a:rPr>
-              <a:t> : Etant donné que nous avons pris un grand nombre de couple, nous obtenons des courbes lisses pour la PDF et la CDF.</a:t>
-            </a:r>
-          </a:p>
-          <a:p>
-            <a:pPr algn="just"/>
-            <a:endParaRPr lang="fr-FR" dirty="0">
-              <a:latin typeface="Times New Roman" panose="02020603050405020304" pitchFamily="18" charset="0"/>
-              <a:cs typeface="Times New Roman" panose="02020603050405020304" pitchFamily="18" charset="0"/>
-            </a:endParaRPr>
-          </a:p>
-          <a:p>
-            <a:pPr algn="just"/>
-            <a:r>
-              <a:rPr lang="fr-FR" dirty="0">
-                <a:latin typeface="Times New Roman" panose="02020603050405020304" pitchFamily="18" charset="0"/>
-                <a:cs typeface="Times New Roman" panose="02020603050405020304" pitchFamily="18" charset="0"/>
-              </a:rPr>
-              <a:t>Nous remarquons en effet que la PDF décrit plus une </a:t>
-            </a:r>
-            <a:r>
-              <a:rPr lang="fr-FR" b="1" dirty="0">
-                <a:latin typeface="Times New Roman" panose="02020603050405020304" pitchFamily="18" charset="0"/>
-                <a:cs typeface="Times New Roman" panose="02020603050405020304" pitchFamily="18" charset="0"/>
-              </a:rPr>
-              <a:t>loi log-normal </a:t>
-            </a:r>
-            <a:r>
-              <a:rPr lang="fr-FR" dirty="0">
-                <a:latin typeface="Times New Roman" panose="02020603050405020304" pitchFamily="18" charset="0"/>
-                <a:cs typeface="Times New Roman" panose="02020603050405020304" pitchFamily="18" charset="0"/>
-              </a:rPr>
-              <a:t>plutôt qu’une gaussienne, comme indiqué par le sujet. En effet, on note ici l’asymétrie de la courbe.    </a:t>
-            </a:r>
+            <a:fld id="{74DDA11D-2719-4AB3-AAA7-DB2910A56E08}" type="slidenum">
+              <a:rPr lang="en-GB" smtClean="0"/>
+              <a:t>7</a:t>
+            </a:fld>
+            <a:endParaRPr lang="en-GB" dirty="0"/>
           </a:p>
         </p:txBody>
       </p:sp>
@@ -18405,52 +18238,6 @@
           <a:p>
             <a:pPr algn="ctr"/>
             <a:endParaRPr lang="fr-FR" noProof="0" dirty="0"/>
-          </a:p>
-        </p:txBody>
-      </p:sp>
-      <p:sp>
-        <p:nvSpPr>
-          <p:cNvPr id="47" name="TextBox 46">
-            <a:extLst>
-              <a:ext uri="{FF2B5EF4-FFF2-40B4-BE49-F238E27FC236}">
-                <a16:creationId xmlns:a16="http://schemas.microsoft.com/office/drawing/2014/main" id="{6E166E6B-7EE3-EC34-BAE0-05C81EEE5F8A}"/>
-              </a:ext>
-            </a:extLst>
-          </p:cNvPr>
-          <p:cNvSpPr txBox="1"/>
-          <p:nvPr/>
-        </p:nvSpPr>
-        <p:spPr>
-          <a:xfrm>
-            <a:off x="11091333" y="6550222"/>
-            <a:ext cx="1100667" cy="307777"/>
-          </a:xfrm>
-          <a:prstGeom prst="rect">
-            <a:avLst/>
-          </a:prstGeom>
-          <a:noFill/>
-        </p:spPr>
-        <p:txBody>
-          <a:bodyPr wrap="square" rtlCol="0">
-            <a:spAutoFit/>
-          </a:bodyPr>
-          <a:lstStyle/>
-          <a:p>
-            <a:pPr algn="r"/>
-            <a:r>
-              <a:rPr lang="fr-FR" sz="1400" dirty="0">
-                <a:latin typeface="Times New Roman" panose="02020603050405020304" pitchFamily="18" charset="0"/>
-                <a:cs typeface="Times New Roman" panose="02020603050405020304" pitchFamily="18" charset="0"/>
-              </a:rPr>
-              <a:t>1</a:t>
-            </a:r>
-            <a:r>
-              <a:rPr lang="fr-FR" sz="1400" noProof="0" dirty="0">
-                <a:latin typeface="Times New Roman" panose="02020603050405020304" pitchFamily="18" charset="0"/>
-                <a:cs typeface="Times New Roman" panose="02020603050405020304" pitchFamily="18" charset="0"/>
-              </a:rPr>
-              <a:t>/10</a:t>
-            </a:r>
           </a:p>
         </p:txBody>
       </p:sp>
@@ -19425,7 +19212,7 @@
               <a:blipFill>
                 <a:blip r:embed="rId2"/>
                 <a:stretch>
-                  <a:fillRect l="-400" t="-713" r="-850"/>
+                  <a:fillRect l="-400" t="-713" r="-400"/>
                 </a:stretch>
               </a:blipFill>
             </p:spPr>
@@ -19545,6 +19332,35 @@
               <a:latin typeface="Times New Roman" panose="02020603050405020304" pitchFamily="18" charset="0"/>
               <a:cs typeface="Times New Roman" panose="02020603050405020304" pitchFamily="18" charset="0"/>
             </a:endParaRPr>
+          </a:p>
+        </p:txBody>
+      </p:sp>
+      <p:sp>
+        <p:nvSpPr>
+          <p:cNvPr id="4" name="Slide Number Placeholder 3">
+            <a:extLst>
+              <a:ext uri="{FF2B5EF4-FFF2-40B4-BE49-F238E27FC236}">
+                <a16:creationId xmlns:a16="http://schemas.microsoft.com/office/drawing/2014/main" id="{060ADA90-5964-7164-22AE-A8BD81DDE003}"/>
+              </a:ext>
+            </a:extLst>
+          </p:cNvPr>
+          <p:cNvSpPr>
+            <a:spLocks noGrp="1"/>
+          </p:cNvSpPr>
+          <p:nvPr>
+            <p:ph type="sldNum" sz="quarter" idx="12"/>
+          </p:nvPr>
+        </p:nvSpPr>
+        <p:spPr/>
+        <p:txBody>
+          <a:bodyPr/>
+          <a:lstStyle/>
+          <a:p>
+            <a:fld id="{74DDA11D-2719-4AB3-AAA7-DB2910A56E08}" type="slidenum">
+              <a:rPr lang="en-GB" smtClean="0"/>
+              <a:t>8</a:t>
+            </a:fld>
+            <a:endParaRPr lang="en-GB" dirty="0"/>
           </a:p>
         </p:txBody>
       </p:sp>
@@ -19730,52 +19546,6 @@
           </a:p>
         </p:txBody>
       </p:sp>
-      <p:sp>
-        <p:nvSpPr>
-          <p:cNvPr id="47" name="TextBox 46">
-            <a:extLst>
-              <a:ext uri="{FF2B5EF4-FFF2-40B4-BE49-F238E27FC236}">
-                <a16:creationId xmlns:a16="http://schemas.microsoft.com/office/drawing/2014/main" id="{D8A9A844-34EC-4A9D-BB49-825AE39CF03F}"/>
-              </a:ext>
-            </a:extLst>
-          </p:cNvPr>
-          <p:cNvSpPr txBox="1"/>
-          <p:nvPr/>
-        </p:nvSpPr>
-        <p:spPr>
-          <a:xfrm>
-            <a:off x="11091333" y="6550222"/>
-            <a:ext cx="1100667" cy="307777"/>
-          </a:xfrm>
-          <a:prstGeom prst="rect">
-            <a:avLst/>
-          </a:prstGeom>
-          <a:noFill/>
-        </p:spPr>
-        <p:txBody>
-          <a:bodyPr wrap="square" rtlCol="0">
-            <a:spAutoFit/>
-          </a:bodyPr>
-          <a:lstStyle/>
-          <a:p>
-            <a:pPr algn="r"/>
-            <a:r>
-              <a:rPr lang="fr-FR" sz="1400" dirty="0">
-                <a:latin typeface="Times New Roman" panose="02020603050405020304" pitchFamily="18" charset="0"/>
-                <a:cs typeface="Times New Roman" panose="02020603050405020304" pitchFamily="18" charset="0"/>
-              </a:rPr>
-              <a:t>1</a:t>
-            </a:r>
-            <a:r>
-              <a:rPr lang="fr-FR" sz="1400" noProof="0" dirty="0">
-                <a:latin typeface="Times New Roman" panose="02020603050405020304" pitchFamily="18" charset="0"/>
-                <a:cs typeface="Times New Roman" panose="02020603050405020304" pitchFamily="18" charset="0"/>
-              </a:rPr>
-              <a:t>/10</a:t>
-            </a:r>
-          </a:p>
-        </p:txBody>
-      </p:sp>
       <mc:AlternateContent xmlns:mc="http://schemas.openxmlformats.org/markup-compatibility/2006">
         <mc:Choice xmlns:a14="http://schemas.microsoft.com/office/drawing/2010/main" Requires="a14">
           <p:sp>
@@ -20229,6 +19999,35 @@
           </p:sp>
         </mc:Fallback>
       </mc:AlternateContent>
+      <p:sp>
+        <p:nvSpPr>
+          <p:cNvPr id="7" name="Slide Number Placeholder 6">
+            <a:extLst>
+              <a:ext uri="{FF2B5EF4-FFF2-40B4-BE49-F238E27FC236}">
+                <a16:creationId xmlns:a16="http://schemas.microsoft.com/office/drawing/2014/main" id="{E7905179-4BD3-A69B-44D3-7EEF75A38C02}"/>
+              </a:ext>
+            </a:extLst>
+          </p:cNvPr>
+          <p:cNvSpPr>
+            <a:spLocks noGrp="1"/>
+          </p:cNvSpPr>
+          <p:nvPr>
+            <p:ph type="sldNum" sz="quarter" idx="12"/>
+          </p:nvPr>
+        </p:nvSpPr>
+        <p:spPr/>
+        <p:txBody>
+          <a:bodyPr/>
+          <a:lstStyle/>
+          <a:p>
+            <a:fld id="{74DDA11D-2719-4AB3-AAA7-DB2910A56E08}" type="slidenum">
+              <a:rPr lang="en-GB" smtClean="0"/>
+              <a:t>9</a:t>
+            </a:fld>
+            <a:endParaRPr lang="en-GB" dirty="0"/>
+          </a:p>
+        </p:txBody>
+      </p:sp>
     </p:spTree>
     <p:extLst>
       <p:ext uri="{BB962C8B-B14F-4D97-AF65-F5344CB8AC3E}">

--- a/doc/Rapport_Devoir3.pptx
+++ b/doc/Rapport_Devoir3.pptx
@@ -139,7 +139,7 @@
 <file path=ppt/revisionInfo.xml><?xml version="1.0" encoding="utf-8"?>
 <p1510:revInfo xmlns:a="http://schemas.openxmlformats.org/drawingml/2006/main" xmlns:r="http://schemas.openxmlformats.org/officeDocument/2006/relationships" xmlns:p1510="http://schemas.microsoft.com/office/powerpoint/2015/10/main">
   <p1510:revLst>
-    <p1510:client id="{70DA9340-7F51-438C-968D-A80FAAB196F5}" v="1298" dt="2025-03-29T21:54:20.007"/>
+    <p1510:client id="{70DA9340-7F51-438C-968D-A80FAAB196F5}" v="1536" dt="2025-03-30T11:44:36.526"/>
   </p1510:revLst>
 </p1510:revInfo>
 </file>
@@ -149,10 +149,25 @@
   <pc:docChgLst>
     <pc:chgData name="François GLEYZON" userId="a2d04f23f7faf3ef" providerId="LiveId" clId="{70DA9340-7F51-438C-968D-A80FAAB196F5}"/>
     <pc:docChg chg="undo custSel addSld delSld modSld">
-      <pc:chgData name="François GLEYZON" userId="a2d04f23f7faf3ef" providerId="LiveId" clId="{70DA9340-7F51-438C-968D-A80FAAB196F5}" dt="2025-03-29T21:54:19.990" v="2107"/>
+      <pc:chgData name="François GLEYZON" userId="a2d04f23f7faf3ef" providerId="LiveId" clId="{70DA9340-7F51-438C-968D-A80FAAB196F5}" dt="2025-03-30T11:44:36.525" v="2345" actId="13926"/>
       <pc:docMkLst>
         <pc:docMk/>
       </pc:docMkLst>
+      <pc:sldChg chg="modSp">
+        <pc:chgData name="François GLEYZON" userId="a2d04f23f7faf3ef" providerId="LiveId" clId="{70DA9340-7F51-438C-968D-A80FAAB196F5}" dt="2025-03-30T11:44:03.377" v="2336" actId="20577"/>
+        <pc:sldMkLst>
+          <pc:docMk/>
+          <pc:sldMk cId="1947937328" sldId="276"/>
+        </pc:sldMkLst>
+        <pc:spChg chg="mod">
+          <ac:chgData name="François GLEYZON" userId="a2d04f23f7faf3ef" providerId="LiveId" clId="{70DA9340-7F51-438C-968D-A80FAAB196F5}" dt="2025-03-30T11:44:03.377" v="2336" actId="20577"/>
+          <ac:spMkLst>
+            <pc:docMk/>
+            <pc:sldMk cId="1947937328" sldId="276"/>
+            <ac:spMk id="2" creationId="{4AEF83C1-2829-E6C9-BC3C-16F0CA5938E3}"/>
+          </ac:spMkLst>
+        </pc:spChg>
+      </pc:sldChg>
       <pc:sldChg chg="add">
         <pc:chgData name="François GLEYZON" userId="a2d04f23f7faf3ef" providerId="LiveId" clId="{70DA9340-7F51-438C-968D-A80FAAB196F5}" dt="2025-03-29T21:43:34.053" v="722"/>
         <pc:sldMkLst>
@@ -168,13 +183,13 @@
         </pc:sldMkLst>
       </pc:sldChg>
       <pc:sldChg chg="modSp mod">
-        <pc:chgData name="François GLEYZON" userId="a2d04f23f7faf3ef" providerId="LiveId" clId="{70DA9340-7F51-438C-968D-A80FAAB196F5}" dt="2025-03-29T21:52:54.896" v="2048" actId="13926"/>
+        <pc:chgData name="François GLEYZON" userId="a2d04f23f7faf3ef" providerId="LiveId" clId="{70DA9340-7F51-438C-968D-A80FAAB196F5}" dt="2025-03-30T11:41:16.527" v="2292" actId="20577"/>
         <pc:sldMkLst>
           <pc:docMk/>
           <pc:sldMk cId="2309993896" sldId="279"/>
         </pc:sldMkLst>
         <pc:spChg chg="mod">
-          <ac:chgData name="François GLEYZON" userId="a2d04f23f7faf3ef" providerId="LiveId" clId="{70DA9340-7F51-438C-968D-A80FAAB196F5}" dt="2025-03-29T21:52:54.896" v="2048" actId="13926"/>
+          <ac:chgData name="François GLEYZON" userId="a2d04f23f7faf3ef" providerId="LiveId" clId="{70DA9340-7F51-438C-968D-A80FAAB196F5}" dt="2025-03-30T11:41:16.527" v="2292" actId="20577"/>
           <ac:spMkLst>
             <pc:docMk/>
             <pc:sldMk cId="2309993896" sldId="279"/>
@@ -203,102 +218,6 @@
           <pc:docMk/>
           <pc:sldMk cId="298882411" sldId="281"/>
         </pc:sldMkLst>
-        <pc:spChg chg="mod">
-          <ac:chgData name="François GLEYZON" userId="a2d04f23f7faf3ef" providerId="LiveId" clId="{70DA9340-7F51-438C-968D-A80FAAB196F5}" dt="2025-03-25T21:46:59.333" v="277" actId="20577"/>
-          <ac:spMkLst>
-            <pc:docMk/>
-            <pc:sldMk cId="298882411" sldId="281"/>
-            <ac:spMk id="2" creationId="{8004F7FD-C1ED-C0C4-12CC-EF679C2B4BCF}"/>
-          </ac:spMkLst>
-        </pc:spChg>
-        <pc:spChg chg="add mod">
-          <ac:chgData name="François GLEYZON" userId="a2d04f23f7faf3ef" providerId="LiveId" clId="{70DA9340-7F51-438C-968D-A80FAAB196F5}" dt="2025-03-25T21:47:09.098" v="278" actId="1076"/>
-          <ac:spMkLst>
-            <pc:docMk/>
-            <pc:sldMk cId="298882411" sldId="281"/>
-            <ac:spMk id="8" creationId="{C712FDFE-3676-4243-BCC9-29592891991D}"/>
-          </ac:spMkLst>
-        </pc:spChg>
-        <pc:spChg chg="add mod">
-          <ac:chgData name="François GLEYZON" userId="a2d04f23f7faf3ef" providerId="LiveId" clId="{70DA9340-7F51-438C-968D-A80FAAB196F5}" dt="2025-03-25T21:47:09.098" v="278" actId="1076"/>
-          <ac:spMkLst>
-            <pc:docMk/>
-            <pc:sldMk cId="298882411" sldId="281"/>
-            <ac:spMk id="10" creationId="{122D42A1-AE2A-C892-F728-6068959571B4}"/>
-          </ac:spMkLst>
-        </pc:spChg>
-        <pc:spChg chg="add mod">
-          <ac:chgData name="François GLEYZON" userId="a2d04f23f7faf3ef" providerId="LiveId" clId="{70DA9340-7F51-438C-968D-A80FAAB196F5}" dt="2025-03-25T21:47:09.098" v="278" actId="1076"/>
-          <ac:spMkLst>
-            <pc:docMk/>
-            <pc:sldMk cId="298882411" sldId="281"/>
-            <ac:spMk id="11" creationId="{86F8990E-0971-B834-7BF5-82BD5E91EB37}"/>
-          </ac:spMkLst>
-        </pc:spChg>
-        <pc:spChg chg="add mod">
-          <ac:chgData name="François GLEYZON" userId="a2d04f23f7faf3ef" providerId="LiveId" clId="{70DA9340-7F51-438C-968D-A80FAAB196F5}" dt="2025-03-25T21:47:09.098" v="278" actId="1076"/>
-          <ac:spMkLst>
-            <pc:docMk/>
-            <pc:sldMk cId="298882411" sldId="281"/>
-            <ac:spMk id="12" creationId="{31972B0B-29CA-09AD-C82A-FA7E5CE423E6}"/>
-          </ac:spMkLst>
-        </pc:spChg>
-        <pc:spChg chg="add mod">
-          <ac:chgData name="François GLEYZON" userId="a2d04f23f7faf3ef" providerId="LiveId" clId="{70DA9340-7F51-438C-968D-A80FAAB196F5}" dt="2025-03-25T21:47:09.098" v="278" actId="1076"/>
-          <ac:spMkLst>
-            <pc:docMk/>
-            <pc:sldMk cId="298882411" sldId="281"/>
-            <ac:spMk id="14" creationId="{E514ACF3-EF00-A414-2CD7-B79AAB74C874}"/>
-          </ac:spMkLst>
-        </pc:spChg>
-        <pc:spChg chg="add mod">
-          <ac:chgData name="François GLEYZON" userId="a2d04f23f7faf3ef" providerId="LiveId" clId="{70DA9340-7F51-438C-968D-A80FAAB196F5}" dt="2025-03-25T21:47:09.098" v="278" actId="1076"/>
-          <ac:spMkLst>
-            <pc:docMk/>
-            <pc:sldMk cId="298882411" sldId="281"/>
-            <ac:spMk id="20" creationId="{7B39421C-E216-9ADF-BCE7-C600D3E98FE6}"/>
-          </ac:spMkLst>
-        </pc:spChg>
-        <pc:cxnChg chg="add mod">
-          <ac:chgData name="François GLEYZON" userId="a2d04f23f7faf3ef" providerId="LiveId" clId="{70DA9340-7F51-438C-968D-A80FAAB196F5}" dt="2025-03-25T21:47:09.098" v="278" actId="1076"/>
-          <ac:cxnSpMkLst>
-            <pc:docMk/>
-            <pc:sldMk cId="298882411" sldId="281"/>
-            <ac:cxnSpMk id="4" creationId="{DE604380-F518-97E0-EF22-ECD626000716}"/>
-          </ac:cxnSpMkLst>
-        </pc:cxnChg>
-        <pc:cxnChg chg="add mod">
-          <ac:chgData name="François GLEYZON" userId="a2d04f23f7faf3ef" providerId="LiveId" clId="{70DA9340-7F51-438C-968D-A80FAAB196F5}" dt="2025-03-25T21:47:09.098" v="278" actId="1076"/>
-          <ac:cxnSpMkLst>
-            <pc:docMk/>
-            <pc:sldMk cId="298882411" sldId="281"/>
-            <ac:cxnSpMk id="6" creationId="{98BE1646-544E-A81E-CE20-138402FB0BD3}"/>
-          </ac:cxnSpMkLst>
-        </pc:cxnChg>
-        <pc:cxnChg chg="add mod">
-          <ac:chgData name="François GLEYZON" userId="a2d04f23f7faf3ef" providerId="LiveId" clId="{70DA9340-7F51-438C-968D-A80FAAB196F5}" dt="2025-03-25T21:43:57.738" v="41" actId="13822"/>
-          <ac:cxnSpMkLst>
-            <pc:docMk/>
-            <pc:sldMk cId="298882411" sldId="281"/>
-            <ac:cxnSpMk id="16" creationId="{61556B4C-F3A8-8734-1B9A-26DF21F4C480}"/>
-          </ac:cxnSpMkLst>
-        </pc:cxnChg>
-        <pc:cxnChg chg="add mod">
-          <ac:chgData name="François GLEYZON" userId="a2d04f23f7faf3ef" providerId="LiveId" clId="{70DA9340-7F51-438C-968D-A80FAAB196F5}" dt="2025-03-25T21:47:09.098" v="278" actId="1076"/>
-          <ac:cxnSpMkLst>
-            <pc:docMk/>
-            <pc:sldMk cId="298882411" sldId="281"/>
-            <ac:cxnSpMk id="17" creationId="{DB7D0DA1-DB6F-86A0-A592-0C8C8EDF1B09}"/>
-          </ac:cxnSpMkLst>
-        </pc:cxnChg>
-        <pc:cxnChg chg="add mod">
-          <ac:chgData name="François GLEYZON" userId="a2d04f23f7faf3ef" providerId="LiveId" clId="{70DA9340-7F51-438C-968D-A80FAAB196F5}" dt="2025-03-25T21:47:09.098" v="278" actId="1076"/>
-          <ac:cxnSpMkLst>
-            <pc:docMk/>
-            <pc:sldMk cId="298882411" sldId="281"/>
-            <ac:cxnSpMk id="19" creationId="{2339B692-A939-854D-EC0B-F59A3EE7A255}"/>
-          </ac:cxnSpMkLst>
-        </pc:cxnChg>
       </pc:sldChg>
       <pc:sldChg chg="add">
         <pc:chgData name="François GLEYZON" userId="a2d04f23f7faf3ef" providerId="LiveId" clId="{70DA9340-7F51-438C-968D-A80FAAB196F5}" dt="2025-03-29T21:54:19.990" v="2107"/>
@@ -388,6 +307,29 @@
             <pc:docMk/>
             <pc:sldMk cId="857635956" sldId="284"/>
             <ac:spMk id="6" creationId="{C1801717-81D2-DB51-FAD8-E6D50491DDAE}"/>
+          </ac:spMkLst>
+        </pc:spChg>
+      </pc:sldChg>
+      <pc:sldChg chg="modSp">
+        <pc:chgData name="François GLEYZON" userId="a2d04f23f7faf3ef" providerId="LiveId" clId="{70DA9340-7F51-438C-968D-A80FAAB196F5}" dt="2025-03-30T11:44:36.525" v="2345" actId="13926"/>
+        <pc:sldMkLst>
+          <pc:docMk/>
+          <pc:sldMk cId="1870542056" sldId="285"/>
+        </pc:sldMkLst>
+        <pc:spChg chg="mod">
+          <ac:chgData name="François GLEYZON" userId="a2d04f23f7faf3ef" providerId="LiveId" clId="{70DA9340-7F51-438C-968D-A80FAAB196F5}" dt="2025-03-30T11:44:36.525" v="2345" actId="13926"/>
+          <ac:spMkLst>
+            <pc:docMk/>
+            <pc:sldMk cId="1870542056" sldId="285"/>
+            <ac:spMk id="12" creationId="{B2EA253A-F566-4489-0254-7F4FB1538B13}"/>
+          </ac:spMkLst>
+        </pc:spChg>
+        <pc:spChg chg="mod">
+          <ac:chgData name="François GLEYZON" userId="a2d04f23f7faf3ef" providerId="LiveId" clId="{70DA9340-7F51-438C-968D-A80FAAB196F5}" dt="2025-03-30T11:44:10.732" v="2337"/>
+          <ac:spMkLst>
+            <pc:docMk/>
+            <pc:sldMk cId="1870542056" sldId="285"/>
+            <ac:spMk id="14" creationId="{5F6A143C-8143-6F7A-DCEA-8E964E46BDCD}"/>
           </ac:spMkLst>
         </pc:spChg>
       </pc:sldChg>
@@ -965,22 +907,6 @@
           <pc:docMk/>
           <pc:sldMk cId="298882411" sldId="281"/>
         </pc:sldMkLst>
-        <pc:spChg chg="mod">
-          <ac:chgData name="François GLEYZON" userId="a2d04f23f7faf3ef" providerId="LiveId" clId="{185CA6E5-65FE-4AFD-87C6-A3C36DFA9F16}" dt="2025-03-18T01:38:14.394" v="7668" actId="20577"/>
-          <ac:spMkLst>
-            <pc:docMk/>
-            <pc:sldMk cId="298882411" sldId="281"/>
-            <ac:spMk id="2" creationId="{8004F7FD-C1ED-C0C4-12CC-EF679C2B4BCF}"/>
-          </ac:spMkLst>
-        </pc:spChg>
-        <pc:spChg chg="mod">
-          <ac:chgData name="François GLEYZON" userId="a2d04f23f7faf3ef" providerId="LiveId" clId="{185CA6E5-65FE-4AFD-87C6-A3C36DFA9F16}" dt="2025-03-18T01:35:25.738" v="7321" actId="20577"/>
-          <ac:spMkLst>
-            <pc:docMk/>
-            <pc:sldMk cId="298882411" sldId="281"/>
-            <ac:spMk id="9" creationId="{97D1993C-328D-AE35-7FD6-295BFBA515B4}"/>
-          </ac:spMkLst>
-        </pc:spChg>
       </pc:sldChg>
     </pc:docChg>
   </pc:docChgLst>
@@ -1069,7 +995,7 @@
           <a:p>
             <a:fld id="{536D1BE0-9163-4941-8556-7FE0B29195A4}" type="datetimeFigureOut">
               <a:rPr lang="en-GB" smtClean="0"/>
-              <a:t>29/03/2025</a:t>
+              <a:t>30/03/2025</a:t>
             </a:fld>
             <a:endParaRPr lang="en-GB"/>
           </a:p>
@@ -1486,7 +1412,7 @@
           <a:p>
             <a:fld id="{D6B2E909-1E8B-490A-90AE-456EAFEC45F4}" type="datetime1">
               <a:rPr lang="en-GB" smtClean="0"/>
-              <a:t>29/03/2025</a:t>
+              <a:t>30/03/2025</a:t>
             </a:fld>
             <a:endParaRPr lang="en-GB"/>
           </a:p>
@@ -1686,7 +1612,7 @@
           <a:p>
             <a:fld id="{92C34E1D-B36D-4230-93B8-D7EE6E8C0511}" type="datetime1">
               <a:rPr lang="en-GB" smtClean="0"/>
-              <a:t>29/03/2025</a:t>
+              <a:t>30/03/2025</a:t>
             </a:fld>
             <a:endParaRPr lang="en-GB"/>
           </a:p>
@@ -1896,7 +1822,7 @@
           <a:p>
             <a:fld id="{4FC01948-6196-40B9-BCBD-59107A9B1F9E}" type="datetime1">
               <a:rPr lang="en-GB" smtClean="0"/>
-              <a:t>29/03/2025</a:t>
+              <a:t>30/03/2025</a:t>
             </a:fld>
             <a:endParaRPr lang="en-GB"/>
           </a:p>
@@ -2096,7 +2022,7 @@
           <a:p>
             <a:fld id="{4C0CDDEC-1757-4EE0-9128-4BC55E64EFE5}" type="datetime1">
               <a:rPr lang="en-GB" smtClean="0"/>
-              <a:t>29/03/2025</a:t>
+              <a:t>30/03/2025</a:t>
             </a:fld>
             <a:endParaRPr lang="en-GB"/>
           </a:p>
@@ -2372,7 +2298,7 @@
           <a:p>
             <a:fld id="{62C963ED-4E2A-401C-99D8-D5828923A936}" type="datetime1">
               <a:rPr lang="en-GB" smtClean="0"/>
-              <a:t>29/03/2025</a:t>
+              <a:t>30/03/2025</a:t>
             </a:fld>
             <a:endParaRPr lang="en-GB"/>
           </a:p>
@@ -2640,7 +2566,7 @@
           <a:p>
             <a:fld id="{87C91C69-9FE7-4451-BF75-6A2FD63030A9}" type="datetime1">
               <a:rPr lang="en-GB" smtClean="0"/>
-              <a:t>29/03/2025</a:t>
+              <a:t>30/03/2025</a:t>
             </a:fld>
             <a:endParaRPr lang="en-GB"/>
           </a:p>
@@ -3055,7 +2981,7 @@
           <a:p>
             <a:fld id="{C07DCF1B-1979-4894-BFD4-7C24230EA146}" type="datetime1">
               <a:rPr lang="en-GB" smtClean="0"/>
-              <a:t>29/03/2025</a:t>
+              <a:t>30/03/2025</a:t>
             </a:fld>
             <a:endParaRPr lang="en-GB"/>
           </a:p>
@@ -3197,7 +3123,7 @@
           <a:p>
             <a:fld id="{636DF88A-124B-4722-B579-90B03BE5B135}" type="datetime1">
               <a:rPr lang="en-GB" smtClean="0"/>
-              <a:t>29/03/2025</a:t>
+              <a:t>30/03/2025</a:t>
             </a:fld>
             <a:endParaRPr lang="en-GB"/>
           </a:p>
@@ -3310,7 +3236,7 @@
           <a:p>
             <a:fld id="{6499F9BD-D035-429A-8061-D1A92B444FBC}" type="datetime1">
               <a:rPr lang="en-GB" smtClean="0"/>
-              <a:t>29/03/2025</a:t>
+              <a:t>30/03/2025</a:t>
             </a:fld>
             <a:endParaRPr lang="en-GB"/>
           </a:p>
@@ -3623,7 +3549,7 @@
           <a:p>
             <a:fld id="{FC2FF2E1-9BE9-486C-A52B-CC440E47AB02}" type="datetime1">
               <a:rPr lang="en-GB" smtClean="0"/>
-              <a:t>29/03/2025</a:t>
+              <a:t>30/03/2025</a:t>
             </a:fld>
             <a:endParaRPr lang="en-GB"/>
           </a:p>
@@ -3912,7 +3838,7 @@
           <a:p>
             <a:fld id="{B3680D87-8B9C-4BA2-B572-BDB70FC0D7A7}" type="datetime1">
               <a:rPr lang="en-GB" smtClean="0"/>
-              <a:t>29/03/2025</a:t>
+              <a:t>30/03/2025</a:t>
             </a:fld>
             <a:endParaRPr lang="en-GB"/>
           </a:p>
@@ -4155,7 +4081,7 @@
           <a:p>
             <a:fld id="{E829B7AE-D91D-400B-9228-ECCB52866AD0}" type="datetime1">
               <a:rPr lang="en-GB" smtClean="0"/>
-              <a:t>29/03/2025</a:t>
+              <a:t>30/03/2025</a:t>
             </a:fld>
             <a:endParaRPr lang="en-GB"/>
           </a:p>
@@ -5339,8 +5265,8 @@
           </a:p>
         </p:txBody>
       </p:sp>
-      <mc:AlternateContent xmlns:mc="http://schemas.openxmlformats.org/markup-compatibility/2006" xmlns:a14="http://schemas.microsoft.com/office/drawing/2010/main">
-        <mc:Choice Requires="a14">
+      <mc:AlternateContent xmlns:mc="http://schemas.openxmlformats.org/markup-compatibility/2006">
+        <mc:Choice xmlns:a14="http://schemas.microsoft.com/office/drawing/2010/main" Requires="a14">
           <p:sp>
             <p:nvSpPr>
               <p:cNvPr id="2" name="TextBox 1">
@@ -5630,6 +5556,108 @@
                         </a:rPr>
                         <m:t>=</m:t>
                       </m:r>
+                      <m:rad>
+                        <m:radPr>
+                          <m:degHide m:val="on"/>
+                          <m:ctrlPr>
+                            <a:rPr lang="fr-FR" i="1">
+                              <a:latin typeface="Cambria Math" panose="02040503050406030204" pitchFamily="18" charset="0"/>
+                              <a:cs typeface="Times New Roman" panose="02020603050405020304" pitchFamily="18" charset="0"/>
+                            </a:rPr>
+                          </m:ctrlPr>
+                        </m:radPr>
+                        <m:deg/>
+                        <m:e>
+                          <m:sSubSup>
+                            <m:sSubSupPr>
+                              <m:ctrlPr>
+                                <a:rPr lang="fr-FR" i="1">
+                                  <a:latin typeface="Cambria Math" panose="02040503050406030204" pitchFamily="18" charset="0"/>
+                                  <a:cs typeface="Times New Roman" panose="02020603050405020304" pitchFamily="18" charset="0"/>
+                                </a:rPr>
+                              </m:ctrlPr>
+                            </m:sSubSupPr>
+                            <m:e>
+                              <m:r>
+                                <a:rPr lang="fr-FR" i="1">
+                                  <a:latin typeface="Cambria Math" panose="02040503050406030204" pitchFamily="18" charset="0"/>
+                                  <a:cs typeface="Times New Roman" panose="02020603050405020304" pitchFamily="18" charset="0"/>
+                                </a:rPr>
+                                <m:t>𝑢</m:t>
+                              </m:r>
+                            </m:e>
+                            <m:sub>
+                              <m:r>
+                                <a:rPr lang="fr-FR" i="1">
+                                  <a:latin typeface="Cambria Math" panose="02040503050406030204" pitchFamily="18" charset="0"/>
+                                  <a:cs typeface="Times New Roman" panose="02020603050405020304" pitchFamily="18" charset="0"/>
+                                </a:rPr>
+                                <m:t>𝑖𝑛𝑝𝑢𝑡</m:t>
+                              </m:r>
+                            </m:sub>
+                            <m:sup>
+                              <m:r>
+                                <a:rPr lang="fr-FR" i="1">
+                                  <a:latin typeface="Cambria Math" panose="02040503050406030204" pitchFamily="18" charset="0"/>
+                                  <a:cs typeface="Times New Roman" panose="02020603050405020304" pitchFamily="18" charset="0"/>
+                                </a:rPr>
+                                <m:t>2</m:t>
+                              </m:r>
+                            </m:sup>
+                          </m:sSubSup>
+                          <m:r>
+                            <a:rPr lang="fr-FR" i="1">
+                              <a:latin typeface="Cambria Math" panose="02040503050406030204" pitchFamily="18" charset="0"/>
+                              <a:cs typeface="Times New Roman" panose="02020603050405020304" pitchFamily="18" charset="0"/>
+                            </a:rPr>
+                            <m:t>+</m:t>
+                          </m:r>
+                          <m:sSubSup>
+                            <m:sSubSupPr>
+                              <m:ctrlPr>
+                                <a:rPr lang="fr-FR" i="1">
+                                  <a:latin typeface="Cambria Math" panose="02040503050406030204" pitchFamily="18" charset="0"/>
+                                  <a:cs typeface="Times New Roman" panose="02020603050405020304" pitchFamily="18" charset="0"/>
+                                </a:rPr>
+                              </m:ctrlPr>
+                            </m:sSubSupPr>
+                            <m:e>
+                              <m:r>
+                                <a:rPr lang="fr-FR" i="1">
+                                  <a:latin typeface="Cambria Math" panose="02040503050406030204" pitchFamily="18" charset="0"/>
+                                  <a:cs typeface="Times New Roman" panose="02020603050405020304" pitchFamily="18" charset="0"/>
+                                </a:rPr>
+                                <m:t>𝑢</m:t>
+                              </m:r>
+                            </m:e>
+                            <m:sub>
+                              <m:r>
+                                <a:rPr lang="fr-FR" i="1">
+                                  <a:latin typeface="Cambria Math" panose="02040503050406030204" pitchFamily="18" charset="0"/>
+                                  <a:cs typeface="Times New Roman" panose="02020603050405020304" pitchFamily="18" charset="0"/>
+                                </a:rPr>
+                                <m:t>𝐷</m:t>
+                              </m:r>
+                            </m:sub>
+                            <m:sup>
+                              <m:r>
+                                <a:rPr lang="fr-FR" i="1">
+                                  <a:latin typeface="Cambria Math" panose="02040503050406030204" pitchFamily="18" charset="0"/>
+                                  <a:cs typeface="Times New Roman" panose="02020603050405020304" pitchFamily="18" charset="0"/>
+                                </a:rPr>
+                                <m:t>2</m:t>
+                              </m:r>
+                            </m:sup>
+                          </m:sSubSup>
+                        </m:e>
+                      </m:rad>
+                      <m:r>
+                        <a:rPr lang="fr-FR" i="1">
+                          <a:latin typeface="Cambria Math" panose="02040503050406030204" pitchFamily="18" charset="0"/>
+                          <a:cs typeface="Times New Roman" panose="02020603050405020304" pitchFamily="18" charset="0"/>
+                        </a:rPr>
+                        <m:t>=</m:t>
+                      </m:r>
                       <m:r>
                         <a:rPr lang="fr-FR" i="1">
                           <a:latin typeface="Cambria Math" panose="02040503050406030204" pitchFamily="18" charset="0"/>
@@ -5686,19 +5714,27 @@
                       </m:r>
                       <m:r>
                         <a:rPr lang="fr-FR" b="0" i="1" smtClean="0">
-                          <a:highlight>
-                            <a:srgbClr val="FFFF00"/>
-                          </a:highlight>
                           <a:latin typeface="Cambria Math" panose="02040503050406030204" pitchFamily="18" charset="0"/>
                           <a:cs typeface="Times New Roman" panose="02020603050405020304" pitchFamily="18" charset="0"/>
                         </a:rPr>
-                        <m:t>17.98147 </m:t>
+                        <m:t>17.98</m:t>
+                      </m:r>
+                      <m:r>
+                        <a:rPr lang="fr-FR" b="0" i="1" smtClean="0">
+                          <a:latin typeface="Cambria Math" panose="02040503050406030204" pitchFamily="18" charset="0"/>
+                          <a:cs typeface="Times New Roman" panose="02020603050405020304" pitchFamily="18" charset="0"/>
+                        </a:rPr>
+                        <m:t>05</m:t>
+                      </m:r>
+                      <m:r>
+                        <a:rPr lang="fr-FR" b="0" i="1" smtClean="0">
+                          <a:latin typeface="Cambria Math" panose="02040503050406030204" pitchFamily="18" charset="0"/>
+                          <a:cs typeface="Times New Roman" panose="02020603050405020304" pitchFamily="18" charset="0"/>
+                        </a:rPr>
+                        <m:t> </m:t>
                       </m:r>
                       <m:r>
                         <a:rPr lang="fr-FR" i="1">
-                          <a:highlight>
-                            <a:srgbClr val="FFFF00"/>
-                          </a:highlight>
                           <a:latin typeface="Cambria Math" panose="02040503050406030204" pitchFamily="18" charset="0"/>
                           <a:ea typeface="Cambria Math" panose="02040503050406030204" pitchFamily="18" charset="0"/>
                           <a:cs typeface="Times New Roman" panose="02020603050405020304" pitchFamily="18" charset="0"/>
@@ -5707,9 +5743,6 @@
                       </m:r>
                       <m:r>
                         <a:rPr lang="fr-FR" i="1">
-                          <a:highlight>
-                            <a:srgbClr val="FFFF00"/>
-                          </a:highlight>
                           <a:latin typeface="Cambria Math" panose="02040503050406030204" pitchFamily="18" charset="0"/>
                           <a:ea typeface="Cambria Math" panose="02040503050406030204" pitchFamily="18" charset="0"/>
                           <a:cs typeface="Times New Roman" panose="02020603050405020304" pitchFamily="18" charset="0"/>
@@ -5718,9 +5751,6 @@
                       </m:r>
                       <m:r>
                         <a:rPr lang="fr-FR" i="1">
-                          <a:highlight>
-                            <a:srgbClr val="FFFF00"/>
-                          </a:highlight>
                           <a:latin typeface="Cambria Math" panose="02040503050406030204" pitchFamily="18" charset="0"/>
                           <a:ea typeface="Cambria Math" panose="02040503050406030204" pitchFamily="18" charset="0"/>
                           <a:cs typeface="Times New Roman" panose="02020603050405020304" pitchFamily="18" charset="0"/>
@@ -5731,9 +5761,6 @@
                   </m:oMathPara>
                 </a14:m>
                 <a:endParaRPr lang="fr-FR" dirty="0">
-                  <a:highlight>
-                    <a:srgbClr val="FFFF00"/>
-                  </a:highlight>
                   <a:latin typeface="Times New Roman" panose="02020603050405020304" pitchFamily="18" charset="0"/>
                   <a:cs typeface="Times New Roman" panose="02020603050405020304" pitchFamily="18" charset="0"/>
                 </a:endParaRPr>
@@ -6333,182 +6360,123 @@
               <a:p>
                 <a:pPr algn="ctr"/>
                 <a14:m>
-                  <m:oMath xmlns:m="http://schemas.openxmlformats.org/officeDocument/2006/math">
-                    <m:sSub>
-                      <m:sSubPr>
-                        <m:ctrlPr>
-                          <a:rPr lang="fr-FR" b="0" i="1" smtClean="0">
-                            <a:solidFill>
-                              <a:schemeClr val="accent2"/>
-                            </a:solidFill>
-                            <a:latin typeface="Cambria Math" panose="02040503050406030204" pitchFamily="18" charset="0"/>
-                            <a:ea typeface="Cambria Math" panose="02040503050406030204" pitchFamily="18" charset="0"/>
-                            <a:cs typeface="Times New Roman" panose="02020603050405020304" pitchFamily="18" charset="0"/>
-                          </a:rPr>
-                        </m:ctrlPr>
-                      </m:sSubPr>
-                      <m:e>
-                        <m:r>
-                          <a:rPr lang="fr-FR" i="1" smtClean="0">
-                            <a:solidFill>
-                              <a:schemeClr val="accent2"/>
-                            </a:solidFill>
-                            <a:latin typeface="Cambria Math" panose="02040503050406030204" pitchFamily="18" charset="0"/>
-                            <a:ea typeface="Cambria Math" panose="02040503050406030204" pitchFamily="18" charset="0"/>
-                            <a:cs typeface="Times New Roman" panose="02020603050405020304" pitchFamily="18" charset="0"/>
-                          </a:rPr>
-                          <m:t>𝛿</m:t>
-                        </m:r>
-                      </m:e>
-                      <m:sub>
-                        <m:r>
-                          <a:rPr lang="fr-FR" b="0" i="1" smtClean="0">
-                            <a:solidFill>
-                              <a:schemeClr val="accent2"/>
-                            </a:solidFill>
-                            <a:latin typeface="Cambria Math" panose="02040503050406030204" pitchFamily="18" charset="0"/>
-                            <a:ea typeface="Cambria Math" panose="02040503050406030204" pitchFamily="18" charset="0"/>
-                            <a:cs typeface="Times New Roman" panose="02020603050405020304" pitchFamily="18" charset="0"/>
-                          </a:rPr>
-                          <m:t>𝑚𝑜𝑑𝑒𝑙</m:t>
-                        </m:r>
-                      </m:sub>
-                    </m:sSub>
-                    <m:r>
-                      <a:rPr lang="fr-FR" b="0" i="1" smtClean="0">
-                        <a:latin typeface="Cambria Math" panose="02040503050406030204" pitchFamily="18" charset="0"/>
-                        <a:ea typeface="Cambria Math" panose="02040503050406030204" pitchFamily="18" charset="0"/>
-                        <a:cs typeface="Times New Roman" panose="02020603050405020304" pitchFamily="18" charset="0"/>
-                      </a:rPr>
-                      <m:t>∈</m:t>
-                    </m:r>
-                    <m:d>
-                      <m:dPr>
-                        <m:begChr m:val="["/>
-                        <m:endChr m:val="]"/>
-                        <m:ctrlPr>
-                          <a:rPr lang="fr-FR" b="0" i="1" smtClean="0">
-                            <a:latin typeface="Cambria Math" panose="02040503050406030204" pitchFamily="18" charset="0"/>
-                            <a:ea typeface="Cambria Math" panose="02040503050406030204" pitchFamily="18" charset="0"/>
-                            <a:cs typeface="Times New Roman" panose="02020603050405020304" pitchFamily="18" charset="0"/>
-                          </a:rPr>
-                        </m:ctrlPr>
-                      </m:dPr>
-                      <m:e>
-                        <m:r>
-                          <a:rPr lang="fr-FR" b="0" i="1" smtClean="0">
-                            <a:latin typeface="Cambria Math" panose="02040503050406030204" pitchFamily="18" charset="0"/>
-                            <a:ea typeface="Cambria Math" panose="02040503050406030204" pitchFamily="18" charset="0"/>
-                            <a:cs typeface="Times New Roman" panose="02020603050405020304" pitchFamily="18" charset="0"/>
-                          </a:rPr>
-                          <m:t>−94.588</m:t>
-                        </m:r>
-                        <m:r>
-                          <a:rPr lang="fr-FR" b="0" i="1" smtClean="0">
-                            <a:latin typeface="Cambria Math" panose="02040503050406030204" pitchFamily="18" charset="0"/>
-                            <a:cs typeface="Times New Roman" panose="02020603050405020304" pitchFamily="18" charset="0"/>
-                          </a:rPr>
-                          <m:t> ;</m:t>
-                        </m:r>
-                        <m:r>
-                          <a:rPr lang="fr-FR" i="1" smtClean="0">
-                            <a:latin typeface="Cambria Math" panose="02040503050406030204" pitchFamily="18" charset="0"/>
-                            <a:ea typeface="Cambria Math" panose="02040503050406030204" pitchFamily="18" charset="0"/>
-                            <a:cs typeface="Times New Roman" panose="02020603050405020304" pitchFamily="18" charset="0"/>
-                          </a:rPr>
-                          <m:t>−</m:t>
-                        </m:r>
-                        <m:r>
-                          <a:rPr lang="fr-FR" b="0" i="1" smtClean="0">
-                            <a:latin typeface="Cambria Math" panose="02040503050406030204" pitchFamily="18" charset="0"/>
-                            <a:ea typeface="Cambria Math" panose="02040503050406030204" pitchFamily="18" charset="0"/>
-                            <a:cs typeface="Times New Roman" panose="02020603050405020304" pitchFamily="18" charset="0"/>
-                          </a:rPr>
-                          <m:t>22.622</m:t>
-                        </m:r>
-                      </m:e>
-                    </m:d>
-                  </m:oMath>
-                </a14:m>
-                <a:r>
-                  <a:rPr lang="fr-FR" dirty="0">
-                    <a:ea typeface="Cambria Math" panose="02040503050406030204" pitchFamily="18" charset="0"/>
-                    <a:cs typeface="Times New Roman" panose="02020603050405020304" pitchFamily="18" charset="0"/>
-                  </a:rPr>
-                  <a:t> </a:t>
-                </a:r>
-                <a14:m>
-                  <m:oMath xmlns:m="http://schemas.openxmlformats.org/officeDocument/2006/math">
-                    <m:d>
-                      <m:dPr>
-                        <m:begChr m:val="["/>
-                        <m:endChr m:val="]"/>
-                        <m:ctrlPr>
-                          <a:rPr lang="fr-FR" i="1">
-                            <a:latin typeface="Cambria Math" panose="02040503050406030204" pitchFamily="18" charset="0"/>
-                            <a:ea typeface="Cambria Math" panose="02040503050406030204" pitchFamily="18" charset="0"/>
-                            <a:cs typeface="Times New Roman" panose="02020603050405020304" pitchFamily="18" charset="0"/>
-                          </a:rPr>
-                        </m:ctrlPr>
-                      </m:dPr>
-                      <m:e>
-                        <m:r>
-                          <a:rPr lang="fr-FR" i="1">
-                            <a:highlight>
-                              <a:srgbClr val="FFFF00"/>
-                            </a:highlight>
-                            <a:latin typeface="Cambria Math" panose="02040503050406030204" pitchFamily="18" charset="0"/>
-                            <a:ea typeface="Cambria Math" panose="02040503050406030204" pitchFamily="18" charset="0"/>
-                            <a:cs typeface="Times New Roman" panose="02020603050405020304" pitchFamily="18" charset="0"/>
-                          </a:rPr>
-                          <m:t>−94.5</m:t>
-                        </m:r>
-                        <m:r>
-                          <a:rPr lang="fr-FR" b="0" i="1" smtClean="0">
-                            <a:highlight>
-                              <a:srgbClr val="FFFF00"/>
-                            </a:highlight>
-                            <a:latin typeface="Cambria Math" panose="02040503050406030204" pitchFamily="18" charset="0"/>
-                            <a:ea typeface="Cambria Math" panose="02040503050406030204" pitchFamily="18" charset="0"/>
-                            <a:cs typeface="Times New Roman" panose="02020603050405020304" pitchFamily="18" charset="0"/>
-                          </a:rPr>
-                          <m:t>679</m:t>
-                        </m:r>
-                        <m:r>
-                          <a:rPr lang="fr-FR" i="1">
-                            <a:highlight>
-                              <a:srgbClr val="FFFF00"/>
-                            </a:highlight>
-                            <a:latin typeface="Cambria Math" panose="02040503050406030204" pitchFamily="18" charset="0"/>
-                            <a:cs typeface="Times New Roman" panose="02020603050405020304" pitchFamily="18" charset="0"/>
-                          </a:rPr>
-                          <m:t> ;</m:t>
-                        </m:r>
-                        <m:r>
-                          <a:rPr lang="fr-FR" i="1">
-                            <a:highlight>
-                              <a:srgbClr val="FFFF00"/>
-                            </a:highlight>
-                            <a:latin typeface="Cambria Math" panose="02040503050406030204" pitchFamily="18" charset="0"/>
-                            <a:ea typeface="Cambria Math" panose="02040503050406030204" pitchFamily="18" charset="0"/>
-                            <a:cs typeface="Times New Roman" panose="02020603050405020304" pitchFamily="18" charset="0"/>
-                          </a:rPr>
-                          <m:t>−22.</m:t>
-                        </m:r>
-                        <m:r>
-                          <a:rPr lang="fr-FR" b="0" i="1" smtClean="0">
-                            <a:highlight>
-                              <a:srgbClr val="FFFF00"/>
-                            </a:highlight>
-                            <a:latin typeface="Cambria Math" panose="02040503050406030204" pitchFamily="18" charset="0"/>
-                            <a:ea typeface="Cambria Math" panose="02040503050406030204" pitchFamily="18" charset="0"/>
-                            <a:cs typeface="Times New Roman" panose="02020603050405020304" pitchFamily="18" charset="0"/>
-                          </a:rPr>
-                          <m:t>6421</m:t>
-                        </m:r>
-                      </m:e>
-                    </m:d>
-                  </m:oMath>
+                  <m:oMathPara xmlns:m="http://schemas.openxmlformats.org/officeDocument/2006/math">
+                    <m:oMathParaPr>
+                      <m:jc m:val="centerGroup"/>
+                    </m:oMathParaPr>
+                    <m:oMath xmlns:m="http://schemas.openxmlformats.org/officeDocument/2006/math">
+                      <m:sSub>
+                        <m:sSubPr>
+                          <m:ctrlPr>
+                            <a:rPr lang="fr-FR" b="0" i="1" smtClean="0">
+                              <a:solidFill>
+                                <a:schemeClr val="accent2"/>
+                              </a:solidFill>
+                              <a:latin typeface="Cambria Math" panose="02040503050406030204" pitchFamily="18" charset="0"/>
+                              <a:ea typeface="Cambria Math" panose="02040503050406030204" pitchFamily="18" charset="0"/>
+                              <a:cs typeface="Times New Roman" panose="02020603050405020304" pitchFamily="18" charset="0"/>
+                            </a:rPr>
+                          </m:ctrlPr>
+                        </m:sSubPr>
+                        <m:e>
+                          <m:r>
+                            <a:rPr lang="fr-FR" i="1" smtClean="0">
+                              <a:solidFill>
+                                <a:schemeClr val="accent2"/>
+                              </a:solidFill>
+                              <a:latin typeface="Cambria Math" panose="02040503050406030204" pitchFamily="18" charset="0"/>
+                              <a:ea typeface="Cambria Math" panose="02040503050406030204" pitchFamily="18" charset="0"/>
+                              <a:cs typeface="Times New Roman" panose="02020603050405020304" pitchFamily="18" charset="0"/>
+                            </a:rPr>
+                            <m:t>𝛿</m:t>
+                          </m:r>
+                        </m:e>
+                        <m:sub>
+                          <m:r>
+                            <a:rPr lang="fr-FR" b="0" i="1" smtClean="0">
+                              <a:solidFill>
+                                <a:schemeClr val="accent2"/>
+                              </a:solidFill>
+                              <a:latin typeface="Cambria Math" panose="02040503050406030204" pitchFamily="18" charset="0"/>
+                              <a:ea typeface="Cambria Math" panose="02040503050406030204" pitchFamily="18" charset="0"/>
+                              <a:cs typeface="Times New Roman" panose="02020603050405020304" pitchFamily="18" charset="0"/>
+                            </a:rPr>
+                            <m:t>𝑚𝑜𝑑𝑒𝑙</m:t>
+                          </m:r>
+                        </m:sub>
+                      </m:sSub>
+                      <m:r>
+                        <a:rPr lang="fr-FR" b="0" i="1" smtClean="0">
+                          <a:latin typeface="Cambria Math" panose="02040503050406030204" pitchFamily="18" charset="0"/>
+                          <a:ea typeface="Cambria Math" panose="02040503050406030204" pitchFamily="18" charset="0"/>
+                          <a:cs typeface="Times New Roman" panose="02020603050405020304" pitchFamily="18" charset="0"/>
+                        </a:rPr>
+                        <m:t>∈</m:t>
+                      </m:r>
+                      <m:d>
+                        <m:dPr>
+                          <m:begChr m:val="["/>
+                          <m:endChr m:val="]"/>
+                          <m:ctrlPr>
+                            <a:rPr lang="fr-FR" b="0" i="1" smtClean="0">
+                              <a:latin typeface="Cambria Math" panose="02040503050406030204" pitchFamily="18" charset="0"/>
+                              <a:ea typeface="Cambria Math" panose="02040503050406030204" pitchFamily="18" charset="0"/>
+                              <a:cs typeface="Times New Roman" panose="02020603050405020304" pitchFamily="18" charset="0"/>
+                            </a:rPr>
+                          </m:ctrlPr>
+                        </m:dPr>
+                        <m:e>
+                          <m:r>
+                            <a:rPr lang="fr-FR" b="0" i="1" smtClean="0">
+                              <a:latin typeface="Cambria Math" panose="02040503050406030204" pitchFamily="18" charset="0"/>
+                              <a:ea typeface="Cambria Math" panose="02040503050406030204" pitchFamily="18" charset="0"/>
+                              <a:cs typeface="Times New Roman" panose="02020603050405020304" pitchFamily="18" charset="0"/>
+                            </a:rPr>
+                            <m:t>−9</m:t>
+                          </m:r>
+                          <m:r>
+                            <a:rPr lang="fr-FR" b="0" i="1" smtClean="0">
+                              <a:latin typeface="Cambria Math" panose="02040503050406030204" pitchFamily="18" charset="0"/>
+                              <a:ea typeface="Cambria Math" panose="02040503050406030204" pitchFamily="18" charset="0"/>
+                              <a:cs typeface="Times New Roman" panose="02020603050405020304" pitchFamily="18" charset="0"/>
+                            </a:rPr>
+                            <m:t>4.566</m:t>
+                          </m:r>
+                          <m:r>
+                            <a:rPr lang="fr-FR" b="0" i="1" smtClean="0">
+                              <a:latin typeface="Cambria Math" panose="02040503050406030204" pitchFamily="18" charset="0"/>
+                              <a:cs typeface="Times New Roman" panose="02020603050405020304" pitchFamily="18" charset="0"/>
+                            </a:rPr>
+                            <m:t> ;</m:t>
+                          </m:r>
+                          <m:r>
+                            <a:rPr lang="fr-FR" i="1" smtClean="0">
+                              <a:latin typeface="Cambria Math" panose="02040503050406030204" pitchFamily="18" charset="0"/>
+                              <a:ea typeface="Cambria Math" panose="02040503050406030204" pitchFamily="18" charset="0"/>
+                              <a:cs typeface="Times New Roman" panose="02020603050405020304" pitchFamily="18" charset="0"/>
+                            </a:rPr>
+                            <m:t>−</m:t>
+                          </m:r>
+                          <m:r>
+                            <a:rPr lang="fr-FR" b="0" i="1" smtClean="0">
+                              <a:latin typeface="Cambria Math" panose="02040503050406030204" pitchFamily="18" charset="0"/>
+                              <a:ea typeface="Cambria Math" panose="02040503050406030204" pitchFamily="18" charset="0"/>
+                              <a:cs typeface="Times New Roman" panose="02020603050405020304" pitchFamily="18" charset="0"/>
+                            </a:rPr>
+                            <m:t>22</m:t>
+                          </m:r>
+                          <m:r>
+                            <a:rPr lang="fr-FR" b="0" i="1" smtClean="0">
+                              <a:latin typeface="Cambria Math" panose="02040503050406030204" pitchFamily="18" charset="0"/>
+                              <a:ea typeface="Cambria Math" panose="02040503050406030204" pitchFamily="18" charset="0"/>
+                              <a:cs typeface="Times New Roman" panose="02020603050405020304" pitchFamily="18" charset="0"/>
+                            </a:rPr>
+                            <m:t>.644</m:t>
+                          </m:r>
+                        </m:e>
+                      </m:d>
+                    </m:oMath>
+                  </m:oMathPara>
                 </a14:m>
                 <a:endParaRPr lang="fr-FR" dirty="0">
                   <a:latin typeface="Times New Roman" panose="02020603050405020304" pitchFamily="18" charset="0"/>
@@ -6549,7 +6517,7 @@
             </p:txBody>
           </p:sp>
         </mc:Choice>
-        <mc:Fallback xmlns="">
+        <mc:Fallback>
           <p:sp>
             <p:nvSpPr>
               <p:cNvPr id="2" name="TextBox 1">
@@ -6584,7 +6552,7 @@
               <a:lstStyle/>
               <a:p>
                 <a:r>
-                  <a:rPr lang="fr-FR">
+                  <a:rPr lang="en-GB">
                     <a:noFill/>
                   </a:rPr>
                   <a:t> </a:t>
@@ -7550,8 +7518,8 @@
           </p:sp>
         </mc:Fallback>
       </mc:AlternateContent>
-      <mc:AlternateContent xmlns:mc="http://schemas.openxmlformats.org/markup-compatibility/2006" xmlns:a14="http://schemas.microsoft.com/office/drawing/2010/main">
-        <mc:Choice Requires="a14">
+      <mc:AlternateContent xmlns:mc="http://schemas.openxmlformats.org/markup-compatibility/2006">
+        <mc:Choice xmlns:a14="http://schemas.microsoft.com/office/drawing/2010/main" Requires="a14">
           <p:sp>
             <p:nvSpPr>
               <p:cNvPr id="12" name="TextBox 11">
@@ -7567,7 +7535,7 @@
             <p:spPr>
               <a:xfrm>
                 <a:off x="1510526" y="3717507"/>
-                <a:ext cx="2388539" cy="300019"/>
+                <a:ext cx="2516779" cy="300019"/>
               </a:xfrm>
               <a:prstGeom prst="rect">
                 <a:avLst/>
@@ -7642,13 +7610,17 @@
                       </m:r>
                       <m:r>
                         <a:rPr lang="fr-FR" b="0" i="1" smtClean="0">
-                          <a:highlight>
-                            <a:srgbClr val="FFFF00"/>
-                          </a:highlight>
                           <a:latin typeface="Cambria Math" panose="02040503050406030204" pitchFamily="18" charset="0"/>
                           <a:cs typeface="Times New Roman" panose="02020603050405020304" pitchFamily="18" charset="0"/>
                         </a:rPr>
-                        <m:t>35,9629</m:t>
+                        <m:t>35,96</m:t>
+                      </m:r>
+                      <m:r>
+                        <a:rPr lang="fr-FR" b="0" i="1" smtClean="0">
+                          <a:latin typeface="Cambria Math" panose="02040503050406030204" pitchFamily="18" charset="0"/>
+                          <a:cs typeface="Times New Roman" panose="02020603050405020304" pitchFamily="18" charset="0"/>
+                        </a:rPr>
+                        <m:t>101</m:t>
                       </m:r>
                       <m:r>
                         <a:rPr lang="fr-FR" i="1">
@@ -7692,7 +7664,7 @@
             </p:txBody>
           </p:sp>
         </mc:Choice>
-        <mc:Fallback xmlns="">
+        <mc:Fallback>
           <p:sp>
             <p:nvSpPr>
               <p:cNvPr id="12" name="TextBox 11">
@@ -7710,7 +7682,7 @@
             <p:spPr>
               <a:xfrm>
                 <a:off x="1510526" y="3717507"/>
-                <a:ext cx="2388539" cy="300019"/>
+                <a:ext cx="2516779" cy="300019"/>
               </a:xfrm>
               <a:prstGeom prst="rect">
                 <a:avLst/>
@@ -7718,7 +7690,7 @@
               <a:blipFill>
                 <a:blip r:embed="rId6"/>
                 <a:stretch>
-                  <a:fillRect l="-1786" t="-10204" r="-3316" b="-26531"/>
+                  <a:fillRect l="-1695" t="-10204" r="-3148" b="-26531"/>
                 </a:stretch>
               </a:blipFill>
             </p:spPr>
@@ -7727,7 +7699,7 @@
               <a:lstStyle/>
               <a:p>
                 <a:r>
-                  <a:rPr lang="fr-FR">
+                  <a:rPr lang="en-GB">
                     <a:noFill/>
                   </a:rPr>
                   <a:t> </a:t>
@@ -7737,8 +7709,8 @@
           </p:sp>
         </mc:Fallback>
       </mc:AlternateContent>
-      <mc:AlternateContent xmlns:mc="http://schemas.openxmlformats.org/markup-compatibility/2006" xmlns:a14="http://schemas.microsoft.com/office/drawing/2010/main">
-        <mc:Choice Requires="a14">
+      <mc:AlternateContent xmlns:mc="http://schemas.openxmlformats.org/markup-compatibility/2006">
+        <mc:Choice xmlns:a14="http://schemas.microsoft.com/office/drawing/2010/main" Requires="a14">
           <p:sp>
             <p:nvSpPr>
               <p:cNvPr id="14" name="TextBox 13">
@@ -7777,7 +7749,7 @@
                       <m:sSub>
                         <m:sSubPr>
                           <m:ctrlPr>
-                            <a:rPr lang="fr-FR" b="0" i="1" smtClean="0">
+                            <a:rPr lang="fr-FR" i="1">
                               <a:solidFill>
                                 <a:schemeClr val="accent2"/>
                               </a:solidFill>
@@ -7789,7 +7761,7 @@
                         </m:sSubPr>
                         <m:e>
                           <m:r>
-                            <a:rPr lang="fr-FR" i="1" smtClean="0">
+                            <a:rPr lang="fr-FR" i="1">
                               <a:solidFill>
                                 <a:schemeClr val="accent2"/>
                               </a:solidFill>
@@ -7802,7 +7774,7 @@
                         </m:e>
                         <m:sub>
                           <m:r>
-                            <a:rPr lang="fr-FR" b="0" i="1" smtClean="0">
+                            <a:rPr lang="fr-FR" i="1">
                               <a:solidFill>
                                 <a:schemeClr val="accent2"/>
                               </a:solidFill>
@@ -7815,7 +7787,7 @@
                         </m:sub>
                       </m:sSub>
                       <m:r>
-                        <a:rPr lang="fr-FR" b="0" i="1" smtClean="0">
+                        <a:rPr lang="fr-FR" i="1">
                           <a:latin typeface="Cambria Math" panose="02040503050406030204" pitchFamily="18" charset="0"/>
                           <a:ea typeface="Cambria Math" panose="02040503050406030204" pitchFamily="18" charset="0"/>
                           <a:cs typeface="Times New Roman" panose="02020603050405020304" pitchFamily="18" charset="0"/>
@@ -7827,7 +7799,7 @@
                           <m:begChr m:val="["/>
                           <m:endChr m:val="]"/>
                           <m:ctrlPr>
-                            <a:rPr lang="fr-FR" b="0" i="1" smtClean="0">
+                            <a:rPr lang="fr-FR" i="1">
                               <a:latin typeface="Cambria Math" panose="02040503050406030204" pitchFamily="18" charset="0"/>
                               <a:ea typeface="Cambria Math" panose="02040503050406030204" pitchFamily="18" charset="0"/>
                               <a:cs typeface="Times New Roman" panose="02020603050405020304" pitchFamily="18" charset="0"/>
@@ -7837,20 +7809,14 @@
                         <m:e>
                           <m:r>
                             <a:rPr lang="fr-FR" i="1">
-                              <a:highlight>
-                                <a:srgbClr val="FFFF00"/>
-                              </a:highlight>
                               <a:latin typeface="Cambria Math" panose="02040503050406030204" pitchFamily="18" charset="0"/>
                               <a:ea typeface="Cambria Math" panose="02040503050406030204" pitchFamily="18" charset="0"/>
                               <a:cs typeface="Times New Roman" panose="02020603050405020304" pitchFamily="18" charset="0"/>
                             </a:rPr>
-                            <m:t>−94.5679</m:t>
+                            <m:t>−94.566</m:t>
                           </m:r>
                           <m:r>
                             <a:rPr lang="fr-FR" i="1">
-                              <a:highlight>
-                                <a:srgbClr val="FFFF00"/>
-                              </a:highlight>
                               <a:latin typeface="Cambria Math" panose="02040503050406030204" pitchFamily="18" charset="0"/>
                               <a:cs typeface="Times New Roman" panose="02020603050405020304" pitchFamily="18" charset="0"/>
                             </a:rPr>
@@ -7858,14 +7824,11 @@
                           </m:r>
                           <m:r>
                             <a:rPr lang="fr-FR" i="1">
-                              <a:highlight>
-                                <a:srgbClr val="FFFF00"/>
-                              </a:highlight>
                               <a:latin typeface="Cambria Math" panose="02040503050406030204" pitchFamily="18" charset="0"/>
                               <a:ea typeface="Cambria Math" panose="02040503050406030204" pitchFamily="18" charset="0"/>
                               <a:cs typeface="Times New Roman" panose="02020603050405020304" pitchFamily="18" charset="0"/>
                             </a:rPr>
-                            <m:t>−22.6421</m:t>
+                            <m:t>−22.644</m:t>
                           </m:r>
                         </m:e>
                       </m:d>
@@ -7880,7 +7843,7 @@
             </p:txBody>
           </p:sp>
         </mc:Choice>
-        <mc:Fallback xmlns="">
+        <mc:Fallback>
           <p:sp>
             <p:nvSpPr>
               <p:cNvPr id="14" name="TextBox 13">
@@ -7915,7 +7878,7 @@
               <a:lstStyle/>
               <a:p>
                 <a:r>
-                  <a:rPr lang="fr-FR">
+                  <a:rPr lang="en-GB">
                     <a:noFill/>
                   </a:rPr>
                   <a:t> </a:t>
@@ -9852,8 +9815,8 @@
           </a:p>
         </p:txBody>
       </p:sp>
-      <mc:AlternateContent xmlns:mc="http://schemas.openxmlformats.org/markup-compatibility/2006">
-        <mc:Choice xmlns:a14="http://schemas.microsoft.com/office/drawing/2010/main" Requires="a14">
+      <mc:AlternateContent xmlns:mc="http://schemas.openxmlformats.org/markup-compatibility/2006" xmlns:a14="http://schemas.microsoft.com/office/drawing/2010/main">
+        <mc:Choice Requires="a14">
           <p:sp>
             <p:nvSpPr>
               <p:cNvPr id="6" name="TextBox 5">
@@ -10724,7 +10687,7 @@
             </p:txBody>
           </p:sp>
         </mc:Choice>
-        <mc:Fallback>
+        <mc:Fallback xmlns="">
           <p:sp>
             <p:nvSpPr>
               <p:cNvPr id="6" name="TextBox 5">
@@ -10810,8 +10773,8 @@
           </a:fontRef>
         </p:style>
       </p:cxnSp>
-      <mc:AlternateContent xmlns:mc="http://schemas.openxmlformats.org/markup-compatibility/2006">
-        <mc:Choice xmlns:a14="http://schemas.microsoft.com/office/drawing/2010/main" Requires="a14">
+      <mc:AlternateContent xmlns:mc="http://schemas.openxmlformats.org/markup-compatibility/2006" xmlns:a14="http://schemas.microsoft.com/office/drawing/2010/main">
+        <mc:Choice Requires="a14">
           <p:sp>
             <p:nvSpPr>
               <p:cNvPr id="8" name="TextBox 7">
@@ -10894,7 +10857,7 @@
             </p:txBody>
           </p:sp>
         </mc:Choice>
-        <mc:Fallback>
+        <mc:Fallback xmlns="">
           <p:sp>
             <p:nvSpPr>
               <p:cNvPr id="8" name="TextBox 7">
@@ -15564,8 +15527,8 @@
           </a:p>
         </p:txBody>
       </p:sp>
-      <mc:AlternateContent xmlns:mc="http://schemas.openxmlformats.org/markup-compatibility/2006">
-        <mc:Choice xmlns:a14="http://schemas.microsoft.com/office/drawing/2010/main" Requires="a14">
+      <mc:AlternateContent xmlns:mc="http://schemas.openxmlformats.org/markup-compatibility/2006" xmlns:a14="http://schemas.microsoft.com/office/drawing/2010/main">
+        <mc:Choice Requires="a14">
           <p:sp>
             <p:nvSpPr>
               <p:cNvPr id="6" name="TextBox 5">
@@ -15988,7 +15951,7 @@
             </p:txBody>
           </p:sp>
         </mc:Choice>
-        <mc:Fallback>
+        <mc:Fallback xmlns="">
           <p:sp>
             <p:nvSpPr>
               <p:cNvPr id="6" name="TextBox 5">
@@ -16033,8 +15996,8 @@
           </p:sp>
         </mc:Fallback>
       </mc:AlternateContent>
-      <mc:AlternateContent xmlns:mc="http://schemas.openxmlformats.org/markup-compatibility/2006">
-        <mc:Choice xmlns:a14="http://schemas.microsoft.com/office/drawing/2010/main" Requires="a14">
+      <mc:AlternateContent xmlns:mc="http://schemas.openxmlformats.org/markup-compatibility/2006" xmlns:a14="http://schemas.microsoft.com/office/drawing/2010/main">
+        <mc:Choice Requires="a14">
           <p:sp>
             <p:nvSpPr>
               <p:cNvPr id="4" name="TextBox 3">
@@ -16574,7 +16537,7 @@
             </p:txBody>
           </p:sp>
         </mc:Choice>
-        <mc:Fallback>
+        <mc:Fallback xmlns="">
           <p:sp>
             <p:nvSpPr>
               <p:cNvPr id="4" name="TextBox 3">
@@ -16619,8 +16582,8 @@
           </p:sp>
         </mc:Fallback>
       </mc:AlternateContent>
-      <mc:AlternateContent xmlns:mc="http://schemas.openxmlformats.org/markup-compatibility/2006">
-        <mc:Choice xmlns:a14="http://schemas.microsoft.com/office/drawing/2010/main" Requires="a14">
+      <mc:AlternateContent xmlns:mc="http://schemas.openxmlformats.org/markup-compatibility/2006" xmlns:a14="http://schemas.microsoft.com/office/drawing/2010/main">
+        <mc:Choice Requires="a14">
           <p:sp>
             <p:nvSpPr>
               <p:cNvPr id="5" name="TextBox 4">
@@ -16759,7 +16722,7 @@
             </p:txBody>
           </p:sp>
         </mc:Choice>
-        <mc:Fallback>
+        <mc:Fallback xmlns="">
           <p:sp>
             <p:nvSpPr>
               <p:cNvPr id="5" name="TextBox 4">
@@ -17032,7 +16995,7 @@
             <p:spPr>
               <a:xfrm>
                 <a:off x="0" y="627468"/>
-                <a:ext cx="5902610" cy="5448799"/>
+                <a:ext cx="5902610" cy="6125972"/>
               </a:xfrm>
               <a:prstGeom prst="rect">
                 <a:avLst/>
@@ -17425,14 +17388,7 @@
                           <a:latin typeface="Cambria Math" panose="02040503050406030204" pitchFamily="18" charset="0"/>
                           <a:cs typeface="Times New Roman" panose="02020603050405020304" pitchFamily="18" charset="0"/>
                         </a:rPr>
-                        <m:t>0.15</m:t>
-                      </m:r>
-                      <m:r>
-                        <a:rPr lang="fr-FR" b="0" i="0" smtClean="0">
-                          <a:latin typeface="Cambria Math" panose="02040503050406030204" pitchFamily="18" charset="0"/>
-                          <a:cs typeface="Times New Roman" panose="02020603050405020304" pitchFamily="18" charset="0"/>
-                        </a:rPr>
-                        <m:t> %</m:t>
+                        <m:t>0.15 %</m:t>
                       </m:r>
                     </m:oMath>
                   </m:oMathPara>
@@ -17531,44 +17487,150 @@
                     </m:r>
                     <m:r>
                       <a:rPr lang="fr-FR" b="0" i="1" smtClean="0">
-                        <a:highlight>
-                          <a:srgbClr val="FFFF00"/>
-                        </a:highlight>
                         <a:latin typeface="Cambria Math" panose="02040503050406030204" pitchFamily="18" charset="0"/>
                         <a:cs typeface="Times New Roman" panose="02020603050405020304" pitchFamily="18" charset="0"/>
                       </a:rPr>
-                      <m:t>𝑋</m:t>
+                      <m:t>21.4437</m:t>
                     </m:r>
                     <m:r>
                       <a:rPr lang="fr-FR" b="0" i="1" smtClean="0">
-                        <a:highlight>
-                          <a:srgbClr val="FFFF00"/>
-                        </a:highlight>
                         <a:latin typeface="Cambria Math" panose="02040503050406030204" pitchFamily="18" charset="0"/>
-                        <a:ea typeface="Cambria Math" panose="02040503050406030204" pitchFamily="18" charset="0"/>
                         <a:cs typeface="Times New Roman" panose="02020603050405020304" pitchFamily="18" charset="0"/>
                       </a:rPr>
-                      <m:t>±</m:t>
+                      <m:t>+</m:t>
+                    </m:r>
+                    <m:f>
+                      <m:fPr>
+                        <m:ctrlPr>
+                          <a:rPr lang="fr-FR" b="0" i="1" smtClean="0">
+                            <a:latin typeface="Cambria Math" panose="02040503050406030204" pitchFamily="18" charset="0"/>
+                            <a:cs typeface="Times New Roman" panose="02020603050405020304" pitchFamily="18" charset="0"/>
+                          </a:rPr>
+                        </m:ctrlPr>
+                      </m:fPr>
+                      <m:num>
+                        <m:sSub>
+                          <m:sSubPr>
+                            <m:ctrlPr>
+                              <a:rPr lang="fr-FR" b="0" i="1" smtClean="0">
+                                <a:latin typeface="Cambria Math" panose="02040503050406030204" pitchFamily="18" charset="0"/>
+                                <a:cs typeface="Times New Roman" panose="02020603050405020304" pitchFamily="18" charset="0"/>
+                              </a:rPr>
+                            </m:ctrlPr>
+                          </m:sSubPr>
+                          <m:e>
+                            <m:r>
+                              <a:rPr lang="fr-FR" b="0" i="1" smtClean="0">
+                                <a:latin typeface="Cambria Math" panose="02040503050406030204" pitchFamily="18" charset="0"/>
+                                <a:cs typeface="Times New Roman" panose="02020603050405020304" pitchFamily="18" charset="0"/>
+                              </a:rPr>
+                              <m:t>𝑓</m:t>
+                            </m:r>
+                          </m:e>
+                          <m:sub>
+                            <m:r>
+                              <a:rPr lang="fr-FR" b="0" i="1" smtClean="0">
+                                <a:latin typeface="Cambria Math" panose="02040503050406030204" pitchFamily="18" charset="0"/>
+                                <a:cs typeface="Times New Roman" panose="02020603050405020304" pitchFamily="18" charset="0"/>
+                              </a:rPr>
+                              <m:t>h</m:t>
+                            </m:r>
+                          </m:sub>
+                        </m:sSub>
+                        <m:r>
+                          <a:rPr lang="fr-FR" b="0" i="1" smtClean="0">
+                            <a:latin typeface="Cambria Math" panose="02040503050406030204" pitchFamily="18" charset="0"/>
+                            <a:cs typeface="Times New Roman" panose="02020603050405020304" pitchFamily="18" charset="0"/>
+                          </a:rPr>
+                          <m:t>−</m:t>
+                        </m:r>
+                        <m:sSub>
+                          <m:sSubPr>
+                            <m:ctrlPr>
+                              <a:rPr lang="fr-FR" b="0" i="1" smtClean="0">
+                                <a:latin typeface="Cambria Math" panose="02040503050406030204" pitchFamily="18" charset="0"/>
+                                <a:cs typeface="Times New Roman" panose="02020603050405020304" pitchFamily="18" charset="0"/>
+                              </a:rPr>
+                            </m:ctrlPr>
+                          </m:sSubPr>
+                          <m:e>
+                            <m:r>
+                              <a:rPr lang="fr-FR" b="0" i="1" smtClean="0">
+                                <a:latin typeface="Cambria Math" panose="02040503050406030204" pitchFamily="18" charset="0"/>
+                                <a:cs typeface="Times New Roman" panose="02020603050405020304" pitchFamily="18" charset="0"/>
+                              </a:rPr>
+                              <m:t>𝑓</m:t>
+                            </m:r>
+                          </m:e>
+                          <m:sub>
+                            <m:r>
+                              <a:rPr lang="fr-FR" b="0" i="1" smtClean="0">
+                                <a:latin typeface="Cambria Math" panose="02040503050406030204" pitchFamily="18" charset="0"/>
+                                <a:cs typeface="Times New Roman" panose="02020603050405020304" pitchFamily="18" charset="0"/>
+                              </a:rPr>
+                              <m:t>𝑟h</m:t>
+                            </m:r>
+                          </m:sub>
+                        </m:sSub>
+                      </m:num>
+                      <m:den>
+                        <m:sSup>
+                          <m:sSupPr>
+                            <m:ctrlPr>
+                              <a:rPr lang="fr-FR" b="0" i="1" smtClean="0">
+                                <a:latin typeface="Cambria Math" panose="02040503050406030204" pitchFamily="18" charset="0"/>
+                                <a:cs typeface="Times New Roman" panose="02020603050405020304" pitchFamily="18" charset="0"/>
+                              </a:rPr>
+                            </m:ctrlPr>
+                          </m:sSupPr>
+                          <m:e>
+                            <m:r>
+                              <a:rPr lang="fr-FR" b="0" i="1" smtClean="0">
+                                <a:latin typeface="Cambria Math" panose="02040503050406030204" pitchFamily="18" charset="0"/>
+                                <a:cs typeface="Times New Roman" panose="02020603050405020304" pitchFamily="18" charset="0"/>
+                              </a:rPr>
+                              <m:t>𝑟</m:t>
+                            </m:r>
+                          </m:e>
+                          <m:sup>
+                            <m:r>
+                              <a:rPr lang="fr-FR" b="0" i="1" smtClean="0">
+                                <a:latin typeface="Cambria Math" panose="02040503050406030204" pitchFamily="18" charset="0"/>
+                                <a:cs typeface="Times New Roman" panose="02020603050405020304" pitchFamily="18" charset="0"/>
+                              </a:rPr>
+                              <m:t>𝑝</m:t>
+                            </m:r>
+                          </m:sup>
+                        </m:sSup>
+                        <m:r>
+                          <a:rPr lang="fr-FR" b="0" i="1" smtClean="0">
+                            <a:latin typeface="Cambria Math" panose="02040503050406030204" pitchFamily="18" charset="0"/>
+                            <a:cs typeface="Times New Roman" panose="02020603050405020304" pitchFamily="18" charset="0"/>
+                          </a:rPr>
+                          <m:t>−1</m:t>
+                        </m:r>
+                      </m:den>
+                    </m:f>
+                    <m:r>
+                      <a:rPr lang="fr-FR" b="0" i="1" smtClean="0">
+                        <a:latin typeface="Cambria Math" panose="02040503050406030204" pitchFamily="18" charset="0"/>
+                        <a:cs typeface="Times New Roman" panose="02020603050405020304" pitchFamily="18" charset="0"/>
+                      </a:rPr>
+                      <m:t>=</m:t>
+                    </m:r>
+                    <m:r>
+                      <a:rPr lang="fr-FR" i="1">
+                        <a:latin typeface="Cambria Math" panose="02040503050406030204" pitchFamily="18" charset="0"/>
+                        <a:cs typeface="Times New Roman" panose="02020603050405020304" pitchFamily="18" charset="0"/>
+                      </a:rPr>
+                      <m:t>21.4437</m:t>
                     </m:r>
                     <m:r>
                       <a:rPr lang="fr-FR" b="0" i="1" smtClean="0">
-                        <a:highlight>
-                          <a:srgbClr val="FFFF00"/>
-                        </a:highlight>
                         <a:latin typeface="Cambria Math" panose="02040503050406030204" pitchFamily="18" charset="0"/>
                         <a:cs typeface="Times New Roman" panose="02020603050405020304" pitchFamily="18" charset="0"/>
                       </a:rPr>
-                      <m:t>𝑌</m:t>
-                    </m:r>
-                    <m:r>
-                      <a:rPr lang="fr-FR" b="0" i="1" smtClean="0">
-                        <a:highlight>
-                          <a:srgbClr val="FFFF00"/>
-                        </a:highlight>
-                        <a:latin typeface="Cambria Math" panose="02040503050406030204" pitchFamily="18" charset="0"/>
-                        <a:cs typeface="Times New Roman" panose="02020603050405020304" pitchFamily="18" charset="0"/>
-                      </a:rPr>
-                      <m:t> </m:t>
+                      <m:t>−0.50035 </m:t>
                     </m:r>
                     <m:r>
                       <a:rPr lang="fr-FR" i="1">
@@ -17578,13 +17640,44 @@
                       </a:rPr>
                       <m:t>𝜇</m:t>
                     </m:r>
+                    <m:sSup>
+                      <m:sSupPr>
+                        <m:ctrlPr>
+                          <a:rPr lang="fr-FR" i="1">
+                            <a:latin typeface="Cambria Math" panose="02040503050406030204" pitchFamily="18" charset="0"/>
+                            <a:ea typeface="Cambria Math" panose="02040503050406030204" pitchFamily="18" charset="0"/>
+                            <a:cs typeface="Times New Roman" panose="02020603050405020304" pitchFamily="18" charset="0"/>
+                          </a:rPr>
+                        </m:ctrlPr>
+                      </m:sSupPr>
+                      <m:e>
+                        <m:r>
+                          <a:rPr lang="fr-FR" i="1">
+                            <a:latin typeface="Cambria Math" panose="02040503050406030204" pitchFamily="18" charset="0"/>
+                            <a:ea typeface="Cambria Math" panose="02040503050406030204" pitchFamily="18" charset="0"/>
+                            <a:cs typeface="Times New Roman" panose="02020603050405020304" pitchFamily="18" charset="0"/>
+                          </a:rPr>
+                          <m:t>𝑚</m:t>
+                        </m:r>
+                      </m:e>
+                      <m:sup>
+                        <m:r>
+                          <a:rPr lang="fr-FR" i="1">
+                            <a:latin typeface="Cambria Math" panose="02040503050406030204" pitchFamily="18" charset="0"/>
+                            <a:ea typeface="Cambria Math" panose="02040503050406030204" pitchFamily="18" charset="0"/>
+                            <a:cs typeface="Times New Roman" panose="02020603050405020304" pitchFamily="18" charset="0"/>
+                          </a:rPr>
+                          <m:t>2</m:t>
+                        </m:r>
+                      </m:sup>
+                    </m:sSup>
                     <m:r>
-                      <a:rPr lang="fr-FR" i="1">
+                      <a:rPr lang="fr-FR" b="0" i="1" smtClean="0">
                         <a:latin typeface="Cambria Math" panose="02040503050406030204" pitchFamily="18" charset="0"/>
                         <a:ea typeface="Cambria Math" panose="02040503050406030204" pitchFamily="18" charset="0"/>
                         <a:cs typeface="Times New Roman" panose="02020603050405020304" pitchFamily="18" charset="0"/>
                       </a:rPr>
-                      <m:t>𝑚</m:t>
+                      <m:t>=20.94335</m:t>
                     </m:r>
                     <m:r>
                       <a:rPr lang="fr-FR" i="1">
@@ -17592,7 +17685,59 @@
                         <a:ea typeface="Cambria Math" panose="02040503050406030204" pitchFamily="18" charset="0"/>
                         <a:cs typeface="Times New Roman" panose="02020603050405020304" pitchFamily="18" charset="0"/>
                       </a:rPr>
-                      <m:t>²</m:t>
+                      <m:t>𝜇</m:t>
+                    </m:r>
+                    <m:sSup>
+                      <m:sSupPr>
+                        <m:ctrlPr>
+                          <a:rPr lang="fr-FR" i="1">
+                            <a:latin typeface="Cambria Math" panose="02040503050406030204" pitchFamily="18" charset="0"/>
+                            <a:ea typeface="Cambria Math" panose="02040503050406030204" pitchFamily="18" charset="0"/>
+                            <a:cs typeface="Times New Roman" panose="02020603050405020304" pitchFamily="18" charset="0"/>
+                          </a:rPr>
+                        </m:ctrlPr>
+                      </m:sSupPr>
+                      <m:e>
+                        <m:r>
+                          <a:rPr lang="fr-FR" i="1">
+                            <a:latin typeface="Cambria Math" panose="02040503050406030204" pitchFamily="18" charset="0"/>
+                            <a:ea typeface="Cambria Math" panose="02040503050406030204" pitchFamily="18" charset="0"/>
+                            <a:cs typeface="Times New Roman" panose="02020603050405020304" pitchFamily="18" charset="0"/>
+                          </a:rPr>
+                          <m:t>𝑚</m:t>
+                        </m:r>
+                      </m:e>
+                      <m:sup>
+                        <m:r>
+                          <a:rPr lang="fr-FR" i="1">
+                            <a:latin typeface="Cambria Math" panose="02040503050406030204" pitchFamily="18" charset="0"/>
+                            <a:ea typeface="Cambria Math" panose="02040503050406030204" pitchFamily="18" charset="0"/>
+                            <a:cs typeface="Times New Roman" panose="02020603050405020304" pitchFamily="18" charset="0"/>
+                          </a:rPr>
+                          <m:t>2</m:t>
+                        </m:r>
+                      </m:sup>
+                    </m:sSup>
+                  </m:oMath>
+                </a14:m>
+                <a:r>
+                  <a:rPr lang="fr-FR" dirty="0">
+                    <a:latin typeface="Times New Roman" panose="02020603050405020304" pitchFamily="18" charset="0"/>
+                    <a:cs typeface="Times New Roman" panose="02020603050405020304" pitchFamily="18" charset="0"/>
+                  </a:rPr>
+                  <a:t>. Ce qui suit bien la tendance de décroissance de la valeur de </a:t>
+                </a:r>
+                <a14:m>
+                  <m:oMath xmlns:m="http://schemas.openxmlformats.org/officeDocument/2006/math">
+                    <m:r>
+                      <a:rPr lang="fr-FR" i="1">
+                        <a:solidFill>
+                          <a:schemeClr val="accent5"/>
+                        </a:solidFill>
+                        <a:latin typeface="Cambria Math" panose="02040503050406030204" pitchFamily="18" charset="0"/>
+                        <a:cs typeface="Times New Roman" panose="02020603050405020304" pitchFamily="18" charset="0"/>
+                      </a:rPr>
+                      <m:t>𝑘</m:t>
                     </m:r>
                   </m:oMath>
                 </a14:m>
@@ -17601,7 +17746,7 @@
                     <a:latin typeface="Times New Roman" panose="02020603050405020304" pitchFamily="18" charset="0"/>
                     <a:cs typeface="Times New Roman" panose="02020603050405020304" pitchFamily="18" charset="0"/>
                   </a:rPr>
-                  <a:t>. </a:t>
+                  <a:t> lors de la convergence.</a:t>
                 </a:r>
               </a:p>
               <a:p>
@@ -17618,7 +17763,21 @@
                     <a:latin typeface="Times New Roman" panose="02020603050405020304" pitchFamily="18" charset="0"/>
                     <a:cs typeface="Times New Roman" panose="02020603050405020304" pitchFamily="18" charset="0"/>
                   </a:rPr>
-                  <a:t>Cette question, nous permet donc de déterminer l’incertitude numérique de la porosité </a:t>
+                  <a:t>Cette question, nous permet donc de déterminer </a:t>
+                </a:r>
+                <a:r>
+                  <a:rPr lang="fr-FR" b="1" dirty="0">
+                    <a:latin typeface="Times New Roman" panose="02020603050405020304" pitchFamily="18" charset="0"/>
+                    <a:cs typeface="Times New Roman" panose="02020603050405020304" pitchFamily="18" charset="0"/>
+                  </a:rPr>
+                  <a:t>l’incertitude numérique</a:t>
+                </a:r>
+                <a:r>
+                  <a:rPr lang="fr-FR" dirty="0">
+                    <a:latin typeface="Times New Roman" panose="02020603050405020304" pitchFamily="18" charset="0"/>
+                    <a:cs typeface="Times New Roman" panose="02020603050405020304" pitchFamily="18" charset="0"/>
+                  </a:rPr>
+                  <a:t> de la porosité </a:t>
                 </a:r>
                 <a14:m>
                   <m:oMath xmlns:m="http://schemas.openxmlformats.org/officeDocument/2006/math">
@@ -17749,7 +17908,7 @@
             <p:spPr>
               <a:xfrm>
                 <a:off x="0" y="627468"/>
-                <a:ext cx="5902610" cy="5448799"/>
+                <a:ext cx="5902610" cy="6125972"/>
               </a:xfrm>
               <a:prstGeom prst="rect">
                 <a:avLst/>
@@ -17757,7 +17916,7 @@
               <a:blipFill>
                 <a:blip r:embed="rId2"/>
                 <a:stretch>
-                  <a:fillRect l="-826" t="-671" r="-826"/>
+                  <a:fillRect l="-826" t="-597" r="-826"/>
                 </a:stretch>
               </a:blipFill>
             </p:spPr>
@@ -18363,8 +18522,8 @@
           </a:p>
         </p:txBody>
       </p:sp>
-      <mc:AlternateContent xmlns:mc="http://schemas.openxmlformats.org/markup-compatibility/2006">
-        <mc:Choice xmlns:a14="http://schemas.microsoft.com/office/drawing/2010/main" Requires="a14">
+      <mc:AlternateContent xmlns:mc="http://schemas.openxmlformats.org/markup-compatibility/2006" xmlns:a14="http://schemas.microsoft.com/office/drawing/2010/main">
+        <mc:Choice Requires="a14">
           <p:sp>
             <p:nvSpPr>
               <p:cNvPr id="6" name="TextBox 5">
@@ -18629,7 +18788,7 @@
             </p:txBody>
           </p:sp>
         </mc:Choice>
-        <mc:Fallback>
+        <mc:Fallback xmlns="">
           <p:sp>
             <p:nvSpPr>
               <p:cNvPr id="6" name="TextBox 5">
@@ -19738,8 +19897,8 @@
           </a:p>
         </p:txBody>
       </p:sp>
-      <mc:AlternateContent xmlns:mc="http://schemas.openxmlformats.org/markup-compatibility/2006">
-        <mc:Choice xmlns:a14="http://schemas.microsoft.com/office/drawing/2010/main" Requires="a14">
+      <mc:AlternateContent xmlns:mc="http://schemas.openxmlformats.org/markup-compatibility/2006" xmlns:a14="http://schemas.microsoft.com/office/drawing/2010/main">
+        <mc:Choice Requires="a14">
           <p:sp>
             <p:nvSpPr>
               <p:cNvPr id="2" name="TextBox 1">
@@ -20683,7 +20842,7 @@
             </p:txBody>
           </p:sp>
         </mc:Choice>
-        <mc:Fallback>
+        <mc:Fallback xmlns="">
           <p:sp>
             <p:nvSpPr>
               <p:cNvPr id="2" name="TextBox 1">
@@ -20897,8 +21056,8 @@
           <a:chExt cx="0" cy="0"/>
         </a:xfrm>
       </p:grpSpPr>
-      <mc:AlternateContent xmlns:mc="http://schemas.openxmlformats.org/markup-compatibility/2006">
-        <mc:Choice xmlns:a14="http://schemas.microsoft.com/office/drawing/2010/main" Requires="a14">
+      <mc:AlternateContent xmlns:mc="http://schemas.openxmlformats.org/markup-compatibility/2006" xmlns:a14="http://schemas.microsoft.com/office/drawing/2010/main">
+        <mc:Choice Requires="a14">
           <p:sp>
             <p:nvSpPr>
               <p:cNvPr id="4" name="TextBox 3">
@@ -20978,7 +21137,7 @@
             </p:txBody>
           </p:sp>
         </mc:Choice>
-        <mc:Fallback>
+        <mc:Fallback xmlns="">
           <p:sp>
             <p:nvSpPr>
               <p:cNvPr id="4" name="TextBox 3">
@@ -21292,8 +21451,8 @@
           </a:prstGeom>
         </p:spPr>
       </p:pic>
-      <mc:AlternateContent xmlns:mc="http://schemas.openxmlformats.org/markup-compatibility/2006">
-        <mc:Choice xmlns:a14="http://schemas.microsoft.com/office/drawing/2010/main" Requires="a14">
+      <mc:AlternateContent xmlns:mc="http://schemas.openxmlformats.org/markup-compatibility/2006" xmlns:a14="http://schemas.microsoft.com/office/drawing/2010/main">
+        <mc:Choice Requires="a14">
           <p:sp>
             <p:nvSpPr>
               <p:cNvPr id="6" name="TextBox 5">
@@ -21437,7 +21596,7 @@
             </p:txBody>
           </p:sp>
         </mc:Choice>
-        <mc:Fallback>
+        <mc:Fallback xmlns="">
           <p:sp>
             <p:nvSpPr>
               <p:cNvPr id="6" name="TextBox 5">

--- a/doc/Rapport_Devoir3.pptx
+++ b/doc/Rapport_Devoir3.pptx
@@ -1154,7 +1154,7 @@
           <a:p>
             <a:fld id="{6CA8F5A3-1210-481E-B98C-38D1ADA5BAE1}" type="slidenum">
               <a:rPr lang="en-GB" smtClean="0"/>
-              <a:t>‹#›</a:t>
+              <a:t>‹N°›</a:t>
             </a:fld>
             <a:endParaRPr lang="en-GB"/>
           </a:p>
@@ -1466,7 +1466,7 @@
           <a:p>
             <a:fld id="{74DDA11D-2719-4AB3-AAA7-DB2910A56E08}" type="slidenum">
               <a:rPr lang="en-GB" smtClean="0"/>
-              <a:t>‹#›</a:t>
+              <a:t>‹N°›</a:t>
             </a:fld>
             <a:endParaRPr lang="en-GB" dirty="0"/>
           </a:p>
@@ -1666,7 +1666,7 @@
           <a:p>
             <a:fld id="{74DDA11D-2719-4AB3-AAA7-DB2910A56E08}" type="slidenum">
               <a:rPr lang="en-GB" smtClean="0"/>
-              <a:t>‹#›</a:t>
+              <a:t>‹N°›</a:t>
             </a:fld>
             <a:endParaRPr lang="en-GB"/>
           </a:p>
@@ -1876,7 +1876,7 @@
           <a:p>
             <a:fld id="{74DDA11D-2719-4AB3-AAA7-DB2910A56E08}" type="slidenum">
               <a:rPr lang="en-GB" smtClean="0"/>
-              <a:t>‹#›</a:t>
+              <a:t>‹N°›</a:t>
             </a:fld>
             <a:endParaRPr lang="en-GB"/>
           </a:p>
@@ -2076,7 +2076,7 @@
           <a:p>
             <a:fld id="{74DDA11D-2719-4AB3-AAA7-DB2910A56E08}" type="slidenum">
               <a:rPr lang="en-GB" smtClean="0"/>
-              <a:t>‹#›</a:t>
+              <a:t>‹N°›</a:t>
             </a:fld>
             <a:endParaRPr lang="en-GB"/>
           </a:p>
@@ -2352,7 +2352,7 @@
           <a:p>
             <a:fld id="{74DDA11D-2719-4AB3-AAA7-DB2910A56E08}" type="slidenum">
               <a:rPr lang="en-GB" smtClean="0"/>
-              <a:t>‹#›</a:t>
+              <a:t>‹N°›</a:t>
             </a:fld>
             <a:endParaRPr lang="en-GB"/>
           </a:p>
@@ -2620,7 +2620,7 @@
           <a:p>
             <a:fld id="{74DDA11D-2719-4AB3-AAA7-DB2910A56E08}" type="slidenum">
               <a:rPr lang="en-GB" smtClean="0"/>
-              <a:t>‹#›</a:t>
+              <a:t>‹N°›</a:t>
             </a:fld>
             <a:endParaRPr lang="en-GB"/>
           </a:p>
@@ -3035,7 +3035,7 @@
           <a:p>
             <a:fld id="{74DDA11D-2719-4AB3-AAA7-DB2910A56E08}" type="slidenum">
               <a:rPr lang="en-GB" smtClean="0"/>
-              <a:t>‹#›</a:t>
+              <a:t>‹N°›</a:t>
             </a:fld>
             <a:endParaRPr lang="en-GB"/>
           </a:p>
@@ -3177,7 +3177,7 @@
           <a:p>
             <a:fld id="{74DDA11D-2719-4AB3-AAA7-DB2910A56E08}" type="slidenum">
               <a:rPr lang="en-GB" smtClean="0"/>
-              <a:t>‹#›</a:t>
+              <a:t>‹N°›</a:t>
             </a:fld>
             <a:endParaRPr lang="en-GB"/>
           </a:p>
@@ -3290,7 +3290,7 @@
           <a:p>
             <a:fld id="{74DDA11D-2719-4AB3-AAA7-DB2910A56E08}" type="slidenum">
               <a:rPr lang="en-GB" smtClean="0"/>
-              <a:t>‹#›</a:t>
+              <a:t>‹N°›</a:t>
             </a:fld>
             <a:endParaRPr lang="en-GB"/>
           </a:p>
@@ -3603,7 +3603,7 @@
           <a:p>
             <a:fld id="{74DDA11D-2719-4AB3-AAA7-DB2910A56E08}" type="slidenum">
               <a:rPr lang="en-GB" smtClean="0"/>
-              <a:t>‹#›</a:t>
+              <a:t>‹N°›</a:t>
             </a:fld>
             <a:endParaRPr lang="en-GB"/>
           </a:p>
@@ -3892,7 +3892,7 @@
           <a:p>
             <a:fld id="{74DDA11D-2719-4AB3-AAA7-DB2910A56E08}" type="slidenum">
               <a:rPr lang="en-GB" smtClean="0"/>
-              <a:t>‹#›</a:t>
+              <a:t>‹N°›</a:t>
             </a:fld>
             <a:endParaRPr lang="en-GB"/>
           </a:p>
@@ -4170,7 +4170,7 @@
             <a:fld id="{74DDA11D-2719-4AB3-AAA7-DB2910A56E08}" type="slidenum">
               <a:rPr lang="en-GB" smtClean="0"/>
               <a:pPr/>
-              <a:t>‹#›</a:t>
+              <a:t>‹N°›</a:t>
             </a:fld>
             <a:endParaRPr lang="en-GB" dirty="0"/>
           </a:p>
@@ -5656,14 +5656,7 @@
                           <a:latin typeface="Cambria Math" panose="02040503050406030204" pitchFamily="18" charset="0"/>
                           <a:cs typeface="Times New Roman" panose="02020603050405020304" pitchFamily="18" charset="0"/>
                         </a:rPr>
-                        <m:t>=</m:t>
-                      </m:r>
-                      <m:r>
-                        <a:rPr lang="fr-FR" i="1">
-                          <a:latin typeface="Cambria Math" panose="02040503050406030204" pitchFamily="18" charset="0"/>
-                          <a:cs typeface="Times New Roman" panose="02020603050405020304" pitchFamily="18" charset="0"/>
-                        </a:rPr>
-                        <m:t>17.9915 </m:t>
+                        <m:t>=17.9915 </m:t>
                       </m:r>
                       <m:r>
                         <a:rPr lang="fr-FR" i="1">
@@ -5717,21 +5710,7 @@
                           <a:latin typeface="Cambria Math" panose="02040503050406030204" pitchFamily="18" charset="0"/>
                           <a:cs typeface="Times New Roman" panose="02020603050405020304" pitchFamily="18" charset="0"/>
                         </a:rPr>
-                        <m:t>17.98</m:t>
-                      </m:r>
-                      <m:r>
-                        <a:rPr lang="fr-FR" b="0" i="1" smtClean="0">
-                          <a:latin typeface="Cambria Math" panose="02040503050406030204" pitchFamily="18" charset="0"/>
-                          <a:cs typeface="Times New Roman" panose="02020603050405020304" pitchFamily="18" charset="0"/>
-                        </a:rPr>
-                        <m:t>05</m:t>
-                      </m:r>
-                      <m:r>
-                        <a:rPr lang="fr-FR" b="0" i="1" smtClean="0">
-                          <a:latin typeface="Cambria Math" panose="02040503050406030204" pitchFamily="18" charset="0"/>
-                          <a:cs typeface="Times New Roman" panose="02020603050405020304" pitchFamily="18" charset="0"/>
-                        </a:rPr>
-                        <m:t> </m:t>
+                        <m:t>17.9805 </m:t>
                       </m:r>
                       <m:r>
                         <a:rPr lang="fr-FR" i="1">
@@ -5843,7 +5822,7 @@
                     <a:latin typeface="Times New Roman" panose="02020603050405020304" pitchFamily="18" charset="0"/>
                     <a:cs typeface="Times New Roman" panose="02020603050405020304" pitchFamily="18" charset="0"/>
                   </a:rPr>
-                  <a:t>. On prend ici la différence des valeurs médianes (hypothèse) obtenus numériquement et expérimentalement. D’après l’énoncé, nous avons </a:t>
+                  <a:t>. On prend ici la différence des valeurs médianes (hypothèse) obtenue numériquement et expérimentalement. D’après l’énoncé, nous avons </a:t>
                 </a:r>
                 <a14:m>
                   <m:oMath xmlns:m="http://schemas.openxmlformats.org/officeDocument/2006/math">
@@ -6432,15 +6411,7 @@
                               <a:ea typeface="Cambria Math" panose="02040503050406030204" pitchFamily="18" charset="0"/>
                               <a:cs typeface="Times New Roman" panose="02020603050405020304" pitchFamily="18" charset="0"/>
                             </a:rPr>
-                            <m:t>−9</m:t>
-                          </m:r>
-                          <m:r>
-                            <a:rPr lang="fr-FR" b="0" i="1" smtClean="0">
-                              <a:latin typeface="Cambria Math" panose="02040503050406030204" pitchFamily="18" charset="0"/>
-                              <a:ea typeface="Cambria Math" panose="02040503050406030204" pitchFamily="18" charset="0"/>
-                              <a:cs typeface="Times New Roman" panose="02020603050405020304" pitchFamily="18" charset="0"/>
-                            </a:rPr>
-                            <m:t>4.566</m:t>
+                            <m:t>−94.566</m:t>
                           </m:r>
                           <m:r>
                             <a:rPr lang="fr-FR" b="0" i="1" smtClean="0">
@@ -6463,15 +6434,7 @@
                               <a:ea typeface="Cambria Math" panose="02040503050406030204" pitchFamily="18" charset="0"/>
                               <a:cs typeface="Times New Roman" panose="02020603050405020304" pitchFamily="18" charset="0"/>
                             </a:rPr>
-                            <m:t>22</m:t>
-                          </m:r>
-                          <m:r>
-                            <a:rPr lang="fr-FR" b="0" i="1" smtClean="0">
-                              <a:latin typeface="Cambria Math" panose="02040503050406030204" pitchFamily="18" charset="0"/>
-                              <a:ea typeface="Cambria Math" panose="02040503050406030204" pitchFamily="18" charset="0"/>
-                              <a:cs typeface="Times New Roman" panose="02020603050405020304" pitchFamily="18" charset="0"/>
-                            </a:rPr>
-                            <m:t>.644</m:t>
+                            <m:t>22.644</m:t>
                           </m:r>
                         </m:e>
                       </m:d>
@@ -6511,7 +6474,7 @@
                     <a:latin typeface="Times New Roman" panose="02020603050405020304" pitchFamily="18" charset="0"/>
                     <a:cs typeface="Times New Roman" panose="02020603050405020304" pitchFamily="18" charset="0"/>
                   </a:rPr>
-                  <a:t>Une première remarque face à ce résultat consisterait à dire le modèle numérique sous-estime systématiquement les valeurs expérimentales.</a:t>
+                  <a:t>Une première remarque face à ce résultat consisterait à dire que le modèle numérique sous-estime systématiquement les valeurs expérimentales.</a:t>
                 </a:r>
               </a:p>
             </p:txBody>
@@ -6552,7 +6515,7 @@
               <a:lstStyle/>
               <a:p>
                 <a:r>
-                  <a:rPr lang="en-GB">
+                  <a:rPr lang="en-CA">
                     <a:noFill/>
                   </a:rPr>
                   <a:t> </a:t>
@@ -7518,8 +7481,8 @@
           </p:sp>
         </mc:Fallback>
       </mc:AlternateContent>
-      <mc:AlternateContent xmlns:mc="http://schemas.openxmlformats.org/markup-compatibility/2006">
-        <mc:Choice xmlns:a14="http://schemas.microsoft.com/office/drawing/2010/main" Requires="a14">
+      <mc:AlternateContent xmlns:mc="http://schemas.openxmlformats.org/markup-compatibility/2006" xmlns:a14="http://schemas.microsoft.com/office/drawing/2010/main">
+        <mc:Choice Requires="a14">
           <p:sp>
             <p:nvSpPr>
               <p:cNvPr id="12" name="TextBox 11">
@@ -7613,14 +7576,7 @@
                           <a:latin typeface="Cambria Math" panose="02040503050406030204" pitchFamily="18" charset="0"/>
                           <a:cs typeface="Times New Roman" panose="02020603050405020304" pitchFamily="18" charset="0"/>
                         </a:rPr>
-                        <m:t>35,96</m:t>
-                      </m:r>
-                      <m:r>
-                        <a:rPr lang="fr-FR" b="0" i="1" smtClean="0">
-                          <a:latin typeface="Cambria Math" panose="02040503050406030204" pitchFamily="18" charset="0"/>
-                          <a:cs typeface="Times New Roman" panose="02020603050405020304" pitchFamily="18" charset="0"/>
-                        </a:rPr>
-                        <m:t>101</m:t>
+                        <m:t>35,96101</m:t>
                       </m:r>
                       <m:r>
                         <a:rPr lang="fr-FR" i="1">
@@ -7664,7 +7620,7 @@
             </p:txBody>
           </p:sp>
         </mc:Choice>
-        <mc:Fallback>
+        <mc:Fallback xmlns="">
           <p:sp>
             <p:nvSpPr>
               <p:cNvPr id="12" name="TextBox 11">
@@ -7709,8 +7665,8 @@
           </p:sp>
         </mc:Fallback>
       </mc:AlternateContent>
-      <mc:AlternateContent xmlns:mc="http://schemas.openxmlformats.org/markup-compatibility/2006">
-        <mc:Choice xmlns:a14="http://schemas.microsoft.com/office/drawing/2010/main" Requires="a14">
+      <mc:AlternateContent xmlns:mc="http://schemas.openxmlformats.org/markup-compatibility/2006" xmlns:a14="http://schemas.microsoft.com/office/drawing/2010/main">
+        <mc:Choice Requires="a14">
           <p:sp>
             <p:nvSpPr>
               <p:cNvPr id="14" name="TextBox 13">
@@ -7843,7 +7799,7 @@
             </p:txBody>
           </p:sp>
         </mc:Choice>
-        <mc:Fallback>
+        <mc:Fallback xmlns="">
           <p:sp>
             <p:nvSpPr>
               <p:cNvPr id="14" name="TextBox 13">
@@ -14255,8 +14211,8 @@
           </a:p>
         </p:txBody>
       </p:sp>
-      <mc:AlternateContent xmlns:mc="http://schemas.openxmlformats.org/markup-compatibility/2006" xmlns:a14="http://schemas.microsoft.com/office/drawing/2010/main">
-        <mc:Choice Requires="a14">
+      <mc:AlternateContent xmlns:mc="http://schemas.openxmlformats.org/markup-compatibility/2006">
+        <mc:Choice xmlns:a14="http://schemas.microsoft.com/office/drawing/2010/main" Requires="a14">
           <p:sp>
             <p:nvSpPr>
               <p:cNvPr id="6" name="TextBox 5">
@@ -14305,7 +14261,21 @@
                     <a:latin typeface="Times New Roman" panose="02020603050405020304" pitchFamily="18" charset="0"/>
                     <a:cs typeface="Times New Roman" panose="02020603050405020304" pitchFamily="18" charset="0"/>
                   </a:rPr>
-                  <a:t>sont définis au travers de plusieurs paramètres : </a:t>
+                  <a:t>sont définis </a:t>
+                </a:r>
+                <a:r>
+                  <a:rPr lang="fr-CA" dirty="0">
+                    <a:latin typeface="Times New Roman" panose="02020603050405020304" pitchFamily="18" charset="0"/>
+                    <a:cs typeface="Times New Roman" panose="02020603050405020304" pitchFamily="18" charset="0"/>
+                  </a:rPr>
+                  <a:t>à partir </a:t>
+                </a:r>
+                <a:r>
+                  <a:rPr lang="fr-FR" dirty="0">
+                    <a:latin typeface="Times New Roman" panose="02020603050405020304" pitchFamily="18" charset="0"/>
+                    <a:cs typeface="Times New Roman" panose="02020603050405020304" pitchFamily="18" charset="0"/>
+                  </a:rPr>
+                  <a:t>de plusieurs paramètres : </a:t>
                 </a:r>
                 <a:r>
                   <a:rPr lang="fr-FR" dirty="0">
@@ -14411,7 +14381,7 @@
                     <a:latin typeface="Times New Roman" panose="02020603050405020304" pitchFamily="18" charset="0"/>
                     <a:cs typeface="Times New Roman" panose="02020603050405020304" pitchFamily="18" charset="0"/>
                   </a:rPr>
-                  <a:t>. Ces dernies sont réunis au travers de la loi de Darcy. </a:t>
+                  <a:t>. Ces derniers sont réunis par la loi de Darcy. </a:t>
                 </a:r>
               </a:p>
               <a:p>
@@ -14567,7 +14537,7 @@
             </p:txBody>
           </p:sp>
         </mc:Choice>
-        <mc:Fallback xmlns="">
+        <mc:Fallback>
           <p:sp>
             <p:nvSpPr>
               <p:cNvPr id="6" name="TextBox 5">
@@ -14602,7 +14572,7 @@
               <a:lstStyle/>
               <a:p>
                 <a:r>
-                  <a:rPr lang="en-GB">
+                  <a:rPr lang="en-CA">
                     <a:noFill/>
                   </a:rPr>
                   <a:t> </a:t>
@@ -17454,7 +17424,7 @@
                     <a:latin typeface="Times New Roman" panose="02020603050405020304" pitchFamily="18" charset="0"/>
                     <a:cs typeface="Times New Roman" panose="02020603050405020304" pitchFamily="18" charset="0"/>
                   </a:rPr>
-                  <a:t>. En effet, nous pouvons appliquer la méthode de Richardson et estimer directement l’erreurs numérique tel que : </a:t>
+                  <a:t>. En effet, nous pouvons appliquer la méthode de Richardson et estimer directement l’erreur numérique.</a:t>
                 </a:r>
               </a:p>
               <a:p>
@@ -17483,21 +17453,7 @@
                         <a:latin typeface="Cambria Math" panose="02040503050406030204" pitchFamily="18" charset="0"/>
                         <a:cs typeface="Times New Roman" panose="02020603050405020304" pitchFamily="18" charset="0"/>
                       </a:rPr>
-                      <m:t>=</m:t>
-                    </m:r>
-                    <m:r>
-                      <a:rPr lang="fr-FR" b="0" i="1" smtClean="0">
-                        <a:latin typeface="Cambria Math" panose="02040503050406030204" pitchFamily="18" charset="0"/>
-                        <a:cs typeface="Times New Roman" panose="02020603050405020304" pitchFamily="18" charset="0"/>
-                      </a:rPr>
-                      <m:t>21.4437</m:t>
-                    </m:r>
-                    <m:r>
-                      <a:rPr lang="fr-FR" b="0" i="1" smtClean="0">
-                        <a:latin typeface="Cambria Math" panose="02040503050406030204" pitchFamily="18" charset="0"/>
-                        <a:cs typeface="Times New Roman" panose="02020603050405020304" pitchFamily="18" charset="0"/>
-                      </a:rPr>
-                      <m:t>+</m:t>
+                      <m:t>=21.4437+</m:t>
                     </m:r>
                     <m:f>
                       <m:fPr>
@@ -17925,7 +17881,7 @@
               <a:lstStyle/>
               <a:p>
                 <a:r>
-                  <a:rPr lang="en-GB">
+                  <a:rPr lang="en-CA">
                     <a:noFill/>
                   </a:rPr>
                   <a:t> </a:t>
@@ -19257,8 +19213,8 @@
           </a:p>
         </p:txBody>
       </p:sp>
-      <mc:AlternateContent xmlns:mc="http://schemas.openxmlformats.org/markup-compatibility/2006" xmlns:a14="http://schemas.microsoft.com/office/drawing/2010/main">
-        <mc:Choice Requires="a14">
+      <mc:AlternateContent xmlns:mc="http://schemas.openxmlformats.org/markup-compatibility/2006">
+        <mc:Choice xmlns:a14="http://schemas.microsoft.com/office/drawing/2010/main" Requires="a14">
           <p:sp>
             <p:nvSpPr>
               <p:cNvPr id="2" name="TextBox 1">
@@ -19371,7 +19327,7 @@
                     <a:latin typeface="Times New Roman" panose="02020603050405020304" pitchFamily="18" charset="0"/>
                     <a:cs typeface="Times New Roman" panose="02020603050405020304" pitchFamily="18" charset="0"/>
                   </a:rPr>
-                  <a:t>. Pour cela, nous utilisons la méthode de Monte Carlo en nous intéressant aux données d’entrées : </a:t>
+                  <a:t>. Pour cela, nous utilisons la méthode de Monte Carlo en nous intéressant aux données d’entrée : </a:t>
                 </a:r>
                 <a:r>
                   <a:rPr lang="fr-FR" dirty="0">
@@ -19569,7 +19525,7 @@
             </p:txBody>
           </p:sp>
         </mc:Choice>
-        <mc:Fallback xmlns="">
+        <mc:Fallback>
           <p:sp>
             <p:nvSpPr>
               <p:cNvPr id="2" name="TextBox 1">
@@ -19604,7 +19560,7 @@
               <a:lstStyle/>
               <a:p>
                 <a:r>
-                  <a:rPr lang="en-GB">
+                  <a:rPr lang="en-CA">
                     <a:noFill/>
                   </a:rPr>
                   <a:t> </a:t>
@@ -21451,8 +21407,8 @@
           </a:prstGeom>
         </p:spPr>
       </p:pic>
-      <mc:AlternateContent xmlns:mc="http://schemas.openxmlformats.org/markup-compatibility/2006" xmlns:a14="http://schemas.microsoft.com/office/drawing/2010/main">
-        <mc:Choice Requires="a14">
+      <mc:AlternateContent xmlns:mc="http://schemas.openxmlformats.org/markup-compatibility/2006">
+        <mc:Choice xmlns:a14="http://schemas.microsoft.com/office/drawing/2010/main" Requires="a14">
           <p:sp>
             <p:nvSpPr>
               <p:cNvPr id="6" name="TextBox 5">
@@ -21583,7 +21539,7 @@
                     <a:latin typeface="Times New Roman" panose="02020603050405020304" pitchFamily="18" charset="0"/>
                     <a:cs typeface="Times New Roman" panose="02020603050405020304" pitchFamily="18" charset="0"/>
                   </a:rPr>
-                  <a:t>Ce résultat est très proche de celui trouvé précédemment avec la moyenne quadratique, ce confirme la robustesse de l'évaluation d'incertitude. </a:t>
+                  <a:t>Ce résultat est très proche de celui trouvé précédemment avec la moyenne quadratique, ce qui confirme la robustesse de l'évaluation d'incertitude. </a:t>
                 </a:r>
               </a:p>
               <a:p>
@@ -21596,7 +21552,7 @@
             </p:txBody>
           </p:sp>
         </mc:Choice>
-        <mc:Fallback xmlns="">
+        <mc:Fallback>
           <p:sp>
             <p:nvSpPr>
               <p:cNvPr id="6" name="TextBox 5">
@@ -21631,7 +21587,7 @@
               <a:lstStyle/>
               <a:p>
                 <a:r>
-                  <a:rPr lang="en-GB">
+                  <a:rPr lang="en-CA">
                     <a:noFill/>
                   </a:rPr>
                   <a:t> </a:t>
@@ -21852,8 +21808,8 @@
           </a:p>
         </p:txBody>
       </p:sp>
-      <mc:AlternateContent xmlns:mc="http://schemas.openxmlformats.org/markup-compatibility/2006" xmlns:a14="http://schemas.microsoft.com/office/drawing/2010/main">
-        <mc:Choice Requires="a14">
+      <mc:AlternateContent xmlns:mc="http://schemas.openxmlformats.org/markup-compatibility/2006">
+        <mc:Choice xmlns:a14="http://schemas.microsoft.com/office/drawing/2010/main" Requires="a14">
           <p:sp>
             <p:nvSpPr>
               <p:cNvPr id="2" name="TextBox 1">
@@ -22498,13 +22454,13 @@
                     <a:latin typeface="Times New Roman" panose="02020603050405020304" pitchFamily="18" charset="0"/>
                     <a:cs typeface="Times New Roman" panose="02020603050405020304" pitchFamily="18" charset="0"/>
                   </a:rPr>
-                  <a:t>: On remarque que cette incertitude est la plus élevée de toutes les incertitudes jusqu’à présent trouvée. </a:t>
+                  <a:t>: On remarque que cette incertitude est la plus élevée de toutes les incertitudes jusqu’à présent trouvées. </a:t>
                 </a:r>
               </a:p>
             </p:txBody>
           </p:sp>
         </mc:Choice>
-        <mc:Fallback xmlns="">
+        <mc:Fallback>
           <p:sp>
             <p:nvSpPr>
               <p:cNvPr id="2" name="TextBox 1">
@@ -22539,7 +22495,7 @@
               <a:lstStyle/>
               <a:p>
                 <a:r>
-                  <a:rPr lang="en-GB">
+                  <a:rPr lang="en-CA">
                     <a:noFill/>
                   </a:rPr>
                   <a:t> </a:t>

--- a/doc/Rapport_Devoir3.pptx
+++ b/doc/Rapport_Devoir3.pptx
@@ -5,7 +5,7 @@
     <p:sldMasterId id="2147483648" r:id="rId1"/>
   </p:sldMasterIdLst>
   <p:notesMasterIdLst>
-    <p:notesMasterId r:id="rId18"/>
+    <p:notesMasterId r:id="rId13"/>
   </p:notesMasterIdLst>
   <p:sldIdLst>
     <p:sldId id="256" r:id="rId2"/>
@@ -19,11 +19,6 @@
     <p:sldId id="275" r:id="rId10"/>
     <p:sldId id="276" r:id="rId11"/>
     <p:sldId id="285" r:id="rId12"/>
-    <p:sldId id="288" r:id="rId13"/>
-    <p:sldId id="278" r:id="rId14"/>
-    <p:sldId id="286" r:id="rId15"/>
-    <p:sldId id="283" r:id="rId16"/>
-    <p:sldId id="281" r:id="rId17"/>
   </p:sldIdLst>
   <p:sldSz cx="12192000" cy="6858000"/>
   <p:notesSz cx="6858000" cy="9144000"/>
@@ -1154,7 +1149,7 @@
           <a:p>
             <a:fld id="{6CA8F5A3-1210-481E-B98C-38D1ADA5BAE1}" type="slidenum">
               <a:rPr lang="en-GB" smtClean="0"/>
-              <a:t>‹N°›</a:t>
+              <a:t>‹#›</a:t>
             </a:fld>
             <a:endParaRPr lang="en-GB"/>
           </a:p>
@@ -1466,7 +1461,7 @@
           <a:p>
             <a:fld id="{74DDA11D-2719-4AB3-AAA7-DB2910A56E08}" type="slidenum">
               <a:rPr lang="en-GB" smtClean="0"/>
-              <a:t>‹N°›</a:t>
+              <a:t>‹#›</a:t>
             </a:fld>
             <a:endParaRPr lang="en-GB" dirty="0"/>
           </a:p>
@@ -1666,7 +1661,7 @@
           <a:p>
             <a:fld id="{74DDA11D-2719-4AB3-AAA7-DB2910A56E08}" type="slidenum">
               <a:rPr lang="en-GB" smtClean="0"/>
-              <a:t>‹N°›</a:t>
+              <a:t>‹#›</a:t>
             </a:fld>
             <a:endParaRPr lang="en-GB"/>
           </a:p>
@@ -1876,7 +1871,7 @@
           <a:p>
             <a:fld id="{74DDA11D-2719-4AB3-AAA7-DB2910A56E08}" type="slidenum">
               <a:rPr lang="en-GB" smtClean="0"/>
-              <a:t>‹N°›</a:t>
+              <a:t>‹#›</a:t>
             </a:fld>
             <a:endParaRPr lang="en-GB"/>
           </a:p>
@@ -2076,7 +2071,7 @@
           <a:p>
             <a:fld id="{74DDA11D-2719-4AB3-AAA7-DB2910A56E08}" type="slidenum">
               <a:rPr lang="en-GB" smtClean="0"/>
-              <a:t>‹N°›</a:t>
+              <a:t>‹#›</a:t>
             </a:fld>
             <a:endParaRPr lang="en-GB"/>
           </a:p>
@@ -2352,7 +2347,7 @@
           <a:p>
             <a:fld id="{74DDA11D-2719-4AB3-AAA7-DB2910A56E08}" type="slidenum">
               <a:rPr lang="en-GB" smtClean="0"/>
-              <a:t>‹N°›</a:t>
+              <a:t>‹#›</a:t>
             </a:fld>
             <a:endParaRPr lang="en-GB"/>
           </a:p>
@@ -2620,7 +2615,7 @@
           <a:p>
             <a:fld id="{74DDA11D-2719-4AB3-AAA7-DB2910A56E08}" type="slidenum">
               <a:rPr lang="en-GB" smtClean="0"/>
-              <a:t>‹N°›</a:t>
+              <a:t>‹#›</a:t>
             </a:fld>
             <a:endParaRPr lang="en-GB"/>
           </a:p>
@@ -3035,7 +3030,7 @@
           <a:p>
             <a:fld id="{74DDA11D-2719-4AB3-AAA7-DB2910A56E08}" type="slidenum">
               <a:rPr lang="en-GB" smtClean="0"/>
-              <a:t>‹N°›</a:t>
+              <a:t>‹#›</a:t>
             </a:fld>
             <a:endParaRPr lang="en-GB"/>
           </a:p>
@@ -3177,7 +3172,7 @@
           <a:p>
             <a:fld id="{74DDA11D-2719-4AB3-AAA7-DB2910A56E08}" type="slidenum">
               <a:rPr lang="en-GB" smtClean="0"/>
-              <a:t>‹N°›</a:t>
+              <a:t>‹#›</a:t>
             </a:fld>
             <a:endParaRPr lang="en-GB"/>
           </a:p>
@@ -3290,7 +3285,7 @@
           <a:p>
             <a:fld id="{74DDA11D-2719-4AB3-AAA7-DB2910A56E08}" type="slidenum">
               <a:rPr lang="en-GB" smtClean="0"/>
-              <a:t>‹N°›</a:t>
+              <a:t>‹#›</a:t>
             </a:fld>
             <a:endParaRPr lang="en-GB"/>
           </a:p>
@@ -3603,7 +3598,7 @@
           <a:p>
             <a:fld id="{74DDA11D-2719-4AB3-AAA7-DB2910A56E08}" type="slidenum">
               <a:rPr lang="en-GB" smtClean="0"/>
-              <a:t>‹N°›</a:t>
+              <a:t>‹#›</a:t>
             </a:fld>
             <a:endParaRPr lang="en-GB"/>
           </a:p>
@@ -3892,7 +3887,7 @@
           <a:p>
             <a:fld id="{74DDA11D-2719-4AB3-AAA7-DB2910A56E08}" type="slidenum">
               <a:rPr lang="en-GB" smtClean="0"/>
-              <a:t>‹N°›</a:t>
+              <a:t>‹#›</a:t>
             </a:fld>
             <a:endParaRPr lang="en-GB"/>
           </a:p>
@@ -4170,7 +4165,7 @@
             <a:fld id="{74DDA11D-2719-4AB3-AAA7-DB2910A56E08}" type="slidenum">
               <a:rPr lang="en-GB" smtClean="0"/>
               <a:pPr/>
-              <a:t>‹N°›</a:t>
+              <a:t>‹#›</a:t>
             </a:fld>
             <a:endParaRPr lang="en-GB" dirty="0"/>
           </a:p>
@@ -5265,8 +5260,8 @@
           </a:p>
         </p:txBody>
       </p:sp>
-      <mc:AlternateContent xmlns:mc="http://schemas.openxmlformats.org/markup-compatibility/2006">
-        <mc:Choice xmlns:a14="http://schemas.microsoft.com/office/drawing/2010/main" Requires="a14">
+      <mc:AlternateContent xmlns:mc="http://schemas.openxmlformats.org/markup-compatibility/2006" xmlns:a14="http://schemas.microsoft.com/office/drawing/2010/main">
+        <mc:Choice Requires="a14">
           <p:sp>
             <p:nvSpPr>
               <p:cNvPr id="2" name="TextBox 1">
@@ -6480,7 +6475,7 @@
             </p:txBody>
           </p:sp>
         </mc:Choice>
-        <mc:Fallback>
+        <mc:Fallback xmlns="">
           <p:sp>
             <p:nvSpPr>
               <p:cNvPr id="2" name="TextBox 1">
@@ -8050,5962 +8045,6 @@
 </p:sld>
 </file>
 
-<file path=ppt/slides/slide12.xml><?xml version="1.0" encoding="utf-8"?>
-<p:sld xmlns:a="http://schemas.openxmlformats.org/drawingml/2006/main" xmlns:r="http://schemas.openxmlformats.org/officeDocument/2006/relationships" xmlns:p="http://schemas.openxmlformats.org/presentationml/2006/main">
-  <p:cSld>
-    <p:spTree>
-      <p:nvGrpSpPr>
-        <p:cNvPr id="1" name=""/>
-        <p:cNvGrpSpPr/>
-        <p:nvPr/>
-      </p:nvGrpSpPr>
-      <p:grpSpPr>
-        <a:xfrm>
-          <a:off x="0" y="0"/>
-          <a:ext cx="0" cy="0"/>
-          <a:chOff x="0" y="0"/>
-          <a:chExt cx="0" cy="0"/>
-        </a:xfrm>
-      </p:grpSpPr>
-      <p:sp>
-        <p:nvSpPr>
-          <p:cNvPr id="5" name="Rectangle 4">
-            <a:extLst>
-              <a:ext uri="{FF2B5EF4-FFF2-40B4-BE49-F238E27FC236}">
-                <a16:creationId xmlns:a16="http://schemas.microsoft.com/office/drawing/2014/main" id="{E697BBF7-5CDB-9440-A25C-124A0957AC82}"/>
-              </a:ext>
-            </a:extLst>
-          </p:cNvPr>
-          <p:cNvSpPr/>
-          <p:nvPr/>
-        </p:nvSpPr>
-        <p:spPr>
-          <a:xfrm>
-            <a:off x="0" y="0"/>
-            <a:ext cx="12192000" cy="6858000"/>
-          </a:xfrm>
-          <a:prstGeom prst="rect">
-            <a:avLst/>
-          </a:prstGeom>
-          <a:solidFill>
-            <a:srgbClr val="980000"/>
-          </a:solidFill>
-        </p:spPr>
-        <p:style>
-          <a:lnRef idx="2">
-            <a:schemeClr val="accent1">
-              <a:shade val="15000"/>
-            </a:schemeClr>
-          </a:lnRef>
-          <a:fillRef idx="1">
-            <a:schemeClr val="accent1"/>
-          </a:fillRef>
-          <a:effectRef idx="0">
-            <a:schemeClr val="accent1"/>
-          </a:effectRef>
-          <a:fontRef idx="minor">
-            <a:schemeClr val="lt1"/>
-          </a:fontRef>
-        </p:style>
-        <p:txBody>
-          <a:bodyPr rtlCol="0" anchor="ctr"/>
-          <a:lstStyle/>
-          <a:p>
-            <a:pPr algn="ctr"/>
-            <a:endParaRPr lang="en-GB"/>
-          </a:p>
-        </p:txBody>
-      </p:sp>
-    </p:spTree>
-    <p:extLst>
-      <p:ext uri="{BB962C8B-B14F-4D97-AF65-F5344CB8AC3E}">
-        <p14:creationId xmlns:p14="http://schemas.microsoft.com/office/powerpoint/2010/main" val="3240832008"/>
-      </p:ext>
-    </p:extLst>
-  </p:cSld>
-  <p:clrMapOvr>
-    <a:masterClrMapping/>
-  </p:clrMapOvr>
-</p:sld>
-</file>
-
-<file path=ppt/slides/slide13.xml><?xml version="1.0" encoding="utf-8"?>
-<p:sld xmlns:a="http://schemas.openxmlformats.org/drawingml/2006/main" xmlns:r="http://schemas.openxmlformats.org/officeDocument/2006/relationships" xmlns:p="http://schemas.openxmlformats.org/presentationml/2006/main" show="0">
-  <p:cSld>
-    <p:spTree>
-      <p:nvGrpSpPr>
-        <p:cNvPr id="1" name="">
-          <a:extLst>
-            <a:ext uri="{FF2B5EF4-FFF2-40B4-BE49-F238E27FC236}">
-              <a16:creationId xmlns:a16="http://schemas.microsoft.com/office/drawing/2014/main" id="{B061A6C7-CEFC-2115-464F-E688B7ACFEE3}"/>
-            </a:ext>
-          </a:extLst>
-        </p:cNvPr>
-        <p:cNvGrpSpPr/>
-        <p:nvPr/>
-      </p:nvGrpSpPr>
-      <p:grpSpPr>
-        <a:xfrm>
-          <a:off x="0" y="0"/>
-          <a:ext cx="0" cy="0"/>
-          <a:chOff x="0" y="0"/>
-          <a:chExt cx="0" cy="0"/>
-        </a:xfrm>
-      </p:grpSpPr>
-      <p:pic>
-        <p:nvPicPr>
-          <p:cNvPr id="3" name="Picture 2" descr="A graph showing the number of variables&#10;&#10;AI-generated content may be incorrect.">
-            <a:extLst>
-              <a:ext uri="{FF2B5EF4-FFF2-40B4-BE49-F238E27FC236}">
-                <a16:creationId xmlns:a16="http://schemas.microsoft.com/office/drawing/2014/main" id="{6F65162A-9F2C-E210-A152-1BBC5918A9D4}"/>
-              </a:ext>
-            </a:extLst>
-          </p:cNvPr>
-          <p:cNvPicPr>
-            <a:picLocks noChangeAspect="1"/>
-          </p:cNvPicPr>
-          <p:nvPr/>
-        </p:nvPicPr>
-        <p:blipFill>
-          <a:blip r:embed="rId2">
-            <a:extLst>
-              <a:ext uri="{28A0092B-C50C-407E-A947-70E740481C1C}">
-                <a14:useLocalDpi xmlns:a14="http://schemas.microsoft.com/office/drawing/2010/main" val="0"/>
-              </a:ext>
-            </a:extLst>
-          </a:blip>
-          <a:stretch>
-            <a:fillRect/>
-          </a:stretch>
-        </p:blipFill>
-        <p:spPr>
-          <a:xfrm>
-            <a:off x="6096000" y="500027"/>
-            <a:ext cx="6096000" cy="4273257"/>
-          </a:xfrm>
-          <a:prstGeom prst="rect">
-            <a:avLst/>
-          </a:prstGeom>
-        </p:spPr>
-      </p:pic>
-      <p:sp>
-        <p:nvSpPr>
-          <p:cNvPr id="36" name="Rectangle 35">
-            <a:extLst>
-              <a:ext uri="{FF2B5EF4-FFF2-40B4-BE49-F238E27FC236}">
-                <a16:creationId xmlns:a16="http://schemas.microsoft.com/office/drawing/2014/main" id="{1F4DF934-7E63-4EE7-050F-C09BA501D7A5}"/>
-              </a:ext>
-            </a:extLst>
-          </p:cNvPr>
-          <p:cNvSpPr/>
-          <p:nvPr/>
-        </p:nvSpPr>
-        <p:spPr>
-          <a:xfrm>
-            <a:off x="1" y="-990"/>
-            <a:ext cx="6096000" cy="501017"/>
-          </a:xfrm>
-          <a:prstGeom prst="rect">
-            <a:avLst/>
-          </a:prstGeom>
-          <a:solidFill>
-            <a:srgbClr val="980000"/>
-          </a:solidFill>
-          <a:ln>
-            <a:noFill/>
-          </a:ln>
-        </p:spPr>
-        <p:style>
-          <a:lnRef idx="2">
-            <a:schemeClr val="accent1">
-              <a:shade val="15000"/>
-            </a:schemeClr>
-          </a:lnRef>
-          <a:fillRef idx="1">
-            <a:schemeClr val="accent1"/>
-          </a:fillRef>
-          <a:effectRef idx="0">
-            <a:schemeClr val="accent1"/>
-          </a:effectRef>
-          <a:fontRef idx="minor">
-            <a:schemeClr val="lt1"/>
-          </a:fontRef>
-        </p:style>
-        <p:txBody>
-          <a:bodyPr rtlCol="0" anchor="ctr"/>
-          <a:lstStyle/>
-          <a:p>
-            <a:pPr algn="ctr"/>
-            <a:endParaRPr lang="fr-FR" noProof="0" dirty="0"/>
-          </a:p>
-        </p:txBody>
-      </p:sp>
-      <p:sp>
-        <p:nvSpPr>
-          <p:cNvPr id="9" name="TextBox 8">
-            <a:extLst>
-              <a:ext uri="{FF2B5EF4-FFF2-40B4-BE49-F238E27FC236}">
-                <a16:creationId xmlns:a16="http://schemas.microsoft.com/office/drawing/2014/main" id="{02F817E8-5B4D-EB2D-2EFA-C032863C9DC2}"/>
-              </a:ext>
-            </a:extLst>
-          </p:cNvPr>
-          <p:cNvSpPr txBox="1"/>
-          <p:nvPr/>
-        </p:nvSpPr>
-        <p:spPr>
-          <a:xfrm>
-            <a:off x="0" y="-990"/>
-            <a:ext cx="4105341" cy="461665"/>
-          </a:xfrm>
-          <a:prstGeom prst="rect">
-            <a:avLst/>
-          </a:prstGeom>
-          <a:noFill/>
-        </p:spPr>
-        <p:txBody>
-          <a:bodyPr wrap="square" rtlCol="0">
-            <a:spAutoFit/>
-          </a:bodyPr>
-          <a:lstStyle/>
-          <a:p>
-            <a:pPr algn="just"/>
-            <a:r>
-              <a:rPr lang="fr-FR" sz="2400" b="1" noProof="0" dirty="0">
-                <a:solidFill>
-                  <a:schemeClr val="bg1"/>
-                </a:solidFill>
-                <a:latin typeface="Times New Roman" panose="02020603050405020304" pitchFamily="18" charset="0"/>
-                <a:cs typeface="Times New Roman" panose="02020603050405020304" pitchFamily="18" charset="0"/>
-              </a:rPr>
-              <a:t>QUESTION A</a:t>
-            </a:r>
-          </a:p>
-        </p:txBody>
-      </p:sp>
-      <p:sp>
-        <p:nvSpPr>
-          <p:cNvPr id="39" name="Rectangle 38">
-            <a:extLst>
-              <a:ext uri="{FF2B5EF4-FFF2-40B4-BE49-F238E27FC236}">
-                <a16:creationId xmlns:a16="http://schemas.microsoft.com/office/drawing/2014/main" id="{0775F089-83D6-A056-BC5B-0BE2FE80725B}"/>
-              </a:ext>
-            </a:extLst>
-          </p:cNvPr>
-          <p:cNvSpPr/>
-          <p:nvPr/>
-        </p:nvSpPr>
-        <p:spPr>
-          <a:xfrm>
-            <a:off x="6096000" y="0"/>
-            <a:ext cx="6096000" cy="501017"/>
-          </a:xfrm>
-          <a:prstGeom prst="rect">
-            <a:avLst/>
-          </a:prstGeom>
-          <a:solidFill>
-            <a:srgbClr val="D9D9D9"/>
-          </a:solidFill>
-          <a:ln>
-            <a:noFill/>
-          </a:ln>
-        </p:spPr>
-        <p:style>
-          <a:lnRef idx="2">
-            <a:schemeClr val="accent1">
-              <a:shade val="15000"/>
-            </a:schemeClr>
-          </a:lnRef>
-          <a:fillRef idx="1">
-            <a:schemeClr val="accent1"/>
-          </a:fillRef>
-          <a:effectRef idx="0">
-            <a:schemeClr val="accent1"/>
-          </a:effectRef>
-          <a:fontRef idx="minor">
-            <a:schemeClr val="lt1"/>
-          </a:fontRef>
-        </p:style>
-        <p:txBody>
-          <a:bodyPr rtlCol="0" anchor="ctr"/>
-          <a:lstStyle/>
-          <a:p>
-            <a:pPr algn="ctr"/>
-            <a:endParaRPr lang="fr-FR" noProof="0" dirty="0"/>
-          </a:p>
-        </p:txBody>
-      </p:sp>
-      <mc:AlternateContent xmlns:mc="http://schemas.openxmlformats.org/markup-compatibility/2006" xmlns:a14="http://schemas.microsoft.com/office/drawing/2010/main">
-        <mc:Choice Requires="a14">
-          <p:sp>
-            <p:nvSpPr>
-              <p:cNvPr id="6" name="TextBox 5">
-                <a:extLst>
-                  <a:ext uri="{FF2B5EF4-FFF2-40B4-BE49-F238E27FC236}">
-                    <a16:creationId xmlns:a16="http://schemas.microsoft.com/office/drawing/2014/main" id="{2A590F70-A468-A4DB-238B-BF4C91B5C48D}"/>
-                  </a:ext>
-                </a:extLst>
-              </p:cNvPr>
-              <p:cNvSpPr txBox="1"/>
-              <p:nvPr/>
-            </p:nvSpPr>
-            <p:spPr>
-              <a:xfrm>
-                <a:off x="0" y="627468"/>
-                <a:ext cx="6095999" cy="4524315"/>
-              </a:xfrm>
-              <a:prstGeom prst="rect">
-                <a:avLst/>
-              </a:prstGeom>
-              <a:noFill/>
-            </p:spPr>
-            <p:txBody>
-              <a:bodyPr wrap="square" rtlCol="0">
-                <a:spAutoFit/>
-              </a:bodyPr>
-              <a:lstStyle/>
-              <a:p>
-                <a:pPr algn="just"/>
-                <a:r>
-                  <a:rPr lang="fr-FR" dirty="0">
-                    <a:latin typeface="Times New Roman" panose="02020603050405020304" pitchFamily="18" charset="0"/>
-                    <a:cs typeface="Times New Roman" panose="02020603050405020304" pitchFamily="18" charset="0"/>
-                  </a:rPr>
-                  <a:t>Dans un premier temps, nous cherchons à évaluer l’incertitude </a:t>
-                </a:r>
-                <a14:m>
-                  <m:oMath xmlns:m="http://schemas.openxmlformats.org/officeDocument/2006/math">
-                    <m:sSub>
-                      <m:sSubPr>
-                        <m:ctrlPr>
-                          <a:rPr lang="fr-FR" b="0" i="1" smtClean="0">
-                            <a:latin typeface="Cambria Math" panose="02040503050406030204" pitchFamily="18" charset="0"/>
-                            <a:cs typeface="Times New Roman" panose="02020603050405020304" pitchFamily="18" charset="0"/>
-                          </a:rPr>
-                        </m:ctrlPr>
-                      </m:sSubPr>
-                      <m:e>
-                        <m:r>
-                          <a:rPr lang="fr-FR" b="0" i="1" smtClean="0">
-                            <a:latin typeface="Cambria Math" panose="02040503050406030204" pitchFamily="18" charset="0"/>
-                            <a:cs typeface="Times New Roman" panose="02020603050405020304" pitchFamily="18" charset="0"/>
-                          </a:rPr>
-                          <m:t>𝑢</m:t>
-                        </m:r>
-                      </m:e>
-                      <m:sub>
-                        <m:r>
-                          <a:rPr lang="fr-FR" b="0" i="1" smtClean="0">
-                            <a:latin typeface="Cambria Math" panose="02040503050406030204" pitchFamily="18" charset="0"/>
-                            <a:cs typeface="Times New Roman" panose="02020603050405020304" pitchFamily="18" charset="0"/>
-                          </a:rPr>
-                          <m:t>𝑛𝑢𝑚</m:t>
-                        </m:r>
-                      </m:sub>
-                    </m:sSub>
-                  </m:oMath>
-                </a14:m>
-                <a:r>
-                  <a:rPr lang="fr-FR" dirty="0">
-                    <a:latin typeface="Times New Roman" panose="02020603050405020304" pitchFamily="18" charset="0"/>
-                    <a:cs typeface="Times New Roman" panose="02020603050405020304" pitchFamily="18" charset="0"/>
-                  </a:rPr>
-                  <a:t> au travers d’une vérification de solution. Pour ce faire, nous allons procéder à des raffinements de maillage successifs en retenant les valeurs de plusieurs </a:t>
-                </a:r>
-                <a:r>
-                  <a:rPr lang="fr-FR" b="1" dirty="0">
-                    <a:latin typeface="Times New Roman" panose="02020603050405020304" pitchFamily="18" charset="0"/>
-                    <a:cs typeface="Times New Roman" panose="02020603050405020304" pitchFamily="18" charset="0"/>
-                  </a:rPr>
-                  <a:t>SRQ. </a:t>
-                </a:r>
-                <a:r>
-                  <a:rPr lang="fr-FR" dirty="0">
-                    <a:latin typeface="Times New Roman" panose="02020603050405020304" pitchFamily="18" charset="0"/>
-                    <a:cs typeface="Times New Roman" panose="02020603050405020304" pitchFamily="18" charset="0"/>
-                  </a:rPr>
-                  <a:t>Nous avons décidé de prendre une SRQ principale de </a:t>
-                </a:r>
-                <a:r>
-                  <a:rPr lang="fr-FR" dirty="0">
-                    <a:solidFill>
-                      <a:schemeClr val="accent5"/>
-                    </a:solidFill>
-                    <a:latin typeface="Times New Roman" panose="02020603050405020304" pitchFamily="18" charset="0"/>
-                    <a:cs typeface="Times New Roman" panose="02020603050405020304" pitchFamily="18" charset="0"/>
-                  </a:rPr>
-                  <a:t>perméabilité</a:t>
-                </a:r>
-                <a:r>
-                  <a:rPr lang="fr-FR" dirty="0">
-                    <a:latin typeface="Times New Roman" panose="02020603050405020304" pitchFamily="18" charset="0"/>
-                    <a:cs typeface="Times New Roman" panose="02020603050405020304" pitchFamily="18" charset="0"/>
-                  </a:rPr>
-                  <a:t>, mais également des SRQ secondaires telles que </a:t>
-                </a:r>
-                <a14:m>
-                  <m:oMath xmlns:m="http://schemas.openxmlformats.org/officeDocument/2006/math">
-                    <m:r>
-                      <a:rPr lang="fr-FR" b="0" i="1" smtClean="0">
-                        <a:latin typeface="Cambria Math" panose="02040503050406030204" pitchFamily="18" charset="0"/>
-                        <a:cs typeface="Times New Roman" panose="02020603050405020304" pitchFamily="18" charset="0"/>
-                      </a:rPr>
-                      <m:t>𝑅𝑒</m:t>
-                    </m:r>
-                  </m:oMath>
-                </a14:m>
-                <a:r>
-                  <a:rPr lang="fr-FR" dirty="0">
-                    <a:latin typeface="Times New Roman" panose="02020603050405020304" pitchFamily="18" charset="0"/>
-                    <a:cs typeface="Times New Roman" panose="02020603050405020304" pitchFamily="18" charset="0"/>
-                  </a:rPr>
-                  <a:t> ou encore la </a:t>
-                </a:r>
-                <a:r>
-                  <a:rPr lang="fr-FR" dirty="0">
-                    <a:solidFill>
-                      <a:schemeClr val="accent4"/>
-                    </a:solidFill>
-                    <a:latin typeface="Times New Roman" panose="02020603050405020304" pitchFamily="18" charset="0"/>
-                    <a:cs typeface="Times New Roman" panose="02020603050405020304" pitchFamily="18" charset="0"/>
-                  </a:rPr>
-                  <a:t>porosité effective</a:t>
-                </a:r>
-                <a:r>
-                  <a:rPr lang="fr-FR" dirty="0">
-                    <a:latin typeface="Times New Roman" panose="02020603050405020304" pitchFamily="18" charset="0"/>
-                    <a:cs typeface="Times New Roman" panose="02020603050405020304" pitchFamily="18" charset="0"/>
-                  </a:rPr>
-                  <a:t>. </a:t>
-                </a:r>
-              </a:p>
-              <a:p>
-                <a:pPr algn="just"/>
-                <a:endParaRPr lang="fr-FR" dirty="0">
-                  <a:latin typeface="Times New Roman" panose="02020603050405020304" pitchFamily="18" charset="0"/>
-                  <a:cs typeface="Times New Roman" panose="02020603050405020304" pitchFamily="18" charset="0"/>
-                </a:endParaRPr>
-              </a:p>
-              <a:p>
-                <a:pPr algn="just"/>
-                <a:r>
-                  <a:rPr lang="fr-FR" dirty="0">
-                    <a:latin typeface="Times New Roman" panose="02020603050405020304" pitchFamily="18" charset="0"/>
-                    <a:cs typeface="Times New Roman" panose="02020603050405020304" pitchFamily="18" charset="0"/>
-                  </a:rPr>
-                  <a:t>Nous avons gardé </a:t>
-                </a:r>
-                <a14:m>
-                  <m:oMath xmlns:m="http://schemas.openxmlformats.org/officeDocument/2006/math">
-                    <m:r>
-                      <a:rPr lang="fr-FR" b="0" i="1" smtClean="0">
-                        <a:latin typeface="Cambria Math" panose="02040503050406030204" pitchFamily="18" charset="0"/>
-                        <a:cs typeface="Times New Roman" panose="02020603050405020304" pitchFamily="18" charset="0"/>
-                      </a:rPr>
-                      <m:t>h</m:t>
-                    </m:r>
-                    <m:r>
-                      <a:rPr lang="fr-FR" b="0" i="1" smtClean="0">
-                        <a:latin typeface="Cambria Math" panose="02040503050406030204" pitchFamily="18" charset="0"/>
-                        <a:cs typeface="Times New Roman" panose="02020603050405020304" pitchFamily="18" charset="0"/>
-                      </a:rPr>
-                      <m:t>=</m:t>
-                    </m:r>
-                    <m:sSub>
-                      <m:sSubPr>
-                        <m:ctrlPr>
-                          <a:rPr lang="fr-FR" b="0" i="1" smtClean="0">
-                            <a:latin typeface="Cambria Math" panose="02040503050406030204" pitchFamily="18" charset="0"/>
-                            <a:cs typeface="Times New Roman" panose="02020603050405020304" pitchFamily="18" charset="0"/>
-                          </a:rPr>
-                        </m:ctrlPr>
-                      </m:sSubPr>
-                      <m:e>
-                        <m:r>
-                          <a:rPr lang="fr-FR" b="0" i="1" smtClean="0">
-                            <a:latin typeface="Cambria Math" panose="02040503050406030204" pitchFamily="18" charset="0"/>
-                            <a:cs typeface="Times New Roman" panose="02020603050405020304" pitchFamily="18" charset="0"/>
-                          </a:rPr>
-                          <m:t>𝑁</m:t>
-                        </m:r>
-                      </m:e>
-                      <m:sub>
-                        <m:r>
-                          <a:rPr lang="fr-FR" b="0" i="1" smtClean="0">
-                            <a:latin typeface="Cambria Math" panose="02040503050406030204" pitchFamily="18" charset="0"/>
-                            <a:cs typeface="Times New Roman" panose="02020603050405020304" pitchFamily="18" charset="0"/>
-                          </a:rPr>
-                          <m:t>𝑥</m:t>
-                        </m:r>
-                      </m:sub>
-                    </m:sSub>
-                    <m:r>
-                      <a:rPr lang="fr-FR" b="0" i="1" smtClean="0">
-                        <a:latin typeface="Cambria Math" panose="02040503050406030204" pitchFamily="18" charset="0"/>
-                        <a:ea typeface="Cambria Math" panose="02040503050406030204" pitchFamily="18" charset="0"/>
-                        <a:cs typeface="Times New Roman" panose="02020603050405020304" pitchFamily="18" charset="0"/>
-                      </a:rPr>
-                      <m:t>∆</m:t>
-                    </m:r>
-                    <m:r>
-                      <a:rPr lang="fr-FR" b="0" i="1" smtClean="0">
-                        <a:latin typeface="Cambria Math" panose="02040503050406030204" pitchFamily="18" charset="0"/>
-                        <a:ea typeface="Cambria Math" panose="02040503050406030204" pitchFamily="18" charset="0"/>
-                        <a:cs typeface="Times New Roman" panose="02020603050405020304" pitchFamily="18" charset="0"/>
-                      </a:rPr>
-                      <m:t>𝑥</m:t>
-                    </m:r>
-                  </m:oMath>
-                </a14:m>
-                <a:r>
-                  <a:rPr lang="fr-FR" dirty="0">
-                    <a:latin typeface="Times New Roman" panose="02020603050405020304" pitchFamily="18" charset="0"/>
-                    <a:cs typeface="Times New Roman" panose="02020603050405020304" pitchFamily="18" charset="0"/>
-                  </a:rPr>
-                  <a:t> constant en faisant varier </a:t>
-                </a:r>
-                <a14:m>
-                  <m:oMath xmlns:m="http://schemas.openxmlformats.org/officeDocument/2006/math">
-                    <m:sSub>
-                      <m:sSubPr>
-                        <m:ctrlPr>
-                          <a:rPr lang="fr-FR" i="1">
-                            <a:latin typeface="Cambria Math" panose="02040503050406030204" pitchFamily="18" charset="0"/>
-                            <a:cs typeface="Times New Roman" panose="02020603050405020304" pitchFamily="18" charset="0"/>
-                          </a:rPr>
-                        </m:ctrlPr>
-                      </m:sSubPr>
-                      <m:e>
-                        <m:r>
-                          <a:rPr lang="fr-FR" i="1">
-                            <a:latin typeface="Cambria Math" panose="02040503050406030204" pitchFamily="18" charset="0"/>
-                            <a:cs typeface="Times New Roman" panose="02020603050405020304" pitchFamily="18" charset="0"/>
-                          </a:rPr>
-                          <m:t>𝑁</m:t>
-                        </m:r>
-                      </m:e>
-                      <m:sub>
-                        <m:r>
-                          <a:rPr lang="fr-FR" i="1">
-                            <a:latin typeface="Cambria Math" panose="02040503050406030204" pitchFamily="18" charset="0"/>
-                            <a:cs typeface="Times New Roman" panose="02020603050405020304" pitchFamily="18" charset="0"/>
-                          </a:rPr>
-                          <m:t>𝑥</m:t>
-                        </m:r>
-                      </m:sub>
-                    </m:sSub>
-                  </m:oMath>
-                </a14:m>
-                <a:r>
-                  <a:rPr lang="fr-FR" dirty="0">
-                    <a:latin typeface="Times New Roman" panose="02020603050405020304" pitchFamily="18" charset="0"/>
-                    <a:cs typeface="Times New Roman" panose="02020603050405020304" pitchFamily="18" charset="0"/>
-                  </a:rPr>
-                  <a:t> de 25 à 400. Nous avons pris un </a:t>
-                </a:r>
-                <a:r>
-                  <a:rPr lang="fr-FR" b="1" i="1" dirty="0" err="1">
-                    <a:latin typeface="Times New Roman" panose="02020603050405020304" pitchFamily="18" charset="0"/>
-                    <a:cs typeface="Times New Roman" panose="02020603050405020304" pitchFamily="18" charset="0"/>
-                  </a:rPr>
-                  <a:t>seed</a:t>
-                </a:r>
-                <a:r>
-                  <a:rPr lang="fr-FR" dirty="0">
-                    <a:latin typeface="Times New Roman" panose="02020603050405020304" pitchFamily="18" charset="0"/>
-                    <a:cs typeface="Times New Roman" panose="02020603050405020304" pitchFamily="18" charset="0"/>
-                  </a:rPr>
-                  <a:t> constant également, égale à 3.  On remarque avec cette figure que nous commençons véritablement à converger à partir de </a:t>
-                </a:r>
-                <a14:m>
-                  <m:oMath xmlns:m="http://schemas.openxmlformats.org/officeDocument/2006/math">
-                    <m:sSub>
-                      <m:sSubPr>
-                        <m:ctrlPr>
-                          <a:rPr lang="fr-FR" i="1">
-                            <a:latin typeface="Cambria Math" panose="02040503050406030204" pitchFamily="18" charset="0"/>
-                            <a:cs typeface="Times New Roman" panose="02020603050405020304" pitchFamily="18" charset="0"/>
-                          </a:rPr>
-                        </m:ctrlPr>
-                      </m:sSubPr>
-                      <m:e>
-                        <m:r>
-                          <a:rPr lang="fr-FR" i="1">
-                            <a:latin typeface="Cambria Math" panose="02040503050406030204" pitchFamily="18" charset="0"/>
-                            <a:cs typeface="Times New Roman" panose="02020603050405020304" pitchFamily="18" charset="0"/>
-                          </a:rPr>
-                          <m:t>𝑁</m:t>
-                        </m:r>
-                      </m:e>
-                      <m:sub>
-                        <m:r>
-                          <a:rPr lang="fr-FR" i="1">
-                            <a:latin typeface="Cambria Math" panose="02040503050406030204" pitchFamily="18" charset="0"/>
-                            <a:cs typeface="Times New Roman" panose="02020603050405020304" pitchFamily="18" charset="0"/>
-                          </a:rPr>
-                          <m:t>𝑥</m:t>
-                        </m:r>
-                      </m:sub>
-                    </m:sSub>
-                    <m:r>
-                      <a:rPr lang="fr-FR" i="1" smtClean="0">
-                        <a:latin typeface="Cambria Math" panose="02040503050406030204" pitchFamily="18" charset="0"/>
-                        <a:ea typeface="Cambria Math" panose="02040503050406030204" pitchFamily="18" charset="0"/>
-                        <a:cs typeface="Times New Roman" panose="02020603050405020304" pitchFamily="18" charset="0"/>
-                      </a:rPr>
-                      <m:t>≈</m:t>
-                    </m:r>
-                    <m:r>
-                      <a:rPr lang="fr-FR" b="0" i="1" smtClean="0">
-                        <a:latin typeface="Cambria Math" panose="02040503050406030204" pitchFamily="18" charset="0"/>
-                        <a:ea typeface="Cambria Math" panose="02040503050406030204" pitchFamily="18" charset="0"/>
-                        <a:cs typeface="Times New Roman" panose="02020603050405020304" pitchFamily="18" charset="0"/>
-                      </a:rPr>
-                      <m:t>125</m:t>
-                    </m:r>
-                  </m:oMath>
-                </a14:m>
-                <a:r>
-                  <a:rPr lang="fr-FR" dirty="0">
-                    <a:latin typeface="Times New Roman" panose="02020603050405020304" pitchFamily="18" charset="0"/>
-                    <a:cs typeface="Times New Roman" panose="02020603050405020304" pitchFamily="18" charset="0"/>
-                  </a:rPr>
-                  <a:t>.  </a:t>
-                </a:r>
-              </a:p>
-              <a:p>
-                <a:pPr algn="just"/>
-                <a:endParaRPr lang="fr-FR" dirty="0">
-                  <a:latin typeface="Times New Roman" panose="02020603050405020304" pitchFamily="18" charset="0"/>
-                  <a:cs typeface="Times New Roman" panose="02020603050405020304" pitchFamily="18" charset="0"/>
-                </a:endParaRPr>
-              </a:p>
-              <a:p>
-                <a:pPr algn="just"/>
-                <a:r>
-                  <a:rPr lang="fr-FR" dirty="0">
-                    <a:latin typeface="Times New Roman" panose="02020603050405020304" pitchFamily="18" charset="0"/>
-                    <a:cs typeface="Times New Roman" panose="02020603050405020304" pitchFamily="18" charset="0"/>
-                  </a:rPr>
-                  <a:t>Afin de calculer </a:t>
-                </a:r>
-                <a:r>
-                  <a:rPr lang="fr-FR" b="1" dirty="0">
-                    <a:latin typeface="Times New Roman" panose="02020603050405020304" pitchFamily="18" charset="0"/>
-                    <a:cs typeface="Times New Roman" panose="02020603050405020304" pitchFamily="18" charset="0"/>
-                  </a:rPr>
-                  <a:t>l’ordre de convergence observé </a:t>
-                </a:r>
-                <a14:m>
-                  <m:oMath xmlns:m="http://schemas.openxmlformats.org/officeDocument/2006/math">
-                    <m:acc>
-                      <m:accPr>
-                        <m:chr m:val="̂"/>
-                        <m:ctrlPr>
-                          <a:rPr lang="fr-FR" i="1" noProof="0" smtClean="0">
-                            <a:latin typeface="Cambria Math" panose="02040503050406030204" pitchFamily="18" charset="0"/>
-                            <a:cs typeface="Times New Roman" panose="02020603050405020304" pitchFamily="18" charset="0"/>
-                          </a:rPr>
-                        </m:ctrlPr>
-                      </m:accPr>
-                      <m:e>
-                        <m:r>
-                          <a:rPr lang="fr-FR" b="0" i="1" noProof="0" smtClean="0">
-                            <a:latin typeface="Cambria Math" panose="02040503050406030204" pitchFamily="18" charset="0"/>
-                            <a:cs typeface="Times New Roman" panose="02020603050405020304" pitchFamily="18" charset="0"/>
-                          </a:rPr>
-                          <m:t>𝑝</m:t>
-                        </m:r>
-                      </m:e>
-                    </m:acc>
-                  </m:oMath>
-                </a14:m>
-                <a:r>
-                  <a:rPr lang="fr-FR" dirty="0">
-                    <a:latin typeface="Times New Roman" panose="02020603050405020304" pitchFamily="18" charset="0"/>
-                    <a:cs typeface="Times New Roman" panose="02020603050405020304" pitchFamily="18" charset="0"/>
-                  </a:rPr>
-                  <a:t>, nous allons utilisé notre SRQ principale, </a:t>
-                </a:r>
-                <a:r>
-                  <a:rPr lang="fr-FR" dirty="0">
-                    <a:solidFill>
-                      <a:schemeClr val="accent5"/>
-                    </a:solidFill>
-                    <a:latin typeface="Times New Roman" panose="02020603050405020304" pitchFamily="18" charset="0"/>
-                    <a:cs typeface="Times New Roman" panose="02020603050405020304" pitchFamily="18" charset="0"/>
-                  </a:rPr>
-                  <a:t>perméabilité </a:t>
-                </a:r>
-                <a14:m>
-                  <m:oMath xmlns:m="http://schemas.openxmlformats.org/officeDocument/2006/math">
-                    <m:r>
-                      <a:rPr lang="fr-FR" i="1">
-                        <a:latin typeface="Cambria Math" panose="02040503050406030204" pitchFamily="18" charset="0"/>
-                        <a:cs typeface="Times New Roman" panose="02020603050405020304" pitchFamily="18" charset="0"/>
-                      </a:rPr>
-                      <m:t>𝑘</m:t>
-                    </m:r>
-                  </m:oMath>
-                </a14:m>
-                <a:r>
-                  <a:rPr lang="fr-FR" dirty="0">
-                    <a:latin typeface="Times New Roman" panose="02020603050405020304" pitchFamily="18" charset="0"/>
-                    <a:cs typeface="Times New Roman" panose="02020603050405020304" pitchFamily="18" charset="0"/>
-                  </a:rPr>
-                  <a:t> calculé avec la formule itérative suivante : </a:t>
-                </a:r>
-              </a:p>
-            </p:txBody>
-          </p:sp>
-        </mc:Choice>
-        <mc:Fallback xmlns="">
-          <p:sp>
-            <p:nvSpPr>
-              <p:cNvPr id="6" name="TextBox 5">
-                <a:extLst>
-                  <a:ext uri="{FF2B5EF4-FFF2-40B4-BE49-F238E27FC236}">
-                    <a16:creationId xmlns:a16="http://schemas.microsoft.com/office/drawing/2014/main" id="{2A590F70-A468-A4DB-238B-BF4C91B5C48D}"/>
-                  </a:ext>
-                </a:extLst>
-              </p:cNvPr>
-              <p:cNvSpPr txBox="1">
-                <a:spLocks noRot="1" noChangeAspect="1" noMove="1" noResize="1" noEditPoints="1" noAdjustHandles="1" noChangeArrowheads="1" noChangeShapeType="1" noTextEdit="1"/>
-              </p:cNvSpPr>
-              <p:nvPr/>
-            </p:nvSpPr>
-            <p:spPr>
-              <a:xfrm>
-                <a:off x="0" y="627468"/>
-                <a:ext cx="6095999" cy="4524315"/>
-              </a:xfrm>
-              <a:prstGeom prst="rect">
-                <a:avLst/>
-              </a:prstGeom>
-              <a:blipFill>
-                <a:blip r:embed="rId3"/>
-                <a:stretch>
-                  <a:fillRect l="-800" t="-809" r="-800" b="-1213"/>
-                </a:stretch>
-              </a:blipFill>
-            </p:spPr>
-            <p:txBody>
-              <a:bodyPr/>
-              <a:lstStyle/>
-              <a:p>
-                <a:r>
-                  <a:rPr lang="fr-FR">
-                    <a:noFill/>
-                  </a:rPr>
-                  <a:t> </a:t>
-                </a:r>
-              </a:p>
-            </p:txBody>
-          </p:sp>
-        </mc:Fallback>
-      </mc:AlternateContent>
-      <mc:AlternateContent xmlns:mc="http://schemas.openxmlformats.org/markup-compatibility/2006" xmlns:a14="http://schemas.microsoft.com/office/drawing/2010/main">
-        <mc:Choice Requires="a14">
-          <p:sp>
-            <p:nvSpPr>
-              <p:cNvPr id="4" name="TextBox 3">
-                <a:extLst>
-                  <a:ext uri="{FF2B5EF4-FFF2-40B4-BE49-F238E27FC236}">
-                    <a16:creationId xmlns:a16="http://schemas.microsoft.com/office/drawing/2014/main" id="{D5A8F4A7-FCF8-E72D-42E7-6E026E8CCB0C}"/>
-                  </a:ext>
-                </a:extLst>
-              </p:cNvPr>
-              <p:cNvSpPr txBox="1"/>
-              <p:nvPr/>
-            </p:nvSpPr>
-            <p:spPr>
-              <a:xfrm>
-                <a:off x="0" y="4760481"/>
-                <a:ext cx="12192000" cy="901272"/>
-              </a:xfrm>
-              <a:prstGeom prst="rect">
-                <a:avLst/>
-              </a:prstGeom>
-              <a:noFill/>
-            </p:spPr>
-            <p:txBody>
-              <a:bodyPr wrap="square" rtlCol="0">
-                <a:spAutoFit/>
-              </a:bodyPr>
-              <a:lstStyle/>
-              <a:p>
-                <a:pPr algn="just"/>
-                <a14:m>
-                  <m:oMathPara xmlns:m="http://schemas.openxmlformats.org/officeDocument/2006/math">
-                    <m:oMathParaPr>
-                      <m:jc m:val="centerGroup"/>
-                    </m:oMathParaPr>
-                    <m:oMath xmlns:m="http://schemas.openxmlformats.org/officeDocument/2006/math">
-                      <m:sSup>
-                        <m:sSupPr>
-                          <m:ctrlPr>
-                            <a:rPr lang="fr-FR" b="0" i="1" noProof="0" smtClean="0">
-                              <a:latin typeface="Cambria Math" panose="02040503050406030204" pitchFamily="18" charset="0"/>
-                              <a:cs typeface="Times New Roman" panose="02020603050405020304" pitchFamily="18" charset="0"/>
-                            </a:rPr>
-                          </m:ctrlPr>
-                        </m:sSupPr>
-                        <m:e>
-                          <m:acc>
-                            <m:accPr>
-                              <m:chr m:val="̂"/>
-                              <m:ctrlPr>
-                                <a:rPr lang="fr-FR" i="1" noProof="0" smtClean="0">
-                                  <a:latin typeface="Cambria Math" panose="02040503050406030204" pitchFamily="18" charset="0"/>
-                                  <a:cs typeface="Times New Roman" panose="02020603050405020304" pitchFamily="18" charset="0"/>
-                                </a:rPr>
-                              </m:ctrlPr>
-                            </m:accPr>
-                            <m:e>
-                              <m:r>
-                                <a:rPr lang="fr-FR" b="0" i="1" noProof="0" smtClean="0">
-                                  <a:latin typeface="Cambria Math" panose="02040503050406030204" pitchFamily="18" charset="0"/>
-                                  <a:cs typeface="Times New Roman" panose="02020603050405020304" pitchFamily="18" charset="0"/>
-                                </a:rPr>
-                                <m:t>𝑝</m:t>
-                              </m:r>
-                            </m:e>
-                          </m:acc>
-                        </m:e>
-                        <m:sup>
-                          <m:r>
-                            <a:rPr lang="fr-FR" b="0" i="1" noProof="0" smtClean="0">
-                              <a:latin typeface="Cambria Math" panose="02040503050406030204" pitchFamily="18" charset="0"/>
-                              <a:cs typeface="Times New Roman" panose="02020603050405020304" pitchFamily="18" charset="0"/>
-                            </a:rPr>
-                            <m:t>𝑘</m:t>
-                          </m:r>
-                          <m:r>
-                            <a:rPr lang="fr-FR" b="0" i="1" noProof="0" smtClean="0">
-                              <a:latin typeface="Cambria Math" panose="02040503050406030204" pitchFamily="18" charset="0"/>
-                              <a:cs typeface="Times New Roman" panose="02020603050405020304" pitchFamily="18" charset="0"/>
-                            </a:rPr>
-                            <m:t>+1</m:t>
-                          </m:r>
-                        </m:sup>
-                      </m:sSup>
-                      <m:r>
-                        <a:rPr lang="fr-FR" b="0" i="1" noProof="0" smtClean="0">
-                          <a:latin typeface="Cambria Math" panose="02040503050406030204" pitchFamily="18" charset="0"/>
-                          <a:cs typeface="Times New Roman" panose="02020603050405020304" pitchFamily="18" charset="0"/>
-                        </a:rPr>
-                        <m:t>=</m:t>
-                      </m:r>
-                      <m:f>
-                        <m:fPr>
-                          <m:ctrlPr>
-                            <a:rPr lang="fr-FR" b="0" i="1" noProof="0" smtClean="0">
-                              <a:latin typeface="Cambria Math" panose="02040503050406030204" pitchFamily="18" charset="0"/>
-                              <a:cs typeface="Times New Roman" panose="02020603050405020304" pitchFamily="18" charset="0"/>
-                            </a:rPr>
-                          </m:ctrlPr>
-                        </m:fPr>
-                        <m:num>
-                          <m:r>
-                            <m:rPr>
-                              <m:sty m:val="p"/>
-                            </m:rPr>
-                            <a:rPr lang="fr-FR" b="0" i="0" noProof="0" smtClean="0">
-                              <a:latin typeface="Cambria Math" panose="02040503050406030204" pitchFamily="18" charset="0"/>
-                              <a:cs typeface="Times New Roman" panose="02020603050405020304" pitchFamily="18" charset="0"/>
-                            </a:rPr>
-                            <m:t>ln</m:t>
-                          </m:r>
-                          <m:r>
-                            <a:rPr lang="fr-FR" b="0" i="1" noProof="0" smtClean="0">
-                              <a:latin typeface="Cambria Math" panose="02040503050406030204" pitchFamily="18" charset="0"/>
-                              <a:cs typeface="Times New Roman" panose="02020603050405020304" pitchFamily="18" charset="0"/>
-                            </a:rPr>
-                            <m:t>⁡</m:t>
-                          </m:r>
-                          <m:d>
-                            <m:dPr>
-                              <m:begChr m:val="["/>
-                              <m:endChr m:val="]"/>
-                              <m:ctrlPr>
-                                <a:rPr lang="fr-FR" b="0" i="1" noProof="0" smtClean="0">
-                                  <a:latin typeface="Cambria Math" panose="02040503050406030204" pitchFamily="18" charset="0"/>
-                                  <a:cs typeface="Times New Roman" panose="02020603050405020304" pitchFamily="18" charset="0"/>
-                                </a:rPr>
-                              </m:ctrlPr>
-                            </m:dPr>
-                            <m:e>
-                              <m:d>
-                                <m:dPr>
-                                  <m:ctrlPr>
-                                    <a:rPr lang="fr-FR" b="0" i="1" noProof="0" smtClean="0">
-                                      <a:latin typeface="Cambria Math" panose="02040503050406030204" pitchFamily="18" charset="0"/>
-                                      <a:cs typeface="Times New Roman" panose="02020603050405020304" pitchFamily="18" charset="0"/>
-                                    </a:rPr>
-                                  </m:ctrlPr>
-                                </m:dPr>
-                                <m:e>
-                                  <m:sSubSup>
-                                    <m:sSubSupPr>
-                                      <m:ctrlPr>
-                                        <a:rPr lang="fr-FR" b="0" i="1" noProof="0" smtClean="0">
-                                          <a:latin typeface="Cambria Math" panose="02040503050406030204" pitchFamily="18" charset="0"/>
-                                          <a:cs typeface="Times New Roman" panose="02020603050405020304" pitchFamily="18" charset="0"/>
-                                        </a:rPr>
-                                      </m:ctrlPr>
-                                    </m:sSubSupPr>
-                                    <m:e>
-                                      <m:r>
-                                        <a:rPr lang="fr-FR" b="0" i="1" noProof="0" smtClean="0">
-                                          <a:latin typeface="Cambria Math" panose="02040503050406030204" pitchFamily="18" charset="0"/>
-                                          <a:cs typeface="Times New Roman" panose="02020603050405020304" pitchFamily="18" charset="0"/>
-                                        </a:rPr>
-                                        <m:t>𝑟</m:t>
-                                      </m:r>
-                                    </m:e>
-                                    <m:sub>
-                                      <m:r>
-                                        <a:rPr lang="fr-FR" b="0" i="1" noProof="0" smtClean="0">
-                                          <a:latin typeface="Cambria Math" panose="02040503050406030204" pitchFamily="18" charset="0"/>
-                                          <a:cs typeface="Times New Roman" panose="02020603050405020304" pitchFamily="18" charset="0"/>
-                                        </a:rPr>
-                                        <m:t>12</m:t>
-                                      </m:r>
-                                    </m:sub>
-                                    <m:sup>
-                                      <m:sSup>
-                                        <m:sSupPr>
-                                          <m:ctrlPr>
-                                            <a:rPr lang="fr-FR" b="0" i="1" smtClean="0">
-                                              <a:latin typeface="Cambria Math" panose="02040503050406030204" pitchFamily="18" charset="0"/>
-                                              <a:cs typeface="Times New Roman" panose="02020603050405020304" pitchFamily="18" charset="0"/>
-                                            </a:rPr>
-                                          </m:ctrlPr>
-                                        </m:sSupPr>
-                                        <m:e>
-                                          <m:acc>
-                                            <m:accPr>
-                                              <m:chr m:val="̂"/>
-                                              <m:ctrlPr>
-                                                <a:rPr lang="fr-FR" i="1">
-                                                  <a:latin typeface="Cambria Math" panose="02040503050406030204" pitchFamily="18" charset="0"/>
-                                                  <a:cs typeface="Times New Roman" panose="02020603050405020304" pitchFamily="18" charset="0"/>
-                                                </a:rPr>
-                                              </m:ctrlPr>
-                                            </m:accPr>
-                                            <m:e>
-                                              <m:r>
-                                                <a:rPr lang="fr-FR" i="1">
-                                                  <a:latin typeface="Cambria Math" panose="02040503050406030204" pitchFamily="18" charset="0"/>
-                                                  <a:cs typeface="Times New Roman" panose="02020603050405020304" pitchFamily="18" charset="0"/>
-                                                </a:rPr>
-                                                <m:t>𝑝</m:t>
-                                              </m:r>
-                                            </m:e>
-                                          </m:acc>
-                                        </m:e>
-                                        <m:sup>
-                                          <m:r>
-                                            <a:rPr lang="fr-FR" b="0" i="1" smtClean="0">
-                                              <a:latin typeface="Cambria Math" panose="02040503050406030204" pitchFamily="18" charset="0"/>
-                                              <a:cs typeface="Times New Roman" panose="02020603050405020304" pitchFamily="18" charset="0"/>
-                                            </a:rPr>
-                                            <m:t>𝑘</m:t>
-                                          </m:r>
-                                        </m:sup>
-                                      </m:sSup>
-                                    </m:sup>
-                                  </m:sSubSup>
-                                  <m:r>
-                                    <a:rPr lang="fr-FR" b="0" i="1" noProof="0" smtClean="0">
-                                      <a:latin typeface="Cambria Math" panose="02040503050406030204" pitchFamily="18" charset="0"/>
-                                      <a:cs typeface="Times New Roman" panose="02020603050405020304" pitchFamily="18" charset="0"/>
-                                    </a:rPr>
-                                    <m:t>−1</m:t>
-                                  </m:r>
-                                </m:e>
-                              </m:d>
-                              <m:f>
-                                <m:fPr>
-                                  <m:ctrlPr>
-                                    <a:rPr lang="fr-FR" b="0" i="1" noProof="0" smtClean="0">
-                                      <a:latin typeface="Cambria Math" panose="02040503050406030204" pitchFamily="18" charset="0"/>
-                                      <a:cs typeface="Times New Roman" panose="02020603050405020304" pitchFamily="18" charset="0"/>
-                                    </a:rPr>
-                                  </m:ctrlPr>
-                                </m:fPr>
-                                <m:num>
-                                  <m:sSub>
-                                    <m:sSubPr>
-                                      <m:ctrlPr>
-                                        <a:rPr lang="fr-FR" b="0" i="1" noProof="0" smtClean="0">
-                                          <a:latin typeface="Cambria Math" panose="02040503050406030204" pitchFamily="18" charset="0"/>
-                                          <a:cs typeface="Times New Roman" panose="02020603050405020304" pitchFamily="18" charset="0"/>
-                                        </a:rPr>
-                                      </m:ctrlPr>
-                                    </m:sSubPr>
-                                    <m:e>
-                                      <m:r>
-                                        <a:rPr lang="fr-FR" b="0" i="1" noProof="0" smtClean="0">
-                                          <a:latin typeface="Cambria Math" panose="02040503050406030204" pitchFamily="18" charset="0"/>
-                                          <a:cs typeface="Times New Roman" panose="02020603050405020304" pitchFamily="18" charset="0"/>
-                                        </a:rPr>
-                                        <m:t>𝑓</m:t>
-                                      </m:r>
-                                    </m:e>
-                                    <m:sub>
-                                      <m:r>
-                                        <a:rPr lang="fr-FR" b="0" i="1" noProof="0" smtClean="0">
-                                          <a:latin typeface="Cambria Math" panose="02040503050406030204" pitchFamily="18" charset="0"/>
-                                          <a:cs typeface="Times New Roman" panose="02020603050405020304" pitchFamily="18" charset="0"/>
-                                        </a:rPr>
-                                        <m:t>3</m:t>
-                                      </m:r>
-                                    </m:sub>
-                                  </m:sSub>
-                                  <m:r>
-                                    <a:rPr lang="fr-FR" b="0" i="1" noProof="0" smtClean="0">
-                                      <a:latin typeface="Cambria Math" panose="02040503050406030204" pitchFamily="18" charset="0"/>
-                                      <a:cs typeface="Times New Roman" panose="02020603050405020304" pitchFamily="18" charset="0"/>
-                                    </a:rPr>
-                                    <m:t>−</m:t>
-                                  </m:r>
-                                  <m:sSub>
-                                    <m:sSubPr>
-                                      <m:ctrlPr>
-                                        <a:rPr lang="fr-FR" b="0" i="1" noProof="0" smtClean="0">
-                                          <a:latin typeface="Cambria Math" panose="02040503050406030204" pitchFamily="18" charset="0"/>
-                                          <a:cs typeface="Times New Roman" panose="02020603050405020304" pitchFamily="18" charset="0"/>
-                                        </a:rPr>
-                                      </m:ctrlPr>
-                                    </m:sSubPr>
-                                    <m:e>
-                                      <m:r>
-                                        <a:rPr lang="fr-FR" b="0" i="1" noProof="0" smtClean="0">
-                                          <a:latin typeface="Cambria Math" panose="02040503050406030204" pitchFamily="18" charset="0"/>
-                                          <a:cs typeface="Times New Roman" panose="02020603050405020304" pitchFamily="18" charset="0"/>
-                                        </a:rPr>
-                                        <m:t>𝑓</m:t>
-                                      </m:r>
-                                    </m:e>
-                                    <m:sub>
-                                      <m:r>
-                                        <a:rPr lang="fr-FR" b="0" i="1" noProof="0" smtClean="0">
-                                          <a:latin typeface="Cambria Math" panose="02040503050406030204" pitchFamily="18" charset="0"/>
-                                          <a:cs typeface="Times New Roman" panose="02020603050405020304" pitchFamily="18" charset="0"/>
-                                        </a:rPr>
-                                        <m:t>2</m:t>
-                                      </m:r>
-                                    </m:sub>
-                                  </m:sSub>
-                                </m:num>
-                                <m:den>
-                                  <m:sSub>
-                                    <m:sSubPr>
-                                      <m:ctrlPr>
-                                        <a:rPr lang="fr-FR" b="0" i="1" noProof="0" smtClean="0">
-                                          <a:latin typeface="Cambria Math" panose="02040503050406030204" pitchFamily="18" charset="0"/>
-                                          <a:cs typeface="Times New Roman" panose="02020603050405020304" pitchFamily="18" charset="0"/>
-                                        </a:rPr>
-                                      </m:ctrlPr>
-                                    </m:sSubPr>
-                                    <m:e>
-                                      <m:r>
-                                        <a:rPr lang="fr-FR" b="0" i="1" noProof="0" smtClean="0">
-                                          <a:latin typeface="Cambria Math" panose="02040503050406030204" pitchFamily="18" charset="0"/>
-                                          <a:cs typeface="Times New Roman" panose="02020603050405020304" pitchFamily="18" charset="0"/>
-                                        </a:rPr>
-                                        <m:t>𝑓</m:t>
-                                      </m:r>
-                                    </m:e>
-                                    <m:sub>
-                                      <m:r>
-                                        <a:rPr lang="fr-FR" b="0" i="1" noProof="0" smtClean="0">
-                                          <a:latin typeface="Cambria Math" panose="02040503050406030204" pitchFamily="18" charset="0"/>
-                                          <a:cs typeface="Times New Roman" panose="02020603050405020304" pitchFamily="18" charset="0"/>
-                                        </a:rPr>
-                                        <m:t>2</m:t>
-                                      </m:r>
-                                    </m:sub>
-                                  </m:sSub>
-                                  <m:r>
-                                    <a:rPr lang="fr-FR" b="0" i="1" noProof="0" smtClean="0">
-                                      <a:latin typeface="Cambria Math" panose="02040503050406030204" pitchFamily="18" charset="0"/>
-                                      <a:cs typeface="Times New Roman" panose="02020603050405020304" pitchFamily="18" charset="0"/>
-                                    </a:rPr>
-                                    <m:t>−</m:t>
-                                  </m:r>
-                                  <m:sSub>
-                                    <m:sSubPr>
-                                      <m:ctrlPr>
-                                        <a:rPr lang="fr-FR" b="0" i="1" noProof="0" smtClean="0">
-                                          <a:latin typeface="Cambria Math" panose="02040503050406030204" pitchFamily="18" charset="0"/>
-                                          <a:cs typeface="Times New Roman" panose="02020603050405020304" pitchFamily="18" charset="0"/>
-                                        </a:rPr>
-                                      </m:ctrlPr>
-                                    </m:sSubPr>
-                                    <m:e>
-                                      <m:r>
-                                        <a:rPr lang="fr-FR" b="0" i="1" noProof="0" smtClean="0">
-                                          <a:latin typeface="Cambria Math" panose="02040503050406030204" pitchFamily="18" charset="0"/>
-                                          <a:cs typeface="Times New Roman" panose="02020603050405020304" pitchFamily="18" charset="0"/>
-                                        </a:rPr>
-                                        <m:t>𝑓</m:t>
-                                      </m:r>
-                                    </m:e>
-                                    <m:sub>
-                                      <m:r>
-                                        <a:rPr lang="fr-FR" b="0" i="1" noProof="0" smtClean="0">
-                                          <a:latin typeface="Cambria Math" panose="02040503050406030204" pitchFamily="18" charset="0"/>
-                                          <a:cs typeface="Times New Roman" panose="02020603050405020304" pitchFamily="18" charset="0"/>
-                                        </a:rPr>
-                                        <m:t>1</m:t>
-                                      </m:r>
-                                    </m:sub>
-                                  </m:sSub>
-                                </m:den>
-                              </m:f>
-                              <m:r>
-                                <a:rPr lang="fr-FR" b="0" i="1" noProof="0" smtClean="0">
-                                  <a:latin typeface="Cambria Math" panose="02040503050406030204" pitchFamily="18" charset="0"/>
-                                  <a:cs typeface="Times New Roman" panose="02020603050405020304" pitchFamily="18" charset="0"/>
-                                </a:rPr>
-                                <m:t>+</m:t>
-                              </m:r>
-                              <m:sSubSup>
-                                <m:sSubSupPr>
-                                  <m:ctrlPr>
-                                    <a:rPr lang="fr-FR" i="1">
-                                      <a:latin typeface="Cambria Math" panose="02040503050406030204" pitchFamily="18" charset="0"/>
-                                      <a:cs typeface="Times New Roman" panose="02020603050405020304" pitchFamily="18" charset="0"/>
-                                    </a:rPr>
-                                  </m:ctrlPr>
-                                </m:sSubSupPr>
-                                <m:e>
-                                  <m:r>
-                                    <a:rPr lang="fr-FR" i="1">
-                                      <a:latin typeface="Cambria Math" panose="02040503050406030204" pitchFamily="18" charset="0"/>
-                                      <a:cs typeface="Times New Roman" panose="02020603050405020304" pitchFamily="18" charset="0"/>
-                                    </a:rPr>
-                                    <m:t>𝑟</m:t>
-                                  </m:r>
-                                </m:e>
-                                <m:sub>
-                                  <m:r>
-                                    <a:rPr lang="fr-FR" i="1">
-                                      <a:latin typeface="Cambria Math" panose="02040503050406030204" pitchFamily="18" charset="0"/>
-                                      <a:cs typeface="Times New Roman" panose="02020603050405020304" pitchFamily="18" charset="0"/>
-                                    </a:rPr>
-                                    <m:t>12</m:t>
-                                  </m:r>
-                                </m:sub>
-                                <m:sup>
-                                  <m:sSup>
-                                    <m:sSupPr>
-                                      <m:ctrlPr>
-                                        <a:rPr lang="fr-FR" i="1">
-                                          <a:latin typeface="Cambria Math" panose="02040503050406030204" pitchFamily="18" charset="0"/>
-                                          <a:cs typeface="Times New Roman" panose="02020603050405020304" pitchFamily="18" charset="0"/>
-                                        </a:rPr>
-                                      </m:ctrlPr>
-                                    </m:sSupPr>
-                                    <m:e>
-                                      <m:acc>
-                                        <m:accPr>
-                                          <m:chr m:val="̂"/>
-                                          <m:ctrlPr>
-                                            <a:rPr lang="fr-FR" i="1">
-                                              <a:latin typeface="Cambria Math" panose="02040503050406030204" pitchFamily="18" charset="0"/>
-                                              <a:cs typeface="Times New Roman" panose="02020603050405020304" pitchFamily="18" charset="0"/>
-                                            </a:rPr>
-                                          </m:ctrlPr>
-                                        </m:accPr>
-                                        <m:e>
-                                          <m:r>
-                                            <a:rPr lang="fr-FR" i="1">
-                                              <a:latin typeface="Cambria Math" panose="02040503050406030204" pitchFamily="18" charset="0"/>
-                                              <a:cs typeface="Times New Roman" panose="02020603050405020304" pitchFamily="18" charset="0"/>
-                                            </a:rPr>
-                                            <m:t>𝑝</m:t>
-                                          </m:r>
-                                        </m:e>
-                                      </m:acc>
-                                    </m:e>
-                                    <m:sup>
-                                      <m:r>
-                                        <a:rPr lang="fr-FR" i="1">
-                                          <a:latin typeface="Cambria Math" panose="02040503050406030204" pitchFamily="18" charset="0"/>
-                                          <a:cs typeface="Times New Roman" panose="02020603050405020304" pitchFamily="18" charset="0"/>
-                                        </a:rPr>
-                                        <m:t>𝑘</m:t>
-                                      </m:r>
-                                    </m:sup>
-                                  </m:sSup>
-                                </m:sup>
-                              </m:sSubSup>
-                            </m:e>
-                          </m:d>
-                        </m:num>
-                        <m:den>
-                          <m:r>
-                            <m:rPr>
-                              <m:sty m:val="p"/>
-                            </m:rPr>
-                            <a:rPr lang="fr-FR" b="0" i="0" noProof="0" smtClean="0">
-                              <a:latin typeface="Cambria Math" panose="02040503050406030204" pitchFamily="18" charset="0"/>
-                              <a:cs typeface="Times New Roman" panose="02020603050405020304" pitchFamily="18" charset="0"/>
-                            </a:rPr>
-                            <m:t>ln</m:t>
-                          </m:r>
-                          <m:r>
-                            <a:rPr lang="fr-FR" b="0" i="1" noProof="0" smtClean="0">
-                              <a:latin typeface="Cambria Math" panose="02040503050406030204" pitchFamily="18" charset="0"/>
-                              <a:cs typeface="Times New Roman" panose="02020603050405020304" pitchFamily="18" charset="0"/>
-                            </a:rPr>
-                            <m:t>⁡</m:t>
-                          </m:r>
-                          <m:d>
-                            <m:dPr>
-                              <m:ctrlPr>
-                                <a:rPr lang="fr-FR" b="0" i="1" noProof="0" smtClean="0">
-                                  <a:latin typeface="Cambria Math" panose="02040503050406030204" pitchFamily="18" charset="0"/>
-                                  <a:cs typeface="Times New Roman" panose="02020603050405020304" pitchFamily="18" charset="0"/>
-                                </a:rPr>
-                              </m:ctrlPr>
-                            </m:dPr>
-                            <m:e>
-                              <m:sSub>
-                                <m:sSubPr>
-                                  <m:ctrlPr>
-                                    <a:rPr lang="fr-FR" b="0" i="1" noProof="0" smtClean="0">
-                                      <a:latin typeface="Cambria Math" panose="02040503050406030204" pitchFamily="18" charset="0"/>
-                                      <a:cs typeface="Times New Roman" panose="02020603050405020304" pitchFamily="18" charset="0"/>
-                                    </a:rPr>
-                                  </m:ctrlPr>
-                                </m:sSubPr>
-                                <m:e>
-                                  <m:r>
-                                    <a:rPr lang="fr-FR" b="0" i="1" noProof="0" smtClean="0">
-                                      <a:latin typeface="Cambria Math" panose="02040503050406030204" pitchFamily="18" charset="0"/>
-                                      <a:cs typeface="Times New Roman" panose="02020603050405020304" pitchFamily="18" charset="0"/>
-                                    </a:rPr>
-                                    <m:t>𝑟</m:t>
-                                  </m:r>
-                                </m:e>
-                                <m:sub>
-                                  <m:r>
-                                    <a:rPr lang="fr-FR" b="0" i="1" noProof="0" smtClean="0">
-                                      <a:latin typeface="Cambria Math" panose="02040503050406030204" pitchFamily="18" charset="0"/>
-                                      <a:cs typeface="Times New Roman" panose="02020603050405020304" pitchFamily="18" charset="0"/>
-                                    </a:rPr>
-                                    <m:t>12</m:t>
-                                  </m:r>
-                                </m:sub>
-                              </m:sSub>
-                              <m:sSub>
-                                <m:sSubPr>
-                                  <m:ctrlPr>
-                                    <a:rPr lang="fr-FR" b="0" i="1" noProof="0" smtClean="0">
-                                      <a:latin typeface="Cambria Math" panose="02040503050406030204" pitchFamily="18" charset="0"/>
-                                      <a:cs typeface="Times New Roman" panose="02020603050405020304" pitchFamily="18" charset="0"/>
-                                    </a:rPr>
-                                  </m:ctrlPr>
-                                </m:sSubPr>
-                                <m:e>
-                                  <m:r>
-                                    <a:rPr lang="fr-FR" b="0" i="1" noProof="0" smtClean="0">
-                                      <a:latin typeface="Cambria Math" panose="02040503050406030204" pitchFamily="18" charset="0"/>
-                                      <a:cs typeface="Times New Roman" panose="02020603050405020304" pitchFamily="18" charset="0"/>
-                                    </a:rPr>
-                                    <m:t>𝑟</m:t>
-                                  </m:r>
-                                </m:e>
-                                <m:sub>
-                                  <m:r>
-                                    <a:rPr lang="fr-FR" b="0" i="1" noProof="0" smtClean="0">
-                                      <a:latin typeface="Cambria Math" panose="02040503050406030204" pitchFamily="18" charset="0"/>
-                                      <a:cs typeface="Times New Roman" panose="02020603050405020304" pitchFamily="18" charset="0"/>
-                                    </a:rPr>
-                                    <m:t>23</m:t>
-                                  </m:r>
-                                </m:sub>
-                              </m:sSub>
-                            </m:e>
-                          </m:d>
-                        </m:den>
-                      </m:f>
-                    </m:oMath>
-                  </m:oMathPara>
-                </a14:m>
-                <a:endParaRPr lang="fr-FR" dirty="0">
-                  <a:latin typeface="Times New Roman" panose="02020603050405020304" pitchFamily="18" charset="0"/>
-                  <a:cs typeface="Times New Roman" panose="02020603050405020304" pitchFamily="18" charset="0"/>
-                </a:endParaRPr>
-              </a:p>
-            </p:txBody>
-          </p:sp>
-        </mc:Choice>
-        <mc:Fallback xmlns="">
-          <p:sp>
-            <p:nvSpPr>
-              <p:cNvPr id="4" name="TextBox 3">
-                <a:extLst>
-                  <a:ext uri="{FF2B5EF4-FFF2-40B4-BE49-F238E27FC236}">
-                    <a16:creationId xmlns:a16="http://schemas.microsoft.com/office/drawing/2014/main" id="{D5A8F4A7-FCF8-E72D-42E7-6E026E8CCB0C}"/>
-                  </a:ext>
-                </a:extLst>
-              </p:cNvPr>
-              <p:cNvSpPr txBox="1">
-                <a:spLocks noRot="1" noChangeAspect="1" noMove="1" noResize="1" noEditPoints="1" noAdjustHandles="1" noChangeArrowheads="1" noChangeShapeType="1" noTextEdit="1"/>
-              </p:cNvSpPr>
-              <p:nvPr/>
-            </p:nvSpPr>
-            <p:spPr>
-              <a:xfrm>
-                <a:off x="0" y="4760481"/>
-                <a:ext cx="12192000" cy="901272"/>
-              </a:xfrm>
-              <a:prstGeom prst="rect">
-                <a:avLst/>
-              </a:prstGeom>
-              <a:blipFill>
-                <a:blip r:embed="rId4"/>
-                <a:stretch>
-                  <a:fillRect/>
-                </a:stretch>
-              </a:blipFill>
-            </p:spPr>
-            <p:txBody>
-              <a:bodyPr/>
-              <a:lstStyle/>
-              <a:p>
-                <a:r>
-                  <a:rPr lang="en-GB">
-                    <a:noFill/>
-                  </a:rPr>
-                  <a:t> </a:t>
-                </a:r>
-              </a:p>
-            </p:txBody>
-          </p:sp>
-        </mc:Fallback>
-      </mc:AlternateContent>
-      <mc:AlternateContent xmlns:mc="http://schemas.openxmlformats.org/markup-compatibility/2006" xmlns:a14="http://schemas.microsoft.com/office/drawing/2010/main">
-        <mc:Choice Requires="a14">
-          <p:sp>
-            <p:nvSpPr>
-              <p:cNvPr id="5" name="TextBox 4">
-                <a:extLst>
-                  <a:ext uri="{FF2B5EF4-FFF2-40B4-BE49-F238E27FC236}">
-                    <a16:creationId xmlns:a16="http://schemas.microsoft.com/office/drawing/2014/main" id="{08454F24-008F-4336-2E32-AEA28245F8A9}"/>
-                  </a:ext>
-                </a:extLst>
-              </p:cNvPr>
-              <p:cNvSpPr txBox="1"/>
-              <p:nvPr/>
-            </p:nvSpPr>
-            <p:spPr>
-              <a:xfrm>
-                <a:off x="0" y="5861200"/>
-                <a:ext cx="12192000" cy="945580"/>
-              </a:xfrm>
-              <a:prstGeom prst="rect">
-                <a:avLst/>
-              </a:prstGeom>
-              <a:noFill/>
-            </p:spPr>
-            <p:txBody>
-              <a:bodyPr wrap="square" rtlCol="0">
-                <a:spAutoFit/>
-              </a:bodyPr>
-              <a:lstStyle/>
-              <a:p>
-                <a:pPr algn="just"/>
-                <a:r>
-                  <a:rPr lang="fr-FR" dirty="0">
-                    <a:latin typeface="Times New Roman" panose="02020603050405020304" pitchFamily="18" charset="0"/>
-                    <a:cs typeface="Times New Roman" panose="02020603050405020304" pitchFamily="18" charset="0"/>
-                  </a:rPr>
-                  <a:t>On obtient un résultat convergé après 398 itérations de </a:t>
-                </a:r>
-                <a14:m>
-                  <m:oMath xmlns:m="http://schemas.openxmlformats.org/officeDocument/2006/math">
-                    <m:acc>
-                      <m:accPr>
-                        <m:chr m:val="̂"/>
-                        <m:ctrlPr>
-                          <a:rPr lang="fr-FR" i="1" noProof="0" smtClean="0">
-                            <a:latin typeface="Cambria Math" panose="02040503050406030204" pitchFamily="18" charset="0"/>
-                            <a:cs typeface="Times New Roman" panose="02020603050405020304" pitchFamily="18" charset="0"/>
-                          </a:rPr>
-                        </m:ctrlPr>
-                      </m:accPr>
-                      <m:e>
-                        <m:r>
-                          <a:rPr lang="fr-FR" b="0" i="1" noProof="0" smtClean="0">
-                            <a:latin typeface="Cambria Math" panose="02040503050406030204" pitchFamily="18" charset="0"/>
-                            <a:cs typeface="Times New Roman" panose="02020603050405020304" pitchFamily="18" charset="0"/>
-                          </a:rPr>
-                          <m:t>𝑝</m:t>
-                        </m:r>
-                      </m:e>
-                    </m:acc>
-                    <m:r>
-                      <a:rPr lang="fr-FR" b="0" i="1" noProof="0" smtClean="0">
-                        <a:latin typeface="Cambria Math" panose="02040503050406030204" pitchFamily="18" charset="0"/>
-                        <a:cs typeface="Times New Roman" panose="02020603050405020304" pitchFamily="18" charset="0"/>
-                      </a:rPr>
-                      <m:t>=1.443</m:t>
-                    </m:r>
-                  </m:oMath>
-                </a14:m>
-                <a:r>
-                  <a:rPr lang="fr-FR" dirty="0">
-                    <a:latin typeface="Times New Roman" panose="02020603050405020304" pitchFamily="18" charset="0"/>
-                    <a:cs typeface="Times New Roman" panose="02020603050405020304" pitchFamily="18" charset="0"/>
-                  </a:rPr>
-                  <a:t> ce qui est éloigné de l’ordre formel théorique attendu. Néanmoins, comme on le voit sur la figure, même pour des maillages très fin, les résultats fluctuent encore de manière importante ce qui selon nous, empêche un résultat proche de </a:t>
-                </a:r>
-                <a14:m>
-                  <m:oMath xmlns:m="http://schemas.openxmlformats.org/officeDocument/2006/math">
-                    <m:sSub>
-                      <m:sSubPr>
-                        <m:ctrlPr>
-                          <a:rPr lang="fr-FR" b="0" i="1" smtClean="0">
-                            <a:latin typeface="Cambria Math" panose="02040503050406030204" pitchFamily="18" charset="0"/>
-                            <a:cs typeface="Times New Roman" panose="02020603050405020304" pitchFamily="18" charset="0"/>
-                          </a:rPr>
-                        </m:ctrlPr>
-                      </m:sSubPr>
-                      <m:e>
-                        <m:r>
-                          <a:rPr lang="fr-FR" b="0" i="1" smtClean="0">
-                            <a:latin typeface="Cambria Math" panose="02040503050406030204" pitchFamily="18" charset="0"/>
-                            <a:cs typeface="Times New Roman" panose="02020603050405020304" pitchFamily="18" charset="0"/>
-                          </a:rPr>
-                          <m:t>𝑝</m:t>
-                        </m:r>
-                      </m:e>
-                      <m:sub>
-                        <m:r>
-                          <a:rPr lang="fr-FR" b="0" i="1" smtClean="0">
-                            <a:latin typeface="Cambria Math" panose="02040503050406030204" pitchFamily="18" charset="0"/>
-                            <a:cs typeface="Times New Roman" panose="02020603050405020304" pitchFamily="18" charset="0"/>
-                          </a:rPr>
-                          <m:t>𝑓</m:t>
-                        </m:r>
-                      </m:sub>
-                    </m:sSub>
-                    <m:r>
-                      <a:rPr lang="fr-FR" b="0" i="1" smtClean="0">
-                        <a:latin typeface="Cambria Math" panose="02040503050406030204" pitchFamily="18" charset="0"/>
-                        <a:cs typeface="Times New Roman" panose="02020603050405020304" pitchFamily="18" charset="0"/>
-                      </a:rPr>
-                      <m:t>=2</m:t>
-                    </m:r>
-                  </m:oMath>
-                </a14:m>
-                <a:r>
-                  <a:rPr lang="fr-FR" dirty="0">
-                    <a:latin typeface="Times New Roman" panose="02020603050405020304" pitchFamily="18" charset="0"/>
-                    <a:cs typeface="Times New Roman" panose="02020603050405020304" pitchFamily="18" charset="0"/>
-                  </a:rPr>
-                  <a:t>.    </a:t>
-                </a:r>
-              </a:p>
-            </p:txBody>
-          </p:sp>
-        </mc:Choice>
-        <mc:Fallback xmlns="">
-          <p:sp>
-            <p:nvSpPr>
-              <p:cNvPr id="5" name="TextBox 4">
-                <a:extLst>
-                  <a:ext uri="{FF2B5EF4-FFF2-40B4-BE49-F238E27FC236}">
-                    <a16:creationId xmlns:a16="http://schemas.microsoft.com/office/drawing/2014/main" id="{08454F24-008F-4336-2E32-AEA28245F8A9}"/>
-                  </a:ext>
-                </a:extLst>
-              </p:cNvPr>
-              <p:cNvSpPr txBox="1">
-                <a:spLocks noRot="1" noChangeAspect="1" noMove="1" noResize="1" noEditPoints="1" noAdjustHandles="1" noChangeArrowheads="1" noChangeShapeType="1" noTextEdit="1"/>
-              </p:cNvSpPr>
-              <p:nvPr/>
-            </p:nvSpPr>
-            <p:spPr>
-              <a:xfrm>
-                <a:off x="0" y="5861200"/>
-                <a:ext cx="12192000" cy="945580"/>
-              </a:xfrm>
-              <a:prstGeom prst="rect">
-                <a:avLst/>
-              </a:prstGeom>
-              <a:blipFill>
-                <a:blip r:embed="rId5"/>
-                <a:stretch>
-                  <a:fillRect l="-400" t="-3205" r="-400" b="-6410"/>
-                </a:stretch>
-              </a:blipFill>
-            </p:spPr>
-            <p:txBody>
-              <a:bodyPr/>
-              <a:lstStyle/>
-              <a:p>
-                <a:r>
-                  <a:rPr lang="fr-FR">
-                    <a:noFill/>
-                  </a:rPr>
-                  <a:t> </a:t>
-                </a:r>
-              </a:p>
-            </p:txBody>
-          </p:sp>
-        </mc:Fallback>
-      </mc:AlternateContent>
-      <p:sp>
-        <p:nvSpPr>
-          <p:cNvPr id="2" name="Slide Number Placeholder 1">
-            <a:extLst>
-              <a:ext uri="{FF2B5EF4-FFF2-40B4-BE49-F238E27FC236}">
-                <a16:creationId xmlns:a16="http://schemas.microsoft.com/office/drawing/2014/main" id="{3AAEA92A-5070-64DD-2EF9-074ED972407A}"/>
-              </a:ext>
-            </a:extLst>
-          </p:cNvPr>
-          <p:cNvSpPr>
-            <a:spLocks noGrp="1"/>
-          </p:cNvSpPr>
-          <p:nvPr>
-            <p:ph type="sldNum" sz="quarter" idx="12"/>
-          </p:nvPr>
-        </p:nvSpPr>
-        <p:spPr/>
-        <p:txBody>
-          <a:bodyPr/>
-          <a:lstStyle/>
-          <a:p>
-            <a:fld id="{74DDA11D-2719-4AB3-AAA7-DB2910A56E08}" type="slidenum">
-              <a:rPr lang="en-GB" smtClean="0"/>
-              <a:t>13</a:t>
-            </a:fld>
-            <a:endParaRPr lang="en-GB" dirty="0"/>
-          </a:p>
-        </p:txBody>
-      </p:sp>
-    </p:spTree>
-    <p:extLst>
-      <p:ext uri="{BB962C8B-B14F-4D97-AF65-F5344CB8AC3E}">
-        <p14:creationId xmlns:p14="http://schemas.microsoft.com/office/powerpoint/2010/main" val="1212019437"/>
-      </p:ext>
-    </p:extLst>
-  </p:cSld>
-  <p:clrMapOvr>
-    <a:masterClrMapping/>
-  </p:clrMapOvr>
-</p:sld>
-</file>
-
-<file path=ppt/slides/slide14.xml><?xml version="1.0" encoding="utf-8"?>
-<p:sld xmlns:a="http://schemas.openxmlformats.org/drawingml/2006/main" xmlns:r="http://schemas.openxmlformats.org/officeDocument/2006/relationships" xmlns:p="http://schemas.openxmlformats.org/presentationml/2006/main" show="0">
-  <p:cSld>
-    <p:spTree>
-      <p:nvGrpSpPr>
-        <p:cNvPr id="1" name="">
-          <a:extLst>
-            <a:ext uri="{FF2B5EF4-FFF2-40B4-BE49-F238E27FC236}">
-              <a16:creationId xmlns:a16="http://schemas.microsoft.com/office/drawing/2014/main" id="{559444E3-43DA-6099-2F74-A81D95926C74}"/>
-            </a:ext>
-          </a:extLst>
-        </p:cNvPr>
-        <p:cNvGrpSpPr/>
-        <p:nvPr/>
-      </p:nvGrpSpPr>
-      <p:grpSpPr>
-        <a:xfrm>
-          <a:off x="0" y="0"/>
-          <a:ext cx="0" cy="0"/>
-          <a:chOff x="0" y="0"/>
-          <a:chExt cx="0" cy="0"/>
-        </a:xfrm>
-      </p:grpSpPr>
-      <p:sp>
-        <p:nvSpPr>
-          <p:cNvPr id="36" name="Rectangle 35">
-            <a:extLst>
-              <a:ext uri="{FF2B5EF4-FFF2-40B4-BE49-F238E27FC236}">
-                <a16:creationId xmlns:a16="http://schemas.microsoft.com/office/drawing/2014/main" id="{5DAC9A94-0C0A-E7FD-10C5-D4D46AE9D8A6}"/>
-              </a:ext>
-            </a:extLst>
-          </p:cNvPr>
-          <p:cNvSpPr/>
-          <p:nvPr/>
-        </p:nvSpPr>
-        <p:spPr>
-          <a:xfrm>
-            <a:off x="1" y="-990"/>
-            <a:ext cx="6096000" cy="501017"/>
-          </a:xfrm>
-          <a:prstGeom prst="rect">
-            <a:avLst/>
-          </a:prstGeom>
-          <a:solidFill>
-            <a:srgbClr val="980000"/>
-          </a:solidFill>
-          <a:ln>
-            <a:noFill/>
-          </a:ln>
-        </p:spPr>
-        <p:style>
-          <a:lnRef idx="2">
-            <a:schemeClr val="accent1">
-              <a:shade val="15000"/>
-            </a:schemeClr>
-          </a:lnRef>
-          <a:fillRef idx="1">
-            <a:schemeClr val="accent1"/>
-          </a:fillRef>
-          <a:effectRef idx="0">
-            <a:schemeClr val="accent1"/>
-          </a:effectRef>
-          <a:fontRef idx="minor">
-            <a:schemeClr val="lt1"/>
-          </a:fontRef>
-        </p:style>
-        <p:txBody>
-          <a:bodyPr rtlCol="0" anchor="ctr"/>
-          <a:lstStyle/>
-          <a:p>
-            <a:pPr algn="ctr"/>
-            <a:endParaRPr lang="fr-FR" noProof="0" dirty="0"/>
-          </a:p>
-        </p:txBody>
-      </p:sp>
-      <p:sp>
-        <p:nvSpPr>
-          <p:cNvPr id="9" name="TextBox 8">
-            <a:extLst>
-              <a:ext uri="{FF2B5EF4-FFF2-40B4-BE49-F238E27FC236}">
-                <a16:creationId xmlns:a16="http://schemas.microsoft.com/office/drawing/2014/main" id="{758F4A12-0077-87FE-B35A-9C0988530E81}"/>
-              </a:ext>
-            </a:extLst>
-          </p:cNvPr>
-          <p:cNvSpPr txBox="1"/>
-          <p:nvPr/>
-        </p:nvSpPr>
-        <p:spPr>
-          <a:xfrm>
-            <a:off x="0" y="-990"/>
-            <a:ext cx="4105341" cy="461665"/>
-          </a:xfrm>
-          <a:prstGeom prst="rect">
-            <a:avLst/>
-          </a:prstGeom>
-          <a:noFill/>
-        </p:spPr>
-        <p:txBody>
-          <a:bodyPr wrap="square" rtlCol="0">
-            <a:spAutoFit/>
-          </a:bodyPr>
-          <a:lstStyle/>
-          <a:p>
-            <a:pPr algn="just"/>
-            <a:r>
-              <a:rPr lang="fr-FR" sz="2400" b="1" noProof="0" dirty="0">
-                <a:solidFill>
-                  <a:schemeClr val="bg1"/>
-                </a:solidFill>
-                <a:latin typeface="Times New Roman" panose="02020603050405020304" pitchFamily="18" charset="0"/>
-                <a:cs typeface="Times New Roman" panose="02020603050405020304" pitchFamily="18" charset="0"/>
-              </a:rPr>
-              <a:t>QUESTION A</a:t>
-            </a:r>
-          </a:p>
-        </p:txBody>
-      </p:sp>
-      <p:sp>
-        <p:nvSpPr>
-          <p:cNvPr id="39" name="Rectangle 38">
-            <a:extLst>
-              <a:ext uri="{FF2B5EF4-FFF2-40B4-BE49-F238E27FC236}">
-                <a16:creationId xmlns:a16="http://schemas.microsoft.com/office/drawing/2014/main" id="{9543D028-9CBF-06CD-7129-3DA7F4661F7D}"/>
-              </a:ext>
-            </a:extLst>
-          </p:cNvPr>
-          <p:cNvSpPr/>
-          <p:nvPr/>
-        </p:nvSpPr>
-        <p:spPr>
-          <a:xfrm>
-            <a:off x="6096000" y="0"/>
-            <a:ext cx="6096000" cy="501017"/>
-          </a:xfrm>
-          <a:prstGeom prst="rect">
-            <a:avLst/>
-          </a:prstGeom>
-          <a:solidFill>
-            <a:srgbClr val="D9D9D9"/>
-          </a:solidFill>
-          <a:ln>
-            <a:noFill/>
-          </a:ln>
-        </p:spPr>
-        <p:style>
-          <a:lnRef idx="2">
-            <a:schemeClr val="accent1">
-              <a:shade val="15000"/>
-            </a:schemeClr>
-          </a:lnRef>
-          <a:fillRef idx="1">
-            <a:schemeClr val="accent1"/>
-          </a:fillRef>
-          <a:effectRef idx="0">
-            <a:schemeClr val="accent1"/>
-          </a:effectRef>
-          <a:fontRef idx="minor">
-            <a:schemeClr val="lt1"/>
-          </a:fontRef>
-        </p:style>
-        <p:txBody>
-          <a:bodyPr rtlCol="0" anchor="ctr"/>
-          <a:lstStyle/>
-          <a:p>
-            <a:pPr algn="ctr"/>
-            <a:endParaRPr lang="fr-FR" noProof="0" dirty="0"/>
-          </a:p>
-        </p:txBody>
-      </p:sp>
-      <mc:AlternateContent xmlns:mc="http://schemas.openxmlformats.org/markup-compatibility/2006" xmlns:a14="http://schemas.microsoft.com/office/drawing/2010/main">
-        <mc:Choice Requires="a14">
-          <p:sp>
-            <p:nvSpPr>
-              <p:cNvPr id="6" name="TextBox 5">
-                <a:extLst>
-                  <a:ext uri="{FF2B5EF4-FFF2-40B4-BE49-F238E27FC236}">
-                    <a16:creationId xmlns:a16="http://schemas.microsoft.com/office/drawing/2014/main" id="{E8AEFEDE-1F9F-F99C-7105-B8DBDAFC5617}"/>
-                  </a:ext>
-                </a:extLst>
-              </p:cNvPr>
-              <p:cNvSpPr txBox="1"/>
-              <p:nvPr/>
-            </p:nvSpPr>
-            <p:spPr>
-              <a:xfrm>
-                <a:off x="0" y="627468"/>
-                <a:ext cx="5902610" cy="5690404"/>
-              </a:xfrm>
-              <a:prstGeom prst="rect">
-                <a:avLst/>
-              </a:prstGeom>
-              <a:noFill/>
-            </p:spPr>
-            <p:txBody>
-              <a:bodyPr wrap="square" rtlCol="0">
-                <a:spAutoFit/>
-              </a:bodyPr>
-              <a:lstStyle/>
-              <a:p>
-                <a:pPr algn="just"/>
-                <a:r>
-                  <a:rPr lang="fr-FR" b="1" dirty="0">
-                    <a:latin typeface="Times New Roman" panose="02020603050405020304" pitchFamily="18" charset="0"/>
-                    <a:cs typeface="Times New Roman" panose="02020603050405020304" pitchFamily="18" charset="0"/>
-                  </a:rPr>
-                  <a:t>Remarque</a:t>
-                </a:r>
-                <a:r>
-                  <a:rPr lang="fr-FR" dirty="0">
-                    <a:latin typeface="Times New Roman" panose="02020603050405020304" pitchFamily="18" charset="0"/>
-                    <a:cs typeface="Times New Roman" panose="02020603050405020304" pitchFamily="18" charset="0"/>
-                  </a:rPr>
-                  <a:t> : Cette valeur de </a:t>
-                </a:r>
-                <a14:m>
-                  <m:oMath xmlns:m="http://schemas.openxmlformats.org/officeDocument/2006/math">
-                    <m:acc>
-                      <m:accPr>
-                        <m:chr m:val="̂"/>
-                        <m:ctrlPr>
-                          <a:rPr lang="fr-FR" i="1" noProof="0" smtClean="0">
-                            <a:latin typeface="Cambria Math" panose="02040503050406030204" pitchFamily="18" charset="0"/>
-                            <a:cs typeface="Times New Roman" panose="02020603050405020304" pitchFamily="18" charset="0"/>
-                          </a:rPr>
-                        </m:ctrlPr>
-                      </m:accPr>
-                      <m:e>
-                        <m:r>
-                          <a:rPr lang="fr-FR" b="0" i="1" noProof="0" smtClean="0">
-                            <a:latin typeface="Cambria Math" panose="02040503050406030204" pitchFamily="18" charset="0"/>
-                            <a:cs typeface="Times New Roman" panose="02020603050405020304" pitchFamily="18" charset="0"/>
-                          </a:rPr>
-                          <m:t>𝑝</m:t>
-                        </m:r>
-                      </m:e>
-                    </m:acc>
-                  </m:oMath>
-                </a14:m>
-                <a:r>
-                  <a:rPr lang="fr-FR" dirty="0">
-                    <a:latin typeface="Times New Roman" panose="02020603050405020304" pitchFamily="18" charset="0"/>
-                    <a:cs typeface="Times New Roman" panose="02020603050405020304" pitchFamily="18" charset="0"/>
-                  </a:rPr>
-                  <a:t> est obtenus en prenant les triplets de </a:t>
-                </a:r>
-                <a14:m>
-                  <m:oMath xmlns:m="http://schemas.openxmlformats.org/officeDocument/2006/math">
-                    <m:sSub>
-                      <m:sSubPr>
-                        <m:ctrlPr>
-                          <a:rPr lang="fr-FR" b="0" i="1" smtClean="0">
-                            <a:latin typeface="Cambria Math" panose="02040503050406030204" pitchFamily="18" charset="0"/>
-                            <a:cs typeface="Times New Roman" panose="02020603050405020304" pitchFamily="18" charset="0"/>
-                          </a:rPr>
-                        </m:ctrlPr>
-                      </m:sSubPr>
-                      <m:e>
-                        <m:r>
-                          <a:rPr lang="fr-FR" b="0" i="1" smtClean="0">
-                            <a:latin typeface="Cambria Math" panose="02040503050406030204" pitchFamily="18" charset="0"/>
-                            <a:cs typeface="Times New Roman" panose="02020603050405020304" pitchFamily="18" charset="0"/>
-                          </a:rPr>
-                          <m:t>𝑁</m:t>
-                        </m:r>
-                      </m:e>
-                      <m:sub>
-                        <m:r>
-                          <a:rPr lang="fr-FR" b="0" i="1" smtClean="0">
-                            <a:latin typeface="Cambria Math" panose="02040503050406030204" pitchFamily="18" charset="0"/>
-                            <a:cs typeface="Times New Roman" panose="02020603050405020304" pitchFamily="18" charset="0"/>
-                          </a:rPr>
-                          <m:t>𝑥</m:t>
-                        </m:r>
-                      </m:sub>
-                    </m:sSub>
-                  </m:oMath>
-                </a14:m>
-                <a:r>
-                  <a:rPr lang="fr-FR" dirty="0">
-                    <a:latin typeface="Times New Roman" panose="02020603050405020304" pitchFamily="18" charset="0"/>
-                    <a:cs typeface="Times New Roman" panose="02020603050405020304" pitchFamily="18" charset="0"/>
-                  </a:rPr>
-                  <a:t> suivant : </a:t>
-                </a:r>
-                <a14:m>
-                  <m:oMath xmlns:m="http://schemas.openxmlformats.org/officeDocument/2006/math">
-                    <m:r>
-                      <a:rPr lang="fr-FR" i="1" dirty="0" smtClean="0">
-                        <a:latin typeface="Cambria Math" panose="02040503050406030204" pitchFamily="18" charset="0"/>
-                        <a:cs typeface="Times New Roman" panose="02020603050405020304" pitchFamily="18" charset="0"/>
-                      </a:rPr>
-                      <m:t>75/100/115 </m:t>
-                    </m:r>
-                  </m:oMath>
-                </a14:m>
-                <a:r>
-                  <a:rPr lang="fr-FR" dirty="0">
-                    <a:latin typeface="Times New Roman" panose="02020603050405020304" pitchFamily="18" charset="0"/>
-                    <a:cs typeface="Times New Roman" panose="02020603050405020304" pitchFamily="18" charset="0"/>
-                  </a:rPr>
-                  <a:t>et </a:t>
-                </a:r>
-                <a14:m>
-                  <m:oMath xmlns:m="http://schemas.openxmlformats.org/officeDocument/2006/math">
-                    <m:r>
-                      <a:rPr lang="fr-FR" i="1" dirty="0" smtClean="0">
-                        <a:latin typeface="Cambria Math" panose="02040503050406030204" pitchFamily="18" charset="0"/>
-                        <a:cs typeface="Times New Roman" panose="02020603050405020304" pitchFamily="18" charset="0"/>
-                      </a:rPr>
-                      <m:t>115/125/135</m:t>
-                    </m:r>
-                  </m:oMath>
-                </a14:m>
-                <a:r>
-                  <a:rPr lang="fr-FR" dirty="0">
-                    <a:latin typeface="Times New Roman" panose="02020603050405020304" pitchFamily="18" charset="0"/>
-                    <a:cs typeface="Times New Roman" panose="02020603050405020304" pitchFamily="18" charset="0"/>
-                  </a:rPr>
-                  <a:t>. Cela conforte l’idée que la convergence commence bien vers </a:t>
-                </a:r>
-                <a14:m>
-                  <m:oMath xmlns:m="http://schemas.openxmlformats.org/officeDocument/2006/math">
-                    <m:sSub>
-                      <m:sSubPr>
-                        <m:ctrlPr>
-                          <a:rPr lang="fr-FR" i="1">
-                            <a:latin typeface="Cambria Math" panose="02040503050406030204" pitchFamily="18" charset="0"/>
-                            <a:cs typeface="Times New Roman" panose="02020603050405020304" pitchFamily="18" charset="0"/>
-                          </a:rPr>
-                        </m:ctrlPr>
-                      </m:sSubPr>
-                      <m:e>
-                        <m:r>
-                          <a:rPr lang="fr-FR" i="1">
-                            <a:latin typeface="Cambria Math" panose="02040503050406030204" pitchFamily="18" charset="0"/>
-                            <a:cs typeface="Times New Roman" panose="02020603050405020304" pitchFamily="18" charset="0"/>
-                          </a:rPr>
-                          <m:t>𝑁</m:t>
-                        </m:r>
-                      </m:e>
-                      <m:sub>
-                        <m:r>
-                          <a:rPr lang="fr-FR" i="1">
-                            <a:latin typeface="Cambria Math" panose="02040503050406030204" pitchFamily="18" charset="0"/>
-                            <a:cs typeface="Times New Roman" panose="02020603050405020304" pitchFamily="18" charset="0"/>
-                          </a:rPr>
-                          <m:t>𝑥</m:t>
-                        </m:r>
-                      </m:sub>
-                    </m:sSub>
-                    <m:r>
-                      <a:rPr lang="fr-FR" i="1">
-                        <a:latin typeface="Cambria Math" panose="02040503050406030204" pitchFamily="18" charset="0"/>
-                        <a:ea typeface="Cambria Math" panose="02040503050406030204" pitchFamily="18" charset="0"/>
-                        <a:cs typeface="Times New Roman" panose="02020603050405020304" pitchFamily="18" charset="0"/>
-                      </a:rPr>
-                      <m:t>≈125</m:t>
-                    </m:r>
-                  </m:oMath>
-                </a14:m>
-                <a:r>
-                  <a:rPr lang="fr-FR" dirty="0">
-                    <a:latin typeface="Times New Roman" panose="02020603050405020304" pitchFamily="18" charset="0"/>
-                    <a:cs typeface="Times New Roman" panose="02020603050405020304" pitchFamily="18" charset="0"/>
-                  </a:rPr>
-                  <a:t>.</a:t>
-                </a:r>
-              </a:p>
-              <a:p>
-                <a:pPr algn="just"/>
-                <a:r>
-                  <a:rPr lang="fr-FR" dirty="0">
-                    <a:latin typeface="Times New Roman" panose="02020603050405020304" pitchFamily="18" charset="0"/>
-                    <a:cs typeface="Times New Roman" panose="02020603050405020304" pitchFamily="18" charset="0"/>
-                  </a:rPr>
-                  <a:t>Maintenant que nous avons </a:t>
-                </a:r>
-                <a14:m>
-                  <m:oMath xmlns:m="http://schemas.openxmlformats.org/officeDocument/2006/math">
-                    <m:acc>
-                      <m:accPr>
-                        <m:chr m:val="̂"/>
-                        <m:ctrlPr>
-                          <a:rPr lang="fr-FR" i="1" noProof="0" smtClean="0">
-                            <a:latin typeface="Cambria Math" panose="02040503050406030204" pitchFamily="18" charset="0"/>
-                            <a:cs typeface="Times New Roman" panose="02020603050405020304" pitchFamily="18" charset="0"/>
-                          </a:rPr>
-                        </m:ctrlPr>
-                      </m:accPr>
-                      <m:e>
-                        <m:r>
-                          <a:rPr lang="fr-FR" b="0" i="1" noProof="0" smtClean="0">
-                            <a:latin typeface="Cambria Math" panose="02040503050406030204" pitchFamily="18" charset="0"/>
-                            <a:cs typeface="Times New Roman" panose="02020603050405020304" pitchFamily="18" charset="0"/>
-                          </a:rPr>
-                          <m:t>𝑝</m:t>
-                        </m:r>
-                      </m:e>
-                    </m:acc>
-                  </m:oMath>
-                </a14:m>
-                <a:r>
-                  <a:rPr lang="fr-FR" dirty="0">
-                    <a:latin typeface="Times New Roman" panose="02020603050405020304" pitchFamily="18" charset="0"/>
-                    <a:cs typeface="Times New Roman" panose="02020603050405020304" pitchFamily="18" charset="0"/>
-                  </a:rPr>
-                  <a:t>, nous pouvons calculer l’écart relatif à </a:t>
-                </a:r>
-                <a14:m>
-                  <m:oMath xmlns:m="http://schemas.openxmlformats.org/officeDocument/2006/math">
-                    <m:sSub>
-                      <m:sSubPr>
-                        <m:ctrlPr>
-                          <a:rPr lang="fr-FR" i="1">
-                            <a:latin typeface="Cambria Math" panose="02040503050406030204" pitchFamily="18" charset="0"/>
-                            <a:cs typeface="Times New Roman" panose="02020603050405020304" pitchFamily="18" charset="0"/>
-                          </a:rPr>
-                        </m:ctrlPr>
-                      </m:sSubPr>
-                      <m:e>
-                        <m:r>
-                          <a:rPr lang="fr-FR" i="1">
-                            <a:latin typeface="Cambria Math" panose="02040503050406030204" pitchFamily="18" charset="0"/>
-                            <a:cs typeface="Times New Roman" panose="02020603050405020304" pitchFamily="18" charset="0"/>
-                          </a:rPr>
-                          <m:t>𝑝</m:t>
-                        </m:r>
-                      </m:e>
-                      <m:sub>
-                        <m:r>
-                          <a:rPr lang="fr-FR" i="1">
-                            <a:latin typeface="Cambria Math" panose="02040503050406030204" pitchFamily="18" charset="0"/>
-                            <a:cs typeface="Times New Roman" panose="02020603050405020304" pitchFamily="18" charset="0"/>
-                          </a:rPr>
-                          <m:t>𝑓</m:t>
-                        </m:r>
-                      </m:sub>
-                    </m:sSub>
-                  </m:oMath>
-                </a14:m>
-                <a:r>
-                  <a:rPr lang="fr-FR" dirty="0">
-                    <a:latin typeface="Times New Roman" panose="02020603050405020304" pitchFamily="18" charset="0"/>
-                    <a:cs typeface="Times New Roman" panose="02020603050405020304" pitchFamily="18" charset="0"/>
-                  </a:rPr>
-                  <a:t> tel que : </a:t>
-                </a:r>
-              </a:p>
-              <a:p>
-                <a:pPr algn="just"/>
-                <a14:m>
-                  <m:oMathPara xmlns:m="http://schemas.openxmlformats.org/officeDocument/2006/math">
-                    <m:oMathParaPr>
-                      <m:jc m:val="centerGroup"/>
-                    </m:oMathParaPr>
-                    <m:oMath xmlns:m="http://schemas.openxmlformats.org/officeDocument/2006/math">
-                      <m:d>
-                        <m:dPr>
-                          <m:begChr m:val="|"/>
-                          <m:endChr m:val="|"/>
-                          <m:ctrlPr>
-                            <a:rPr lang="fr-FR" i="1">
-                              <a:latin typeface="Cambria Math" panose="02040503050406030204" pitchFamily="18" charset="0"/>
-                              <a:cs typeface="Times New Roman" panose="02020603050405020304" pitchFamily="18" charset="0"/>
-                            </a:rPr>
-                          </m:ctrlPr>
-                        </m:dPr>
-                        <m:e>
-                          <m:f>
-                            <m:fPr>
-                              <m:ctrlPr>
-                                <a:rPr lang="fr-FR" i="1">
-                                  <a:latin typeface="Cambria Math" panose="02040503050406030204" pitchFamily="18" charset="0"/>
-                                  <a:cs typeface="Times New Roman" panose="02020603050405020304" pitchFamily="18" charset="0"/>
-                                </a:rPr>
-                              </m:ctrlPr>
-                            </m:fPr>
-                            <m:num>
-                              <m:acc>
-                                <m:accPr>
-                                  <m:chr m:val="̂"/>
-                                  <m:ctrlPr>
-                                    <a:rPr lang="fr-FR" i="1">
-                                      <a:latin typeface="Cambria Math" panose="02040503050406030204" pitchFamily="18" charset="0"/>
-                                      <a:cs typeface="Times New Roman" panose="02020603050405020304" pitchFamily="18" charset="0"/>
-                                    </a:rPr>
-                                  </m:ctrlPr>
-                                </m:accPr>
-                                <m:e>
-                                  <m:r>
-                                    <a:rPr lang="fr-FR" i="1">
-                                      <a:latin typeface="Cambria Math" panose="02040503050406030204" pitchFamily="18" charset="0"/>
-                                      <a:cs typeface="Times New Roman" panose="02020603050405020304" pitchFamily="18" charset="0"/>
-                                    </a:rPr>
-                                    <m:t>𝑝</m:t>
-                                  </m:r>
-                                </m:e>
-                              </m:acc>
-                              <m:r>
-                                <a:rPr lang="fr-FR" i="1">
-                                  <a:latin typeface="Cambria Math" panose="02040503050406030204" pitchFamily="18" charset="0"/>
-                                  <a:cs typeface="Times New Roman" panose="02020603050405020304" pitchFamily="18" charset="0"/>
-                                </a:rPr>
-                                <m:t>−</m:t>
-                              </m:r>
-                              <m:sSub>
-                                <m:sSubPr>
-                                  <m:ctrlPr>
-                                    <a:rPr lang="fr-FR" i="1">
-                                      <a:latin typeface="Cambria Math" panose="02040503050406030204" pitchFamily="18" charset="0"/>
-                                      <a:cs typeface="Times New Roman" panose="02020603050405020304" pitchFamily="18" charset="0"/>
-                                    </a:rPr>
-                                  </m:ctrlPr>
-                                </m:sSubPr>
-                                <m:e>
-                                  <m:r>
-                                    <a:rPr lang="fr-FR" i="1">
-                                      <a:latin typeface="Cambria Math" panose="02040503050406030204" pitchFamily="18" charset="0"/>
-                                      <a:cs typeface="Times New Roman" panose="02020603050405020304" pitchFamily="18" charset="0"/>
-                                    </a:rPr>
-                                    <m:t>𝑝</m:t>
-                                  </m:r>
-                                </m:e>
-                                <m:sub>
-                                  <m:r>
-                                    <a:rPr lang="fr-FR" i="1">
-                                      <a:latin typeface="Cambria Math" panose="02040503050406030204" pitchFamily="18" charset="0"/>
-                                      <a:cs typeface="Times New Roman" panose="02020603050405020304" pitchFamily="18" charset="0"/>
-                                    </a:rPr>
-                                    <m:t>𝑓</m:t>
-                                  </m:r>
-                                </m:sub>
-                              </m:sSub>
-                            </m:num>
-                            <m:den>
-                              <m:sSub>
-                                <m:sSubPr>
-                                  <m:ctrlPr>
-                                    <a:rPr lang="fr-FR" i="1">
-                                      <a:latin typeface="Cambria Math" panose="02040503050406030204" pitchFamily="18" charset="0"/>
-                                      <a:cs typeface="Times New Roman" panose="02020603050405020304" pitchFamily="18" charset="0"/>
-                                    </a:rPr>
-                                  </m:ctrlPr>
-                                </m:sSubPr>
-                                <m:e>
-                                  <m:r>
-                                    <a:rPr lang="fr-FR" i="1">
-                                      <a:latin typeface="Cambria Math" panose="02040503050406030204" pitchFamily="18" charset="0"/>
-                                      <a:cs typeface="Times New Roman" panose="02020603050405020304" pitchFamily="18" charset="0"/>
-                                    </a:rPr>
-                                    <m:t>𝑝</m:t>
-                                  </m:r>
-                                </m:e>
-                                <m:sub>
-                                  <m:r>
-                                    <a:rPr lang="fr-FR" i="1">
-                                      <a:latin typeface="Cambria Math" panose="02040503050406030204" pitchFamily="18" charset="0"/>
-                                      <a:cs typeface="Times New Roman" panose="02020603050405020304" pitchFamily="18" charset="0"/>
-                                    </a:rPr>
-                                    <m:t>𝑓</m:t>
-                                  </m:r>
-                                </m:sub>
-                              </m:sSub>
-                            </m:den>
-                          </m:f>
-                        </m:e>
-                      </m:d>
-                      <m:r>
-                        <a:rPr lang="fr-FR" i="1">
-                          <a:latin typeface="Cambria Math" panose="02040503050406030204" pitchFamily="18" charset="0"/>
-                          <a:cs typeface="Times New Roman" panose="02020603050405020304" pitchFamily="18" charset="0"/>
-                        </a:rPr>
-                        <m:t>=</m:t>
-                      </m:r>
-                      <m:r>
-                        <a:rPr lang="fr-FR" b="0" i="0" smtClean="0">
-                          <a:latin typeface="Cambria Math" panose="02040503050406030204" pitchFamily="18" charset="0"/>
-                          <a:cs typeface="Times New Roman" panose="02020603050405020304" pitchFamily="18" charset="0"/>
-                        </a:rPr>
-                        <m:t>0.15 %</m:t>
-                      </m:r>
-                    </m:oMath>
-                  </m:oMathPara>
-                </a14:m>
-                <a:endParaRPr lang="fr-FR" dirty="0">
-                  <a:highlight>
-                    <a:srgbClr val="FFFF00"/>
-                  </a:highlight>
-                  <a:latin typeface="Times New Roman" panose="02020603050405020304" pitchFamily="18" charset="0"/>
-                  <a:cs typeface="Times New Roman" panose="02020603050405020304" pitchFamily="18" charset="0"/>
-                </a:endParaRPr>
-              </a:p>
-              <a:p>
-                <a:pPr algn="just"/>
-                <a:endParaRPr lang="fr-FR" dirty="0">
-                  <a:latin typeface="Times New Roman" panose="02020603050405020304" pitchFamily="18" charset="0"/>
-                  <a:cs typeface="Times New Roman" panose="02020603050405020304" pitchFamily="18" charset="0"/>
-                </a:endParaRPr>
-              </a:p>
-              <a:p>
-                <a:pPr algn="just"/>
-                <a:r>
-                  <a:rPr lang="fr-FR" dirty="0">
-                    <a:latin typeface="Times New Roman" panose="02020603050405020304" pitchFamily="18" charset="0"/>
-                    <a:cs typeface="Times New Roman" panose="02020603050405020304" pitchFamily="18" charset="0"/>
-                  </a:rPr>
-                  <a:t>Nous sommes donc dans le cas </a:t>
-                </a:r>
-                <a14:m>
-                  <m:oMath xmlns:m="http://schemas.openxmlformats.org/officeDocument/2006/math">
-                    <m:r>
-                      <a:rPr lang="fr-FR" b="0" i="1" smtClean="0">
-                        <a:latin typeface="Cambria Math" panose="02040503050406030204" pitchFamily="18" charset="0"/>
-                        <a:cs typeface="Times New Roman" panose="02020603050405020304" pitchFamily="18" charset="0"/>
-                      </a:rPr>
-                      <m:t>&gt;10%</m:t>
-                    </m:r>
-                  </m:oMath>
-                </a14:m>
-                <a:r>
-                  <a:rPr lang="fr-FR" dirty="0">
-                    <a:latin typeface="Times New Roman" panose="02020603050405020304" pitchFamily="18" charset="0"/>
-                    <a:cs typeface="Times New Roman" panose="02020603050405020304" pitchFamily="18" charset="0"/>
-                  </a:rPr>
-                  <a:t>, ce qui veut dire que nous allons estimer l’incertitude avec le </a:t>
-                </a:r>
-                <a:r>
-                  <a:rPr lang="fr-FR" b="1" dirty="0">
-                    <a:latin typeface="Times New Roman" panose="02020603050405020304" pitchFamily="18" charset="0"/>
-                    <a:cs typeface="Times New Roman" panose="02020603050405020304" pitchFamily="18" charset="0"/>
-                  </a:rPr>
-                  <a:t>GCI</a:t>
-                </a:r>
-                <a:r>
-                  <a:rPr lang="fr-FR" dirty="0">
-                    <a:latin typeface="Times New Roman" panose="02020603050405020304" pitchFamily="18" charset="0"/>
-                    <a:cs typeface="Times New Roman" panose="02020603050405020304" pitchFamily="18" charset="0"/>
-                  </a:rPr>
-                  <a:t>. Ainsi, avec </a:t>
-                </a:r>
-                <a14:m>
-                  <m:oMath xmlns:m="http://schemas.openxmlformats.org/officeDocument/2006/math">
-                    <m:sSub>
-                      <m:sSubPr>
-                        <m:ctrlPr>
-                          <a:rPr lang="fr-FR" i="1">
-                            <a:latin typeface="Cambria Math" panose="02040503050406030204" pitchFamily="18" charset="0"/>
-                            <a:cs typeface="Times New Roman" panose="02020603050405020304" pitchFamily="18" charset="0"/>
-                          </a:rPr>
-                        </m:ctrlPr>
-                      </m:sSubPr>
-                      <m:e>
-                        <m:r>
-                          <a:rPr lang="fr-FR" i="1">
-                            <a:latin typeface="Cambria Math" panose="02040503050406030204" pitchFamily="18" charset="0"/>
-                            <a:cs typeface="Times New Roman" panose="02020603050405020304" pitchFamily="18" charset="0"/>
-                          </a:rPr>
-                          <m:t>𝐹</m:t>
-                        </m:r>
-                      </m:e>
-                      <m:sub>
-                        <m:r>
-                          <a:rPr lang="fr-FR" i="1">
-                            <a:latin typeface="Cambria Math" panose="02040503050406030204" pitchFamily="18" charset="0"/>
-                            <a:cs typeface="Times New Roman" panose="02020603050405020304" pitchFamily="18" charset="0"/>
-                          </a:rPr>
-                          <m:t>𝑠</m:t>
-                        </m:r>
-                      </m:sub>
-                    </m:sSub>
-                    <m:r>
-                      <a:rPr lang="fr-FR" i="1">
-                        <a:latin typeface="Cambria Math" panose="02040503050406030204" pitchFamily="18" charset="0"/>
-                        <a:cs typeface="Times New Roman" panose="02020603050405020304" pitchFamily="18" charset="0"/>
-                      </a:rPr>
-                      <m:t>=3</m:t>
-                    </m:r>
-                  </m:oMath>
-                </a14:m>
-                <a:r>
-                  <a:rPr lang="fr-FR" dirty="0">
-                    <a:latin typeface="Times New Roman" panose="02020603050405020304" pitchFamily="18" charset="0"/>
-                    <a:cs typeface="Times New Roman" panose="02020603050405020304" pitchFamily="18" charset="0"/>
-                  </a:rPr>
-                  <a:t> et </a:t>
-                </a:r>
-                <a14:m>
-                  <m:oMath xmlns:m="http://schemas.openxmlformats.org/officeDocument/2006/math">
-                    <m:r>
-                      <a:rPr lang="fr-FR" i="1">
-                        <a:latin typeface="Cambria Math" panose="02040503050406030204" pitchFamily="18" charset="0"/>
-                        <a:cs typeface="Times New Roman" panose="02020603050405020304" pitchFamily="18" charset="0"/>
-                      </a:rPr>
-                      <m:t>𝑝</m:t>
-                    </m:r>
-                    <m:r>
-                      <a:rPr lang="fr-FR" i="1">
-                        <a:latin typeface="Cambria Math" panose="02040503050406030204" pitchFamily="18" charset="0"/>
-                        <a:cs typeface="Times New Roman" panose="02020603050405020304" pitchFamily="18" charset="0"/>
-                      </a:rPr>
-                      <m:t>=</m:t>
-                    </m:r>
-                    <m:acc>
-                      <m:accPr>
-                        <m:chr m:val="̂"/>
-                        <m:ctrlPr>
-                          <a:rPr lang="fr-FR" i="1">
-                            <a:latin typeface="Cambria Math" panose="02040503050406030204" pitchFamily="18" charset="0"/>
-                            <a:cs typeface="Times New Roman" panose="02020603050405020304" pitchFamily="18" charset="0"/>
-                          </a:rPr>
-                        </m:ctrlPr>
-                      </m:accPr>
-                      <m:e>
-                        <m:r>
-                          <a:rPr lang="fr-FR" i="1">
-                            <a:latin typeface="Cambria Math" panose="02040503050406030204" pitchFamily="18" charset="0"/>
-                            <a:cs typeface="Times New Roman" panose="02020603050405020304" pitchFamily="18" charset="0"/>
-                          </a:rPr>
-                          <m:t>𝑝</m:t>
-                        </m:r>
-                      </m:e>
-                    </m:acc>
-                    <m:r>
-                      <a:rPr lang="fr-FR" i="1">
-                        <a:latin typeface="Cambria Math" panose="02040503050406030204" pitchFamily="18" charset="0"/>
-                        <a:cs typeface="Times New Roman" panose="02020603050405020304" pitchFamily="18" charset="0"/>
-                      </a:rPr>
-                      <m:t>=1.443</m:t>
-                    </m:r>
-                  </m:oMath>
-                </a14:m>
-                <a:r>
-                  <a:rPr lang="fr-FR" dirty="0">
-                    <a:latin typeface="Times New Roman" panose="02020603050405020304" pitchFamily="18" charset="0"/>
-                    <a:cs typeface="Times New Roman" panose="02020603050405020304" pitchFamily="18" charset="0"/>
-                  </a:rPr>
-                  <a:t>. </a:t>
-                </a:r>
-              </a:p>
-              <a:p>
-                <a:pPr algn="just"/>
-                <a:endParaRPr lang="fr-FR" dirty="0">
-                  <a:latin typeface="Times New Roman" panose="02020603050405020304" pitchFamily="18" charset="0"/>
-                  <a:cs typeface="Times New Roman" panose="02020603050405020304" pitchFamily="18" charset="0"/>
-                </a:endParaRPr>
-              </a:p>
-              <a:p>
-                <a:pPr algn="just"/>
-                <a:r>
-                  <a:rPr lang="fr-FR" dirty="0">
-                    <a:latin typeface="Times New Roman" panose="02020603050405020304" pitchFamily="18" charset="0"/>
-                    <a:cs typeface="Times New Roman" panose="02020603050405020304" pitchFamily="18" charset="0"/>
-                  </a:rPr>
-                  <a:t>On trouve que : </a:t>
-                </a:r>
-                <a14:m>
-                  <m:oMath xmlns:m="http://schemas.openxmlformats.org/officeDocument/2006/math">
-                    <m:r>
-                      <a:rPr lang="fr-FR" b="0" i="1" smtClean="0">
-                        <a:latin typeface="Cambria Math" panose="02040503050406030204" pitchFamily="18" charset="0"/>
-                        <a:cs typeface="Times New Roman" panose="02020603050405020304" pitchFamily="18" charset="0"/>
-                      </a:rPr>
-                      <m:t>𝐺𝐶𝐼</m:t>
-                    </m:r>
-                    <m:r>
-                      <a:rPr lang="fr-FR" b="0" i="1" smtClean="0">
-                        <a:latin typeface="Cambria Math" panose="02040503050406030204" pitchFamily="18" charset="0"/>
-                        <a:cs typeface="Times New Roman" panose="02020603050405020304" pitchFamily="18" charset="0"/>
-                      </a:rPr>
-                      <m:t>=1.2958 </m:t>
-                    </m:r>
-                    <m:r>
-                      <a:rPr lang="fr-FR" b="0" i="1" smtClean="0">
-                        <a:latin typeface="Cambria Math" panose="02040503050406030204" pitchFamily="18" charset="0"/>
-                        <a:ea typeface="Cambria Math" panose="02040503050406030204" pitchFamily="18" charset="0"/>
-                        <a:cs typeface="Times New Roman" panose="02020603050405020304" pitchFamily="18" charset="0"/>
-                      </a:rPr>
-                      <m:t>𝜇</m:t>
-                    </m:r>
-                    <m:r>
-                      <a:rPr lang="fr-FR" b="0" i="1" smtClean="0">
-                        <a:latin typeface="Cambria Math" panose="02040503050406030204" pitchFamily="18" charset="0"/>
-                        <a:ea typeface="Cambria Math" panose="02040503050406030204" pitchFamily="18" charset="0"/>
-                        <a:cs typeface="Times New Roman" panose="02020603050405020304" pitchFamily="18" charset="0"/>
-                      </a:rPr>
-                      <m:t>𝑚</m:t>
-                    </m:r>
-                    <m:r>
-                      <a:rPr lang="fr-FR" b="0" i="1" smtClean="0">
-                        <a:latin typeface="Cambria Math" panose="02040503050406030204" pitchFamily="18" charset="0"/>
-                        <a:ea typeface="Cambria Math" panose="02040503050406030204" pitchFamily="18" charset="0"/>
-                        <a:cs typeface="Times New Roman" panose="02020603050405020304" pitchFamily="18" charset="0"/>
-                      </a:rPr>
-                      <m:t>²</m:t>
-                    </m:r>
-                  </m:oMath>
-                </a14:m>
-                <a:r>
-                  <a:rPr lang="fr-FR" dirty="0">
-                    <a:latin typeface="Times New Roman" panose="02020603050405020304" pitchFamily="18" charset="0"/>
-                    <a:cs typeface="Times New Roman" panose="02020603050405020304" pitchFamily="18" charset="0"/>
-                  </a:rPr>
-                  <a:t> tel que : </a:t>
-                </a:r>
-                <a14:m>
-                  <m:oMath xmlns:m="http://schemas.openxmlformats.org/officeDocument/2006/math">
-                    <m:r>
-                      <a:rPr lang="fr-FR" b="0" i="1" smtClean="0">
-                        <a:solidFill>
-                          <a:schemeClr val="accent5"/>
-                        </a:solidFill>
-                        <a:latin typeface="Cambria Math" panose="02040503050406030204" pitchFamily="18" charset="0"/>
-                        <a:cs typeface="Times New Roman" panose="02020603050405020304" pitchFamily="18" charset="0"/>
-                      </a:rPr>
-                      <m:t>𝑘</m:t>
-                    </m:r>
-                    <m:r>
-                      <a:rPr lang="fr-FR" b="0" i="1" smtClean="0">
-                        <a:latin typeface="Cambria Math" panose="02040503050406030204" pitchFamily="18" charset="0"/>
-                        <a:cs typeface="Times New Roman" panose="02020603050405020304" pitchFamily="18" charset="0"/>
-                      </a:rPr>
-                      <m:t>=21.4153</m:t>
-                    </m:r>
-                    <m:r>
-                      <a:rPr lang="fr-FR" b="0" i="1" smtClean="0">
-                        <a:latin typeface="Cambria Math" panose="02040503050406030204" pitchFamily="18" charset="0"/>
-                        <a:ea typeface="Cambria Math" panose="02040503050406030204" pitchFamily="18" charset="0"/>
-                        <a:cs typeface="Times New Roman" panose="02020603050405020304" pitchFamily="18" charset="0"/>
-                      </a:rPr>
-                      <m:t>±</m:t>
-                    </m:r>
-                    <m:r>
-                      <a:rPr lang="fr-FR" i="1">
-                        <a:latin typeface="Cambria Math" panose="02040503050406030204" pitchFamily="18" charset="0"/>
-                        <a:cs typeface="Times New Roman" panose="02020603050405020304" pitchFamily="18" charset="0"/>
-                      </a:rPr>
-                      <m:t>1.2958 </m:t>
-                    </m:r>
-                    <m:r>
-                      <a:rPr lang="fr-FR" i="1">
-                        <a:latin typeface="Cambria Math" panose="02040503050406030204" pitchFamily="18" charset="0"/>
-                        <a:ea typeface="Cambria Math" panose="02040503050406030204" pitchFamily="18" charset="0"/>
-                        <a:cs typeface="Times New Roman" panose="02020603050405020304" pitchFamily="18" charset="0"/>
-                      </a:rPr>
-                      <m:t>𝜇</m:t>
-                    </m:r>
-                    <m:r>
-                      <a:rPr lang="fr-FR" i="1">
-                        <a:latin typeface="Cambria Math" panose="02040503050406030204" pitchFamily="18" charset="0"/>
-                        <a:ea typeface="Cambria Math" panose="02040503050406030204" pitchFamily="18" charset="0"/>
-                        <a:cs typeface="Times New Roman" panose="02020603050405020304" pitchFamily="18" charset="0"/>
-                      </a:rPr>
-                      <m:t>𝑚</m:t>
-                    </m:r>
-                    <m:r>
-                      <a:rPr lang="fr-FR" i="1">
-                        <a:latin typeface="Cambria Math" panose="02040503050406030204" pitchFamily="18" charset="0"/>
-                        <a:ea typeface="Cambria Math" panose="02040503050406030204" pitchFamily="18" charset="0"/>
-                        <a:cs typeface="Times New Roman" panose="02020603050405020304" pitchFamily="18" charset="0"/>
-                      </a:rPr>
-                      <m:t>²</m:t>
-                    </m:r>
-                  </m:oMath>
-                </a14:m>
-                <a:r>
-                  <a:rPr lang="fr-FR" dirty="0">
-                    <a:latin typeface="Times New Roman" panose="02020603050405020304" pitchFamily="18" charset="0"/>
-                    <a:cs typeface="Times New Roman" panose="02020603050405020304" pitchFamily="18" charset="0"/>
-                  </a:rPr>
-                  <a:t>. </a:t>
-                </a:r>
-              </a:p>
-              <a:p>
-                <a:pPr algn="just"/>
-                <a:r>
-                  <a:rPr lang="fr-FR" dirty="0">
-                    <a:latin typeface="Times New Roman" panose="02020603050405020304" pitchFamily="18" charset="0"/>
-                    <a:cs typeface="Times New Roman" panose="02020603050405020304" pitchFamily="18" charset="0"/>
-                  </a:rPr>
-                  <a:t>Cette question, nous permet donc de déterminer l’incertitude numérique de la porosité </a:t>
-                </a:r>
-                <a14:m>
-                  <m:oMath xmlns:m="http://schemas.openxmlformats.org/officeDocument/2006/math">
-                    <m:sSub>
-                      <m:sSubPr>
-                        <m:ctrlPr>
-                          <a:rPr lang="fr-FR" b="0" i="1" smtClean="0">
-                            <a:latin typeface="Cambria Math" panose="02040503050406030204" pitchFamily="18" charset="0"/>
-                            <a:cs typeface="Times New Roman" panose="02020603050405020304" pitchFamily="18" charset="0"/>
-                          </a:rPr>
-                        </m:ctrlPr>
-                      </m:sSubPr>
-                      <m:e>
-                        <m:r>
-                          <a:rPr lang="fr-FR" b="0" i="1" smtClean="0">
-                            <a:latin typeface="Cambria Math" panose="02040503050406030204" pitchFamily="18" charset="0"/>
-                            <a:cs typeface="Times New Roman" panose="02020603050405020304" pitchFamily="18" charset="0"/>
-                          </a:rPr>
-                          <m:t>𝑢</m:t>
-                        </m:r>
-                      </m:e>
-                      <m:sub>
-                        <m:r>
-                          <a:rPr lang="fr-FR" b="0" i="1" smtClean="0">
-                            <a:latin typeface="Cambria Math" panose="02040503050406030204" pitchFamily="18" charset="0"/>
-                            <a:cs typeface="Times New Roman" panose="02020603050405020304" pitchFamily="18" charset="0"/>
-                          </a:rPr>
-                          <m:t>𝑛𝑢𝑚</m:t>
-                        </m:r>
-                      </m:sub>
-                    </m:sSub>
-                  </m:oMath>
-                </a14:m>
-                <a:r>
-                  <a:rPr lang="fr-FR" dirty="0">
-                    <a:latin typeface="Times New Roman" panose="02020603050405020304" pitchFamily="18" charset="0"/>
-                    <a:cs typeface="Times New Roman" panose="02020603050405020304" pitchFamily="18" charset="0"/>
-                  </a:rPr>
-                  <a:t> tel que : </a:t>
-                </a:r>
-              </a:p>
-              <a:p>
-                <a:pPr algn="just"/>
-                <a:endParaRPr lang="fr-FR" dirty="0">
-                  <a:latin typeface="Times New Roman" panose="02020603050405020304" pitchFamily="18" charset="0"/>
-                  <a:cs typeface="Times New Roman" panose="02020603050405020304" pitchFamily="18" charset="0"/>
-                </a:endParaRPr>
-              </a:p>
-              <a:p>
-                <a:pPr algn="just"/>
-                <a14:m>
-                  <m:oMathPara xmlns:m="http://schemas.openxmlformats.org/officeDocument/2006/math">
-                    <m:oMathParaPr>
-                      <m:jc m:val="centerGroup"/>
-                    </m:oMathParaPr>
-                    <m:oMath xmlns:m="http://schemas.openxmlformats.org/officeDocument/2006/math">
-                      <m:sSub>
-                        <m:sSubPr>
-                          <m:ctrlPr>
-                            <a:rPr lang="fr-FR" b="0" i="1" smtClean="0">
-                              <a:latin typeface="Cambria Math" panose="02040503050406030204" pitchFamily="18" charset="0"/>
-                              <a:cs typeface="Times New Roman" panose="02020603050405020304" pitchFamily="18" charset="0"/>
-                            </a:rPr>
-                          </m:ctrlPr>
-                        </m:sSubPr>
-                        <m:e>
-                          <m:r>
-                            <a:rPr lang="fr-FR" b="0" i="1" smtClean="0">
-                              <a:latin typeface="Cambria Math" panose="02040503050406030204" pitchFamily="18" charset="0"/>
-                              <a:cs typeface="Times New Roman" panose="02020603050405020304" pitchFamily="18" charset="0"/>
-                            </a:rPr>
-                            <m:t>𝑢</m:t>
-                          </m:r>
-                        </m:e>
-                        <m:sub>
-                          <m:r>
-                            <a:rPr lang="fr-FR" b="0" i="1" smtClean="0">
-                              <a:latin typeface="Cambria Math" panose="02040503050406030204" pitchFamily="18" charset="0"/>
-                              <a:cs typeface="Times New Roman" panose="02020603050405020304" pitchFamily="18" charset="0"/>
-                            </a:rPr>
-                            <m:t>𝑛𝑢𝑚</m:t>
-                          </m:r>
-                        </m:sub>
-                      </m:sSub>
-                      <m:r>
-                        <a:rPr lang="fr-FR" b="0" i="1" smtClean="0">
-                          <a:latin typeface="Cambria Math" panose="02040503050406030204" pitchFamily="18" charset="0"/>
-                          <a:cs typeface="Times New Roman" panose="02020603050405020304" pitchFamily="18" charset="0"/>
-                        </a:rPr>
-                        <m:t>=</m:t>
-                      </m:r>
-                      <m:f>
-                        <m:fPr>
-                          <m:ctrlPr>
-                            <a:rPr lang="fr-FR" b="0" i="1" smtClean="0">
-                              <a:latin typeface="Cambria Math" panose="02040503050406030204" pitchFamily="18" charset="0"/>
-                              <a:cs typeface="Times New Roman" panose="02020603050405020304" pitchFamily="18" charset="0"/>
-                            </a:rPr>
-                          </m:ctrlPr>
-                        </m:fPr>
-                        <m:num>
-                          <m:r>
-                            <a:rPr lang="fr-FR" b="0" i="1" smtClean="0">
-                              <a:latin typeface="Cambria Math" panose="02040503050406030204" pitchFamily="18" charset="0"/>
-                              <a:cs typeface="Times New Roman" panose="02020603050405020304" pitchFamily="18" charset="0"/>
-                            </a:rPr>
-                            <m:t>𝐺𝐶𝐼</m:t>
-                          </m:r>
-                        </m:num>
-                        <m:den>
-                          <m:r>
-                            <a:rPr lang="fr-FR" b="0" i="1" smtClean="0">
-                              <a:latin typeface="Cambria Math" panose="02040503050406030204" pitchFamily="18" charset="0"/>
-                              <a:cs typeface="Times New Roman" panose="02020603050405020304" pitchFamily="18" charset="0"/>
-                            </a:rPr>
-                            <m:t>2</m:t>
-                          </m:r>
-                        </m:den>
-                      </m:f>
-                      <m:r>
-                        <a:rPr lang="fr-FR" b="0" i="1" smtClean="0">
-                          <a:latin typeface="Cambria Math" panose="02040503050406030204" pitchFamily="18" charset="0"/>
-                          <a:cs typeface="Times New Roman" panose="02020603050405020304" pitchFamily="18" charset="0"/>
-                        </a:rPr>
-                        <m:t>=0.6479</m:t>
-                      </m:r>
-                      <m:r>
-                        <a:rPr lang="fr-FR" i="1">
-                          <a:latin typeface="Cambria Math" panose="02040503050406030204" pitchFamily="18" charset="0"/>
-                          <a:ea typeface="Cambria Math" panose="02040503050406030204" pitchFamily="18" charset="0"/>
-                          <a:cs typeface="Times New Roman" panose="02020603050405020304" pitchFamily="18" charset="0"/>
-                        </a:rPr>
-                        <m:t>𝜇</m:t>
-                      </m:r>
-                      <m:r>
-                        <a:rPr lang="fr-FR" i="1">
-                          <a:latin typeface="Cambria Math" panose="02040503050406030204" pitchFamily="18" charset="0"/>
-                          <a:ea typeface="Cambria Math" panose="02040503050406030204" pitchFamily="18" charset="0"/>
-                          <a:cs typeface="Times New Roman" panose="02020603050405020304" pitchFamily="18" charset="0"/>
-                        </a:rPr>
-                        <m:t>𝑚</m:t>
-                      </m:r>
-                      <m:r>
-                        <a:rPr lang="fr-FR" i="1">
-                          <a:latin typeface="Cambria Math" panose="02040503050406030204" pitchFamily="18" charset="0"/>
-                          <a:ea typeface="Cambria Math" panose="02040503050406030204" pitchFamily="18" charset="0"/>
-                          <a:cs typeface="Times New Roman" panose="02020603050405020304" pitchFamily="18" charset="0"/>
-                        </a:rPr>
-                        <m:t>²</m:t>
-                      </m:r>
-                    </m:oMath>
-                  </m:oMathPara>
-                </a14:m>
-                <a:endParaRPr lang="fr-FR" dirty="0">
-                  <a:latin typeface="Times New Roman" panose="02020603050405020304" pitchFamily="18" charset="0"/>
-                  <a:cs typeface="Times New Roman" panose="02020603050405020304" pitchFamily="18" charset="0"/>
-                </a:endParaRPr>
-              </a:p>
-            </p:txBody>
-          </p:sp>
-        </mc:Choice>
-        <mc:Fallback xmlns="">
-          <p:sp>
-            <p:nvSpPr>
-              <p:cNvPr id="6" name="TextBox 5">
-                <a:extLst>
-                  <a:ext uri="{FF2B5EF4-FFF2-40B4-BE49-F238E27FC236}">
-                    <a16:creationId xmlns:a16="http://schemas.microsoft.com/office/drawing/2014/main" id="{E8AEFEDE-1F9F-F99C-7105-B8DBDAFC5617}"/>
-                  </a:ext>
-                </a:extLst>
-              </p:cNvPr>
-              <p:cNvSpPr txBox="1">
-                <a:spLocks noRot="1" noChangeAspect="1" noMove="1" noResize="1" noEditPoints="1" noAdjustHandles="1" noChangeArrowheads="1" noChangeShapeType="1" noTextEdit="1"/>
-              </p:cNvSpPr>
-              <p:nvPr/>
-            </p:nvSpPr>
-            <p:spPr>
-              <a:xfrm>
-                <a:off x="0" y="627468"/>
-                <a:ext cx="5902610" cy="5690404"/>
-              </a:xfrm>
-              <a:prstGeom prst="rect">
-                <a:avLst/>
-              </a:prstGeom>
-              <a:blipFill>
-                <a:blip r:embed="rId2"/>
-                <a:stretch>
-                  <a:fillRect l="-826" t="-643" r="-826"/>
-                </a:stretch>
-              </a:blipFill>
-            </p:spPr>
-            <p:txBody>
-              <a:bodyPr/>
-              <a:lstStyle/>
-              <a:p>
-                <a:r>
-                  <a:rPr lang="en-GB">
-                    <a:noFill/>
-                  </a:rPr>
-                  <a:t> </a:t>
-                </a:r>
-              </a:p>
-            </p:txBody>
-          </p:sp>
-        </mc:Fallback>
-      </mc:AlternateContent>
-      <p:cxnSp>
-        <p:nvCxnSpPr>
-          <p:cNvPr id="7" name="Straight Connector 6">
-            <a:extLst>
-              <a:ext uri="{FF2B5EF4-FFF2-40B4-BE49-F238E27FC236}">
-                <a16:creationId xmlns:a16="http://schemas.microsoft.com/office/drawing/2014/main" id="{562D4089-1CCB-CF72-6CCF-D247B0B03667}"/>
-              </a:ext>
-            </a:extLst>
-          </p:cNvPr>
-          <p:cNvCxnSpPr/>
-          <p:nvPr/>
-        </p:nvCxnSpPr>
-        <p:spPr>
-          <a:xfrm>
-            <a:off x="6096000" y="627468"/>
-            <a:ext cx="0" cy="5981437"/>
-          </a:xfrm>
-          <a:prstGeom prst="line">
-            <a:avLst/>
-          </a:prstGeom>
-          <a:ln>
-            <a:solidFill>
-              <a:srgbClr val="980000"/>
-            </a:solidFill>
-          </a:ln>
-        </p:spPr>
-        <p:style>
-          <a:lnRef idx="2">
-            <a:schemeClr val="accent1"/>
-          </a:lnRef>
-          <a:fillRef idx="0">
-            <a:schemeClr val="accent1"/>
-          </a:fillRef>
-          <a:effectRef idx="1">
-            <a:schemeClr val="accent1"/>
-          </a:effectRef>
-          <a:fontRef idx="minor">
-            <a:schemeClr val="tx1"/>
-          </a:fontRef>
-        </p:style>
-      </p:cxnSp>
-      <mc:AlternateContent xmlns:mc="http://schemas.openxmlformats.org/markup-compatibility/2006" xmlns:a14="http://schemas.microsoft.com/office/drawing/2010/main">
-        <mc:Choice Requires="a14">
-          <p:sp>
-            <p:nvSpPr>
-              <p:cNvPr id="8" name="TextBox 7">
-                <a:extLst>
-                  <a:ext uri="{FF2B5EF4-FFF2-40B4-BE49-F238E27FC236}">
-                    <a16:creationId xmlns:a16="http://schemas.microsoft.com/office/drawing/2014/main" id="{B59510E1-EBC0-ABB3-6A22-CECF19C93493}"/>
-                  </a:ext>
-                </a:extLst>
-              </p:cNvPr>
-              <p:cNvSpPr txBox="1"/>
-              <p:nvPr/>
-            </p:nvSpPr>
-            <p:spPr>
-              <a:xfrm>
-                <a:off x="6289390" y="627467"/>
-                <a:ext cx="5902610" cy="2031325"/>
-              </a:xfrm>
-              <a:prstGeom prst="rect">
-                <a:avLst/>
-              </a:prstGeom>
-              <a:noFill/>
-            </p:spPr>
-            <p:txBody>
-              <a:bodyPr wrap="square" rtlCol="0">
-                <a:spAutoFit/>
-              </a:bodyPr>
-              <a:lstStyle/>
-              <a:p>
-                <a:pPr algn="just"/>
-                <a:r>
-                  <a:rPr lang="fr-FR" b="1" dirty="0">
-                    <a:latin typeface="Times New Roman" panose="02020603050405020304" pitchFamily="18" charset="0"/>
-                    <a:cs typeface="Times New Roman" panose="02020603050405020304" pitchFamily="18" charset="0"/>
-                  </a:rPr>
-                  <a:t>Remarque</a:t>
-                </a:r>
-                <a:r>
-                  <a:rPr lang="fr-FR" dirty="0">
-                    <a:latin typeface="Times New Roman" panose="02020603050405020304" pitchFamily="18" charset="0"/>
-                    <a:cs typeface="Times New Roman" panose="02020603050405020304" pitchFamily="18" charset="0"/>
-                  </a:rPr>
-                  <a:t> : Concernant la porosité, cette dernière est hardcodée à </a:t>
-                </a:r>
-                <a14:m>
-                  <m:oMath xmlns:m="http://schemas.openxmlformats.org/officeDocument/2006/math">
-                    <m:r>
-                      <a:rPr lang="fr-FR" b="0" i="1" smtClean="0">
-                        <a:latin typeface="Cambria Math" panose="02040503050406030204" pitchFamily="18" charset="0"/>
-                        <a:cs typeface="Times New Roman" panose="02020603050405020304" pitchFamily="18" charset="0"/>
-                      </a:rPr>
-                      <m:t>0.9</m:t>
-                    </m:r>
-                  </m:oMath>
-                </a14:m>
-                <a:r>
-                  <a:rPr lang="fr-FR" dirty="0">
-                    <a:latin typeface="Times New Roman" panose="02020603050405020304" pitchFamily="18" charset="0"/>
-                    <a:cs typeface="Times New Roman" panose="02020603050405020304" pitchFamily="18" charset="0"/>
-                  </a:rPr>
-                  <a:t> dans le script. Néanmoins, comme renvoyée par la fonction LBM, ce n’est pas exactement cette valeur qui est obtenue une fois le maillage généré.  </a:t>
-                </a:r>
-              </a:p>
-              <a:p>
-                <a:pPr algn="just"/>
-                <a:endParaRPr lang="fr-FR" dirty="0">
-                  <a:latin typeface="Times New Roman" panose="02020603050405020304" pitchFamily="18" charset="0"/>
-                  <a:cs typeface="Times New Roman" panose="02020603050405020304" pitchFamily="18" charset="0"/>
-                </a:endParaRPr>
-              </a:p>
-              <a:p>
-                <a:pPr algn="just"/>
-                <a:r>
-                  <a:rPr lang="fr-FR" dirty="0">
-                    <a:latin typeface="Times New Roman" panose="02020603050405020304" pitchFamily="18" charset="0"/>
-                    <a:cs typeface="Times New Roman" panose="02020603050405020304" pitchFamily="18" charset="0"/>
-                  </a:rPr>
-                  <a:t>La convergence asymptotique nous a montré la valeur de la porosité tend vers 0,9 avec le raffinement du maillage.</a:t>
-                </a:r>
-              </a:p>
-            </p:txBody>
-          </p:sp>
-        </mc:Choice>
-        <mc:Fallback xmlns="">
-          <p:sp>
-            <p:nvSpPr>
-              <p:cNvPr id="8" name="TextBox 7">
-                <a:extLst>
-                  <a:ext uri="{FF2B5EF4-FFF2-40B4-BE49-F238E27FC236}">
-                    <a16:creationId xmlns:a16="http://schemas.microsoft.com/office/drawing/2014/main" id="{B59510E1-EBC0-ABB3-6A22-CECF19C93493}"/>
-                  </a:ext>
-                </a:extLst>
-              </p:cNvPr>
-              <p:cNvSpPr txBox="1">
-                <a:spLocks noRot="1" noChangeAspect="1" noMove="1" noResize="1" noEditPoints="1" noAdjustHandles="1" noChangeArrowheads="1" noChangeShapeType="1" noTextEdit="1"/>
-              </p:cNvSpPr>
-              <p:nvPr/>
-            </p:nvSpPr>
-            <p:spPr>
-              <a:xfrm>
-                <a:off x="6289390" y="627467"/>
-                <a:ext cx="5902610" cy="2031325"/>
-              </a:xfrm>
-              <a:prstGeom prst="rect">
-                <a:avLst/>
-              </a:prstGeom>
-              <a:blipFill>
-                <a:blip r:embed="rId3"/>
-                <a:stretch>
-                  <a:fillRect l="-930" t="-1802" r="-826" b="-3904"/>
-                </a:stretch>
-              </a:blipFill>
-            </p:spPr>
-            <p:txBody>
-              <a:bodyPr/>
-              <a:lstStyle/>
-              <a:p>
-                <a:r>
-                  <a:rPr lang="en-GB">
-                    <a:noFill/>
-                  </a:rPr>
-                  <a:t> </a:t>
-                </a:r>
-              </a:p>
-            </p:txBody>
-          </p:sp>
-        </mc:Fallback>
-      </mc:AlternateContent>
-      <p:grpSp>
-        <p:nvGrpSpPr>
-          <p:cNvPr id="13" name="Group 12">
-            <a:extLst>
-              <a:ext uri="{FF2B5EF4-FFF2-40B4-BE49-F238E27FC236}">
-                <a16:creationId xmlns:a16="http://schemas.microsoft.com/office/drawing/2014/main" id="{54C7E6F4-8F18-EC6A-D2F7-61930F6DC462}"/>
-              </a:ext>
-            </a:extLst>
-          </p:cNvPr>
-          <p:cNvGrpSpPr/>
-          <p:nvPr/>
-        </p:nvGrpSpPr>
-        <p:grpSpPr>
-          <a:xfrm>
-            <a:off x="7301759" y="3057171"/>
-            <a:ext cx="3877871" cy="3012166"/>
-            <a:chOff x="7301759" y="3057171"/>
-            <a:chExt cx="3877871" cy="3012166"/>
-          </a:xfrm>
-        </p:grpSpPr>
-        <p:pic>
-          <p:nvPicPr>
-            <p:cNvPr id="11" name="Picture 10">
-              <a:extLst>
-                <a:ext uri="{FF2B5EF4-FFF2-40B4-BE49-F238E27FC236}">
-                  <a16:creationId xmlns:a16="http://schemas.microsoft.com/office/drawing/2014/main" id="{2A1A0B94-2FCF-DC6D-D034-5125D72ECB34}"/>
-                </a:ext>
-              </a:extLst>
-            </p:cNvPr>
-            <p:cNvPicPr>
-              <a:picLocks noChangeAspect="1"/>
-            </p:cNvPicPr>
-            <p:nvPr/>
-          </p:nvPicPr>
-          <p:blipFill>
-            <a:blip r:embed="rId4"/>
-            <a:srcRect t="1104"/>
-            <a:stretch/>
-          </p:blipFill>
-          <p:spPr>
-            <a:xfrm>
-              <a:off x="7301759" y="3057171"/>
-              <a:ext cx="3877871" cy="3012166"/>
-            </a:xfrm>
-            <a:prstGeom prst="rect">
-              <a:avLst/>
-            </a:prstGeom>
-          </p:spPr>
-        </p:pic>
-        <p:sp>
-          <p:nvSpPr>
-            <p:cNvPr id="12" name="Rectangle 11">
-              <a:extLst>
-                <a:ext uri="{FF2B5EF4-FFF2-40B4-BE49-F238E27FC236}">
-                  <a16:creationId xmlns:a16="http://schemas.microsoft.com/office/drawing/2014/main" id="{87182020-8087-B84F-473E-1E36CDBE3BD1}"/>
-                </a:ext>
-              </a:extLst>
-            </p:cNvPr>
-            <p:cNvSpPr/>
-            <p:nvPr/>
-          </p:nvSpPr>
-          <p:spPr>
-            <a:xfrm>
-              <a:off x="9856963" y="3178327"/>
-              <a:ext cx="1176162" cy="122085"/>
-            </a:xfrm>
-            <a:prstGeom prst="rect">
-              <a:avLst/>
-            </a:prstGeom>
-            <a:solidFill>
-              <a:srgbClr val="FFFFFF"/>
-            </a:solidFill>
-            <a:ln>
-              <a:noFill/>
-            </a:ln>
-          </p:spPr>
-          <p:style>
-            <a:lnRef idx="2">
-              <a:schemeClr val="accent1">
-                <a:shade val="15000"/>
-              </a:schemeClr>
-            </a:lnRef>
-            <a:fillRef idx="1">
-              <a:schemeClr val="accent1"/>
-            </a:fillRef>
-            <a:effectRef idx="0">
-              <a:schemeClr val="accent1"/>
-            </a:effectRef>
-            <a:fontRef idx="minor">
-              <a:schemeClr val="lt1"/>
-            </a:fontRef>
-          </p:style>
-          <p:txBody>
-            <a:bodyPr rtlCol="0" anchor="ctr"/>
-            <a:lstStyle/>
-            <a:p>
-              <a:pPr algn="ctr"/>
-              <a:endParaRPr lang="en-GB"/>
-            </a:p>
-          </p:txBody>
-        </p:sp>
-      </p:grpSp>
-      <p:pic>
-        <p:nvPicPr>
-          <p:cNvPr id="14" name="Picture 2">
-            <a:extLst>
-              <a:ext uri="{FF2B5EF4-FFF2-40B4-BE49-F238E27FC236}">
-                <a16:creationId xmlns:a16="http://schemas.microsoft.com/office/drawing/2014/main" id="{608A5849-B9C5-E9E9-0A24-2CD5934B10F2}"/>
-              </a:ext>
-            </a:extLst>
-          </p:cNvPr>
-          <p:cNvPicPr>
-            <a:picLocks noChangeAspect="1" noChangeArrowheads="1"/>
-          </p:cNvPicPr>
-          <p:nvPr/>
-        </p:nvPicPr>
-        <p:blipFill>
-          <a:blip r:embed="rId5">
-            <a:extLst>
-              <a:ext uri="{28A0092B-C50C-407E-A947-70E740481C1C}">
-                <a14:useLocalDpi xmlns:a14="http://schemas.microsoft.com/office/drawing/2010/main" val="0"/>
-              </a:ext>
-            </a:extLst>
-          </a:blip>
-          <a:srcRect/>
-          <a:stretch>
-            <a:fillRect/>
-          </a:stretch>
-        </p:blipFill>
-        <p:spPr bwMode="auto">
-          <a:xfrm>
-            <a:off x="57150" y="6308684"/>
-            <a:ext cx="539750" cy="483076"/>
-          </a:xfrm>
-          <a:prstGeom prst="rect">
-            <a:avLst/>
-          </a:prstGeom>
-          <a:noFill/>
-          <a:extLst>
-            <a:ext uri="{909E8E84-426E-40DD-AFC4-6F175D3DCCD1}">
-              <a14:hiddenFill xmlns:a14="http://schemas.microsoft.com/office/drawing/2010/main">
-                <a:solidFill>
-                  <a:srgbClr val="FFFFFF"/>
-                </a:solidFill>
-              </a14:hiddenFill>
-            </a:ext>
-          </a:extLst>
-        </p:spPr>
-      </p:pic>
-      <p:sp>
-        <p:nvSpPr>
-          <p:cNvPr id="15" name="TextBox 14">
-            <a:extLst>
-              <a:ext uri="{FF2B5EF4-FFF2-40B4-BE49-F238E27FC236}">
-                <a16:creationId xmlns:a16="http://schemas.microsoft.com/office/drawing/2014/main" id="{C0369276-559D-23A8-495E-096BE3A8F2E5}"/>
-              </a:ext>
-            </a:extLst>
-          </p:cNvPr>
-          <p:cNvSpPr txBox="1"/>
-          <p:nvPr/>
-        </p:nvSpPr>
-        <p:spPr>
-          <a:xfrm>
-            <a:off x="692150" y="6365556"/>
-            <a:ext cx="2527300" cy="369332"/>
-          </a:xfrm>
-          <a:prstGeom prst="rect">
-            <a:avLst/>
-          </a:prstGeom>
-          <a:noFill/>
-        </p:spPr>
-        <p:txBody>
-          <a:bodyPr wrap="square" rtlCol="0">
-            <a:spAutoFit/>
-          </a:bodyPr>
-          <a:lstStyle/>
-          <a:p>
-            <a:pPr algn="just"/>
-            <a:r>
-              <a:rPr lang="fr-FR" b="1" dirty="0">
-                <a:latin typeface="Times New Roman" panose="02020603050405020304" pitchFamily="18" charset="0"/>
-                <a:cs typeface="Times New Roman" panose="02020603050405020304" pitchFamily="18" charset="0"/>
-              </a:rPr>
-              <a:t>Script</a:t>
-            </a:r>
-            <a:r>
-              <a:rPr lang="fr-FR" i="1" dirty="0">
-                <a:latin typeface="Times New Roman" panose="02020603050405020304" pitchFamily="18" charset="0"/>
-                <a:cs typeface="Times New Roman" panose="02020603050405020304" pitchFamily="18" charset="0"/>
-              </a:rPr>
-              <a:t> : </a:t>
-            </a:r>
-            <a:r>
-              <a:rPr lang="fr-FR" i="1" dirty="0" err="1">
-                <a:latin typeface="Times New Roman" panose="02020603050405020304" pitchFamily="18" charset="0"/>
-                <a:cs typeface="Times New Roman" panose="02020603050405020304" pitchFamily="18" charset="0"/>
-              </a:rPr>
-              <a:t>MMC.m</a:t>
-            </a:r>
-            <a:endParaRPr lang="fr-FR" i="1" dirty="0">
-              <a:latin typeface="Times New Roman" panose="02020603050405020304" pitchFamily="18" charset="0"/>
-              <a:cs typeface="Times New Roman" panose="02020603050405020304" pitchFamily="18" charset="0"/>
-            </a:endParaRPr>
-          </a:p>
-        </p:txBody>
-      </p:sp>
-      <p:sp>
-        <p:nvSpPr>
-          <p:cNvPr id="2" name="Slide Number Placeholder 1">
-            <a:extLst>
-              <a:ext uri="{FF2B5EF4-FFF2-40B4-BE49-F238E27FC236}">
-                <a16:creationId xmlns:a16="http://schemas.microsoft.com/office/drawing/2014/main" id="{0D91164E-2032-EFD7-316C-2D40649B64E0}"/>
-              </a:ext>
-            </a:extLst>
-          </p:cNvPr>
-          <p:cNvSpPr>
-            <a:spLocks noGrp="1"/>
-          </p:cNvSpPr>
-          <p:nvPr>
-            <p:ph type="sldNum" sz="quarter" idx="12"/>
-          </p:nvPr>
-        </p:nvSpPr>
-        <p:spPr/>
-        <p:txBody>
-          <a:bodyPr/>
-          <a:lstStyle/>
-          <a:p>
-            <a:fld id="{74DDA11D-2719-4AB3-AAA7-DB2910A56E08}" type="slidenum">
-              <a:rPr lang="en-GB" smtClean="0"/>
-              <a:t>14</a:t>
-            </a:fld>
-            <a:endParaRPr lang="en-GB" dirty="0"/>
-          </a:p>
-        </p:txBody>
-      </p:sp>
-    </p:spTree>
-    <p:extLst>
-      <p:ext uri="{BB962C8B-B14F-4D97-AF65-F5344CB8AC3E}">
-        <p14:creationId xmlns:p14="http://schemas.microsoft.com/office/powerpoint/2010/main" val="103194153"/>
-      </p:ext>
-    </p:extLst>
-  </p:cSld>
-  <p:clrMapOvr>
-    <a:masterClrMapping/>
-  </p:clrMapOvr>
-</p:sld>
-</file>
-
-<file path=ppt/slides/slide15.xml><?xml version="1.0" encoding="utf-8"?>
-<p:sld xmlns:a="http://schemas.openxmlformats.org/drawingml/2006/main" xmlns:r="http://schemas.openxmlformats.org/officeDocument/2006/relationships" xmlns:p="http://schemas.openxmlformats.org/presentationml/2006/main">
-  <p:cSld>
-    <p:spTree>
-      <p:nvGrpSpPr>
-        <p:cNvPr id="1" name="">
-          <a:extLst>
-            <a:ext uri="{FF2B5EF4-FFF2-40B4-BE49-F238E27FC236}">
-              <a16:creationId xmlns:a16="http://schemas.microsoft.com/office/drawing/2014/main" id="{9F3539C8-98F5-8398-EB73-C857791BA151}"/>
-            </a:ext>
-          </a:extLst>
-        </p:cNvPr>
-        <p:cNvGrpSpPr/>
-        <p:nvPr/>
-      </p:nvGrpSpPr>
-      <p:grpSpPr>
-        <a:xfrm>
-          <a:off x="0" y="0"/>
-          <a:ext cx="0" cy="0"/>
-          <a:chOff x="0" y="0"/>
-          <a:chExt cx="0" cy="0"/>
-        </a:xfrm>
-      </p:grpSpPr>
-      <p:sp>
-        <p:nvSpPr>
-          <p:cNvPr id="36" name="Rectangle 35">
-            <a:extLst>
-              <a:ext uri="{FF2B5EF4-FFF2-40B4-BE49-F238E27FC236}">
-                <a16:creationId xmlns:a16="http://schemas.microsoft.com/office/drawing/2014/main" id="{94FC5973-29D5-D229-B48C-81F6D055E5A1}"/>
-              </a:ext>
-            </a:extLst>
-          </p:cNvPr>
-          <p:cNvSpPr/>
-          <p:nvPr/>
-        </p:nvSpPr>
-        <p:spPr>
-          <a:xfrm>
-            <a:off x="1" y="-990"/>
-            <a:ext cx="6096000" cy="501017"/>
-          </a:xfrm>
-          <a:prstGeom prst="rect">
-            <a:avLst/>
-          </a:prstGeom>
-          <a:solidFill>
-            <a:srgbClr val="980000"/>
-          </a:solidFill>
-          <a:ln>
-            <a:noFill/>
-          </a:ln>
-        </p:spPr>
-        <p:style>
-          <a:lnRef idx="2">
-            <a:schemeClr val="accent1">
-              <a:shade val="15000"/>
-            </a:schemeClr>
-          </a:lnRef>
-          <a:fillRef idx="1">
-            <a:schemeClr val="accent1"/>
-          </a:fillRef>
-          <a:effectRef idx="0">
-            <a:schemeClr val="accent1"/>
-          </a:effectRef>
-          <a:fontRef idx="minor">
-            <a:schemeClr val="lt1"/>
-          </a:fontRef>
-        </p:style>
-        <p:txBody>
-          <a:bodyPr rtlCol="0" anchor="ctr"/>
-          <a:lstStyle/>
-          <a:p>
-            <a:pPr algn="ctr"/>
-            <a:endParaRPr lang="fr-FR" noProof="0" dirty="0"/>
-          </a:p>
-        </p:txBody>
-      </p:sp>
-      <p:sp>
-        <p:nvSpPr>
-          <p:cNvPr id="9" name="TextBox 8">
-            <a:extLst>
-              <a:ext uri="{FF2B5EF4-FFF2-40B4-BE49-F238E27FC236}">
-                <a16:creationId xmlns:a16="http://schemas.microsoft.com/office/drawing/2014/main" id="{2E0E335C-CDB2-C8F8-E54B-AABF27FAE3B1}"/>
-              </a:ext>
-            </a:extLst>
-          </p:cNvPr>
-          <p:cNvSpPr txBox="1"/>
-          <p:nvPr/>
-        </p:nvSpPr>
-        <p:spPr>
-          <a:xfrm>
-            <a:off x="0" y="-990"/>
-            <a:ext cx="4105341" cy="461665"/>
-          </a:xfrm>
-          <a:prstGeom prst="rect">
-            <a:avLst/>
-          </a:prstGeom>
-          <a:noFill/>
-        </p:spPr>
-        <p:txBody>
-          <a:bodyPr wrap="square" rtlCol="0">
-            <a:spAutoFit/>
-          </a:bodyPr>
-          <a:lstStyle/>
-          <a:p>
-            <a:pPr algn="just"/>
-            <a:r>
-              <a:rPr lang="fr-FR" sz="2400" b="1" noProof="0" dirty="0">
-                <a:solidFill>
-                  <a:schemeClr val="bg1"/>
-                </a:solidFill>
-                <a:latin typeface="Times New Roman" panose="02020603050405020304" pitchFamily="18" charset="0"/>
-                <a:cs typeface="Times New Roman" panose="02020603050405020304" pitchFamily="18" charset="0"/>
-              </a:rPr>
-              <a:t>QUESTION A</a:t>
-            </a:r>
-          </a:p>
-        </p:txBody>
-      </p:sp>
-      <p:sp>
-        <p:nvSpPr>
-          <p:cNvPr id="39" name="Rectangle 38">
-            <a:extLst>
-              <a:ext uri="{FF2B5EF4-FFF2-40B4-BE49-F238E27FC236}">
-                <a16:creationId xmlns:a16="http://schemas.microsoft.com/office/drawing/2014/main" id="{1AEF8FA1-9E73-E6A4-94CA-9083A7CE3A7D}"/>
-              </a:ext>
-            </a:extLst>
-          </p:cNvPr>
-          <p:cNvSpPr/>
-          <p:nvPr/>
-        </p:nvSpPr>
-        <p:spPr>
-          <a:xfrm>
-            <a:off x="6096000" y="0"/>
-            <a:ext cx="6096000" cy="501017"/>
-          </a:xfrm>
-          <a:prstGeom prst="rect">
-            <a:avLst/>
-          </a:prstGeom>
-          <a:solidFill>
-            <a:srgbClr val="D9D9D9"/>
-          </a:solidFill>
-          <a:ln>
-            <a:noFill/>
-          </a:ln>
-        </p:spPr>
-        <p:style>
-          <a:lnRef idx="2">
-            <a:schemeClr val="accent1">
-              <a:shade val="15000"/>
-            </a:schemeClr>
-          </a:lnRef>
-          <a:fillRef idx="1">
-            <a:schemeClr val="accent1"/>
-          </a:fillRef>
-          <a:effectRef idx="0">
-            <a:schemeClr val="accent1"/>
-          </a:effectRef>
-          <a:fontRef idx="minor">
-            <a:schemeClr val="lt1"/>
-          </a:fontRef>
-        </p:style>
-        <p:txBody>
-          <a:bodyPr rtlCol="0" anchor="ctr"/>
-          <a:lstStyle/>
-          <a:p>
-            <a:pPr algn="ctr"/>
-            <a:endParaRPr lang="fr-FR" noProof="0" dirty="0"/>
-          </a:p>
-        </p:txBody>
-      </p:sp>
-      <mc:AlternateContent xmlns:mc="http://schemas.openxmlformats.org/markup-compatibility/2006" xmlns:a14="http://schemas.microsoft.com/office/drawing/2010/main">
-        <mc:Choice Requires="a14">
-          <p:sp>
-            <p:nvSpPr>
-              <p:cNvPr id="6" name="TextBox 5">
-                <a:extLst>
-                  <a:ext uri="{FF2B5EF4-FFF2-40B4-BE49-F238E27FC236}">
-                    <a16:creationId xmlns:a16="http://schemas.microsoft.com/office/drawing/2014/main" id="{C62F041C-7CFD-3C40-5EA5-A07763643F32}"/>
-                  </a:ext>
-                </a:extLst>
-              </p:cNvPr>
-              <p:cNvSpPr txBox="1"/>
-              <p:nvPr/>
-            </p:nvSpPr>
-            <p:spPr>
-              <a:xfrm>
-                <a:off x="0" y="627468"/>
-                <a:ext cx="5902610" cy="5435655"/>
-              </a:xfrm>
-              <a:prstGeom prst="rect">
-                <a:avLst/>
-              </a:prstGeom>
-              <a:noFill/>
-            </p:spPr>
-            <p:txBody>
-              <a:bodyPr wrap="square" rtlCol="0">
-                <a:spAutoFit/>
-              </a:bodyPr>
-              <a:lstStyle/>
-              <a:p>
-                <a:pPr algn="just"/>
-                <a:r>
-                  <a:rPr lang="fr-FR" dirty="0">
-                    <a:latin typeface="Times New Roman" panose="02020603050405020304" pitchFamily="18" charset="0"/>
-                    <a:cs typeface="Times New Roman" panose="02020603050405020304" pitchFamily="18" charset="0"/>
-                  </a:rPr>
-                  <a:t>Maintenant que nous avons </a:t>
-                </a:r>
-                <a14:m>
-                  <m:oMath xmlns:m="http://schemas.openxmlformats.org/officeDocument/2006/math">
-                    <m:acc>
-                      <m:accPr>
-                        <m:chr m:val="̂"/>
-                        <m:ctrlPr>
-                          <a:rPr lang="fr-FR" i="1" noProof="0" smtClean="0">
-                            <a:latin typeface="Cambria Math" panose="02040503050406030204" pitchFamily="18" charset="0"/>
-                            <a:cs typeface="Times New Roman" panose="02020603050405020304" pitchFamily="18" charset="0"/>
-                          </a:rPr>
-                        </m:ctrlPr>
-                      </m:accPr>
-                      <m:e>
-                        <m:r>
-                          <a:rPr lang="fr-FR" b="0" i="1" noProof="0" smtClean="0">
-                            <a:latin typeface="Cambria Math" panose="02040503050406030204" pitchFamily="18" charset="0"/>
-                            <a:cs typeface="Times New Roman" panose="02020603050405020304" pitchFamily="18" charset="0"/>
-                          </a:rPr>
-                          <m:t>𝑝</m:t>
-                        </m:r>
-                      </m:e>
-                    </m:acc>
-                  </m:oMath>
-                </a14:m>
-                <a:r>
-                  <a:rPr lang="fr-FR" dirty="0">
-                    <a:latin typeface="Times New Roman" panose="02020603050405020304" pitchFamily="18" charset="0"/>
-                    <a:cs typeface="Times New Roman" panose="02020603050405020304" pitchFamily="18" charset="0"/>
-                  </a:rPr>
-                  <a:t>, nous pouvons calculer l’écart relatif à </a:t>
-                </a:r>
-                <a14:m>
-                  <m:oMath xmlns:m="http://schemas.openxmlformats.org/officeDocument/2006/math">
-                    <m:sSub>
-                      <m:sSubPr>
-                        <m:ctrlPr>
-                          <a:rPr lang="fr-FR" i="1">
-                            <a:latin typeface="Cambria Math" panose="02040503050406030204" pitchFamily="18" charset="0"/>
-                            <a:cs typeface="Times New Roman" panose="02020603050405020304" pitchFamily="18" charset="0"/>
-                          </a:rPr>
-                        </m:ctrlPr>
-                      </m:sSubPr>
-                      <m:e>
-                        <m:r>
-                          <a:rPr lang="fr-FR" i="1">
-                            <a:latin typeface="Cambria Math" panose="02040503050406030204" pitchFamily="18" charset="0"/>
-                            <a:cs typeface="Times New Roman" panose="02020603050405020304" pitchFamily="18" charset="0"/>
-                          </a:rPr>
-                          <m:t>𝑝</m:t>
-                        </m:r>
-                      </m:e>
-                      <m:sub>
-                        <m:r>
-                          <a:rPr lang="fr-FR" i="1">
-                            <a:latin typeface="Cambria Math" panose="02040503050406030204" pitchFamily="18" charset="0"/>
-                            <a:cs typeface="Times New Roman" panose="02020603050405020304" pitchFamily="18" charset="0"/>
-                          </a:rPr>
-                          <m:t>𝑓</m:t>
-                        </m:r>
-                      </m:sub>
-                    </m:sSub>
-                  </m:oMath>
-                </a14:m>
-                <a:r>
-                  <a:rPr lang="fr-FR" dirty="0">
-                    <a:latin typeface="Times New Roman" panose="02020603050405020304" pitchFamily="18" charset="0"/>
-                    <a:cs typeface="Times New Roman" panose="02020603050405020304" pitchFamily="18" charset="0"/>
-                  </a:rPr>
-                  <a:t> tel que : </a:t>
-                </a:r>
-              </a:p>
-              <a:p>
-                <a:pPr algn="just"/>
-                <a14:m>
-                  <m:oMathPara xmlns:m="http://schemas.openxmlformats.org/officeDocument/2006/math">
-                    <m:oMathParaPr>
-                      <m:jc m:val="centerGroup"/>
-                    </m:oMathParaPr>
-                    <m:oMath xmlns:m="http://schemas.openxmlformats.org/officeDocument/2006/math">
-                      <m:d>
-                        <m:dPr>
-                          <m:begChr m:val="|"/>
-                          <m:endChr m:val="|"/>
-                          <m:ctrlPr>
-                            <a:rPr lang="fr-FR" i="1">
-                              <a:latin typeface="Cambria Math" panose="02040503050406030204" pitchFamily="18" charset="0"/>
-                              <a:cs typeface="Times New Roman" panose="02020603050405020304" pitchFamily="18" charset="0"/>
-                            </a:rPr>
-                          </m:ctrlPr>
-                        </m:dPr>
-                        <m:e>
-                          <m:f>
-                            <m:fPr>
-                              <m:ctrlPr>
-                                <a:rPr lang="fr-FR" i="1">
-                                  <a:latin typeface="Cambria Math" panose="02040503050406030204" pitchFamily="18" charset="0"/>
-                                  <a:cs typeface="Times New Roman" panose="02020603050405020304" pitchFamily="18" charset="0"/>
-                                </a:rPr>
-                              </m:ctrlPr>
-                            </m:fPr>
-                            <m:num>
-                              <m:acc>
-                                <m:accPr>
-                                  <m:chr m:val="̂"/>
-                                  <m:ctrlPr>
-                                    <a:rPr lang="fr-FR" i="1">
-                                      <a:latin typeface="Cambria Math" panose="02040503050406030204" pitchFamily="18" charset="0"/>
-                                      <a:cs typeface="Times New Roman" panose="02020603050405020304" pitchFamily="18" charset="0"/>
-                                    </a:rPr>
-                                  </m:ctrlPr>
-                                </m:accPr>
-                                <m:e>
-                                  <m:r>
-                                    <a:rPr lang="fr-FR" i="1">
-                                      <a:latin typeface="Cambria Math" panose="02040503050406030204" pitchFamily="18" charset="0"/>
-                                      <a:cs typeface="Times New Roman" panose="02020603050405020304" pitchFamily="18" charset="0"/>
-                                    </a:rPr>
-                                    <m:t>𝑝</m:t>
-                                  </m:r>
-                                </m:e>
-                              </m:acc>
-                              <m:r>
-                                <a:rPr lang="fr-FR" i="1">
-                                  <a:latin typeface="Cambria Math" panose="02040503050406030204" pitchFamily="18" charset="0"/>
-                                  <a:cs typeface="Times New Roman" panose="02020603050405020304" pitchFamily="18" charset="0"/>
-                                </a:rPr>
-                                <m:t>−</m:t>
-                              </m:r>
-                              <m:sSub>
-                                <m:sSubPr>
-                                  <m:ctrlPr>
-                                    <a:rPr lang="fr-FR" i="1">
-                                      <a:latin typeface="Cambria Math" panose="02040503050406030204" pitchFamily="18" charset="0"/>
-                                      <a:cs typeface="Times New Roman" panose="02020603050405020304" pitchFamily="18" charset="0"/>
-                                    </a:rPr>
-                                  </m:ctrlPr>
-                                </m:sSubPr>
-                                <m:e>
-                                  <m:r>
-                                    <a:rPr lang="fr-FR" i="1">
-                                      <a:latin typeface="Cambria Math" panose="02040503050406030204" pitchFamily="18" charset="0"/>
-                                      <a:cs typeface="Times New Roman" panose="02020603050405020304" pitchFamily="18" charset="0"/>
-                                    </a:rPr>
-                                    <m:t>𝑝</m:t>
-                                  </m:r>
-                                </m:e>
-                                <m:sub>
-                                  <m:r>
-                                    <a:rPr lang="fr-FR" i="1">
-                                      <a:latin typeface="Cambria Math" panose="02040503050406030204" pitchFamily="18" charset="0"/>
-                                      <a:cs typeface="Times New Roman" panose="02020603050405020304" pitchFamily="18" charset="0"/>
-                                    </a:rPr>
-                                    <m:t>𝑓</m:t>
-                                  </m:r>
-                                </m:sub>
-                              </m:sSub>
-                            </m:num>
-                            <m:den>
-                              <m:sSub>
-                                <m:sSubPr>
-                                  <m:ctrlPr>
-                                    <a:rPr lang="fr-FR" i="1">
-                                      <a:latin typeface="Cambria Math" panose="02040503050406030204" pitchFamily="18" charset="0"/>
-                                      <a:cs typeface="Times New Roman" panose="02020603050405020304" pitchFamily="18" charset="0"/>
-                                    </a:rPr>
-                                  </m:ctrlPr>
-                                </m:sSubPr>
-                                <m:e>
-                                  <m:r>
-                                    <a:rPr lang="fr-FR" i="1">
-                                      <a:latin typeface="Cambria Math" panose="02040503050406030204" pitchFamily="18" charset="0"/>
-                                      <a:cs typeface="Times New Roman" panose="02020603050405020304" pitchFamily="18" charset="0"/>
-                                    </a:rPr>
-                                    <m:t>𝑝</m:t>
-                                  </m:r>
-                                </m:e>
-                                <m:sub>
-                                  <m:r>
-                                    <a:rPr lang="fr-FR" i="1">
-                                      <a:latin typeface="Cambria Math" panose="02040503050406030204" pitchFamily="18" charset="0"/>
-                                      <a:cs typeface="Times New Roman" panose="02020603050405020304" pitchFamily="18" charset="0"/>
-                                    </a:rPr>
-                                    <m:t>𝑓</m:t>
-                                  </m:r>
-                                </m:sub>
-                              </m:sSub>
-                            </m:den>
-                          </m:f>
-                        </m:e>
-                      </m:d>
-                      <m:r>
-                        <a:rPr lang="fr-FR" i="1">
-                          <a:latin typeface="Cambria Math" panose="02040503050406030204" pitchFamily="18" charset="0"/>
-                          <a:cs typeface="Times New Roman" panose="02020603050405020304" pitchFamily="18" charset="0"/>
-                        </a:rPr>
-                        <m:t>=</m:t>
-                      </m:r>
-                      <m:r>
-                        <a:rPr lang="fr-FR" b="0" i="0" smtClean="0">
-                          <a:highlight>
-                            <a:srgbClr val="FFFF00"/>
-                          </a:highlight>
-                          <a:latin typeface="Cambria Math" panose="02040503050406030204" pitchFamily="18" charset="0"/>
-                          <a:cs typeface="Times New Roman" panose="02020603050405020304" pitchFamily="18" charset="0"/>
-                        </a:rPr>
-                        <m:t>1,29%</m:t>
-                      </m:r>
-                    </m:oMath>
-                  </m:oMathPara>
-                </a14:m>
-                <a:endParaRPr lang="fr-FR" dirty="0">
-                  <a:highlight>
-                    <a:srgbClr val="FFFF00"/>
-                  </a:highlight>
-                  <a:latin typeface="Times New Roman" panose="02020603050405020304" pitchFamily="18" charset="0"/>
-                  <a:cs typeface="Times New Roman" panose="02020603050405020304" pitchFamily="18" charset="0"/>
-                </a:endParaRPr>
-              </a:p>
-              <a:p>
-                <a:pPr algn="just"/>
-                <a:endParaRPr lang="fr-FR" dirty="0">
-                  <a:latin typeface="Times New Roman" panose="02020603050405020304" pitchFamily="18" charset="0"/>
-                  <a:cs typeface="Times New Roman" panose="02020603050405020304" pitchFamily="18" charset="0"/>
-                </a:endParaRPr>
-              </a:p>
-              <a:p>
-                <a:pPr algn="just"/>
-                <a:r>
-                  <a:rPr lang="fr-FR" dirty="0">
-                    <a:latin typeface="Times New Roman" panose="02020603050405020304" pitchFamily="18" charset="0"/>
-                    <a:cs typeface="Times New Roman" panose="02020603050405020304" pitchFamily="18" charset="0"/>
-                  </a:rPr>
-                  <a:t>Nous sommes donc dans le cas </a:t>
-                </a:r>
-                <a14:m>
-                  <m:oMath xmlns:m="http://schemas.openxmlformats.org/officeDocument/2006/math">
-                    <m:r>
-                      <a:rPr lang="fr-FR" i="1" dirty="0" smtClean="0">
-                        <a:highlight>
-                          <a:srgbClr val="FFFF00"/>
-                        </a:highlight>
-                        <a:latin typeface="Cambria Math" panose="02040503050406030204" pitchFamily="18" charset="0"/>
-                        <a:cs typeface="Times New Roman" panose="02020603050405020304" pitchFamily="18" charset="0"/>
-                      </a:rPr>
-                      <m:t>&lt;10%</m:t>
-                    </m:r>
-                  </m:oMath>
-                </a14:m>
-                <a:r>
-                  <a:rPr lang="fr-FR" dirty="0">
-                    <a:latin typeface="Times New Roman" panose="02020603050405020304" pitchFamily="18" charset="0"/>
-                    <a:cs typeface="Times New Roman" panose="02020603050405020304" pitchFamily="18" charset="0"/>
-                  </a:rPr>
-                  <a:t>, ce qui veut dire que nous allons estimer l’incertitude avec le </a:t>
-                </a:r>
-                <a:r>
-                  <a:rPr lang="fr-FR" b="1" dirty="0">
-                    <a:latin typeface="Times New Roman" panose="02020603050405020304" pitchFamily="18" charset="0"/>
-                    <a:cs typeface="Times New Roman" panose="02020603050405020304" pitchFamily="18" charset="0"/>
-                  </a:rPr>
-                  <a:t>GCI</a:t>
-                </a:r>
-                <a:r>
-                  <a:rPr lang="fr-FR" dirty="0">
-                    <a:latin typeface="Times New Roman" panose="02020603050405020304" pitchFamily="18" charset="0"/>
-                    <a:cs typeface="Times New Roman" panose="02020603050405020304" pitchFamily="18" charset="0"/>
-                  </a:rPr>
-                  <a:t>. Ainsi, avec </a:t>
-                </a:r>
-                <a14:m>
-                  <m:oMath xmlns:m="http://schemas.openxmlformats.org/officeDocument/2006/math">
-                    <m:sSub>
-                      <m:sSubPr>
-                        <m:ctrlPr>
-                          <a:rPr lang="fr-FR" i="1">
-                            <a:latin typeface="Cambria Math" panose="02040503050406030204" pitchFamily="18" charset="0"/>
-                            <a:cs typeface="Times New Roman" panose="02020603050405020304" pitchFamily="18" charset="0"/>
-                          </a:rPr>
-                        </m:ctrlPr>
-                      </m:sSubPr>
-                      <m:e>
-                        <m:r>
-                          <a:rPr lang="fr-FR" i="1">
-                            <a:latin typeface="Cambria Math" panose="02040503050406030204" pitchFamily="18" charset="0"/>
-                            <a:cs typeface="Times New Roman" panose="02020603050405020304" pitchFamily="18" charset="0"/>
-                          </a:rPr>
-                          <m:t>𝐹</m:t>
-                        </m:r>
-                      </m:e>
-                      <m:sub>
-                        <m:r>
-                          <a:rPr lang="fr-FR" i="1">
-                            <a:latin typeface="Cambria Math" panose="02040503050406030204" pitchFamily="18" charset="0"/>
-                            <a:cs typeface="Times New Roman" panose="02020603050405020304" pitchFamily="18" charset="0"/>
-                          </a:rPr>
-                          <m:t>𝑠</m:t>
-                        </m:r>
-                      </m:sub>
-                    </m:sSub>
-                    <m:r>
-                      <a:rPr lang="fr-FR" b="0" i="1" smtClean="0">
-                        <a:latin typeface="Cambria Math" panose="02040503050406030204" pitchFamily="18" charset="0"/>
-                        <a:cs typeface="Times New Roman" panose="02020603050405020304" pitchFamily="18" charset="0"/>
-                      </a:rPr>
-                      <m:t>=</m:t>
-                    </m:r>
-                    <m:r>
-                      <a:rPr lang="fr-FR" b="0" i="1" smtClean="0">
-                        <a:highlight>
-                          <a:srgbClr val="FFFF00"/>
-                        </a:highlight>
-                        <a:latin typeface="Cambria Math" panose="02040503050406030204" pitchFamily="18" charset="0"/>
-                        <a:cs typeface="Times New Roman" panose="02020603050405020304" pitchFamily="18" charset="0"/>
-                      </a:rPr>
-                      <m:t>1,25</m:t>
-                    </m:r>
-                  </m:oMath>
-                </a14:m>
-                <a:r>
-                  <a:rPr lang="fr-FR" dirty="0">
-                    <a:latin typeface="Times New Roman" panose="02020603050405020304" pitchFamily="18" charset="0"/>
-                    <a:cs typeface="Times New Roman" panose="02020603050405020304" pitchFamily="18" charset="0"/>
-                  </a:rPr>
-                  <a:t> et </a:t>
-                </a:r>
-                <a14:m>
-                  <m:oMath xmlns:m="http://schemas.openxmlformats.org/officeDocument/2006/math">
-                    <m:sSub>
-                      <m:sSubPr>
-                        <m:ctrlPr>
-                          <a:rPr lang="fr-FR" b="0" i="1" smtClean="0">
-                            <a:highlight>
-                              <a:srgbClr val="FFFF00"/>
-                            </a:highlight>
-                            <a:latin typeface="Cambria Math" panose="02040503050406030204" pitchFamily="18" charset="0"/>
-                            <a:cs typeface="Times New Roman" panose="02020603050405020304" pitchFamily="18" charset="0"/>
-                          </a:rPr>
-                        </m:ctrlPr>
-                      </m:sSubPr>
-                      <m:e>
-                        <m:r>
-                          <a:rPr lang="fr-FR" b="0" i="1" smtClean="0">
-                            <a:highlight>
-                              <a:srgbClr val="FFFF00"/>
-                            </a:highlight>
-                            <a:latin typeface="Cambria Math" panose="02040503050406030204" pitchFamily="18" charset="0"/>
-                            <a:cs typeface="Times New Roman" panose="02020603050405020304" pitchFamily="18" charset="0"/>
-                          </a:rPr>
-                          <m:t>𝑝</m:t>
-                        </m:r>
-                      </m:e>
-                      <m:sub>
-                        <m:r>
-                          <a:rPr lang="fr-FR" b="0" i="1" smtClean="0">
-                            <a:highlight>
-                              <a:srgbClr val="FFFF00"/>
-                            </a:highlight>
-                            <a:latin typeface="Cambria Math" panose="02040503050406030204" pitchFamily="18" charset="0"/>
-                            <a:cs typeface="Times New Roman" panose="02020603050405020304" pitchFamily="18" charset="0"/>
-                          </a:rPr>
-                          <m:t>𝑓</m:t>
-                        </m:r>
-                      </m:sub>
-                    </m:sSub>
-                    <m:r>
-                      <a:rPr lang="fr-FR" b="0" i="1" smtClean="0">
-                        <a:highlight>
-                          <a:srgbClr val="FFFF00"/>
-                        </a:highlight>
-                        <a:latin typeface="Cambria Math" panose="02040503050406030204" pitchFamily="18" charset="0"/>
-                        <a:cs typeface="Times New Roman" panose="02020603050405020304" pitchFamily="18" charset="0"/>
-                      </a:rPr>
-                      <m:t>=2</m:t>
-                    </m:r>
-                  </m:oMath>
-                </a14:m>
-                <a:r>
-                  <a:rPr lang="fr-FR" dirty="0">
-                    <a:latin typeface="Times New Roman" panose="02020603050405020304" pitchFamily="18" charset="0"/>
-                    <a:cs typeface="Times New Roman" panose="02020603050405020304" pitchFamily="18" charset="0"/>
-                  </a:rPr>
-                  <a:t>. </a:t>
-                </a:r>
-              </a:p>
-              <a:p>
-                <a:pPr algn="just"/>
-                <a:endParaRPr lang="fr-FR" dirty="0">
-                  <a:latin typeface="Times New Roman" panose="02020603050405020304" pitchFamily="18" charset="0"/>
-                  <a:cs typeface="Times New Roman" panose="02020603050405020304" pitchFamily="18" charset="0"/>
-                </a:endParaRPr>
-              </a:p>
-              <a:p>
-                <a:pPr algn="just"/>
-                <a:r>
-                  <a:rPr lang="fr-FR" dirty="0">
-                    <a:latin typeface="Times New Roman" panose="02020603050405020304" pitchFamily="18" charset="0"/>
-                    <a:cs typeface="Times New Roman" panose="02020603050405020304" pitchFamily="18" charset="0"/>
-                  </a:rPr>
-                  <a:t>On trouve que : </a:t>
-                </a:r>
-                <a14:m>
-                  <m:oMath xmlns:m="http://schemas.openxmlformats.org/officeDocument/2006/math">
-                    <m:r>
-                      <a:rPr lang="fr-FR" b="0" i="1" smtClean="0">
-                        <a:latin typeface="Cambria Math" panose="02040503050406030204" pitchFamily="18" charset="0"/>
-                        <a:cs typeface="Times New Roman" panose="02020603050405020304" pitchFamily="18" charset="0"/>
-                      </a:rPr>
-                      <m:t>𝐺𝐶𝐼</m:t>
-                    </m:r>
-                    <m:r>
-                      <a:rPr lang="fr-FR" b="0" i="1" smtClean="0">
-                        <a:latin typeface="Cambria Math" panose="02040503050406030204" pitchFamily="18" charset="0"/>
-                        <a:cs typeface="Times New Roman" panose="02020603050405020304" pitchFamily="18" charset="0"/>
-                      </a:rPr>
-                      <m:t>=0,3671 </m:t>
-                    </m:r>
-                    <m:r>
-                      <a:rPr lang="fr-FR" b="0" i="1" smtClean="0">
-                        <a:latin typeface="Cambria Math" panose="02040503050406030204" pitchFamily="18" charset="0"/>
-                        <a:ea typeface="Cambria Math" panose="02040503050406030204" pitchFamily="18" charset="0"/>
-                        <a:cs typeface="Times New Roman" panose="02020603050405020304" pitchFamily="18" charset="0"/>
-                      </a:rPr>
-                      <m:t>𝜇</m:t>
-                    </m:r>
-                    <m:r>
-                      <a:rPr lang="fr-FR" b="0" i="1" smtClean="0">
-                        <a:latin typeface="Cambria Math" panose="02040503050406030204" pitchFamily="18" charset="0"/>
-                        <a:ea typeface="Cambria Math" panose="02040503050406030204" pitchFamily="18" charset="0"/>
-                        <a:cs typeface="Times New Roman" panose="02020603050405020304" pitchFamily="18" charset="0"/>
-                      </a:rPr>
-                      <m:t>𝑚</m:t>
-                    </m:r>
-                    <m:r>
-                      <a:rPr lang="fr-FR" b="0" i="1" smtClean="0">
-                        <a:latin typeface="Cambria Math" panose="02040503050406030204" pitchFamily="18" charset="0"/>
-                        <a:ea typeface="Cambria Math" panose="02040503050406030204" pitchFamily="18" charset="0"/>
-                        <a:cs typeface="Times New Roman" panose="02020603050405020304" pitchFamily="18" charset="0"/>
-                      </a:rPr>
-                      <m:t>²</m:t>
-                    </m:r>
-                  </m:oMath>
-                </a14:m>
-                <a:r>
-                  <a:rPr lang="fr-FR" dirty="0">
-                    <a:latin typeface="Times New Roman" panose="02020603050405020304" pitchFamily="18" charset="0"/>
-                    <a:cs typeface="Times New Roman" panose="02020603050405020304" pitchFamily="18" charset="0"/>
-                  </a:rPr>
-                  <a:t> tel que : </a:t>
-                </a:r>
-                <a14:m>
-                  <m:oMath xmlns:m="http://schemas.openxmlformats.org/officeDocument/2006/math">
-                    <m:r>
-                      <a:rPr lang="fr-FR" b="0" i="1" smtClean="0">
-                        <a:solidFill>
-                          <a:schemeClr val="accent5"/>
-                        </a:solidFill>
-                        <a:latin typeface="Cambria Math" panose="02040503050406030204" pitchFamily="18" charset="0"/>
-                        <a:cs typeface="Times New Roman" panose="02020603050405020304" pitchFamily="18" charset="0"/>
-                      </a:rPr>
-                      <m:t>𝑘</m:t>
-                    </m:r>
-                    <m:r>
-                      <a:rPr lang="fr-FR" b="0" i="1" smtClean="0">
-                        <a:latin typeface="Cambria Math" panose="02040503050406030204" pitchFamily="18" charset="0"/>
-                        <a:cs typeface="Times New Roman" panose="02020603050405020304" pitchFamily="18" charset="0"/>
-                      </a:rPr>
-                      <m:t>=21.4153</m:t>
-                    </m:r>
-                    <m:r>
-                      <a:rPr lang="fr-FR" b="0" i="1" smtClean="0">
-                        <a:latin typeface="Cambria Math" panose="02040503050406030204" pitchFamily="18" charset="0"/>
-                        <a:ea typeface="Cambria Math" panose="02040503050406030204" pitchFamily="18" charset="0"/>
-                        <a:cs typeface="Times New Roman" panose="02020603050405020304" pitchFamily="18" charset="0"/>
-                      </a:rPr>
-                      <m:t>±</m:t>
-                    </m:r>
-                    <m:r>
-                      <a:rPr lang="fr-FR" b="0" i="1" smtClean="0">
-                        <a:highlight>
-                          <a:srgbClr val="FFFF00"/>
-                        </a:highlight>
-                        <a:latin typeface="Cambria Math" panose="02040503050406030204" pitchFamily="18" charset="0"/>
-                        <a:cs typeface="Times New Roman" panose="02020603050405020304" pitchFamily="18" charset="0"/>
-                      </a:rPr>
-                      <m:t>0,3671</m:t>
-                    </m:r>
-                    <m:r>
-                      <a:rPr lang="fr-FR" i="1">
-                        <a:latin typeface="Cambria Math" panose="02040503050406030204" pitchFamily="18" charset="0"/>
-                        <a:cs typeface="Times New Roman" panose="02020603050405020304" pitchFamily="18" charset="0"/>
-                      </a:rPr>
-                      <m:t> </m:t>
-                    </m:r>
-                    <m:r>
-                      <a:rPr lang="fr-FR" i="1">
-                        <a:latin typeface="Cambria Math" panose="02040503050406030204" pitchFamily="18" charset="0"/>
-                        <a:ea typeface="Cambria Math" panose="02040503050406030204" pitchFamily="18" charset="0"/>
-                        <a:cs typeface="Times New Roman" panose="02020603050405020304" pitchFamily="18" charset="0"/>
-                      </a:rPr>
-                      <m:t>𝜇</m:t>
-                    </m:r>
-                    <m:r>
-                      <a:rPr lang="fr-FR" i="1">
-                        <a:latin typeface="Cambria Math" panose="02040503050406030204" pitchFamily="18" charset="0"/>
-                        <a:ea typeface="Cambria Math" panose="02040503050406030204" pitchFamily="18" charset="0"/>
-                        <a:cs typeface="Times New Roman" panose="02020603050405020304" pitchFamily="18" charset="0"/>
-                      </a:rPr>
-                      <m:t>𝑚</m:t>
-                    </m:r>
-                    <m:r>
-                      <a:rPr lang="fr-FR" i="1">
-                        <a:latin typeface="Cambria Math" panose="02040503050406030204" pitchFamily="18" charset="0"/>
-                        <a:ea typeface="Cambria Math" panose="02040503050406030204" pitchFamily="18" charset="0"/>
-                        <a:cs typeface="Times New Roman" panose="02020603050405020304" pitchFamily="18" charset="0"/>
-                      </a:rPr>
-                      <m:t>²</m:t>
-                    </m:r>
-                  </m:oMath>
-                </a14:m>
-                <a:r>
-                  <a:rPr lang="fr-FR" dirty="0">
-                    <a:latin typeface="Times New Roman" panose="02020603050405020304" pitchFamily="18" charset="0"/>
-                    <a:cs typeface="Times New Roman" panose="02020603050405020304" pitchFamily="18" charset="0"/>
-                  </a:rPr>
-                  <a:t>. </a:t>
-                </a:r>
-              </a:p>
-              <a:p>
-                <a:pPr algn="just"/>
-                <a:endParaRPr lang="fr-FR" dirty="0">
-                  <a:latin typeface="Times New Roman" panose="02020603050405020304" pitchFamily="18" charset="0"/>
-                  <a:cs typeface="Times New Roman" panose="02020603050405020304" pitchFamily="18" charset="0"/>
-                </a:endParaRPr>
-              </a:p>
-              <a:p>
-                <a:pPr algn="just"/>
-                <a:endParaRPr lang="fr-FR" dirty="0">
-                  <a:latin typeface="Times New Roman" panose="02020603050405020304" pitchFamily="18" charset="0"/>
-                  <a:cs typeface="Times New Roman" panose="02020603050405020304" pitchFamily="18" charset="0"/>
-                </a:endParaRPr>
-              </a:p>
-              <a:p>
-                <a:pPr algn="just"/>
-                <a:r>
-                  <a:rPr lang="fr-FR" dirty="0">
-                    <a:latin typeface="Times New Roman" panose="02020603050405020304" pitchFamily="18" charset="0"/>
-                    <a:cs typeface="Times New Roman" panose="02020603050405020304" pitchFamily="18" charset="0"/>
-                  </a:rPr>
-                  <a:t>Cette question, nous permet donc de déterminer l’incertitude numérique de la porosité </a:t>
-                </a:r>
-                <a14:m>
-                  <m:oMath xmlns:m="http://schemas.openxmlformats.org/officeDocument/2006/math">
-                    <m:sSub>
-                      <m:sSubPr>
-                        <m:ctrlPr>
-                          <a:rPr lang="fr-FR" b="0" i="1" smtClean="0">
-                            <a:latin typeface="Cambria Math" panose="02040503050406030204" pitchFamily="18" charset="0"/>
-                            <a:cs typeface="Times New Roman" panose="02020603050405020304" pitchFamily="18" charset="0"/>
-                          </a:rPr>
-                        </m:ctrlPr>
-                      </m:sSubPr>
-                      <m:e>
-                        <m:r>
-                          <a:rPr lang="fr-FR" b="0" i="1" smtClean="0">
-                            <a:latin typeface="Cambria Math" panose="02040503050406030204" pitchFamily="18" charset="0"/>
-                            <a:cs typeface="Times New Roman" panose="02020603050405020304" pitchFamily="18" charset="0"/>
-                          </a:rPr>
-                          <m:t>𝑢</m:t>
-                        </m:r>
-                      </m:e>
-                      <m:sub>
-                        <m:r>
-                          <a:rPr lang="fr-FR" b="0" i="1" smtClean="0">
-                            <a:latin typeface="Cambria Math" panose="02040503050406030204" pitchFamily="18" charset="0"/>
-                            <a:cs typeface="Times New Roman" panose="02020603050405020304" pitchFamily="18" charset="0"/>
-                          </a:rPr>
-                          <m:t>𝑛𝑢𝑚</m:t>
-                        </m:r>
-                      </m:sub>
-                    </m:sSub>
-                  </m:oMath>
-                </a14:m>
-                <a:r>
-                  <a:rPr lang="fr-FR" dirty="0">
-                    <a:latin typeface="Times New Roman" panose="02020603050405020304" pitchFamily="18" charset="0"/>
-                    <a:cs typeface="Times New Roman" panose="02020603050405020304" pitchFamily="18" charset="0"/>
-                  </a:rPr>
-                  <a:t> tel que : </a:t>
-                </a:r>
-              </a:p>
-              <a:p>
-                <a:pPr algn="just"/>
-                <a:endParaRPr lang="fr-FR" dirty="0">
-                  <a:latin typeface="Times New Roman" panose="02020603050405020304" pitchFamily="18" charset="0"/>
-                  <a:cs typeface="Times New Roman" panose="02020603050405020304" pitchFamily="18" charset="0"/>
-                </a:endParaRPr>
-              </a:p>
-              <a:p>
-                <a:pPr algn="just"/>
-                <a14:m>
-                  <m:oMathPara xmlns:m="http://schemas.openxmlformats.org/officeDocument/2006/math">
-                    <m:oMathParaPr>
-                      <m:jc m:val="centerGroup"/>
-                    </m:oMathParaPr>
-                    <m:oMath xmlns:m="http://schemas.openxmlformats.org/officeDocument/2006/math">
-                      <m:sSub>
-                        <m:sSubPr>
-                          <m:ctrlPr>
-                            <a:rPr lang="fr-FR" b="0" i="1" smtClean="0">
-                              <a:latin typeface="Cambria Math" panose="02040503050406030204" pitchFamily="18" charset="0"/>
-                              <a:cs typeface="Times New Roman" panose="02020603050405020304" pitchFamily="18" charset="0"/>
-                            </a:rPr>
-                          </m:ctrlPr>
-                        </m:sSubPr>
-                        <m:e>
-                          <m:r>
-                            <a:rPr lang="fr-FR" b="0" i="1" smtClean="0">
-                              <a:latin typeface="Cambria Math" panose="02040503050406030204" pitchFamily="18" charset="0"/>
-                              <a:cs typeface="Times New Roman" panose="02020603050405020304" pitchFamily="18" charset="0"/>
-                            </a:rPr>
-                            <m:t>𝑢</m:t>
-                          </m:r>
-                        </m:e>
-                        <m:sub>
-                          <m:r>
-                            <a:rPr lang="fr-FR" b="0" i="1" smtClean="0">
-                              <a:latin typeface="Cambria Math" panose="02040503050406030204" pitchFamily="18" charset="0"/>
-                              <a:cs typeface="Times New Roman" panose="02020603050405020304" pitchFamily="18" charset="0"/>
-                            </a:rPr>
-                            <m:t>𝑛𝑢𝑚</m:t>
-                          </m:r>
-                        </m:sub>
-                      </m:sSub>
-                      <m:r>
-                        <a:rPr lang="fr-FR" b="0" i="1" smtClean="0">
-                          <a:latin typeface="Cambria Math" panose="02040503050406030204" pitchFamily="18" charset="0"/>
-                          <a:cs typeface="Times New Roman" panose="02020603050405020304" pitchFamily="18" charset="0"/>
-                        </a:rPr>
-                        <m:t>=</m:t>
-                      </m:r>
-                      <m:f>
-                        <m:fPr>
-                          <m:ctrlPr>
-                            <a:rPr lang="fr-FR" b="0" i="1" smtClean="0">
-                              <a:latin typeface="Cambria Math" panose="02040503050406030204" pitchFamily="18" charset="0"/>
-                              <a:cs typeface="Times New Roman" panose="02020603050405020304" pitchFamily="18" charset="0"/>
-                            </a:rPr>
-                          </m:ctrlPr>
-                        </m:fPr>
-                        <m:num>
-                          <m:r>
-                            <a:rPr lang="fr-FR" b="0" i="1" smtClean="0">
-                              <a:latin typeface="Cambria Math" panose="02040503050406030204" pitchFamily="18" charset="0"/>
-                              <a:cs typeface="Times New Roman" panose="02020603050405020304" pitchFamily="18" charset="0"/>
-                            </a:rPr>
-                            <m:t>𝐺𝐶𝐼</m:t>
-                          </m:r>
-                        </m:num>
-                        <m:den>
-                          <m:r>
-                            <a:rPr lang="fr-FR" b="0" i="1" smtClean="0">
-                              <a:latin typeface="Cambria Math" panose="02040503050406030204" pitchFamily="18" charset="0"/>
-                              <a:cs typeface="Times New Roman" panose="02020603050405020304" pitchFamily="18" charset="0"/>
-                            </a:rPr>
-                            <m:t>2</m:t>
-                          </m:r>
-                        </m:den>
-                      </m:f>
-                      <m:r>
-                        <a:rPr lang="fr-FR" b="0" i="1" smtClean="0">
-                          <a:latin typeface="Cambria Math" panose="02040503050406030204" pitchFamily="18" charset="0"/>
-                          <a:cs typeface="Times New Roman" panose="02020603050405020304" pitchFamily="18" charset="0"/>
-                        </a:rPr>
-                        <m:t>=</m:t>
-                      </m:r>
-                      <m:r>
-                        <a:rPr lang="fr-FR" b="0" i="1" smtClean="0">
-                          <a:highlight>
-                            <a:srgbClr val="FFFF00"/>
-                          </a:highlight>
-                          <a:latin typeface="Cambria Math" panose="02040503050406030204" pitchFamily="18" charset="0"/>
-                          <a:cs typeface="Times New Roman" panose="02020603050405020304" pitchFamily="18" charset="0"/>
-                        </a:rPr>
-                        <m:t>0.1835</m:t>
-                      </m:r>
-                      <m:r>
-                        <a:rPr lang="fr-FR" i="1">
-                          <a:highlight>
-                            <a:srgbClr val="FFFF00"/>
-                          </a:highlight>
-                          <a:latin typeface="Cambria Math" panose="02040503050406030204" pitchFamily="18" charset="0"/>
-                          <a:ea typeface="Cambria Math" panose="02040503050406030204" pitchFamily="18" charset="0"/>
-                          <a:cs typeface="Times New Roman" panose="02020603050405020304" pitchFamily="18" charset="0"/>
-                        </a:rPr>
-                        <m:t>𝜇</m:t>
-                      </m:r>
-                      <m:r>
-                        <a:rPr lang="fr-FR" i="1">
-                          <a:highlight>
-                            <a:srgbClr val="FFFF00"/>
-                          </a:highlight>
-                          <a:latin typeface="Cambria Math" panose="02040503050406030204" pitchFamily="18" charset="0"/>
-                          <a:ea typeface="Cambria Math" panose="02040503050406030204" pitchFamily="18" charset="0"/>
-                          <a:cs typeface="Times New Roman" panose="02020603050405020304" pitchFamily="18" charset="0"/>
-                        </a:rPr>
-                        <m:t>𝑚</m:t>
-                      </m:r>
-                      <m:r>
-                        <a:rPr lang="fr-FR" i="1">
-                          <a:highlight>
-                            <a:srgbClr val="FFFF00"/>
-                          </a:highlight>
-                          <a:latin typeface="Cambria Math" panose="02040503050406030204" pitchFamily="18" charset="0"/>
-                          <a:ea typeface="Cambria Math" panose="02040503050406030204" pitchFamily="18" charset="0"/>
-                          <a:cs typeface="Times New Roman" panose="02020603050405020304" pitchFamily="18" charset="0"/>
-                        </a:rPr>
-                        <m:t>²</m:t>
-                      </m:r>
-                    </m:oMath>
-                  </m:oMathPara>
-                </a14:m>
-                <a:endParaRPr lang="fr-FR" dirty="0">
-                  <a:highlight>
-                    <a:srgbClr val="FFFF00"/>
-                  </a:highlight>
-                  <a:latin typeface="Times New Roman" panose="02020603050405020304" pitchFamily="18" charset="0"/>
-                  <a:cs typeface="Times New Roman" panose="02020603050405020304" pitchFamily="18" charset="0"/>
-                </a:endParaRPr>
-              </a:p>
-              <a:p>
-                <a:pPr algn="just"/>
-                <a:endParaRPr lang="fr-FR" dirty="0">
-                  <a:latin typeface="Times New Roman" panose="02020603050405020304" pitchFamily="18" charset="0"/>
-                  <a:cs typeface="Times New Roman" panose="02020603050405020304" pitchFamily="18" charset="0"/>
-                </a:endParaRPr>
-              </a:p>
-            </p:txBody>
-          </p:sp>
-        </mc:Choice>
-        <mc:Fallback xmlns="">
-          <p:sp>
-            <p:nvSpPr>
-              <p:cNvPr id="6" name="TextBox 5">
-                <a:extLst>
-                  <a:ext uri="{FF2B5EF4-FFF2-40B4-BE49-F238E27FC236}">
-                    <a16:creationId xmlns:a16="http://schemas.microsoft.com/office/drawing/2014/main" id="{C62F041C-7CFD-3C40-5EA5-A07763643F32}"/>
-                  </a:ext>
-                </a:extLst>
-              </p:cNvPr>
-              <p:cNvSpPr txBox="1">
-                <a:spLocks noRot="1" noChangeAspect="1" noMove="1" noResize="1" noEditPoints="1" noAdjustHandles="1" noChangeArrowheads="1" noChangeShapeType="1" noTextEdit="1"/>
-              </p:cNvSpPr>
-              <p:nvPr/>
-            </p:nvSpPr>
-            <p:spPr>
-              <a:xfrm>
-                <a:off x="0" y="627468"/>
-                <a:ext cx="5902610" cy="5435655"/>
-              </a:xfrm>
-              <a:prstGeom prst="rect">
-                <a:avLst/>
-              </a:prstGeom>
-              <a:blipFill>
-                <a:blip r:embed="rId2"/>
-                <a:stretch>
-                  <a:fillRect l="-826" t="-673" r="-826"/>
-                </a:stretch>
-              </a:blipFill>
-            </p:spPr>
-            <p:txBody>
-              <a:bodyPr/>
-              <a:lstStyle/>
-              <a:p>
-                <a:r>
-                  <a:rPr lang="fr-FR">
-                    <a:noFill/>
-                  </a:rPr>
-                  <a:t> </a:t>
-                </a:r>
-              </a:p>
-            </p:txBody>
-          </p:sp>
-        </mc:Fallback>
-      </mc:AlternateContent>
-      <p:cxnSp>
-        <p:nvCxnSpPr>
-          <p:cNvPr id="7" name="Straight Connector 6">
-            <a:extLst>
-              <a:ext uri="{FF2B5EF4-FFF2-40B4-BE49-F238E27FC236}">
-                <a16:creationId xmlns:a16="http://schemas.microsoft.com/office/drawing/2014/main" id="{79366191-BCC3-E718-CA3E-5984B980243C}"/>
-              </a:ext>
-            </a:extLst>
-          </p:cNvPr>
-          <p:cNvCxnSpPr/>
-          <p:nvPr/>
-        </p:nvCxnSpPr>
-        <p:spPr>
-          <a:xfrm>
-            <a:off x="6096000" y="627468"/>
-            <a:ext cx="0" cy="5981437"/>
-          </a:xfrm>
-          <a:prstGeom prst="line">
-            <a:avLst/>
-          </a:prstGeom>
-          <a:ln>
-            <a:solidFill>
-              <a:srgbClr val="980000"/>
-            </a:solidFill>
-          </a:ln>
-        </p:spPr>
-        <p:style>
-          <a:lnRef idx="2">
-            <a:schemeClr val="accent1"/>
-          </a:lnRef>
-          <a:fillRef idx="0">
-            <a:schemeClr val="accent1"/>
-          </a:fillRef>
-          <a:effectRef idx="1">
-            <a:schemeClr val="accent1"/>
-          </a:effectRef>
-          <a:fontRef idx="minor">
-            <a:schemeClr val="tx1"/>
-          </a:fontRef>
-        </p:style>
-      </p:cxnSp>
-      <mc:AlternateContent xmlns:mc="http://schemas.openxmlformats.org/markup-compatibility/2006" xmlns:a14="http://schemas.microsoft.com/office/drawing/2010/main">
-        <mc:Choice Requires="a14">
-          <p:sp>
-            <p:nvSpPr>
-              <p:cNvPr id="8" name="TextBox 7">
-                <a:extLst>
-                  <a:ext uri="{FF2B5EF4-FFF2-40B4-BE49-F238E27FC236}">
-                    <a16:creationId xmlns:a16="http://schemas.microsoft.com/office/drawing/2014/main" id="{808900DA-2D6C-56B7-3CDF-42DA7E1EEE55}"/>
-                  </a:ext>
-                </a:extLst>
-              </p:cNvPr>
-              <p:cNvSpPr txBox="1"/>
-              <p:nvPr/>
-            </p:nvSpPr>
-            <p:spPr>
-              <a:xfrm>
-                <a:off x="6289390" y="627467"/>
-                <a:ext cx="5902610" cy="2031325"/>
-              </a:xfrm>
-              <a:prstGeom prst="rect">
-                <a:avLst/>
-              </a:prstGeom>
-              <a:noFill/>
-            </p:spPr>
-            <p:txBody>
-              <a:bodyPr wrap="square" rtlCol="0">
-                <a:spAutoFit/>
-              </a:bodyPr>
-              <a:lstStyle/>
-              <a:p>
-                <a:pPr algn="just"/>
-                <a:r>
-                  <a:rPr lang="fr-FR" b="1" dirty="0">
-                    <a:latin typeface="Times New Roman" panose="02020603050405020304" pitchFamily="18" charset="0"/>
-                    <a:cs typeface="Times New Roman" panose="02020603050405020304" pitchFamily="18" charset="0"/>
-                  </a:rPr>
-                  <a:t>Remarque</a:t>
-                </a:r>
-                <a:r>
-                  <a:rPr lang="fr-FR" dirty="0">
-                    <a:latin typeface="Times New Roman" panose="02020603050405020304" pitchFamily="18" charset="0"/>
-                    <a:cs typeface="Times New Roman" panose="02020603050405020304" pitchFamily="18" charset="0"/>
-                  </a:rPr>
-                  <a:t> : Concernant la porosité, cette dernière est hardcodée à </a:t>
-                </a:r>
-                <a14:m>
-                  <m:oMath xmlns:m="http://schemas.openxmlformats.org/officeDocument/2006/math">
-                    <m:r>
-                      <a:rPr lang="fr-FR" b="0" i="1" smtClean="0">
-                        <a:latin typeface="Cambria Math" panose="02040503050406030204" pitchFamily="18" charset="0"/>
-                        <a:cs typeface="Times New Roman" panose="02020603050405020304" pitchFamily="18" charset="0"/>
-                      </a:rPr>
-                      <m:t>0.9</m:t>
-                    </m:r>
-                  </m:oMath>
-                </a14:m>
-                <a:r>
-                  <a:rPr lang="fr-FR" dirty="0">
-                    <a:latin typeface="Times New Roman" panose="02020603050405020304" pitchFamily="18" charset="0"/>
-                    <a:cs typeface="Times New Roman" panose="02020603050405020304" pitchFamily="18" charset="0"/>
-                  </a:rPr>
-                  <a:t> dans le script. Néanmoins, comme renvoyée par la fonction LBM, ce n’est pas exactement cette valeur qui est obtenue une fois le maillage généré.  </a:t>
-                </a:r>
-              </a:p>
-              <a:p>
-                <a:pPr algn="just"/>
-                <a:endParaRPr lang="fr-FR" dirty="0">
-                  <a:latin typeface="Times New Roman" panose="02020603050405020304" pitchFamily="18" charset="0"/>
-                  <a:cs typeface="Times New Roman" panose="02020603050405020304" pitchFamily="18" charset="0"/>
-                </a:endParaRPr>
-              </a:p>
-              <a:p>
-                <a:pPr algn="just"/>
-                <a:r>
-                  <a:rPr lang="fr-FR" dirty="0">
-                    <a:latin typeface="Times New Roman" panose="02020603050405020304" pitchFamily="18" charset="0"/>
-                    <a:cs typeface="Times New Roman" panose="02020603050405020304" pitchFamily="18" charset="0"/>
-                  </a:rPr>
-                  <a:t>La convergence asymptotique nous a montré la valeur de la porosité tend vers 0,9 avec le raffinement du maillage.</a:t>
-                </a:r>
-              </a:p>
-            </p:txBody>
-          </p:sp>
-        </mc:Choice>
-        <mc:Fallback xmlns="">
-          <p:sp>
-            <p:nvSpPr>
-              <p:cNvPr id="8" name="TextBox 7">
-                <a:extLst>
-                  <a:ext uri="{FF2B5EF4-FFF2-40B4-BE49-F238E27FC236}">
-                    <a16:creationId xmlns:a16="http://schemas.microsoft.com/office/drawing/2014/main" id="{62334D4E-D891-800C-1543-C03598E6C4EF}"/>
-                  </a:ext>
-                </a:extLst>
-              </p:cNvPr>
-              <p:cNvSpPr txBox="1">
-                <a:spLocks noRot="1" noChangeAspect="1" noMove="1" noResize="1" noEditPoints="1" noAdjustHandles="1" noChangeArrowheads="1" noChangeShapeType="1" noTextEdit="1"/>
-              </p:cNvSpPr>
-              <p:nvPr/>
-            </p:nvSpPr>
-            <p:spPr>
-              <a:xfrm>
-                <a:off x="6289390" y="627467"/>
-                <a:ext cx="5902610" cy="2031325"/>
-              </a:xfrm>
-              <a:prstGeom prst="rect">
-                <a:avLst/>
-              </a:prstGeom>
-              <a:blipFill>
-                <a:blip r:embed="rId3"/>
-                <a:stretch>
-                  <a:fillRect l="-930" t="-1802" r="-826" b="-3904"/>
-                </a:stretch>
-              </a:blipFill>
-            </p:spPr>
-            <p:txBody>
-              <a:bodyPr/>
-              <a:lstStyle/>
-              <a:p>
-                <a:r>
-                  <a:rPr lang="fr-FR">
-                    <a:noFill/>
-                  </a:rPr>
-                  <a:t> </a:t>
-                </a:r>
-              </a:p>
-            </p:txBody>
-          </p:sp>
-        </mc:Fallback>
-      </mc:AlternateContent>
-      <p:grpSp>
-        <p:nvGrpSpPr>
-          <p:cNvPr id="13" name="Group 12">
-            <a:extLst>
-              <a:ext uri="{FF2B5EF4-FFF2-40B4-BE49-F238E27FC236}">
-                <a16:creationId xmlns:a16="http://schemas.microsoft.com/office/drawing/2014/main" id="{BCAB54D1-2B7A-E893-BC1F-C07401A9B65E}"/>
-              </a:ext>
-            </a:extLst>
-          </p:cNvPr>
-          <p:cNvGrpSpPr/>
-          <p:nvPr/>
-        </p:nvGrpSpPr>
-        <p:grpSpPr>
-          <a:xfrm>
-            <a:off x="7301759" y="3057171"/>
-            <a:ext cx="3877871" cy="3012166"/>
-            <a:chOff x="7301759" y="3057171"/>
-            <a:chExt cx="3877871" cy="3012166"/>
-          </a:xfrm>
-        </p:grpSpPr>
-        <p:pic>
-          <p:nvPicPr>
-            <p:cNvPr id="11" name="Picture 10">
-              <a:extLst>
-                <a:ext uri="{FF2B5EF4-FFF2-40B4-BE49-F238E27FC236}">
-                  <a16:creationId xmlns:a16="http://schemas.microsoft.com/office/drawing/2014/main" id="{7B511C66-CF7E-7FC9-7E68-391D928D528D}"/>
-                </a:ext>
-              </a:extLst>
-            </p:cNvPr>
-            <p:cNvPicPr>
-              <a:picLocks noChangeAspect="1"/>
-            </p:cNvPicPr>
-            <p:nvPr/>
-          </p:nvPicPr>
-          <p:blipFill>
-            <a:blip r:embed="rId4"/>
-            <a:srcRect t="1104"/>
-            <a:stretch/>
-          </p:blipFill>
-          <p:spPr>
-            <a:xfrm>
-              <a:off x="7301759" y="3057171"/>
-              <a:ext cx="3877871" cy="3012166"/>
-            </a:xfrm>
-            <a:prstGeom prst="rect">
-              <a:avLst/>
-            </a:prstGeom>
-          </p:spPr>
-        </p:pic>
-        <p:sp>
-          <p:nvSpPr>
-            <p:cNvPr id="12" name="Rectangle 11">
-              <a:extLst>
-                <a:ext uri="{FF2B5EF4-FFF2-40B4-BE49-F238E27FC236}">
-                  <a16:creationId xmlns:a16="http://schemas.microsoft.com/office/drawing/2014/main" id="{0F601EAE-E435-CA12-5095-FC06F9246EC0}"/>
-                </a:ext>
-              </a:extLst>
-            </p:cNvPr>
-            <p:cNvSpPr/>
-            <p:nvPr/>
-          </p:nvSpPr>
-          <p:spPr>
-            <a:xfrm>
-              <a:off x="9856963" y="3178327"/>
-              <a:ext cx="1176162" cy="122085"/>
-            </a:xfrm>
-            <a:prstGeom prst="rect">
-              <a:avLst/>
-            </a:prstGeom>
-            <a:solidFill>
-              <a:srgbClr val="FFFFFF"/>
-            </a:solidFill>
-            <a:ln>
-              <a:noFill/>
-            </a:ln>
-          </p:spPr>
-          <p:style>
-            <a:lnRef idx="2">
-              <a:schemeClr val="accent1">
-                <a:shade val="15000"/>
-              </a:schemeClr>
-            </a:lnRef>
-            <a:fillRef idx="1">
-              <a:schemeClr val="accent1"/>
-            </a:fillRef>
-            <a:effectRef idx="0">
-              <a:schemeClr val="accent1"/>
-            </a:effectRef>
-            <a:fontRef idx="minor">
-              <a:schemeClr val="lt1"/>
-            </a:fontRef>
-          </p:style>
-          <p:txBody>
-            <a:bodyPr rtlCol="0" anchor="ctr"/>
-            <a:lstStyle/>
-            <a:p>
-              <a:pPr algn="ctr"/>
-              <a:endParaRPr lang="en-GB"/>
-            </a:p>
-          </p:txBody>
-        </p:sp>
-      </p:grpSp>
-      <p:pic>
-        <p:nvPicPr>
-          <p:cNvPr id="14" name="Picture 2">
-            <a:extLst>
-              <a:ext uri="{FF2B5EF4-FFF2-40B4-BE49-F238E27FC236}">
-                <a16:creationId xmlns:a16="http://schemas.microsoft.com/office/drawing/2014/main" id="{7D2DBF6F-9BE2-6A96-A3BA-DFE87FEA7B52}"/>
-              </a:ext>
-            </a:extLst>
-          </p:cNvPr>
-          <p:cNvPicPr>
-            <a:picLocks noChangeAspect="1" noChangeArrowheads="1"/>
-          </p:cNvPicPr>
-          <p:nvPr/>
-        </p:nvPicPr>
-        <p:blipFill>
-          <a:blip r:embed="rId5">
-            <a:extLst>
-              <a:ext uri="{28A0092B-C50C-407E-A947-70E740481C1C}">
-                <a14:useLocalDpi xmlns:a14="http://schemas.microsoft.com/office/drawing/2010/main" val="0"/>
-              </a:ext>
-            </a:extLst>
-          </a:blip>
-          <a:srcRect/>
-          <a:stretch>
-            <a:fillRect/>
-          </a:stretch>
-        </p:blipFill>
-        <p:spPr bwMode="auto">
-          <a:xfrm>
-            <a:off x="57150" y="6308684"/>
-            <a:ext cx="539750" cy="483076"/>
-          </a:xfrm>
-          <a:prstGeom prst="rect">
-            <a:avLst/>
-          </a:prstGeom>
-          <a:noFill/>
-          <a:extLst>
-            <a:ext uri="{909E8E84-426E-40DD-AFC4-6F175D3DCCD1}">
-              <a14:hiddenFill xmlns:a14="http://schemas.microsoft.com/office/drawing/2010/main">
-                <a:solidFill>
-                  <a:srgbClr val="FFFFFF"/>
-                </a:solidFill>
-              </a14:hiddenFill>
-            </a:ext>
-          </a:extLst>
-        </p:spPr>
-      </p:pic>
-      <p:sp>
-        <p:nvSpPr>
-          <p:cNvPr id="15" name="TextBox 14">
-            <a:extLst>
-              <a:ext uri="{FF2B5EF4-FFF2-40B4-BE49-F238E27FC236}">
-                <a16:creationId xmlns:a16="http://schemas.microsoft.com/office/drawing/2014/main" id="{D035B050-8BA1-5001-0448-46BECFA2B0C3}"/>
-              </a:ext>
-            </a:extLst>
-          </p:cNvPr>
-          <p:cNvSpPr txBox="1"/>
-          <p:nvPr/>
-        </p:nvSpPr>
-        <p:spPr>
-          <a:xfrm>
-            <a:off x="692150" y="6365556"/>
-            <a:ext cx="2527300" cy="369332"/>
-          </a:xfrm>
-          <a:prstGeom prst="rect">
-            <a:avLst/>
-          </a:prstGeom>
-          <a:noFill/>
-        </p:spPr>
-        <p:txBody>
-          <a:bodyPr wrap="square" rtlCol="0">
-            <a:spAutoFit/>
-          </a:bodyPr>
-          <a:lstStyle/>
-          <a:p>
-            <a:pPr algn="just"/>
-            <a:r>
-              <a:rPr lang="fr-FR" b="1" dirty="0">
-                <a:latin typeface="Times New Roman" panose="02020603050405020304" pitchFamily="18" charset="0"/>
-                <a:cs typeface="Times New Roman" panose="02020603050405020304" pitchFamily="18" charset="0"/>
-              </a:rPr>
-              <a:t>Script</a:t>
-            </a:r>
-            <a:r>
-              <a:rPr lang="fr-FR" i="1" dirty="0">
-                <a:latin typeface="Times New Roman" panose="02020603050405020304" pitchFamily="18" charset="0"/>
-                <a:cs typeface="Times New Roman" panose="02020603050405020304" pitchFamily="18" charset="0"/>
-              </a:rPr>
-              <a:t> : </a:t>
-            </a:r>
-            <a:r>
-              <a:rPr lang="fr-FR" i="1" dirty="0" err="1">
-                <a:latin typeface="Times New Roman" panose="02020603050405020304" pitchFamily="18" charset="0"/>
-                <a:cs typeface="Times New Roman" panose="02020603050405020304" pitchFamily="18" charset="0"/>
-              </a:rPr>
-              <a:t>MMC.m</a:t>
-            </a:r>
-            <a:endParaRPr lang="fr-FR" i="1" dirty="0">
-              <a:latin typeface="Times New Roman" panose="02020603050405020304" pitchFamily="18" charset="0"/>
-              <a:cs typeface="Times New Roman" panose="02020603050405020304" pitchFamily="18" charset="0"/>
-            </a:endParaRPr>
-          </a:p>
-        </p:txBody>
-      </p:sp>
-      <p:sp>
-        <p:nvSpPr>
-          <p:cNvPr id="2" name="Slide Number Placeholder 1">
-            <a:extLst>
-              <a:ext uri="{FF2B5EF4-FFF2-40B4-BE49-F238E27FC236}">
-                <a16:creationId xmlns:a16="http://schemas.microsoft.com/office/drawing/2014/main" id="{309F3571-0937-68D0-30BA-0298C8B42753}"/>
-              </a:ext>
-            </a:extLst>
-          </p:cNvPr>
-          <p:cNvSpPr>
-            <a:spLocks noGrp="1"/>
-          </p:cNvSpPr>
-          <p:nvPr>
-            <p:ph type="sldNum" sz="quarter" idx="12"/>
-          </p:nvPr>
-        </p:nvSpPr>
-        <p:spPr/>
-        <p:txBody>
-          <a:bodyPr/>
-          <a:lstStyle/>
-          <a:p>
-            <a:fld id="{74DDA11D-2719-4AB3-AAA7-DB2910A56E08}" type="slidenum">
-              <a:rPr lang="en-GB" smtClean="0"/>
-              <a:t>15</a:t>
-            </a:fld>
-            <a:endParaRPr lang="en-GB" dirty="0"/>
-          </a:p>
-        </p:txBody>
-      </p:sp>
-    </p:spTree>
-    <p:extLst>
-      <p:ext uri="{BB962C8B-B14F-4D97-AF65-F5344CB8AC3E}">
-        <p14:creationId xmlns:p14="http://schemas.microsoft.com/office/powerpoint/2010/main" val="3103144803"/>
-      </p:ext>
-    </p:extLst>
-  </p:cSld>
-  <p:clrMapOvr>
-    <a:masterClrMapping/>
-  </p:clrMapOvr>
-</p:sld>
-</file>
-
-<file path=ppt/slides/slide16.xml><?xml version="1.0" encoding="utf-8"?>
-<p:sld xmlns:a="http://schemas.openxmlformats.org/drawingml/2006/main" xmlns:r="http://schemas.openxmlformats.org/officeDocument/2006/relationships" xmlns:p="http://schemas.openxmlformats.org/presentationml/2006/main">
-  <p:cSld>
-    <p:spTree>
-      <p:nvGrpSpPr>
-        <p:cNvPr id="1" name="">
-          <a:extLst>
-            <a:ext uri="{FF2B5EF4-FFF2-40B4-BE49-F238E27FC236}">
-              <a16:creationId xmlns:a16="http://schemas.microsoft.com/office/drawing/2014/main" id="{D9B3C8C1-D695-06DE-1568-67861D66FDAF}"/>
-            </a:ext>
-          </a:extLst>
-        </p:cNvPr>
-        <p:cNvGrpSpPr/>
-        <p:nvPr/>
-      </p:nvGrpSpPr>
-      <p:grpSpPr>
-        <a:xfrm>
-          <a:off x="0" y="0"/>
-          <a:ext cx="0" cy="0"/>
-          <a:chOff x="0" y="0"/>
-          <a:chExt cx="0" cy="0"/>
-        </a:xfrm>
-      </p:grpSpPr>
-      <p:sp>
-        <p:nvSpPr>
-          <p:cNvPr id="36" name="Rectangle 35">
-            <a:extLst>
-              <a:ext uri="{FF2B5EF4-FFF2-40B4-BE49-F238E27FC236}">
-                <a16:creationId xmlns:a16="http://schemas.microsoft.com/office/drawing/2014/main" id="{F9A79509-C8AD-A235-B5F4-5A6468F73E26}"/>
-              </a:ext>
-            </a:extLst>
-          </p:cNvPr>
-          <p:cNvSpPr/>
-          <p:nvPr/>
-        </p:nvSpPr>
-        <p:spPr>
-          <a:xfrm>
-            <a:off x="1" y="-990"/>
-            <a:ext cx="6096000" cy="501017"/>
-          </a:xfrm>
-          <a:prstGeom prst="rect">
-            <a:avLst/>
-          </a:prstGeom>
-          <a:solidFill>
-            <a:srgbClr val="980000"/>
-          </a:solidFill>
-          <a:ln>
-            <a:noFill/>
-          </a:ln>
-        </p:spPr>
-        <p:style>
-          <a:lnRef idx="2">
-            <a:schemeClr val="accent1">
-              <a:shade val="15000"/>
-            </a:schemeClr>
-          </a:lnRef>
-          <a:fillRef idx="1">
-            <a:schemeClr val="accent1"/>
-          </a:fillRef>
-          <a:effectRef idx="0">
-            <a:schemeClr val="accent1"/>
-          </a:effectRef>
-          <a:fontRef idx="minor">
-            <a:schemeClr val="lt1"/>
-          </a:fontRef>
-        </p:style>
-        <p:txBody>
-          <a:bodyPr rtlCol="0" anchor="ctr"/>
-          <a:lstStyle/>
-          <a:p>
-            <a:pPr algn="ctr"/>
-            <a:endParaRPr lang="fr-FR" noProof="0" dirty="0"/>
-          </a:p>
-        </p:txBody>
-      </p:sp>
-      <p:sp>
-        <p:nvSpPr>
-          <p:cNvPr id="9" name="TextBox 8">
-            <a:extLst>
-              <a:ext uri="{FF2B5EF4-FFF2-40B4-BE49-F238E27FC236}">
-                <a16:creationId xmlns:a16="http://schemas.microsoft.com/office/drawing/2014/main" id="{97D1993C-328D-AE35-7FD6-295BFBA515B4}"/>
-              </a:ext>
-            </a:extLst>
-          </p:cNvPr>
-          <p:cNvSpPr txBox="1"/>
-          <p:nvPr/>
-        </p:nvSpPr>
-        <p:spPr>
-          <a:xfrm>
-            <a:off x="0" y="-990"/>
-            <a:ext cx="4105341" cy="461665"/>
-          </a:xfrm>
-          <a:prstGeom prst="rect">
-            <a:avLst/>
-          </a:prstGeom>
-          <a:noFill/>
-        </p:spPr>
-        <p:txBody>
-          <a:bodyPr wrap="square" rtlCol="0">
-            <a:spAutoFit/>
-          </a:bodyPr>
-          <a:lstStyle/>
-          <a:p>
-            <a:pPr algn="just"/>
-            <a:r>
-              <a:rPr lang="fr-FR" sz="2400" b="1" noProof="0" dirty="0">
-                <a:solidFill>
-                  <a:schemeClr val="bg1"/>
-                </a:solidFill>
-                <a:latin typeface="Times New Roman" panose="02020603050405020304" pitchFamily="18" charset="0"/>
-                <a:cs typeface="Times New Roman" panose="02020603050405020304" pitchFamily="18" charset="0"/>
-              </a:rPr>
-              <a:t>QUESTION E</a:t>
-            </a:r>
-          </a:p>
-        </p:txBody>
-      </p:sp>
-      <p:sp>
-        <p:nvSpPr>
-          <p:cNvPr id="39" name="Rectangle 38">
-            <a:extLst>
-              <a:ext uri="{FF2B5EF4-FFF2-40B4-BE49-F238E27FC236}">
-                <a16:creationId xmlns:a16="http://schemas.microsoft.com/office/drawing/2014/main" id="{9FC6023A-BABA-285A-A017-F3D74CCEC75F}"/>
-              </a:ext>
-            </a:extLst>
-          </p:cNvPr>
-          <p:cNvSpPr/>
-          <p:nvPr/>
-        </p:nvSpPr>
-        <p:spPr>
-          <a:xfrm>
-            <a:off x="6096000" y="0"/>
-            <a:ext cx="6096000" cy="501017"/>
-          </a:xfrm>
-          <a:prstGeom prst="rect">
-            <a:avLst/>
-          </a:prstGeom>
-          <a:solidFill>
-            <a:srgbClr val="D9D9D9"/>
-          </a:solidFill>
-          <a:ln>
-            <a:noFill/>
-          </a:ln>
-        </p:spPr>
-        <p:style>
-          <a:lnRef idx="2">
-            <a:schemeClr val="accent1">
-              <a:shade val="15000"/>
-            </a:schemeClr>
-          </a:lnRef>
-          <a:fillRef idx="1">
-            <a:schemeClr val="accent1"/>
-          </a:fillRef>
-          <a:effectRef idx="0">
-            <a:schemeClr val="accent1"/>
-          </a:effectRef>
-          <a:fontRef idx="minor">
-            <a:schemeClr val="lt1"/>
-          </a:fontRef>
-        </p:style>
-        <p:txBody>
-          <a:bodyPr rtlCol="0" anchor="ctr"/>
-          <a:lstStyle/>
-          <a:p>
-            <a:pPr algn="ctr"/>
-            <a:endParaRPr lang="fr-FR" noProof="0" dirty="0"/>
-          </a:p>
-        </p:txBody>
-      </p:sp>
-      <mc:AlternateContent xmlns:mc="http://schemas.openxmlformats.org/markup-compatibility/2006" xmlns:a14="http://schemas.microsoft.com/office/drawing/2010/main">
-        <mc:Choice Requires="a14">
-          <p:sp>
-            <p:nvSpPr>
-              <p:cNvPr id="2" name="TextBox 1">
-                <a:extLst>
-                  <a:ext uri="{FF2B5EF4-FFF2-40B4-BE49-F238E27FC236}">
-                    <a16:creationId xmlns:a16="http://schemas.microsoft.com/office/drawing/2014/main" id="{8004F7FD-C1ED-C0C4-12CC-EF679C2B4BCF}"/>
-                  </a:ext>
-                </a:extLst>
-              </p:cNvPr>
-              <p:cNvSpPr txBox="1"/>
-              <p:nvPr/>
-            </p:nvSpPr>
-            <p:spPr>
-              <a:xfrm>
-                <a:off x="0" y="627468"/>
-                <a:ext cx="12192000" cy="1519903"/>
-              </a:xfrm>
-              <a:prstGeom prst="rect">
-                <a:avLst/>
-              </a:prstGeom>
-              <a:noFill/>
-            </p:spPr>
-            <p:txBody>
-              <a:bodyPr wrap="square" rtlCol="0">
-                <a:spAutoFit/>
-              </a:bodyPr>
-              <a:lstStyle/>
-              <a:p>
-                <a:pPr algn="just"/>
-                <a:r>
-                  <a:rPr lang="fr-FR" dirty="0">
-                    <a:latin typeface="Times New Roman" panose="02020603050405020304" pitchFamily="18" charset="0"/>
-                    <a:cs typeface="Times New Roman" panose="02020603050405020304" pitchFamily="18" charset="0"/>
-                  </a:rPr>
-                  <a:t>Si l’on se base sur le standard V&amp;V20-2009 ASME, nous pouvons dire que nous sommes dans le cas où </a:t>
-                </a:r>
-                <a14:m>
-                  <m:oMath xmlns:m="http://schemas.openxmlformats.org/officeDocument/2006/math">
-                    <m:d>
-                      <m:dPr>
-                        <m:begChr m:val="|"/>
-                        <m:endChr m:val="|"/>
-                        <m:ctrlPr>
-                          <a:rPr lang="fr-FR" i="1">
-                            <a:latin typeface="Cambria Math" panose="02040503050406030204" pitchFamily="18" charset="0"/>
-                            <a:cs typeface="Times New Roman" panose="02020603050405020304" pitchFamily="18" charset="0"/>
-                          </a:rPr>
-                        </m:ctrlPr>
-                      </m:dPr>
-                      <m:e>
-                        <m:r>
-                          <a:rPr lang="fr-FR">
-                            <a:latin typeface="Cambria Math" panose="02040503050406030204" pitchFamily="18" charset="0"/>
-                            <a:cs typeface="Times New Roman" panose="02020603050405020304" pitchFamily="18" charset="0"/>
-                          </a:rPr>
-                          <m:t>𝐸</m:t>
-                        </m:r>
-                      </m:e>
-                    </m:d>
-                    <m:r>
-                      <a:rPr lang="fr-FR">
-                        <a:latin typeface="Cambria Math" panose="02040503050406030204" pitchFamily="18" charset="0"/>
-                        <a:cs typeface="Times New Roman" panose="02020603050405020304" pitchFamily="18" charset="0"/>
-                      </a:rPr>
-                      <m:t>&gt;</m:t>
-                    </m:r>
-                    <m:sSub>
-                      <m:sSubPr>
-                        <m:ctrlPr>
-                          <a:rPr lang="fr-FR" i="1">
-                            <a:latin typeface="Cambria Math" panose="02040503050406030204" pitchFamily="18" charset="0"/>
-                            <a:cs typeface="Times New Roman" panose="02020603050405020304" pitchFamily="18" charset="0"/>
-                          </a:rPr>
-                        </m:ctrlPr>
-                      </m:sSubPr>
-                      <m:e>
-                        <m:r>
-                          <a:rPr lang="fr-FR">
-                            <a:latin typeface="Cambria Math" panose="02040503050406030204" pitchFamily="18" charset="0"/>
-                            <a:cs typeface="Times New Roman" panose="02020603050405020304" pitchFamily="18" charset="0"/>
-                          </a:rPr>
-                          <m:t>𝑈</m:t>
-                        </m:r>
-                      </m:e>
-                      <m:sub>
-                        <m:d>
-                          <m:dPr>
-                            <m:ctrlPr>
-                              <a:rPr lang="fr-FR" i="1">
-                                <a:latin typeface="Cambria Math" panose="02040503050406030204" pitchFamily="18" charset="0"/>
-                                <a:cs typeface="Times New Roman" panose="02020603050405020304" pitchFamily="18" charset="0"/>
-                              </a:rPr>
-                            </m:ctrlPr>
-                          </m:dPr>
-                          <m:e>
-                            <m:r>
-                              <a:rPr lang="fr-FR">
-                                <a:latin typeface="Cambria Math" panose="02040503050406030204" pitchFamily="18" charset="0"/>
-                                <a:cs typeface="Times New Roman" panose="02020603050405020304" pitchFamily="18" charset="0"/>
-                              </a:rPr>
-                              <m:t>%, </m:t>
-                            </m:r>
-                            <m:r>
-                              <a:rPr lang="fr-FR">
-                                <a:latin typeface="Cambria Math" panose="02040503050406030204" pitchFamily="18" charset="0"/>
-                                <a:cs typeface="Times New Roman" panose="02020603050405020304" pitchFamily="18" charset="0"/>
-                              </a:rPr>
-                              <m:t>𝑣𝑎𝑙</m:t>
-                            </m:r>
-                          </m:e>
-                        </m:d>
-                      </m:sub>
-                    </m:sSub>
-                    <m:r>
-                      <a:rPr lang="fr-FR">
-                        <a:latin typeface="Cambria Math" panose="02040503050406030204" pitchFamily="18" charset="0"/>
-                        <a:cs typeface="Times New Roman" panose="02020603050405020304" pitchFamily="18" charset="0"/>
-                      </a:rPr>
-                      <m:t>→</m:t>
-                    </m:r>
-                    <m:sSub>
-                      <m:sSubPr>
-                        <m:ctrlPr>
-                          <a:rPr lang="fr-FR" i="1">
-                            <a:latin typeface="Cambria Math" panose="02040503050406030204" pitchFamily="18" charset="0"/>
-                            <a:cs typeface="Times New Roman" panose="02020603050405020304" pitchFamily="18" charset="0"/>
-                          </a:rPr>
-                        </m:ctrlPr>
-                      </m:sSubPr>
-                      <m:e>
-                        <m:r>
-                          <a:rPr lang="fr-FR">
-                            <a:latin typeface="Cambria Math" panose="02040503050406030204" pitchFamily="18" charset="0"/>
-                            <a:cs typeface="Times New Roman" panose="02020603050405020304" pitchFamily="18" charset="0"/>
-                          </a:rPr>
-                          <m:t>|</m:t>
-                        </m:r>
-                        <m:r>
-                          <a:rPr lang="fr-FR">
-                            <a:latin typeface="Cambria Math" panose="02040503050406030204" pitchFamily="18" charset="0"/>
-                            <a:cs typeface="Times New Roman" panose="02020603050405020304" pitchFamily="18" charset="0"/>
-                          </a:rPr>
-                          <m:t>𝛿</m:t>
-                        </m:r>
-                      </m:e>
-                      <m:sub>
-                        <m:r>
-                          <a:rPr lang="fr-FR">
-                            <a:latin typeface="Cambria Math" panose="02040503050406030204" pitchFamily="18" charset="0"/>
-                            <a:cs typeface="Times New Roman" panose="02020603050405020304" pitchFamily="18" charset="0"/>
-                          </a:rPr>
-                          <m:t>𝑚𝑜𝑑𝑒𝑙</m:t>
-                        </m:r>
-                      </m:sub>
-                    </m:sSub>
-                    <m:r>
-                      <a:rPr lang="fr-FR">
-                        <a:latin typeface="Cambria Math" panose="02040503050406030204" pitchFamily="18" charset="0"/>
-                        <a:cs typeface="Times New Roman" panose="02020603050405020304" pitchFamily="18" charset="0"/>
-                      </a:rPr>
-                      <m:t>|&lt;</m:t>
-                    </m:r>
-                    <m:r>
-                      <a:rPr lang="fr-FR">
-                        <a:latin typeface="Cambria Math" panose="02040503050406030204" pitchFamily="18" charset="0"/>
-                        <a:cs typeface="Times New Roman" panose="02020603050405020304" pitchFamily="18" charset="0"/>
-                      </a:rPr>
-                      <m:t>𝐸</m:t>
-                    </m:r>
-                    <m:r>
-                      <a:rPr lang="fr-FR">
-                        <a:latin typeface="Cambria Math" panose="02040503050406030204" pitchFamily="18" charset="0"/>
-                        <a:cs typeface="Times New Roman" panose="02020603050405020304" pitchFamily="18" charset="0"/>
-                      </a:rPr>
-                      <m:t>+</m:t>
-                    </m:r>
-                    <m:sSub>
-                      <m:sSubPr>
-                        <m:ctrlPr>
-                          <a:rPr lang="fr-FR" i="1">
-                            <a:latin typeface="Cambria Math" panose="02040503050406030204" pitchFamily="18" charset="0"/>
-                            <a:cs typeface="Times New Roman" panose="02020603050405020304" pitchFamily="18" charset="0"/>
-                          </a:rPr>
-                        </m:ctrlPr>
-                      </m:sSubPr>
-                      <m:e>
-                        <m:r>
-                          <a:rPr lang="fr-FR">
-                            <a:latin typeface="Cambria Math" panose="02040503050406030204" pitchFamily="18" charset="0"/>
-                            <a:cs typeface="Times New Roman" panose="02020603050405020304" pitchFamily="18" charset="0"/>
-                          </a:rPr>
-                          <m:t>𝑈</m:t>
-                        </m:r>
-                      </m:e>
-                      <m:sub>
-                        <m:d>
-                          <m:dPr>
-                            <m:ctrlPr>
-                              <a:rPr lang="fr-FR" i="1">
-                                <a:latin typeface="Cambria Math" panose="02040503050406030204" pitchFamily="18" charset="0"/>
-                                <a:cs typeface="Times New Roman" panose="02020603050405020304" pitchFamily="18" charset="0"/>
-                              </a:rPr>
-                            </m:ctrlPr>
-                          </m:dPr>
-                          <m:e>
-                            <m:r>
-                              <a:rPr lang="fr-FR">
-                                <a:latin typeface="Cambria Math" panose="02040503050406030204" pitchFamily="18" charset="0"/>
-                                <a:cs typeface="Times New Roman" panose="02020603050405020304" pitchFamily="18" charset="0"/>
-                              </a:rPr>
-                              <m:t>%, </m:t>
-                            </m:r>
-                            <m:r>
-                              <a:rPr lang="fr-FR">
-                                <a:latin typeface="Cambria Math" panose="02040503050406030204" pitchFamily="18" charset="0"/>
-                                <a:cs typeface="Times New Roman" panose="02020603050405020304" pitchFamily="18" charset="0"/>
-                              </a:rPr>
-                              <m:t>𝑣𝑎𝑙</m:t>
-                            </m:r>
-                          </m:e>
-                        </m:d>
-                      </m:sub>
-                    </m:sSub>
-                    <m:r>
-                      <a:rPr lang="fr-FR">
-                        <a:latin typeface="Cambria Math" panose="02040503050406030204" pitchFamily="18" charset="0"/>
-                        <a:cs typeface="Times New Roman" panose="02020603050405020304" pitchFamily="18" charset="0"/>
-                      </a:rPr>
-                      <m:t>=−22.622 </m:t>
-                    </m:r>
-                    <m:r>
-                      <a:rPr lang="fr-FR">
-                        <a:latin typeface="Cambria Math" panose="02040503050406030204" pitchFamily="18" charset="0"/>
-                        <a:cs typeface="Times New Roman" panose="02020603050405020304" pitchFamily="18" charset="0"/>
-                      </a:rPr>
-                      <m:t>𝜇</m:t>
-                    </m:r>
-                    <m:r>
-                      <a:rPr lang="fr-FR">
-                        <a:latin typeface="Cambria Math" panose="02040503050406030204" pitchFamily="18" charset="0"/>
-                        <a:cs typeface="Times New Roman" panose="02020603050405020304" pitchFamily="18" charset="0"/>
-                      </a:rPr>
-                      <m:t>𝑚</m:t>
-                    </m:r>
-                    <m:r>
-                      <a:rPr lang="fr-FR">
-                        <a:latin typeface="Cambria Math" panose="02040503050406030204" pitchFamily="18" charset="0"/>
-                        <a:cs typeface="Times New Roman" panose="02020603050405020304" pitchFamily="18" charset="0"/>
-                      </a:rPr>
-                      <m:t>²</m:t>
-                    </m:r>
-                  </m:oMath>
-                </a14:m>
-                <a:r>
-                  <a:rPr lang="fr-FR" dirty="0">
-                    <a:latin typeface="Times New Roman" panose="02020603050405020304" pitchFamily="18" charset="0"/>
-                    <a:cs typeface="Times New Roman" panose="02020603050405020304" pitchFamily="18" charset="0"/>
-                  </a:rPr>
-                  <a:t> (cas 3a). D’après le résumé d’article réalisé, cela s’agit donc d’un cas moyennement désiré étant donné que nous ne somme pas capable de pouvoir chiffrer l’erreur du modèle. Néanmoins, nous connaissons déjà le signe de l’erreur du modèle et nous pouvons dire que la simulation sous-prédis donc (comme nous avons pu le voir). </a:t>
-                </a:r>
-              </a:p>
-              <a:p>
-                <a:pPr algn="just"/>
-                <a:endParaRPr lang="fr-FR" dirty="0">
-                  <a:latin typeface="Times New Roman" panose="02020603050405020304" pitchFamily="18" charset="0"/>
-                  <a:cs typeface="Times New Roman" panose="02020603050405020304" pitchFamily="18" charset="0"/>
-                </a:endParaRPr>
-              </a:p>
-            </p:txBody>
-          </p:sp>
-        </mc:Choice>
-        <mc:Fallback xmlns="">
-          <p:sp>
-            <p:nvSpPr>
-              <p:cNvPr id="2" name="TextBox 1">
-                <a:extLst>
-                  <a:ext uri="{FF2B5EF4-FFF2-40B4-BE49-F238E27FC236}">
-                    <a16:creationId xmlns:a16="http://schemas.microsoft.com/office/drawing/2014/main" id="{8004F7FD-C1ED-C0C4-12CC-EF679C2B4BCF}"/>
-                  </a:ext>
-                </a:extLst>
-              </p:cNvPr>
-              <p:cNvSpPr txBox="1">
-                <a:spLocks noRot="1" noChangeAspect="1" noMove="1" noResize="1" noEditPoints="1" noAdjustHandles="1" noChangeArrowheads="1" noChangeShapeType="1" noTextEdit="1"/>
-              </p:cNvSpPr>
-              <p:nvPr/>
-            </p:nvSpPr>
-            <p:spPr>
-              <a:xfrm>
-                <a:off x="0" y="627468"/>
-                <a:ext cx="12192000" cy="1519903"/>
-              </a:xfrm>
-              <a:prstGeom prst="rect">
-                <a:avLst/>
-              </a:prstGeom>
-              <a:blipFill>
-                <a:blip r:embed="rId2"/>
-                <a:stretch>
-                  <a:fillRect l="-400" t="-2410" r="-400"/>
-                </a:stretch>
-              </a:blipFill>
-            </p:spPr>
-            <p:txBody>
-              <a:bodyPr/>
-              <a:lstStyle/>
-              <a:p>
-                <a:r>
-                  <a:rPr lang="en-GB">
-                    <a:noFill/>
-                  </a:rPr>
-                  <a:t> </a:t>
-                </a:r>
-              </a:p>
-            </p:txBody>
-          </p:sp>
-        </mc:Fallback>
-      </mc:AlternateContent>
-      <p:cxnSp>
-        <p:nvCxnSpPr>
-          <p:cNvPr id="4" name="Straight Arrow Connector 3">
-            <a:extLst>
-              <a:ext uri="{FF2B5EF4-FFF2-40B4-BE49-F238E27FC236}">
-                <a16:creationId xmlns:a16="http://schemas.microsoft.com/office/drawing/2014/main" id="{DE604380-F518-97E0-EF22-ECD626000716}"/>
-              </a:ext>
-            </a:extLst>
-          </p:cNvPr>
-          <p:cNvCxnSpPr>
-            <a:cxnSpLocks/>
-          </p:cNvCxnSpPr>
-          <p:nvPr/>
-        </p:nvCxnSpPr>
-        <p:spPr>
-          <a:xfrm flipV="1">
-            <a:off x="5004501" y="2285871"/>
-            <a:ext cx="0" cy="2800320"/>
-          </a:xfrm>
-          <a:prstGeom prst="straightConnector1">
-            <a:avLst/>
-          </a:prstGeom>
-          <a:ln>
-            <a:tailEnd type="triangle"/>
-          </a:ln>
-        </p:spPr>
-        <p:style>
-          <a:lnRef idx="2">
-            <a:schemeClr val="dk1"/>
-          </a:lnRef>
-          <a:fillRef idx="0">
-            <a:schemeClr val="dk1"/>
-          </a:fillRef>
-          <a:effectRef idx="1">
-            <a:schemeClr val="dk1"/>
-          </a:effectRef>
-          <a:fontRef idx="minor">
-            <a:schemeClr val="tx1"/>
-          </a:fontRef>
-        </p:style>
-      </p:cxnSp>
-      <p:cxnSp>
-        <p:nvCxnSpPr>
-          <p:cNvPr id="6" name="Straight Arrow Connector 5">
-            <a:extLst>
-              <a:ext uri="{FF2B5EF4-FFF2-40B4-BE49-F238E27FC236}">
-                <a16:creationId xmlns:a16="http://schemas.microsoft.com/office/drawing/2014/main" id="{98BE1646-544E-A81E-CE20-138402FB0BD3}"/>
-              </a:ext>
-            </a:extLst>
-          </p:cNvPr>
-          <p:cNvCxnSpPr>
-            <a:cxnSpLocks/>
-          </p:cNvCxnSpPr>
-          <p:nvPr/>
-        </p:nvCxnSpPr>
-        <p:spPr>
-          <a:xfrm>
-            <a:off x="4797447" y="3686031"/>
-            <a:ext cx="2597106" cy="0"/>
-          </a:xfrm>
-          <a:prstGeom prst="straightConnector1">
-            <a:avLst/>
-          </a:prstGeom>
-          <a:ln>
-            <a:tailEnd type="triangle"/>
-          </a:ln>
-        </p:spPr>
-        <p:style>
-          <a:lnRef idx="2">
-            <a:schemeClr val="dk1"/>
-          </a:lnRef>
-          <a:fillRef idx="0">
-            <a:schemeClr val="dk1"/>
-          </a:fillRef>
-          <a:effectRef idx="1">
-            <a:schemeClr val="dk1"/>
-          </a:effectRef>
-          <a:fontRef idx="minor">
-            <a:schemeClr val="tx1"/>
-          </a:fontRef>
-        </p:style>
-      </p:cxnSp>
-      <mc:AlternateContent xmlns:mc="http://schemas.openxmlformats.org/markup-compatibility/2006" xmlns:a14="http://schemas.microsoft.com/office/drawing/2010/main">
-        <mc:Choice Requires="a14">
-          <p:sp>
-            <p:nvSpPr>
-              <p:cNvPr id="8" name="TextBox 7">
-                <a:extLst>
-                  <a:ext uri="{FF2B5EF4-FFF2-40B4-BE49-F238E27FC236}">
-                    <a16:creationId xmlns:a16="http://schemas.microsoft.com/office/drawing/2014/main" id="{C712FDFE-3676-4243-BCC9-29592891991D}"/>
-                  </a:ext>
-                </a:extLst>
-              </p:cNvPr>
-              <p:cNvSpPr txBox="1"/>
-              <p:nvPr/>
-            </p:nvSpPr>
-            <p:spPr>
-              <a:xfrm>
-                <a:off x="3830745" y="2273822"/>
-                <a:ext cx="1070229" cy="276999"/>
-              </a:xfrm>
-              <a:prstGeom prst="rect">
-                <a:avLst/>
-              </a:prstGeom>
-              <a:noFill/>
-            </p:spPr>
-            <p:txBody>
-              <a:bodyPr wrap="none" lIns="0" tIns="0" rIns="0" bIns="0" rtlCol="0">
-                <a:spAutoFit/>
-              </a:bodyPr>
-              <a:lstStyle/>
-              <a:p>
-                <a:pPr/>
-                <a14:m>
-                  <m:oMathPara xmlns:m="http://schemas.openxmlformats.org/officeDocument/2006/math">
-                    <m:oMathParaPr>
-                      <m:jc m:val="centerGroup"/>
-                    </m:oMathParaPr>
-                    <m:oMath xmlns:m="http://schemas.openxmlformats.org/officeDocument/2006/math">
-                      <m:r>
-                        <a:rPr lang="fr-FR" b="0" i="1" smtClean="0">
-                          <a:latin typeface="Cambria Math" panose="02040503050406030204" pitchFamily="18" charset="0"/>
-                        </a:rPr>
-                        <m:t>𝐸</m:t>
-                      </m:r>
-                      <m:r>
-                        <a:rPr lang="fr-FR" b="0" i="1" smtClean="0">
-                          <a:latin typeface="Cambria Math" panose="02040503050406030204" pitchFamily="18" charset="0"/>
-                        </a:rPr>
-                        <m:t>=</m:t>
-                      </m:r>
-                      <m:r>
-                        <a:rPr lang="fr-FR" b="0" i="1" smtClean="0">
-                          <a:latin typeface="Cambria Math" panose="02040503050406030204" pitchFamily="18" charset="0"/>
-                        </a:rPr>
-                        <m:t>𝑆</m:t>
-                      </m:r>
-                      <m:r>
-                        <a:rPr lang="fr-FR" b="0" i="1" smtClean="0">
-                          <a:latin typeface="Cambria Math" panose="02040503050406030204" pitchFamily="18" charset="0"/>
-                        </a:rPr>
-                        <m:t>−</m:t>
-                      </m:r>
-                      <m:r>
-                        <a:rPr lang="fr-FR" b="0" i="1" smtClean="0">
-                          <a:latin typeface="Cambria Math" panose="02040503050406030204" pitchFamily="18" charset="0"/>
-                        </a:rPr>
-                        <m:t>𝐷</m:t>
-                      </m:r>
-                    </m:oMath>
-                  </m:oMathPara>
-                </a14:m>
-                <a:endParaRPr lang="en-GB" dirty="0"/>
-              </a:p>
-            </p:txBody>
-          </p:sp>
-        </mc:Choice>
-        <mc:Fallback xmlns="">
-          <p:sp>
-            <p:nvSpPr>
-              <p:cNvPr id="8" name="TextBox 7">
-                <a:extLst>
-                  <a:ext uri="{FF2B5EF4-FFF2-40B4-BE49-F238E27FC236}">
-                    <a16:creationId xmlns:a16="http://schemas.microsoft.com/office/drawing/2014/main" id="{C712FDFE-3676-4243-BCC9-29592891991D}"/>
-                  </a:ext>
-                </a:extLst>
-              </p:cNvPr>
-              <p:cNvSpPr txBox="1">
-                <a:spLocks noRot="1" noChangeAspect="1" noMove="1" noResize="1" noEditPoints="1" noAdjustHandles="1" noChangeArrowheads="1" noChangeShapeType="1" noTextEdit="1"/>
-              </p:cNvSpPr>
-              <p:nvPr/>
-            </p:nvSpPr>
-            <p:spPr>
-              <a:xfrm>
-                <a:off x="3830745" y="2273822"/>
-                <a:ext cx="1070229" cy="276999"/>
-              </a:xfrm>
-              <a:prstGeom prst="rect">
-                <a:avLst/>
-              </a:prstGeom>
-              <a:blipFill>
-                <a:blip r:embed="rId3"/>
-                <a:stretch>
-                  <a:fillRect l="-4545" r="-4545" b="-8889"/>
-                </a:stretch>
-              </a:blipFill>
-            </p:spPr>
-            <p:txBody>
-              <a:bodyPr/>
-              <a:lstStyle/>
-              <a:p>
-                <a:r>
-                  <a:rPr lang="en-GB">
-                    <a:noFill/>
-                  </a:rPr>
-                  <a:t> </a:t>
-                </a:r>
-              </a:p>
-            </p:txBody>
-          </p:sp>
-        </mc:Fallback>
-      </mc:AlternateContent>
-      <mc:AlternateContent xmlns:mc="http://schemas.openxmlformats.org/markup-compatibility/2006" xmlns:a14="http://schemas.microsoft.com/office/drawing/2010/main">
-        <mc:Choice Requires="a14">
-          <p:sp>
-            <p:nvSpPr>
-              <p:cNvPr id="10" name="TextBox 9">
-                <a:extLst>
-                  <a:ext uri="{FF2B5EF4-FFF2-40B4-BE49-F238E27FC236}">
-                    <a16:creationId xmlns:a16="http://schemas.microsoft.com/office/drawing/2014/main" id="{122D42A1-AE2A-C892-F728-6068959571B4}"/>
-                  </a:ext>
-                </a:extLst>
-              </p:cNvPr>
-              <p:cNvSpPr txBox="1"/>
-              <p:nvPr/>
-            </p:nvSpPr>
-            <p:spPr>
-              <a:xfrm>
-                <a:off x="7498080" y="3547531"/>
-                <a:ext cx="478016" cy="276999"/>
-              </a:xfrm>
-              <a:prstGeom prst="rect">
-                <a:avLst/>
-              </a:prstGeom>
-              <a:noFill/>
-            </p:spPr>
-            <p:txBody>
-              <a:bodyPr wrap="none" lIns="0" tIns="0" rIns="0" bIns="0" rtlCol="0">
-                <a:spAutoFit/>
-              </a:bodyPr>
-              <a:lstStyle/>
-              <a:p>
-                <a:pPr/>
-                <a14:m>
-                  <m:oMathPara xmlns:m="http://schemas.openxmlformats.org/officeDocument/2006/math">
-                    <m:oMathParaPr>
-                      <m:jc m:val="centerGroup"/>
-                    </m:oMathParaPr>
-                    <m:oMath xmlns:m="http://schemas.openxmlformats.org/officeDocument/2006/math">
-                      <m:r>
-                        <a:rPr lang="fr-FR" b="0" i="1" smtClean="0">
-                          <a:latin typeface="Cambria Math" panose="02040503050406030204" pitchFamily="18" charset="0"/>
-                        </a:rPr>
-                        <m:t>𝑆𝑅𝑄</m:t>
-                      </m:r>
-                    </m:oMath>
-                  </m:oMathPara>
-                </a14:m>
-                <a:endParaRPr lang="en-GB" dirty="0"/>
-              </a:p>
-            </p:txBody>
-          </p:sp>
-        </mc:Choice>
-        <mc:Fallback xmlns="">
-          <p:sp>
-            <p:nvSpPr>
-              <p:cNvPr id="10" name="TextBox 9">
-                <a:extLst>
-                  <a:ext uri="{FF2B5EF4-FFF2-40B4-BE49-F238E27FC236}">
-                    <a16:creationId xmlns:a16="http://schemas.microsoft.com/office/drawing/2014/main" id="{122D42A1-AE2A-C892-F728-6068959571B4}"/>
-                  </a:ext>
-                </a:extLst>
-              </p:cNvPr>
-              <p:cNvSpPr txBox="1">
-                <a:spLocks noRot="1" noChangeAspect="1" noMove="1" noResize="1" noEditPoints="1" noAdjustHandles="1" noChangeArrowheads="1" noChangeShapeType="1" noTextEdit="1"/>
-              </p:cNvSpPr>
-              <p:nvPr/>
-            </p:nvSpPr>
-            <p:spPr>
-              <a:xfrm>
-                <a:off x="7498080" y="3547531"/>
-                <a:ext cx="478016" cy="276999"/>
-              </a:xfrm>
-              <a:prstGeom prst="rect">
-                <a:avLst/>
-              </a:prstGeom>
-              <a:blipFill>
-                <a:blip r:embed="rId4"/>
-                <a:stretch>
-                  <a:fillRect l="-16667" r="-16667" b="-31111"/>
-                </a:stretch>
-              </a:blipFill>
-            </p:spPr>
-            <p:txBody>
-              <a:bodyPr/>
-              <a:lstStyle/>
-              <a:p>
-                <a:r>
-                  <a:rPr lang="en-GB">
-                    <a:noFill/>
-                  </a:rPr>
-                  <a:t> </a:t>
-                </a:r>
-              </a:p>
-            </p:txBody>
-          </p:sp>
-        </mc:Fallback>
-      </mc:AlternateContent>
-      <mc:AlternateContent xmlns:mc="http://schemas.openxmlformats.org/markup-compatibility/2006" xmlns:a14="http://schemas.microsoft.com/office/drawing/2010/main">
-        <mc:Choice Requires="a14">
-          <p:sp>
-            <p:nvSpPr>
-              <p:cNvPr id="11" name="TextBox 10">
-                <a:extLst>
-                  <a:ext uri="{FF2B5EF4-FFF2-40B4-BE49-F238E27FC236}">
-                    <a16:creationId xmlns:a16="http://schemas.microsoft.com/office/drawing/2014/main" id="{86F8990E-0971-B834-7BF5-82BD5E91EB37}"/>
-                  </a:ext>
-                </a:extLst>
-              </p:cNvPr>
-              <p:cNvSpPr txBox="1"/>
-              <p:nvPr/>
-            </p:nvSpPr>
-            <p:spPr>
-              <a:xfrm>
-                <a:off x="1510527" y="3359237"/>
-                <a:ext cx="1841273" cy="276999"/>
-              </a:xfrm>
-              <a:prstGeom prst="rect">
-                <a:avLst/>
-              </a:prstGeom>
-              <a:noFill/>
-            </p:spPr>
-            <p:txBody>
-              <a:bodyPr wrap="none" lIns="0" tIns="0" rIns="0" bIns="0" rtlCol="0">
-                <a:spAutoFit/>
-              </a:bodyPr>
-              <a:lstStyle/>
-              <a:p>
-                <a:pPr/>
-                <a14:m>
-                  <m:oMathPara xmlns:m="http://schemas.openxmlformats.org/officeDocument/2006/math">
-                    <m:oMathParaPr>
-                      <m:jc m:val="centerGroup"/>
-                    </m:oMathParaPr>
-                    <m:oMath xmlns:m="http://schemas.openxmlformats.org/officeDocument/2006/math">
-                      <m:r>
-                        <a:rPr lang="fr-FR" b="0" i="1" smtClean="0">
-                          <a:latin typeface="Cambria Math" panose="02040503050406030204" pitchFamily="18" charset="0"/>
-                        </a:rPr>
-                        <m:t>𝐸</m:t>
-                      </m:r>
-                      <m:r>
-                        <a:rPr lang="fr-FR" b="0" i="1" smtClean="0">
-                          <a:latin typeface="Cambria Math" panose="02040503050406030204" pitchFamily="18" charset="0"/>
-                        </a:rPr>
-                        <m:t>=−58.605 </m:t>
-                      </m:r>
-                      <m:r>
-                        <a:rPr lang="fr-FR" i="1">
-                          <a:latin typeface="Cambria Math" panose="02040503050406030204" pitchFamily="18" charset="0"/>
-                          <a:ea typeface="Cambria Math" panose="02040503050406030204" pitchFamily="18" charset="0"/>
-                          <a:cs typeface="Times New Roman" panose="02020603050405020304" pitchFamily="18" charset="0"/>
-                        </a:rPr>
-                        <m:t>𝜇</m:t>
-                      </m:r>
-                      <m:r>
-                        <a:rPr lang="fr-FR" i="1">
-                          <a:latin typeface="Cambria Math" panose="02040503050406030204" pitchFamily="18" charset="0"/>
-                          <a:ea typeface="Cambria Math" panose="02040503050406030204" pitchFamily="18" charset="0"/>
-                          <a:cs typeface="Times New Roman" panose="02020603050405020304" pitchFamily="18" charset="0"/>
-                        </a:rPr>
-                        <m:t>𝑚</m:t>
-                      </m:r>
-                      <m:r>
-                        <a:rPr lang="fr-FR" i="1">
-                          <a:latin typeface="Cambria Math" panose="02040503050406030204" pitchFamily="18" charset="0"/>
-                          <a:ea typeface="Cambria Math" panose="02040503050406030204" pitchFamily="18" charset="0"/>
-                          <a:cs typeface="Times New Roman" panose="02020603050405020304" pitchFamily="18" charset="0"/>
-                        </a:rPr>
-                        <m:t>²</m:t>
-                      </m:r>
-                    </m:oMath>
-                  </m:oMathPara>
-                </a14:m>
-                <a:endParaRPr lang="fr-FR" dirty="0">
-                  <a:latin typeface="Times New Roman" panose="02020603050405020304" pitchFamily="18" charset="0"/>
-                  <a:cs typeface="Times New Roman" panose="02020603050405020304" pitchFamily="18" charset="0"/>
-                </a:endParaRPr>
-              </a:p>
-            </p:txBody>
-          </p:sp>
-        </mc:Choice>
-        <mc:Fallback xmlns="">
-          <p:sp>
-            <p:nvSpPr>
-              <p:cNvPr id="11" name="TextBox 10">
-                <a:extLst>
-                  <a:ext uri="{FF2B5EF4-FFF2-40B4-BE49-F238E27FC236}">
-                    <a16:creationId xmlns:a16="http://schemas.microsoft.com/office/drawing/2014/main" id="{86F8990E-0971-B834-7BF5-82BD5E91EB37}"/>
-                  </a:ext>
-                </a:extLst>
-              </p:cNvPr>
-              <p:cNvSpPr txBox="1">
-                <a:spLocks noRot="1" noChangeAspect="1" noMove="1" noResize="1" noEditPoints="1" noAdjustHandles="1" noChangeArrowheads="1" noChangeShapeType="1" noTextEdit="1"/>
-              </p:cNvSpPr>
-              <p:nvPr/>
-            </p:nvSpPr>
-            <p:spPr>
-              <a:xfrm>
-                <a:off x="1510527" y="3359237"/>
-                <a:ext cx="1841273" cy="276999"/>
-              </a:xfrm>
-              <a:prstGeom prst="rect">
-                <a:avLst/>
-              </a:prstGeom>
-              <a:blipFill>
-                <a:blip r:embed="rId5"/>
-                <a:stretch>
-                  <a:fillRect l="-2649" t="-11111" r="-4305" b="-40000"/>
-                </a:stretch>
-              </a:blipFill>
-            </p:spPr>
-            <p:txBody>
-              <a:bodyPr/>
-              <a:lstStyle/>
-              <a:p>
-                <a:r>
-                  <a:rPr lang="en-GB">
-                    <a:noFill/>
-                  </a:rPr>
-                  <a:t> </a:t>
-                </a:r>
-              </a:p>
-            </p:txBody>
-          </p:sp>
-        </mc:Fallback>
-      </mc:AlternateContent>
-      <mc:AlternateContent xmlns:mc="http://schemas.openxmlformats.org/markup-compatibility/2006" xmlns:a14="http://schemas.microsoft.com/office/drawing/2010/main">
-        <mc:Choice Requires="a14">
-          <p:sp>
-            <p:nvSpPr>
-              <p:cNvPr id="12" name="TextBox 11">
-                <a:extLst>
-                  <a:ext uri="{FF2B5EF4-FFF2-40B4-BE49-F238E27FC236}">
-                    <a16:creationId xmlns:a16="http://schemas.microsoft.com/office/drawing/2014/main" id="{31972B0B-29CA-09AD-C82A-FA7E5CE423E6}"/>
-                  </a:ext>
-                </a:extLst>
-              </p:cNvPr>
-              <p:cNvSpPr txBox="1"/>
-              <p:nvPr/>
-            </p:nvSpPr>
-            <p:spPr>
-              <a:xfrm>
-                <a:off x="1510526" y="3717507"/>
-                <a:ext cx="2260299" cy="300019"/>
-              </a:xfrm>
-              <a:prstGeom prst="rect">
-                <a:avLst/>
-              </a:prstGeom>
-              <a:noFill/>
-            </p:spPr>
-            <p:txBody>
-              <a:bodyPr wrap="none" lIns="0" tIns="0" rIns="0" bIns="0" rtlCol="0">
-                <a:spAutoFit/>
-              </a:bodyPr>
-              <a:lstStyle/>
-              <a:p>
-                <a:pPr/>
-                <a14:m>
-                  <m:oMathPara xmlns:m="http://schemas.openxmlformats.org/officeDocument/2006/math">
-                    <m:oMathParaPr>
-                      <m:jc m:val="centerGroup"/>
-                    </m:oMathParaPr>
-                    <m:oMath xmlns:m="http://schemas.openxmlformats.org/officeDocument/2006/math">
-                      <m:sSub>
-                        <m:sSubPr>
-                          <m:ctrlPr>
-                            <a:rPr lang="fr-FR" i="1" smtClean="0">
-                              <a:latin typeface="Cambria Math" panose="02040503050406030204" pitchFamily="18" charset="0"/>
-                              <a:cs typeface="Times New Roman" panose="02020603050405020304" pitchFamily="18" charset="0"/>
-                            </a:rPr>
-                          </m:ctrlPr>
-                        </m:sSubPr>
-                        <m:e>
-                          <m:r>
-                            <a:rPr lang="fr-FR" i="1">
-                              <a:latin typeface="Cambria Math" panose="02040503050406030204" pitchFamily="18" charset="0"/>
-                              <a:cs typeface="Times New Roman" panose="02020603050405020304" pitchFamily="18" charset="0"/>
-                            </a:rPr>
-                            <m:t>𝑈</m:t>
-                          </m:r>
-                        </m:e>
-                        <m:sub>
-                          <m:d>
-                            <m:dPr>
-                              <m:ctrlPr>
-                                <a:rPr lang="fr-FR" i="1">
-                                  <a:latin typeface="Cambria Math" panose="02040503050406030204" pitchFamily="18" charset="0"/>
-                                  <a:cs typeface="Times New Roman" panose="02020603050405020304" pitchFamily="18" charset="0"/>
-                                </a:rPr>
-                              </m:ctrlPr>
-                            </m:dPr>
-                            <m:e>
-                              <m:r>
-                                <a:rPr lang="fr-FR" i="1">
-                                  <a:latin typeface="Cambria Math" panose="02040503050406030204" pitchFamily="18" charset="0"/>
-                                  <a:cs typeface="Times New Roman" panose="02020603050405020304" pitchFamily="18" charset="0"/>
-                                </a:rPr>
-                                <m:t>%, </m:t>
-                              </m:r>
-                              <m:r>
-                                <a:rPr lang="fr-FR" i="1">
-                                  <a:latin typeface="Cambria Math" panose="02040503050406030204" pitchFamily="18" charset="0"/>
-                                  <a:cs typeface="Times New Roman" panose="02020603050405020304" pitchFamily="18" charset="0"/>
-                                </a:rPr>
-                                <m:t>𝑣𝑎𝑙</m:t>
-                              </m:r>
-                            </m:e>
-                          </m:d>
-                        </m:sub>
-                      </m:sSub>
-                      <m:r>
-                        <a:rPr lang="fr-FR" b="0" i="1" smtClean="0">
-                          <a:latin typeface="Cambria Math" panose="02040503050406030204" pitchFamily="18" charset="0"/>
-                        </a:rPr>
-                        <m:t>=</m:t>
-                      </m:r>
-                      <m:r>
-                        <a:rPr lang="fr-FR" b="0" i="1" smtClean="0">
-                          <a:latin typeface="Cambria Math" panose="02040503050406030204" pitchFamily="18" charset="0"/>
-                          <a:cs typeface="Times New Roman" panose="02020603050405020304" pitchFamily="18" charset="0"/>
-                        </a:rPr>
-                        <m:t>35.983</m:t>
-                      </m:r>
-                      <m:r>
-                        <a:rPr lang="fr-FR" i="1">
-                          <a:latin typeface="Cambria Math" panose="02040503050406030204" pitchFamily="18" charset="0"/>
-                          <a:cs typeface="Times New Roman" panose="02020603050405020304" pitchFamily="18" charset="0"/>
-                        </a:rPr>
-                        <m:t> </m:t>
-                      </m:r>
-                      <m:r>
-                        <a:rPr lang="fr-FR" i="1">
-                          <a:latin typeface="Cambria Math" panose="02040503050406030204" pitchFamily="18" charset="0"/>
-                          <a:ea typeface="Cambria Math" panose="02040503050406030204" pitchFamily="18" charset="0"/>
-                          <a:cs typeface="Times New Roman" panose="02020603050405020304" pitchFamily="18" charset="0"/>
-                        </a:rPr>
-                        <m:t>𝜇</m:t>
-                      </m:r>
-                      <m:r>
-                        <a:rPr lang="fr-FR" i="1">
-                          <a:latin typeface="Cambria Math" panose="02040503050406030204" pitchFamily="18" charset="0"/>
-                          <a:ea typeface="Cambria Math" panose="02040503050406030204" pitchFamily="18" charset="0"/>
-                          <a:cs typeface="Times New Roman" panose="02020603050405020304" pitchFamily="18" charset="0"/>
-                        </a:rPr>
-                        <m:t>𝑚</m:t>
-                      </m:r>
-                      <m:r>
-                        <a:rPr lang="fr-FR" i="1">
-                          <a:latin typeface="Cambria Math" panose="02040503050406030204" pitchFamily="18" charset="0"/>
-                          <a:ea typeface="Cambria Math" panose="02040503050406030204" pitchFamily="18" charset="0"/>
-                          <a:cs typeface="Times New Roman" panose="02020603050405020304" pitchFamily="18" charset="0"/>
-                        </a:rPr>
-                        <m:t>²</m:t>
-                      </m:r>
-                    </m:oMath>
-                  </m:oMathPara>
-                </a14:m>
-                <a:endParaRPr lang="fr-FR" dirty="0">
-                  <a:latin typeface="Times New Roman" panose="02020603050405020304" pitchFamily="18" charset="0"/>
-                  <a:cs typeface="Times New Roman" panose="02020603050405020304" pitchFamily="18" charset="0"/>
-                </a:endParaRPr>
-              </a:p>
-            </p:txBody>
-          </p:sp>
-        </mc:Choice>
-        <mc:Fallback xmlns="">
-          <p:sp>
-            <p:nvSpPr>
-              <p:cNvPr id="12" name="TextBox 11">
-                <a:extLst>
-                  <a:ext uri="{FF2B5EF4-FFF2-40B4-BE49-F238E27FC236}">
-                    <a16:creationId xmlns:a16="http://schemas.microsoft.com/office/drawing/2014/main" id="{31972B0B-29CA-09AD-C82A-FA7E5CE423E6}"/>
-                  </a:ext>
-                </a:extLst>
-              </p:cNvPr>
-              <p:cNvSpPr txBox="1">
-                <a:spLocks noRot="1" noChangeAspect="1" noMove="1" noResize="1" noEditPoints="1" noAdjustHandles="1" noChangeArrowheads="1" noChangeShapeType="1" noTextEdit="1"/>
-              </p:cNvSpPr>
-              <p:nvPr/>
-            </p:nvSpPr>
-            <p:spPr>
-              <a:xfrm>
-                <a:off x="1510526" y="3717507"/>
-                <a:ext cx="2260299" cy="300019"/>
-              </a:xfrm>
-              <a:prstGeom prst="rect">
-                <a:avLst/>
-              </a:prstGeom>
-              <a:blipFill>
-                <a:blip r:embed="rId6"/>
-                <a:stretch>
-                  <a:fillRect l="-2156" t="-10204" r="-3504" b="-26531"/>
-                </a:stretch>
-              </a:blipFill>
-            </p:spPr>
-            <p:txBody>
-              <a:bodyPr/>
-              <a:lstStyle/>
-              <a:p>
-                <a:r>
-                  <a:rPr lang="en-GB">
-                    <a:noFill/>
-                  </a:rPr>
-                  <a:t> </a:t>
-                </a:r>
-              </a:p>
-            </p:txBody>
-          </p:sp>
-        </mc:Fallback>
-      </mc:AlternateContent>
-      <mc:AlternateContent xmlns:mc="http://schemas.openxmlformats.org/markup-compatibility/2006" xmlns:a14="http://schemas.microsoft.com/office/drawing/2010/main">
-        <mc:Choice Requires="a14">
-          <p:sp>
-            <p:nvSpPr>
-              <p:cNvPr id="14" name="TextBox 13">
-                <a:extLst>
-                  <a:ext uri="{FF2B5EF4-FFF2-40B4-BE49-F238E27FC236}">
-                    <a16:creationId xmlns:a16="http://schemas.microsoft.com/office/drawing/2014/main" id="{E514ACF3-EF00-A414-2CD7-B79AAB74C874}"/>
-                  </a:ext>
-                </a:extLst>
-              </p:cNvPr>
-              <p:cNvSpPr txBox="1"/>
-              <p:nvPr/>
-            </p:nvSpPr>
-            <p:spPr>
-              <a:xfrm>
-                <a:off x="4839313" y="4362273"/>
-                <a:ext cx="6167470" cy="369332"/>
-              </a:xfrm>
-              <a:prstGeom prst="rect">
-                <a:avLst/>
-              </a:prstGeom>
-              <a:noFill/>
-            </p:spPr>
-            <p:txBody>
-              <a:bodyPr wrap="square">
-                <a:spAutoFit/>
-              </a:bodyPr>
-              <a:lstStyle/>
-              <a:p>
-                <a:pPr algn="just"/>
-                <a14:m>
-                  <m:oMathPara xmlns:m="http://schemas.openxmlformats.org/officeDocument/2006/math">
-                    <m:oMathParaPr>
-                      <m:jc m:val="centerGroup"/>
-                    </m:oMathParaPr>
-                    <m:oMath xmlns:m="http://schemas.openxmlformats.org/officeDocument/2006/math">
-                      <m:sSub>
-                        <m:sSubPr>
-                          <m:ctrlPr>
-                            <a:rPr lang="fr-FR" b="0" i="1" smtClean="0">
-                              <a:solidFill>
-                                <a:schemeClr val="accent2"/>
-                              </a:solidFill>
-                              <a:latin typeface="Cambria Math" panose="02040503050406030204" pitchFamily="18" charset="0"/>
-                              <a:ea typeface="Cambria Math" panose="02040503050406030204" pitchFamily="18" charset="0"/>
-                              <a:cs typeface="Times New Roman" panose="02020603050405020304" pitchFamily="18" charset="0"/>
-                            </a:rPr>
-                          </m:ctrlPr>
-                        </m:sSubPr>
-                        <m:e>
-                          <m:r>
-                            <a:rPr lang="fr-FR" i="1" smtClean="0">
-                              <a:solidFill>
-                                <a:schemeClr val="accent2"/>
-                              </a:solidFill>
-                              <a:latin typeface="Cambria Math" panose="02040503050406030204" pitchFamily="18" charset="0"/>
-                              <a:ea typeface="Cambria Math" panose="02040503050406030204" pitchFamily="18" charset="0"/>
-                              <a:cs typeface="Times New Roman" panose="02020603050405020304" pitchFamily="18" charset="0"/>
-                            </a:rPr>
-                            <m:t>𝛿</m:t>
-                          </m:r>
-                        </m:e>
-                        <m:sub>
-                          <m:r>
-                            <a:rPr lang="fr-FR" b="0" i="1" smtClean="0">
-                              <a:solidFill>
-                                <a:schemeClr val="accent2"/>
-                              </a:solidFill>
-                              <a:latin typeface="Cambria Math" panose="02040503050406030204" pitchFamily="18" charset="0"/>
-                              <a:ea typeface="Cambria Math" panose="02040503050406030204" pitchFamily="18" charset="0"/>
-                              <a:cs typeface="Times New Roman" panose="02020603050405020304" pitchFamily="18" charset="0"/>
-                            </a:rPr>
-                            <m:t>𝑚𝑜𝑑𝑒𝑙</m:t>
-                          </m:r>
-                        </m:sub>
-                      </m:sSub>
-                      <m:r>
-                        <a:rPr lang="fr-FR" b="0" i="1" smtClean="0">
-                          <a:latin typeface="Cambria Math" panose="02040503050406030204" pitchFamily="18" charset="0"/>
-                          <a:ea typeface="Cambria Math" panose="02040503050406030204" pitchFamily="18" charset="0"/>
-                          <a:cs typeface="Times New Roman" panose="02020603050405020304" pitchFamily="18" charset="0"/>
-                        </a:rPr>
-                        <m:t>∈</m:t>
-                      </m:r>
-                      <m:d>
-                        <m:dPr>
-                          <m:begChr m:val="["/>
-                          <m:endChr m:val="]"/>
-                          <m:ctrlPr>
-                            <a:rPr lang="fr-FR" b="0" i="1" smtClean="0">
-                              <a:latin typeface="Cambria Math" panose="02040503050406030204" pitchFamily="18" charset="0"/>
-                              <a:ea typeface="Cambria Math" panose="02040503050406030204" pitchFamily="18" charset="0"/>
-                              <a:cs typeface="Times New Roman" panose="02020603050405020304" pitchFamily="18" charset="0"/>
-                            </a:rPr>
-                          </m:ctrlPr>
-                        </m:dPr>
-                        <m:e>
-                          <m:r>
-                            <a:rPr lang="fr-FR" b="0" i="1" smtClean="0">
-                              <a:latin typeface="Cambria Math" panose="02040503050406030204" pitchFamily="18" charset="0"/>
-                              <a:ea typeface="Cambria Math" panose="02040503050406030204" pitchFamily="18" charset="0"/>
-                              <a:cs typeface="Times New Roman" panose="02020603050405020304" pitchFamily="18" charset="0"/>
-                            </a:rPr>
-                            <m:t>−94.588</m:t>
-                          </m:r>
-                          <m:r>
-                            <a:rPr lang="fr-FR" b="0" i="1" smtClean="0">
-                              <a:latin typeface="Cambria Math" panose="02040503050406030204" pitchFamily="18" charset="0"/>
-                              <a:cs typeface="Times New Roman" panose="02020603050405020304" pitchFamily="18" charset="0"/>
-                            </a:rPr>
-                            <m:t> ;</m:t>
-                          </m:r>
-                          <m:r>
-                            <a:rPr lang="fr-FR" i="1" smtClean="0">
-                              <a:latin typeface="Cambria Math" panose="02040503050406030204" pitchFamily="18" charset="0"/>
-                              <a:ea typeface="Cambria Math" panose="02040503050406030204" pitchFamily="18" charset="0"/>
-                              <a:cs typeface="Times New Roman" panose="02020603050405020304" pitchFamily="18" charset="0"/>
-                            </a:rPr>
-                            <m:t>−</m:t>
-                          </m:r>
-                          <m:r>
-                            <a:rPr lang="fr-FR" b="0" i="1" smtClean="0">
-                              <a:latin typeface="Cambria Math" panose="02040503050406030204" pitchFamily="18" charset="0"/>
-                              <a:ea typeface="Cambria Math" panose="02040503050406030204" pitchFamily="18" charset="0"/>
-                              <a:cs typeface="Times New Roman" panose="02020603050405020304" pitchFamily="18" charset="0"/>
-                            </a:rPr>
-                            <m:t>22.622</m:t>
-                          </m:r>
-                        </m:e>
-                      </m:d>
-                    </m:oMath>
-                  </m:oMathPara>
-                </a14:m>
-                <a:endParaRPr lang="fr-FR" dirty="0">
-                  <a:latin typeface="Times New Roman" panose="02020603050405020304" pitchFamily="18" charset="0"/>
-                  <a:cs typeface="Times New Roman" panose="02020603050405020304" pitchFamily="18" charset="0"/>
-                </a:endParaRPr>
-              </a:p>
-            </p:txBody>
-          </p:sp>
-        </mc:Choice>
-        <mc:Fallback xmlns="">
-          <p:sp>
-            <p:nvSpPr>
-              <p:cNvPr id="14" name="TextBox 13">
-                <a:extLst>
-                  <a:ext uri="{FF2B5EF4-FFF2-40B4-BE49-F238E27FC236}">
-                    <a16:creationId xmlns:a16="http://schemas.microsoft.com/office/drawing/2014/main" id="{E514ACF3-EF00-A414-2CD7-B79AAB74C874}"/>
-                  </a:ext>
-                </a:extLst>
-              </p:cNvPr>
-              <p:cNvSpPr txBox="1">
-                <a:spLocks noRot="1" noChangeAspect="1" noMove="1" noResize="1" noEditPoints="1" noAdjustHandles="1" noChangeArrowheads="1" noChangeShapeType="1" noTextEdit="1"/>
-              </p:cNvSpPr>
-              <p:nvPr/>
-            </p:nvSpPr>
-            <p:spPr>
-              <a:xfrm>
-                <a:off x="4839313" y="4362273"/>
-                <a:ext cx="6167470" cy="369332"/>
-              </a:xfrm>
-              <a:prstGeom prst="rect">
-                <a:avLst/>
-              </a:prstGeom>
-              <a:blipFill>
-                <a:blip r:embed="rId7"/>
-                <a:stretch>
-                  <a:fillRect b="-1667"/>
-                </a:stretch>
-              </a:blipFill>
-            </p:spPr>
-            <p:txBody>
-              <a:bodyPr/>
-              <a:lstStyle/>
-              <a:p>
-                <a:r>
-                  <a:rPr lang="en-GB">
-                    <a:noFill/>
-                  </a:rPr>
-                  <a:t> </a:t>
-                </a:r>
-              </a:p>
-            </p:txBody>
-          </p:sp>
-        </mc:Fallback>
-      </mc:AlternateContent>
-      <p:cxnSp>
-        <p:nvCxnSpPr>
-          <p:cNvPr id="16" name="Straight Connector 15">
-            <a:extLst>
-              <a:ext uri="{FF2B5EF4-FFF2-40B4-BE49-F238E27FC236}">
-                <a16:creationId xmlns:a16="http://schemas.microsoft.com/office/drawing/2014/main" id="{61556B4C-F3A8-8734-1B9A-26DF21F4C480}"/>
-              </a:ext>
-            </a:extLst>
-          </p:cNvPr>
-          <p:cNvCxnSpPr/>
-          <p:nvPr/>
-        </p:nvCxnSpPr>
-        <p:spPr>
-          <a:xfrm>
-            <a:off x="6272048" y="4017526"/>
-            <a:ext cx="0" cy="1072055"/>
-          </a:xfrm>
-          <a:prstGeom prst="line">
-            <a:avLst/>
-          </a:prstGeom>
-        </p:spPr>
-        <p:style>
-          <a:lnRef idx="2">
-            <a:schemeClr val="accent2"/>
-          </a:lnRef>
-          <a:fillRef idx="0">
-            <a:schemeClr val="accent2"/>
-          </a:fillRef>
-          <a:effectRef idx="1">
-            <a:schemeClr val="accent2"/>
-          </a:effectRef>
-          <a:fontRef idx="minor">
-            <a:schemeClr val="tx1"/>
-          </a:fontRef>
-        </p:style>
-      </p:cxnSp>
-      <p:cxnSp>
-        <p:nvCxnSpPr>
-          <p:cNvPr id="17" name="Straight Connector 16">
-            <a:extLst>
-              <a:ext uri="{FF2B5EF4-FFF2-40B4-BE49-F238E27FC236}">
-                <a16:creationId xmlns:a16="http://schemas.microsoft.com/office/drawing/2014/main" id="{DB7D0DA1-DB6F-86A0-A592-0C8C8EDF1B09}"/>
-              </a:ext>
-            </a:extLst>
-          </p:cNvPr>
-          <p:cNvCxnSpPr>
-            <a:cxnSpLocks/>
-          </p:cNvCxnSpPr>
-          <p:nvPr/>
-        </p:nvCxnSpPr>
-        <p:spPr>
-          <a:xfrm flipH="1">
-            <a:off x="6190593" y="5086191"/>
-            <a:ext cx="162910" cy="0"/>
-          </a:xfrm>
-          <a:prstGeom prst="line">
-            <a:avLst/>
-          </a:prstGeom>
-        </p:spPr>
-        <p:style>
-          <a:lnRef idx="2">
-            <a:schemeClr val="accent2"/>
-          </a:lnRef>
-          <a:fillRef idx="0">
-            <a:schemeClr val="accent2"/>
-          </a:fillRef>
-          <a:effectRef idx="1">
-            <a:schemeClr val="accent2"/>
-          </a:effectRef>
-          <a:fontRef idx="minor">
-            <a:schemeClr val="tx1"/>
-          </a:fontRef>
-        </p:style>
-      </p:cxnSp>
-      <p:cxnSp>
-        <p:nvCxnSpPr>
-          <p:cNvPr id="19" name="Straight Connector 18">
-            <a:extLst>
-              <a:ext uri="{FF2B5EF4-FFF2-40B4-BE49-F238E27FC236}">
-                <a16:creationId xmlns:a16="http://schemas.microsoft.com/office/drawing/2014/main" id="{2339B692-A939-854D-EC0B-F59A3EE7A255}"/>
-              </a:ext>
-            </a:extLst>
-          </p:cNvPr>
-          <p:cNvCxnSpPr>
-            <a:cxnSpLocks/>
-          </p:cNvCxnSpPr>
-          <p:nvPr/>
-        </p:nvCxnSpPr>
-        <p:spPr>
-          <a:xfrm flipH="1">
-            <a:off x="6190593" y="4017526"/>
-            <a:ext cx="162910" cy="0"/>
-          </a:xfrm>
-          <a:prstGeom prst="line">
-            <a:avLst/>
-          </a:prstGeom>
-        </p:spPr>
-        <p:style>
-          <a:lnRef idx="2">
-            <a:schemeClr val="accent2"/>
-          </a:lnRef>
-          <a:fillRef idx="0">
-            <a:schemeClr val="accent2"/>
-          </a:fillRef>
-          <a:effectRef idx="1">
-            <a:schemeClr val="accent2"/>
-          </a:effectRef>
-          <a:fontRef idx="minor">
-            <a:schemeClr val="tx1"/>
-          </a:fontRef>
-        </p:style>
-      </p:cxnSp>
-      <p:sp>
-        <p:nvSpPr>
-          <p:cNvPr id="20" name="Oval 19">
-            <a:extLst>
-              <a:ext uri="{FF2B5EF4-FFF2-40B4-BE49-F238E27FC236}">
-                <a16:creationId xmlns:a16="http://schemas.microsoft.com/office/drawing/2014/main" id="{7B39421C-E216-9ADF-BCE7-C600D3E98FE6}"/>
-              </a:ext>
-            </a:extLst>
-          </p:cNvPr>
-          <p:cNvSpPr/>
-          <p:nvPr/>
-        </p:nvSpPr>
-        <p:spPr>
-          <a:xfrm>
-            <a:off x="6219660" y="4503752"/>
-            <a:ext cx="104775" cy="104775"/>
-          </a:xfrm>
-          <a:prstGeom prst="ellipse">
-            <a:avLst/>
-          </a:prstGeom>
-          <a:solidFill>
-            <a:schemeClr val="accent2"/>
-          </a:solidFill>
-          <a:ln>
-            <a:noFill/>
-          </a:ln>
-        </p:spPr>
-        <p:style>
-          <a:lnRef idx="2">
-            <a:schemeClr val="accent1">
-              <a:shade val="15000"/>
-            </a:schemeClr>
-          </a:lnRef>
-          <a:fillRef idx="1">
-            <a:schemeClr val="accent1"/>
-          </a:fillRef>
-          <a:effectRef idx="0">
-            <a:schemeClr val="accent1"/>
-          </a:effectRef>
-          <a:fontRef idx="minor">
-            <a:schemeClr val="lt1"/>
-          </a:fontRef>
-        </p:style>
-        <p:txBody>
-          <a:bodyPr rtlCol="0" anchor="ctr"/>
-          <a:lstStyle/>
-          <a:p>
-            <a:pPr algn="ctr"/>
-            <a:endParaRPr lang="en-GB"/>
-          </a:p>
-        </p:txBody>
-      </p:sp>
-      <p:sp>
-        <p:nvSpPr>
-          <p:cNvPr id="3" name="Slide Number Placeholder 2">
-            <a:extLst>
-              <a:ext uri="{FF2B5EF4-FFF2-40B4-BE49-F238E27FC236}">
-                <a16:creationId xmlns:a16="http://schemas.microsoft.com/office/drawing/2014/main" id="{E6933238-F382-9548-E74A-493E620F1B0E}"/>
-              </a:ext>
-            </a:extLst>
-          </p:cNvPr>
-          <p:cNvSpPr>
-            <a:spLocks noGrp="1"/>
-          </p:cNvSpPr>
-          <p:nvPr>
-            <p:ph type="sldNum" sz="quarter" idx="12"/>
-          </p:nvPr>
-        </p:nvSpPr>
-        <p:spPr/>
-        <p:txBody>
-          <a:bodyPr/>
-          <a:lstStyle/>
-          <a:p>
-            <a:fld id="{74DDA11D-2719-4AB3-AAA7-DB2910A56E08}" type="slidenum">
-              <a:rPr lang="en-GB" smtClean="0"/>
-              <a:t>16</a:t>
-            </a:fld>
-            <a:endParaRPr lang="en-GB" dirty="0"/>
-          </a:p>
-        </p:txBody>
-      </p:sp>
-    </p:spTree>
-    <p:extLst>
-      <p:ext uri="{BB962C8B-B14F-4D97-AF65-F5344CB8AC3E}">
-        <p14:creationId xmlns:p14="http://schemas.microsoft.com/office/powerpoint/2010/main" val="3973262624"/>
-      </p:ext>
-    </p:extLst>
-  </p:cSld>
-  <p:clrMapOvr>
-    <a:masterClrMapping/>
-  </p:clrMapOvr>
-</p:sld>
-</file>
-
 <file path=ppt/slides/slide2.xml><?xml version="1.0" encoding="utf-8"?>
 <p:sld xmlns:a="http://schemas.openxmlformats.org/drawingml/2006/main" xmlns:r="http://schemas.openxmlformats.org/officeDocument/2006/relationships" xmlns:p="http://schemas.openxmlformats.org/presentationml/2006/main">
   <p:cSld>
@@ -14211,8 +8250,8 @@
           </a:p>
         </p:txBody>
       </p:sp>
-      <mc:AlternateContent xmlns:mc="http://schemas.openxmlformats.org/markup-compatibility/2006">
-        <mc:Choice xmlns:a14="http://schemas.microsoft.com/office/drawing/2010/main" Requires="a14">
+      <mc:AlternateContent xmlns:mc="http://schemas.openxmlformats.org/markup-compatibility/2006" xmlns:a14="http://schemas.microsoft.com/office/drawing/2010/main">
+        <mc:Choice Requires="a14">
           <p:sp>
             <p:nvSpPr>
               <p:cNvPr id="6" name="TextBox 5">
@@ -14537,7 +8576,7 @@
             </p:txBody>
           </p:sp>
         </mc:Choice>
-        <mc:Fallback>
+        <mc:Fallback xmlns="">
           <p:sp>
             <p:nvSpPr>
               <p:cNvPr id="6" name="TextBox 5">
@@ -16948,8 +10987,8 @@
           </a:p>
         </p:txBody>
       </p:sp>
-      <mc:AlternateContent xmlns:mc="http://schemas.openxmlformats.org/markup-compatibility/2006">
-        <mc:Choice xmlns:a14="http://schemas.microsoft.com/office/drawing/2010/main" Requires="a14">
+      <mc:AlternateContent xmlns:mc="http://schemas.openxmlformats.org/markup-compatibility/2006" xmlns:a14="http://schemas.microsoft.com/office/drawing/2010/main">
+        <mc:Choice Requires="a14">
           <p:sp>
             <p:nvSpPr>
               <p:cNvPr id="6" name="TextBox 5">
@@ -17846,7 +11885,7 @@
             </p:txBody>
           </p:sp>
         </mc:Choice>
-        <mc:Fallback>
+        <mc:Fallback xmlns="">
           <p:sp>
             <p:nvSpPr>
               <p:cNvPr id="6" name="TextBox 5">
@@ -19213,8 +13252,8 @@
           </a:p>
         </p:txBody>
       </p:sp>
-      <mc:AlternateContent xmlns:mc="http://schemas.openxmlformats.org/markup-compatibility/2006">
-        <mc:Choice xmlns:a14="http://schemas.microsoft.com/office/drawing/2010/main" Requires="a14">
+      <mc:AlternateContent xmlns:mc="http://schemas.openxmlformats.org/markup-compatibility/2006" xmlns:a14="http://schemas.microsoft.com/office/drawing/2010/main">
+        <mc:Choice Requires="a14">
           <p:sp>
             <p:nvSpPr>
               <p:cNvPr id="2" name="TextBox 1">
@@ -19525,7 +13564,7 @@
             </p:txBody>
           </p:sp>
         </mc:Choice>
-        <mc:Fallback>
+        <mc:Fallback xmlns="">
           <p:sp>
             <p:nvSpPr>
               <p:cNvPr id="2" name="TextBox 1">
@@ -21407,8 +15446,8 @@
           </a:prstGeom>
         </p:spPr>
       </p:pic>
-      <mc:AlternateContent xmlns:mc="http://schemas.openxmlformats.org/markup-compatibility/2006">
-        <mc:Choice xmlns:a14="http://schemas.microsoft.com/office/drawing/2010/main" Requires="a14">
+      <mc:AlternateContent xmlns:mc="http://schemas.openxmlformats.org/markup-compatibility/2006" xmlns:a14="http://schemas.microsoft.com/office/drawing/2010/main">
+        <mc:Choice Requires="a14">
           <p:sp>
             <p:nvSpPr>
               <p:cNvPr id="6" name="TextBox 5">
@@ -21552,7 +15591,7 @@
             </p:txBody>
           </p:sp>
         </mc:Choice>
-        <mc:Fallback>
+        <mc:Fallback xmlns="">
           <p:sp>
             <p:nvSpPr>
               <p:cNvPr id="6" name="TextBox 5">
@@ -21808,8 +15847,8 @@
           </a:p>
         </p:txBody>
       </p:sp>
-      <mc:AlternateContent xmlns:mc="http://schemas.openxmlformats.org/markup-compatibility/2006">
-        <mc:Choice xmlns:a14="http://schemas.microsoft.com/office/drawing/2010/main" Requires="a14">
+      <mc:AlternateContent xmlns:mc="http://schemas.openxmlformats.org/markup-compatibility/2006" xmlns:a14="http://schemas.microsoft.com/office/drawing/2010/main">
+        <mc:Choice Requires="a14">
           <p:sp>
             <p:nvSpPr>
               <p:cNvPr id="2" name="TextBox 1">
@@ -22460,7 +16499,7 @@
             </p:txBody>
           </p:sp>
         </mc:Choice>
-        <mc:Fallback>
+        <mc:Fallback xmlns="">
           <p:sp>
             <p:nvSpPr>
               <p:cNvPr id="2" name="TextBox 1">
